--- a/Documentation/Tastatur.pptx
+++ b/Documentation/Tastatur.pptx
@@ -245,7 +245,7 @@
           <a:p>
             <a:fld id="{A5E903F8-D08C-420F-92B0-BC9B547C8ADE}" type="datetimeFigureOut">
               <a:rPr lang="en-US" smtClean="0"/>
-              <a:t>3/12/2015</a:t>
+              <a:t>9/24/2015</a:t>
             </a:fld>
             <a:endParaRPr lang="en-US"/>
           </a:p>
@@ -415,7 +415,7 @@
           <a:p>
             <a:fld id="{A5E903F8-D08C-420F-92B0-BC9B547C8ADE}" type="datetimeFigureOut">
               <a:rPr lang="en-US" smtClean="0"/>
-              <a:t>3/12/2015</a:t>
+              <a:t>9/24/2015</a:t>
             </a:fld>
             <a:endParaRPr lang="en-US"/>
           </a:p>
@@ -595,7 +595,7 @@
           <a:p>
             <a:fld id="{A5E903F8-D08C-420F-92B0-BC9B547C8ADE}" type="datetimeFigureOut">
               <a:rPr lang="en-US" smtClean="0"/>
-              <a:t>3/12/2015</a:t>
+              <a:t>9/24/2015</a:t>
             </a:fld>
             <a:endParaRPr lang="en-US"/>
           </a:p>
@@ -765,7 +765,7 @@
           <a:p>
             <a:fld id="{A5E903F8-D08C-420F-92B0-BC9B547C8ADE}" type="datetimeFigureOut">
               <a:rPr lang="en-US" smtClean="0"/>
-              <a:t>3/12/2015</a:t>
+              <a:t>9/24/2015</a:t>
             </a:fld>
             <a:endParaRPr lang="en-US"/>
           </a:p>
@@ -1011,7 +1011,7 @@
           <a:p>
             <a:fld id="{A5E903F8-D08C-420F-92B0-BC9B547C8ADE}" type="datetimeFigureOut">
               <a:rPr lang="en-US" smtClean="0"/>
-              <a:t>3/12/2015</a:t>
+              <a:t>9/24/2015</a:t>
             </a:fld>
             <a:endParaRPr lang="en-US"/>
           </a:p>
@@ -1243,7 +1243,7 @@
           <a:p>
             <a:fld id="{A5E903F8-D08C-420F-92B0-BC9B547C8ADE}" type="datetimeFigureOut">
               <a:rPr lang="en-US" smtClean="0"/>
-              <a:t>3/12/2015</a:t>
+              <a:t>9/24/2015</a:t>
             </a:fld>
             <a:endParaRPr lang="en-US"/>
           </a:p>
@@ -1610,7 +1610,7 @@
           <a:p>
             <a:fld id="{A5E903F8-D08C-420F-92B0-BC9B547C8ADE}" type="datetimeFigureOut">
               <a:rPr lang="en-US" smtClean="0"/>
-              <a:t>3/12/2015</a:t>
+              <a:t>9/24/2015</a:t>
             </a:fld>
             <a:endParaRPr lang="en-US"/>
           </a:p>
@@ -1728,7 +1728,7 @@
           <a:p>
             <a:fld id="{A5E903F8-D08C-420F-92B0-BC9B547C8ADE}" type="datetimeFigureOut">
               <a:rPr lang="en-US" smtClean="0"/>
-              <a:t>3/12/2015</a:t>
+              <a:t>9/24/2015</a:t>
             </a:fld>
             <a:endParaRPr lang="en-US"/>
           </a:p>
@@ -1823,7 +1823,7 @@
           <a:p>
             <a:fld id="{A5E903F8-D08C-420F-92B0-BC9B547C8ADE}" type="datetimeFigureOut">
               <a:rPr lang="en-US" smtClean="0"/>
-              <a:t>3/12/2015</a:t>
+              <a:t>9/24/2015</a:t>
             </a:fld>
             <a:endParaRPr lang="en-US"/>
           </a:p>
@@ -2100,7 +2100,7 @@
           <a:p>
             <a:fld id="{A5E903F8-D08C-420F-92B0-BC9B547C8ADE}" type="datetimeFigureOut">
               <a:rPr lang="en-US" smtClean="0"/>
-              <a:t>3/12/2015</a:t>
+              <a:t>9/24/2015</a:t>
             </a:fld>
             <a:endParaRPr lang="en-US"/>
           </a:p>
@@ -2353,7 +2353,7 @@
           <a:p>
             <a:fld id="{A5E903F8-D08C-420F-92B0-BC9B547C8ADE}" type="datetimeFigureOut">
               <a:rPr lang="en-US" smtClean="0"/>
-              <a:t>3/12/2015</a:t>
+              <a:t>9/24/2015</a:t>
             </a:fld>
             <a:endParaRPr lang="en-US"/>
           </a:p>
@@ -2566,7 +2566,7 @@
           <a:p>
             <a:fld id="{A5E903F8-D08C-420F-92B0-BC9B547C8ADE}" type="datetimeFigureOut">
               <a:rPr lang="en-US" smtClean="0"/>
-              <a:t>3/12/2015</a:t>
+              <a:t>9/24/2015</a:t>
             </a:fld>
             <a:endParaRPr lang="en-US"/>
           </a:p>
@@ -3003,7 +3003,7 @@
         <p:spPr>
           <a:xfrm>
             <a:off x="2798129" y="4290646"/>
-            <a:ext cx="1763392" cy="375139"/>
+            <a:ext cx="1603495" cy="375139"/>
           </a:xfrm>
           <a:prstGeom prst="rect">
             <a:avLst/>
@@ -3089,8 +3089,8 @@
         </p:nvSpPr>
         <p:spPr>
           <a:xfrm>
-            <a:off x="4259984" y="2504851"/>
-            <a:ext cx="1332000" cy="432000"/>
+            <a:off x="4274658" y="2351031"/>
+            <a:ext cx="1188000" cy="432000"/>
           </a:xfrm>
           <a:prstGeom prst="rect">
             <a:avLst/>
@@ -3235,8 +3235,8 @@
         </p:nvSpPr>
         <p:spPr>
           <a:xfrm>
-            <a:off x="4264499" y="3032825"/>
-            <a:ext cx="1332000" cy="432000"/>
+            <a:off x="4279173" y="2879005"/>
+            <a:ext cx="1188000" cy="432000"/>
           </a:xfrm>
           <a:prstGeom prst="rect">
             <a:avLst/>
@@ -3610,7 +3610,10 @@
           <a:noFill/>
           <a:ln w="19050">
             <a:solidFill>
-              <a:schemeClr val="accent6"/>
+              <a:schemeClr val="accent6">
+                <a:lumMod val="60000"/>
+                <a:lumOff val="40000"/>
+              </a:schemeClr>
             </a:solidFill>
           </a:ln>
         </p:spPr>
@@ -3665,10 +3668,7 @@
           <a:noFill/>
           <a:ln w="19050">
             <a:solidFill>
-              <a:schemeClr val="accent6">
-                <a:lumMod val="40000"/>
-                <a:lumOff val="60000"/>
-              </a:schemeClr>
+              <a:schemeClr val="accent6"/>
             </a:solidFill>
           </a:ln>
         </p:spPr>
@@ -3769,8 +3769,8 @@
         </p:nvSpPr>
         <p:spPr>
           <a:xfrm>
-            <a:off x="4081773" y="3560799"/>
-            <a:ext cx="1332000" cy="595120"/>
+            <a:off x="4279173" y="3375087"/>
+            <a:ext cx="1188000" cy="432000"/>
           </a:xfrm>
           <a:prstGeom prst="rect">
             <a:avLst/>
@@ -3813,7 +3813,7 @@
                   <a:schemeClr val="tx1"/>
                 </a:solidFill>
               </a:rPr>
-              <a:t>Automatik / Neutral</a:t>
+              <a:t>Neutral</a:t>
             </a:r>
             <a:r>
               <a:rPr lang="de-DE" sz="4000" dirty="0" smtClean="0">
@@ -3854,8 +3854,8 @@
         </p:nvSpPr>
         <p:spPr>
           <a:xfrm>
-            <a:off x="4836279" y="1916109"/>
-            <a:ext cx="1332000" cy="432000"/>
+            <a:off x="5543851" y="1937881"/>
+            <a:ext cx="1188000" cy="432000"/>
           </a:xfrm>
           <a:prstGeom prst="rect">
             <a:avLst/>
@@ -3942,8 +3942,8 @@
         </p:nvSpPr>
         <p:spPr>
           <a:xfrm>
-            <a:off x="6305681" y="1916109"/>
-            <a:ext cx="1332000" cy="432000"/>
+            <a:off x="7013253" y="1937881"/>
+            <a:ext cx="1188000" cy="432000"/>
           </a:xfrm>
           <a:prstGeom prst="rect">
             <a:avLst/>
@@ -4027,96 +4027,8 @@
         </p:nvSpPr>
         <p:spPr>
           <a:xfrm>
-            <a:off x="4645752" y="4370554"/>
-            <a:ext cx="1332000" cy="432000"/>
-          </a:xfrm>
-          <a:prstGeom prst="rect">
-            <a:avLst/>
-          </a:prstGeom>
-          <a:solidFill>
-            <a:srgbClr val="FFFFFF">
-              <a:alpha val="85000"/>
-            </a:srgbClr>
-          </a:solidFill>
-          <a:ln w="19050">
-            <a:solidFill>
-              <a:schemeClr val="accent6">
-                <a:lumMod val="40000"/>
-                <a:lumOff val="60000"/>
-              </a:schemeClr>
-            </a:solidFill>
-          </a:ln>
-        </p:spPr>
-        <p:style>
-          <a:lnRef idx="2">
-            <a:schemeClr val="accent1">
-              <a:shade val="50000"/>
-            </a:schemeClr>
-          </a:lnRef>
-          <a:fillRef idx="1">
-            <a:schemeClr val="accent1"/>
-          </a:fillRef>
-          <a:effectRef idx="0">
-            <a:schemeClr val="accent1"/>
-          </a:effectRef>
-          <a:fontRef idx="minor">
-            <a:schemeClr val="lt1"/>
-          </a:fontRef>
-        </p:style>
-        <p:txBody>
-          <a:bodyPr rtlCol="0" anchor="ctr"/>
-          <a:lstStyle/>
-          <a:p>
-            <a:pPr algn="ctr"/>
-            <a:r>
-              <a:rPr lang="de-DE" sz="1600" dirty="0" smtClean="0">
-                <a:solidFill>
-                  <a:schemeClr val="tx1"/>
-                </a:solidFill>
-              </a:rPr>
-              <a:t>Kupplung -</a:t>
-            </a:r>
-            <a:r>
-              <a:rPr lang="de-DE" sz="4000" dirty="0" smtClean="0">
-                <a:solidFill>
-                  <a:schemeClr val="tx1"/>
-                </a:solidFill>
-              </a:rPr>
-              <a:t/>
-            </a:r>
-            <a:br>
-              <a:rPr lang="de-DE" sz="4000" dirty="0" smtClean="0">
-                <a:solidFill>
-                  <a:schemeClr val="tx1"/>
-                </a:solidFill>
-              </a:rPr>
-            </a:br>
-            <a:r>
-              <a:rPr lang="de-DE" sz="600" dirty="0" err="1" smtClean="0">
-                <a:solidFill>
-                  <a:schemeClr val="tx1"/>
-                </a:solidFill>
-              </a:rPr>
-              <a:t>mrGearboxMogliCLUTCH</a:t>
-            </a:r>
-            <a:endParaRPr lang="en-US" sz="1200" dirty="0">
-              <a:solidFill>
-                <a:schemeClr val="tx1"/>
-              </a:solidFill>
-            </a:endParaRPr>
-          </a:p>
-        </p:txBody>
-      </p:sp>
-      <p:sp>
-        <p:nvSpPr>
-          <p:cNvPr id="24" name="Rectangle 23"/>
-          <p:cNvSpPr/>
-          <p:nvPr/>
-        </p:nvSpPr>
-        <p:spPr>
-          <a:xfrm>
-            <a:off x="6106786" y="4370554"/>
-            <a:ext cx="1332000" cy="432000"/>
+            <a:off x="5775627" y="4370554"/>
+            <a:ext cx="1188000" cy="432000"/>
           </a:xfrm>
           <a:prstGeom prst="rect">
             <a:avLst/>
@@ -4159,7 +4071,7 @@
                   <a:schemeClr val="tx1"/>
                 </a:solidFill>
               </a:rPr>
-              <a:t>Kupplung +</a:t>
+              <a:t>Kupplung</a:t>
             </a:r>
             <a:r>
               <a:rPr lang="de-DE" sz="4000" dirty="0" smtClean="0">
@@ -4194,6 +4106,102 @@
       </p:sp>
       <p:sp>
         <p:nvSpPr>
+          <p:cNvPr id="24" name="Rectangle 23"/>
+          <p:cNvSpPr/>
+          <p:nvPr/>
+        </p:nvSpPr>
+        <p:spPr>
+          <a:xfrm>
+            <a:off x="7038981" y="4370554"/>
+            <a:ext cx="1188000" cy="432000"/>
+          </a:xfrm>
+          <a:prstGeom prst="rect">
+            <a:avLst/>
+          </a:prstGeom>
+          <a:solidFill>
+            <a:srgbClr val="FFFFFF">
+              <a:alpha val="85000"/>
+            </a:srgbClr>
+          </a:solidFill>
+          <a:ln w="19050">
+            <a:solidFill>
+              <a:schemeClr val="accent6">
+                <a:lumMod val="60000"/>
+                <a:lumOff val="40000"/>
+              </a:schemeClr>
+            </a:solidFill>
+          </a:ln>
+        </p:spPr>
+        <p:style>
+          <a:lnRef idx="2">
+            <a:schemeClr val="accent1">
+              <a:shade val="50000"/>
+            </a:schemeClr>
+          </a:lnRef>
+          <a:fillRef idx="1">
+            <a:schemeClr val="accent1"/>
+          </a:fillRef>
+          <a:effectRef idx="0">
+            <a:schemeClr val="accent1"/>
+          </a:effectRef>
+          <a:fontRef idx="minor">
+            <a:schemeClr val="lt1"/>
+          </a:fontRef>
+        </p:style>
+        <p:txBody>
+          <a:bodyPr rtlCol="0" anchor="ctr"/>
+          <a:lstStyle/>
+          <a:p>
+            <a:pPr algn="ctr"/>
+            <a:r>
+              <a:rPr lang="de-DE" sz="1600" dirty="0" err="1" smtClean="0">
+                <a:solidFill>
+                  <a:schemeClr val="tx1"/>
+                </a:solidFill>
+              </a:rPr>
+              <a:t>Hud</a:t>
+            </a:r>
+            <a:r>
+              <a:rPr lang="de-DE" sz="1600" dirty="0" smtClean="0">
+                <a:solidFill>
+                  <a:schemeClr val="tx1"/>
+                </a:solidFill>
+              </a:rPr>
+              <a:t> an/aus</a:t>
+            </a:r>
+            <a:r>
+              <a:rPr lang="de-DE" sz="4000" dirty="0" smtClean="0">
+                <a:solidFill>
+                  <a:schemeClr val="tx1"/>
+                </a:solidFill>
+              </a:rPr>
+              <a:t/>
+            </a:r>
+            <a:br>
+              <a:rPr lang="de-DE" sz="4000" dirty="0" smtClean="0">
+                <a:solidFill>
+                  <a:schemeClr val="tx1"/>
+                </a:solidFill>
+              </a:rPr>
+            </a:br>
+            <a:r>
+              <a:rPr lang="de-DE" sz="600" dirty="0" err="1" smtClean="0">
+                <a:solidFill>
+                  <a:schemeClr val="tx1"/>
+                </a:solidFill>
+              </a:rPr>
+              <a:t>mrGearboxMogliCLUTCH</a:t>
+            </a:r>
+            <a:endParaRPr lang="en-US" sz="1200" dirty="0">
+              <a:solidFill>
+                <a:schemeClr val="tx1"/>
+              </a:solidFill>
+            </a:endParaRPr>
+          </a:p>
+        </p:txBody>
+      </p:sp>
+      <p:sp>
+        <p:nvSpPr>
           <p:cNvPr id="25" name="Rectangle 24"/>
           <p:cNvSpPr/>
           <p:nvPr/>
@@ -4201,7 +4209,7 @@
         <p:spPr>
           <a:xfrm>
             <a:off x="7033414" y="2748767"/>
-            <a:ext cx="1332000" cy="432000"/>
+            <a:ext cx="1188000" cy="432000"/>
           </a:xfrm>
           <a:prstGeom prst="rect">
             <a:avLst/>
@@ -4289,7 +4297,7 @@
         <p:spPr>
           <a:xfrm>
             <a:off x="7030336" y="3279239"/>
-            <a:ext cx="1332000" cy="432000"/>
+            <a:ext cx="1188000" cy="432000"/>
           </a:xfrm>
           <a:prstGeom prst="rect">
             <a:avLst/>
@@ -4376,8 +4384,8 @@
         </p:nvCxnSpPr>
         <p:spPr>
           <a:xfrm>
-            <a:off x="5596499" y="3248825"/>
-            <a:ext cx="534492" cy="362149"/>
+            <a:off x="5467173" y="3095005"/>
+            <a:ext cx="663818" cy="515969"/>
           </a:xfrm>
           <a:prstGeom prst="line">
             <a:avLst/>
@@ -4414,8 +4422,8 @@
         </p:nvCxnSpPr>
         <p:spPr>
           <a:xfrm>
-            <a:off x="5591984" y="2720851"/>
-            <a:ext cx="413961" cy="463963"/>
+            <a:off x="5462658" y="2567031"/>
+            <a:ext cx="543287" cy="617783"/>
           </a:xfrm>
           <a:prstGeom prst="line">
             <a:avLst/>
@@ -4454,9 +4462,9 @@
           <p:nvPr/>
         </p:nvCxnSpPr>
         <p:spPr>
-          <a:xfrm>
-            <a:off x="5502279" y="2348109"/>
-            <a:ext cx="468942" cy="225059"/>
+          <a:xfrm flipH="1">
+            <a:off x="5971221" y="2369881"/>
+            <a:ext cx="166630" cy="203287"/>
           </a:xfrm>
           <a:prstGeom prst="line">
             <a:avLst/>
@@ -4495,8 +4503,8 @@
         </p:nvCxnSpPr>
         <p:spPr>
           <a:xfrm flipH="1">
-            <a:off x="6384415" y="2348109"/>
-            <a:ext cx="587266" cy="225059"/>
+            <a:off x="7091987" y="2369881"/>
+            <a:ext cx="515266" cy="225059"/>
           </a:xfrm>
           <a:prstGeom prst="line">
             <a:avLst/>
@@ -4613,14 +4621,17 @@
         <p:spPr>
           <a:xfrm>
             <a:off x="6105458" y="4228389"/>
-            <a:ext cx="667328" cy="142165"/>
+            <a:ext cx="1527523" cy="142165"/>
           </a:xfrm>
           <a:prstGeom prst="line">
             <a:avLst/>
           </a:prstGeom>
           <a:ln w="19050">
             <a:solidFill>
-              <a:schemeClr val="accent6"/>
+              <a:schemeClr val="accent6">
+                <a:lumMod val="60000"/>
+                <a:lumOff val="40000"/>
+              </a:schemeClr>
             </a:solidFill>
           </a:ln>
         </p:spPr>
@@ -4649,19 +4660,16 @@
           <p:nvPr/>
         </p:nvCxnSpPr>
         <p:spPr>
-          <a:xfrm flipV="1">
-            <a:off x="5311752" y="4228389"/>
-            <a:ext cx="367145" cy="142165"/>
+          <a:xfrm flipH="1" flipV="1">
+            <a:off x="5678897" y="4228389"/>
+            <a:ext cx="690730" cy="142165"/>
           </a:xfrm>
           <a:prstGeom prst="line">
             <a:avLst/>
           </a:prstGeom>
           <a:ln w="19050">
             <a:solidFill>
-              <a:schemeClr val="accent6">
-                <a:lumMod val="40000"/>
-                <a:lumOff val="60000"/>
-              </a:schemeClr>
+              <a:schemeClr val="accent6"/>
             </a:solidFill>
           </a:ln>
         </p:spPr>
@@ -4690,9 +4698,9 @@
           <p:nvPr/>
         </p:nvCxnSpPr>
         <p:spPr>
-          <a:xfrm flipV="1">
-            <a:off x="5413773" y="3614394"/>
-            <a:ext cx="288393" cy="243965"/>
+          <a:xfrm>
+            <a:off x="5467173" y="3591087"/>
+            <a:ext cx="234993" cy="23307"/>
           </a:xfrm>
           <a:prstGeom prst="line">
             <a:avLst/>
@@ -5440,6 +5448,190 @@
           <a:ln w="19050">
             <a:solidFill>
               <a:schemeClr val="tx2"/>
+            </a:solidFill>
+          </a:ln>
+        </p:spPr>
+        <p:style>
+          <a:lnRef idx="1">
+            <a:schemeClr val="accent1"/>
+          </a:lnRef>
+          <a:fillRef idx="0">
+            <a:schemeClr val="accent1"/>
+          </a:fillRef>
+          <a:effectRef idx="0">
+            <a:schemeClr val="accent1"/>
+          </a:effectRef>
+          <a:fontRef idx="minor">
+            <a:schemeClr val="tx1"/>
+          </a:fontRef>
+        </p:style>
+      </p:cxnSp>
+      <p:sp>
+        <p:nvSpPr>
+          <p:cNvPr id="45" name="Rectangle 44"/>
+          <p:cNvSpPr/>
+          <p:nvPr/>
+        </p:nvSpPr>
+        <p:spPr>
+          <a:xfrm>
+            <a:off x="4511587" y="4369351"/>
+            <a:ext cx="1188000" cy="432000"/>
+          </a:xfrm>
+          <a:prstGeom prst="rect">
+            <a:avLst/>
+          </a:prstGeom>
+          <a:solidFill>
+            <a:srgbClr val="FFFFFF">
+              <a:alpha val="85000"/>
+            </a:srgbClr>
+          </a:solidFill>
+          <a:ln w="19050">
+            <a:solidFill>
+              <a:schemeClr val="accent6">
+                <a:lumMod val="50000"/>
+              </a:schemeClr>
+            </a:solidFill>
+          </a:ln>
+        </p:spPr>
+        <p:style>
+          <a:lnRef idx="2">
+            <a:schemeClr val="accent1">
+              <a:shade val="50000"/>
+            </a:schemeClr>
+          </a:lnRef>
+          <a:fillRef idx="1">
+            <a:schemeClr val="accent1"/>
+          </a:fillRef>
+          <a:effectRef idx="0">
+            <a:schemeClr val="accent1"/>
+          </a:effectRef>
+          <a:fontRef idx="minor">
+            <a:schemeClr val="lt1"/>
+          </a:fontRef>
+        </p:style>
+        <p:txBody>
+          <a:bodyPr rtlCol="0" anchor="ctr"/>
+          <a:lstStyle/>
+          <a:p>
+            <a:pPr algn="ctr"/>
+            <a:r>
+              <a:rPr lang="de-DE" sz="1600" dirty="0" smtClean="0">
+                <a:solidFill>
+                  <a:schemeClr val="tx1"/>
+                </a:solidFill>
+              </a:rPr>
+              <a:t>All Auto</a:t>
+            </a:r>
+            <a:r>
+              <a:rPr lang="de-DE" sz="4000" dirty="0" smtClean="0">
+                <a:solidFill>
+                  <a:schemeClr val="tx1"/>
+                </a:solidFill>
+              </a:rPr>
+              <a:t/>
+            </a:r>
+            <a:br>
+              <a:rPr lang="de-DE" sz="4000" dirty="0" smtClean="0">
+                <a:solidFill>
+                  <a:schemeClr val="tx1"/>
+                </a:solidFill>
+              </a:rPr>
+            </a:br>
+            <a:r>
+              <a:rPr lang="de-DE" sz="600" dirty="0" err="1" smtClean="0">
+                <a:solidFill>
+                  <a:schemeClr val="tx1"/>
+                </a:solidFill>
+              </a:rPr>
+              <a:t>mrGearboxMogliCLUTCH</a:t>
+            </a:r>
+            <a:endParaRPr lang="en-US" sz="1200" dirty="0">
+              <a:solidFill>
+                <a:schemeClr val="tx1"/>
+              </a:solidFill>
+            </a:endParaRPr>
+          </a:p>
+        </p:txBody>
+      </p:sp>
+      <p:sp>
+        <p:nvSpPr>
+          <p:cNvPr id="48" name="Rectangle 47"/>
+          <p:cNvSpPr/>
+          <p:nvPr/>
+        </p:nvSpPr>
+        <p:spPr>
+          <a:xfrm>
+            <a:off x="5072677" y="3864706"/>
+            <a:ext cx="363682" cy="363683"/>
+          </a:xfrm>
+          <a:prstGeom prst="rect">
+            <a:avLst/>
+          </a:prstGeom>
+          <a:noFill/>
+          <a:ln w="19050">
+            <a:solidFill>
+              <a:schemeClr val="accent6">
+                <a:lumMod val="50000"/>
+              </a:schemeClr>
+            </a:solidFill>
+          </a:ln>
+        </p:spPr>
+        <p:style>
+          <a:lnRef idx="2">
+            <a:schemeClr val="accent1">
+              <a:shade val="50000"/>
+            </a:schemeClr>
+          </a:lnRef>
+          <a:fillRef idx="1">
+            <a:schemeClr val="accent1"/>
+          </a:fillRef>
+          <a:effectRef idx="0">
+            <a:schemeClr val="accent1"/>
+          </a:effectRef>
+          <a:fontRef idx="minor">
+            <a:schemeClr val="lt1"/>
+          </a:fontRef>
+        </p:style>
+        <p:txBody>
+          <a:bodyPr rot="0" spcFirstLastPara="0" vertOverflow="overflow" horzOverflow="overflow" vert="horz" wrap="square" lIns="91440" tIns="45720" rIns="91440" bIns="45720" numCol="1" spcCol="0" rtlCol="0" fromWordArt="0" anchor="ctr" anchorCtr="0" forceAA="0" compatLnSpc="1">
+            <a:prstTxWarp prst="textNoShape">
+              <a:avLst/>
+            </a:prstTxWarp>
+            <a:noAutofit/>
+          </a:bodyPr>
+          <a:lstStyle/>
+          <a:p>
+            <a:pPr algn="ctr"/>
+            <a:endParaRPr lang="en-US" sz="1600" dirty="0" smtClean="0">
+              <a:solidFill>
+                <a:schemeClr val="tx1"/>
+              </a:solidFill>
+            </a:endParaRPr>
+          </a:p>
+        </p:txBody>
+      </p:sp>
+      <p:cxnSp>
+        <p:nvCxnSpPr>
+          <p:cNvPr id="49" name="Straight Connector 48"/>
+          <p:cNvCxnSpPr>
+            <a:stCxn id="45" idx="0"/>
+            <a:endCxn id="48" idx="2"/>
+          </p:cNvCxnSpPr>
+          <p:nvPr/>
+        </p:nvCxnSpPr>
+        <p:spPr>
+          <a:xfrm flipV="1">
+            <a:off x="5105587" y="4228389"/>
+            <a:ext cx="148931" cy="140962"/>
+          </a:xfrm>
+          <a:prstGeom prst="line">
+            <a:avLst/>
+          </a:prstGeom>
+          <a:ln w="19050">
+            <a:solidFill>
+              <a:schemeClr val="accent6">
+                <a:lumMod val="50000"/>
+              </a:schemeClr>
             </a:solidFill>
           </a:ln>
         </p:spPr>
@@ -5520,93 +5712,6 @@
       </p:pic>
       <p:sp>
         <p:nvSpPr>
-          <p:cNvPr id="27" name="Rectangle 26"/>
-          <p:cNvSpPr/>
-          <p:nvPr/>
-        </p:nvSpPr>
-        <p:spPr>
-          <a:xfrm>
-            <a:off x="2798128" y="4290646"/>
-            <a:ext cx="2934457" cy="375139"/>
-          </a:xfrm>
-          <a:prstGeom prst="rect">
-            <a:avLst/>
-          </a:prstGeom>
-          <a:solidFill>
-            <a:schemeClr val="bg1">
-              <a:alpha val="85000"/>
-            </a:schemeClr>
-          </a:solidFill>
-          <a:ln w="19050">
-            <a:solidFill>
-              <a:schemeClr val="bg1">
-                <a:lumMod val="65000"/>
-              </a:schemeClr>
-            </a:solidFill>
-          </a:ln>
-        </p:spPr>
-        <p:style>
-          <a:lnRef idx="2">
-            <a:schemeClr val="accent1">
-              <a:shade val="50000"/>
-            </a:schemeClr>
-          </a:lnRef>
-          <a:fillRef idx="1">
-            <a:schemeClr val="accent1"/>
-          </a:fillRef>
-          <a:effectRef idx="0">
-            <a:schemeClr val="accent1"/>
-          </a:effectRef>
-          <a:fontRef idx="minor">
-            <a:schemeClr val="lt1"/>
-          </a:fontRef>
-        </p:style>
-        <p:txBody>
-          <a:bodyPr lIns="90000" rtlCol="0" anchor="ctr"/>
-          <a:lstStyle/>
-          <a:p>
-            <a:pPr algn="ctr"/>
-            <a:r>
-              <a:rPr lang="de-DE" sz="1600" dirty="0" smtClean="0">
-                <a:solidFill>
-                  <a:schemeClr val="tx1"/>
-                </a:solidFill>
-              </a:rPr>
-              <a:t>Kupplung automatisch/manuell</a:t>
-            </a:r>
-            <a:r>
-              <a:rPr lang="de-DE" sz="4000" dirty="0" smtClean="0">
-                <a:solidFill>
-                  <a:schemeClr val="tx1"/>
-                </a:solidFill>
-              </a:rPr>
-              <a:t/>
-            </a:r>
-            <a:br>
-              <a:rPr lang="de-DE" sz="4000" dirty="0" smtClean="0">
-                <a:solidFill>
-                  <a:schemeClr val="tx1"/>
-                </a:solidFill>
-              </a:rPr>
-            </a:br>
-            <a:r>
-              <a:rPr lang="de-DE" sz="600" dirty="0" err="1" smtClean="0">
-                <a:solidFill>
-                  <a:schemeClr val="tx1"/>
-                </a:solidFill>
-              </a:rPr>
-              <a:t>mrGearboxMogliAUTOCLUTCH</a:t>
-            </a:r>
-            <a:endParaRPr lang="en-US" sz="1600" dirty="0">
-              <a:solidFill>
-                <a:schemeClr val="tx1"/>
-              </a:solidFill>
-            </a:endParaRPr>
-          </a:p>
-        </p:txBody>
-      </p:sp>
-      <p:sp>
-        <p:nvSpPr>
           <p:cNvPr id="12" name="Rectangle 11"/>
           <p:cNvSpPr/>
           <p:nvPr/>
@@ -5867,7 +5972,7 @@
         <p:spPr>
           <a:xfrm>
             <a:off x="7033414" y="2748767"/>
-            <a:ext cx="1332000" cy="432000"/>
+            <a:ext cx="1188000" cy="432000"/>
           </a:xfrm>
           <a:prstGeom prst="rect">
             <a:avLst/>
@@ -5955,7 +6060,7 @@
         <p:spPr>
           <a:xfrm>
             <a:off x="7030336" y="3279239"/>
-            <a:ext cx="1332000" cy="432000"/>
+            <a:ext cx="1188000" cy="432000"/>
           </a:xfrm>
           <a:prstGeom prst="rect">
             <a:avLst/>
@@ -6948,6 +7053,287 @@
           <a:ln w="19050">
             <a:solidFill>
               <a:schemeClr val="tx2"/>
+            </a:solidFill>
+          </a:ln>
+        </p:spPr>
+        <p:style>
+          <a:lnRef idx="1">
+            <a:schemeClr val="accent1"/>
+          </a:lnRef>
+          <a:fillRef idx="0">
+            <a:schemeClr val="accent1"/>
+          </a:fillRef>
+          <a:effectRef idx="0">
+            <a:schemeClr val="accent1"/>
+          </a:effectRef>
+          <a:fontRef idx="minor">
+            <a:schemeClr val="tx1"/>
+          </a:fontRef>
+        </p:style>
+      </p:cxnSp>
+      <p:sp>
+        <p:nvSpPr>
+          <p:cNvPr id="36" name="Rectangle 35"/>
+          <p:cNvSpPr/>
+          <p:nvPr/>
+        </p:nvSpPr>
+        <p:spPr>
+          <a:xfrm>
+            <a:off x="2798129" y="4290646"/>
+            <a:ext cx="1603495" cy="375139"/>
+          </a:xfrm>
+          <a:prstGeom prst="rect">
+            <a:avLst/>
+          </a:prstGeom>
+          <a:solidFill>
+            <a:schemeClr val="bg1">
+              <a:alpha val="85000"/>
+            </a:schemeClr>
+          </a:solidFill>
+          <a:ln w="19050">
+            <a:solidFill>
+              <a:schemeClr val="bg1">
+                <a:lumMod val="65000"/>
+              </a:schemeClr>
+            </a:solidFill>
+          </a:ln>
+        </p:spPr>
+        <p:style>
+          <a:lnRef idx="2">
+            <a:schemeClr val="accent1">
+              <a:shade val="50000"/>
+            </a:schemeClr>
+          </a:lnRef>
+          <a:fillRef idx="1">
+            <a:schemeClr val="accent1"/>
+          </a:fillRef>
+          <a:effectRef idx="0">
+            <a:schemeClr val="accent1"/>
+          </a:effectRef>
+          <a:fontRef idx="minor">
+            <a:schemeClr val="lt1"/>
+          </a:fontRef>
+        </p:style>
+        <p:txBody>
+          <a:bodyPr lIns="90000" rtlCol="0" anchor="ctr"/>
+          <a:lstStyle/>
+          <a:p>
+            <a:pPr algn="ctr"/>
+            <a:r>
+              <a:rPr lang="de-DE" sz="1600" dirty="0" smtClean="0">
+                <a:solidFill>
+                  <a:schemeClr val="tx1"/>
+                </a:solidFill>
+              </a:rPr>
+              <a:t>ECO Modus</a:t>
+            </a:r>
+            <a:r>
+              <a:rPr lang="de-DE" sz="4000" dirty="0" smtClean="0">
+                <a:solidFill>
+                  <a:schemeClr val="tx1"/>
+                </a:solidFill>
+              </a:rPr>
+              <a:t/>
+            </a:r>
+            <a:br>
+              <a:rPr lang="de-DE" sz="4000" dirty="0" smtClean="0">
+                <a:solidFill>
+                  <a:schemeClr val="tx1"/>
+                </a:solidFill>
+              </a:rPr>
+            </a:br>
+            <a:r>
+              <a:rPr lang="de-DE" sz="600" dirty="0" err="1" smtClean="0">
+                <a:solidFill>
+                  <a:schemeClr val="tx1"/>
+                </a:solidFill>
+              </a:rPr>
+              <a:t>mrGearboxMogliREVERSE</a:t>
+            </a:r>
+            <a:endParaRPr lang="en-US" sz="1600" dirty="0">
+              <a:solidFill>
+                <a:schemeClr val="tx1"/>
+              </a:solidFill>
+            </a:endParaRPr>
+          </a:p>
+        </p:txBody>
+      </p:sp>
+      <p:sp>
+        <p:nvSpPr>
+          <p:cNvPr id="37" name="Rectangle 36"/>
+          <p:cNvSpPr/>
+          <p:nvPr/>
+        </p:nvSpPr>
+        <p:spPr>
+          <a:xfrm>
+            <a:off x="5497056" y="3864706"/>
+            <a:ext cx="363682" cy="363683"/>
+          </a:xfrm>
+          <a:prstGeom prst="rect">
+            <a:avLst/>
+          </a:prstGeom>
+          <a:noFill/>
+          <a:ln w="19050">
+            <a:solidFill>
+              <a:schemeClr val="accent6"/>
+            </a:solidFill>
+          </a:ln>
+        </p:spPr>
+        <p:style>
+          <a:lnRef idx="2">
+            <a:schemeClr val="accent1">
+              <a:shade val="50000"/>
+            </a:schemeClr>
+          </a:lnRef>
+          <a:fillRef idx="1">
+            <a:schemeClr val="accent1"/>
+          </a:fillRef>
+          <a:effectRef idx="0">
+            <a:schemeClr val="accent1"/>
+          </a:effectRef>
+          <a:fontRef idx="minor">
+            <a:schemeClr val="lt1"/>
+          </a:fontRef>
+        </p:style>
+        <p:txBody>
+          <a:bodyPr rot="0" spcFirstLastPara="0" vertOverflow="overflow" horzOverflow="overflow" vert="horz" wrap="square" lIns="91440" tIns="45720" rIns="91440" bIns="45720" numCol="1" spcCol="0" rtlCol="0" fromWordArt="0" anchor="ctr" anchorCtr="0" forceAA="0" compatLnSpc="1">
+            <a:prstTxWarp prst="textNoShape">
+              <a:avLst/>
+            </a:prstTxWarp>
+            <a:noAutofit/>
+          </a:bodyPr>
+          <a:lstStyle/>
+          <a:p>
+            <a:pPr algn="ctr"/>
+            <a:endParaRPr lang="en-US" sz="1600" dirty="0" smtClean="0">
+              <a:solidFill>
+                <a:schemeClr val="tx1"/>
+              </a:solidFill>
+            </a:endParaRPr>
+          </a:p>
+        </p:txBody>
+      </p:sp>
+      <p:sp>
+        <p:nvSpPr>
+          <p:cNvPr id="38" name="Rectangle 37"/>
+          <p:cNvSpPr/>
+          <p:nvPr/>
+        </p:nvSpPr>
+        <p:spPr>
+          <a:xfrm>
+            <a:off x="4593771" y="4370554"/>
+            <a:ext cx="2369856" cy="432000"/>
+          </a:xfrm>
+          <a:prstGeom prst="rect">
+            <a:avLst/>
+          </a:prstGeom>
+          <a:solidFill>
+            <a:srgbClr val="FFFFFF">
+              <a:alpha val="85000"/>
+            </a:srgbClr>
+          </a:solidFill>
+          <a:ln w="19050">
+            <a:solidFill>
+              <a:schemeClr val="accent6"/>
+            </a:solidFill>
+          </a:ln>
+        </p:spPr>
+        <p:style>
+          <a:lnRef idx="2">
+            <a:schemeClr val="accent1">
+              <a:shade val="50000"/>
+            </a:schemeClr>
+          </a:lnRef>
+          <a:fillRef idx="1">
+            <a:schemeClr val="accent1"/>
+          </a:fillRef>
+          <a:effectRef idx="0">
+            <a:schemeClr val="accent1"/>
+          </a:effectRef>
+          <a:fontRef idx="minor">
+            <a:schemeClr val="lt1"/>
+          </a:fontRef>
+        </p:style>
+        <p:txBody>
+          <a:bodyPr rtlCol="0" anchor="ctr"/>
+          <a:lstStyle/>
+          <a:p>
+            <a:pPr algn="ctr"/>
+            <a:r>
+              <a:rPr lang="de-DE" sz="1600" dirty="0" smtClean="0">
+                <a:solidFill>
+                  <a:schemeClr val="tx1"/>
+                </a:solidFill>
+              </a:rPr>
+              <a:t>Kupplung </a:t>
+            </a:r>
+            <a:r>
+              <a:rPr lang="de-DE" sz="1600" dirty="0" err="1" smtClean="0">
+                <a:solidFill>
+                  <a:schemeClr val="tx1"/>
+                </a:solidFill>
+              </a:rPr>
+              <a:t>auto</a:t>
+            </a:r>
+            <a:r>
+              <a:rPr lang="de-DE" sz="1600" dirty="0" smtClean="0">
+                <a:solidFill>
+                  <a:schemeClr val="tx1"/>
+                </a:solidFill>
+              </a:rPr>
+              <a:t>./manuell</a:t>
+            </a:r>
+            <a:r>
+              <a:rPr lang="de-DE" sz="4000" dirty="0" smtClean="0">
+                <a:solidFill>
+                  <a:schemeClr val="tx1"/>
+                </a:solidFill>
+              </a:rPr>
+              <a:t/>
+            </a:r>
+            <a:br>
+              <a:rPr lang="de-DE" sz="4000" dirty="0" smtClean="0">
+                <a:solidFill>
+                  <a:schemeClr val="tx1"/>
+                </a:solidFill>
+              </a:rPr>
+            </a:br>
+            <a:r>
+              <a:rPr lang="de-DE" sz="600" dirty="0" err="1" smtClean="0">
+                <a:solidFill>
+                  <a:schemeClr val="tx1"/>
+                </a:solidFill>
+              </a:rPr>
+              <a:t>mrGearboxMogliCLUTCH</a:t>
+            </a:r>
+            <a:endParaRPr lang="en-US" sz="1200" dirty="0">
+              <a:solidFill>
+                <a:schemeClr val="tx1"/>
+              </a:solidFill>
+            </a:endParaRPr>
+          </a:p>
+        </p:txBody>
+      </p:sp>
+      <p:cxnSp>
+        <p:nvCxnSpPr>
+          <p:cNvPr id="41" name="Straight Connector 40"/>
+          <p:cNvCxnSpPr>
+            <a:stCxn id="38" idx="0"/>
+            <a:endCxn id="37" idx="2"/>
+          </p:cNvCxnSpPr>
+          <p:nvPr/>
+        </p:nvCxnSpPr>
+        <p:spPr>
+          <a:xfrm flipH="1" flipV="1">
+            <a:off x="5678897" y="4228389"/>
+            <a:ext cx="99802" cy="142165"/>
+          </a:xfrm>
+          <a:prstGeom prst="line">
+            <a:avLst/>
+          </a:prstGeom>
+          <a:ln w="19050">
+            <a:solidFill>
+              <a:schemeClr val="accent6"/>
             </a:solidFill>
           </a:ln>
         </p:spPr>
@@ -7240,15 +7626,7 @@
                   <a:schemeClr val="tx1"/>
                 </a:solidFill>
               </a:rPr>
-              <a:t>. </a:t>
-            </a:r>
-            <a:r>
-              <a:rPr lang="de-DE" sz="1600" dirty="0" smtClean="0">
-                <a:solidFill>
-                  <a:schemeClr val="tx1"/>
-                </a:solidFill>
-              </a:rPr>
-              <a:t>+</a:t>
+              <a:t>. +</a:t>
             </a:r>
             <a:r>
               <a:rPr lang="de-DE" sz="4000" dirty="0" smtClean="0">
@@ -7827,15 +8205,7 @@
                   <a:schemeClr val="tx1"/>
                 </a:solidFill>
               </a:rPr>
-              <a:t> </a:t>
-            </a:r>
-            <a:r>
-              <a:rPr lang="de-DE" sz="1600" dirty="0" smtClean="0">
-                <a:solidFill>
-                  <a:schemeClr val="tx1"/>
-                </a:solidFill>
-              </a:rPr>
-              <a:t>+</a:t>
+              <a:t> +</a:t>
             </a:r>
             <a:r>
               <a:rPr lang="de-DE" sz="4000" dirty="0" smtClean="0">
@@ -7936,15 +8306,7 @@
                   <a:schemeClr val="tx1"/>
                 </a:solidFill>
               </a:rPr>
-              <a:t> </a:t>
-            </a:r>
-            <a:r>
-              <a:rPr lang="de-DE" sz="1600" dirty="0" smtClean="0">
-                <a:solidFill>
-                  <a:schemeClr val="tx1"/>
-                </a:solidFill>
-              </a:rPr>
-              <a:t>-</a:t>
+              <a:t> -</a:t>
             </a:r>
             <a:r>
               <a:rPr lang="de-DE" sz="4000" dirty="0" smtClean="0">

--- a/Documentation/Tastatur.pptx
+++ b/Documentation/Tastatur.pptx
@@ -8,6 +8,7 @@
     <p:sldId id="256" r:id="rId2"/>
     <p:sldId id="257" r:id="rId3"/>
     <p:sldId id="258" r:id="rId4"/>
+    <p:sldId id="259" r:id="rId5"/>
   </p:sldIdLst>
   <p:sldSz cx="12192000" cy="6858000"/>
   <p:notesSz cx="6858000" cy="9144000"/>
@@ -245,7 +246,7 @@
           <a:p>
             <a:fld id="{A5E903F8-D08C-420F-92B0-BC9B547C8ADE}" type="datetimeFigureOut">
               <a:rPr lang="en-US" smtClean="0"/>
-              <a:t>9/24/2015</a:t>
+              <a:t>1/16/2017</a:t>
             </a:fld>
             <a:endParaRPr lang="en-US"/>
           </a:p>
@@ -415,7 +416,7 @@
           <a:p>
             <a:fld id="{A5E903F8-D08C-420F-92B0-BC9B547C8ADE}" type="datetimeFigureOut">
               <a:rPr lang="en-US" smtClean="0"/>
-              <a:t>9/24/2015</a:t>
+              <a:t>1/16/2017</a:t>
             </a:fld>
             <a:endParaRPr lang="en-US"/>
           </a:p>
@@ -595,7 +596,7 @@
           <a:p>
             <a:fld id="{A5E903F8-D08C-420F-92B0-BC9B547C8ADE}" type="datetimeFigureOut">
               <a:rPr lang="en-US" smtClean="0"/>
-              <a:t>9/24/2015</a:t>
+              <a:t>1/16/2017</a:t>
             </a:fld>
             <a:endParaRPr lang="en-US"/>
           </a:p>
@@ -765,7 +766,7 @@
           <a:p>
             <a:fld id="{A5E903F8-D08C-420F-92B0-BC9B547C8ADE}" type="datetimeFigureOut">
               <a:rPr lang="en-US" smtClean="0"/>
-              <a:t>9/24/2015</a:t>
+              <a:t>1/16/2017</a:t>
             </a:fld>
             <a:endParaRPr lang="en-US"/>
           </a:p>
@@ -1011,7 +1012,7 @@
           <a:p>
             <a:fld id="{A5E903F8-D08C-420F-92B0-BC9B547C8ADE}" type="datetimeFigureOut">
               <a:rPr lang="en-US" smtClean="0"/>
-              <a:t>9/24/2015</a:t>
+              <a:t>1/16/2017</a:t>
             </a:fld>
             <a:endParaRPr lang="en-US"/>
           </a:p>
@@ -1243,7 +1244,7 @@
           <a:p>
             <a:fld id="{A5E903F8-D08C-420F-92B0-BC9B547C8ADE}" type="datetimeFigureOut">
               <a:rPr lang="en-US" smtClean="0"/>
-              <a:t>9/24/2015</a:t>
+              <a:t>1/16/2017</a:t>
             </a:fld>
             <a:endParaRPr lang="en-US"/>
           </a:p>
@@ -1610,7 +1611,7 @@
           <a:p>
             <a:fld id="{A5E903F8-D08C-420F-92B0-BC9B547C8ADE}" type="datetimeFigureOut">
               <a:rPr lang="en-US" smtClean="0"/>
-              <a:t>9/24/2015</a:t>
+              <a:t>1/16/2017</a:t>
             </a:fld>
             <a:endParaRPr lang="en-US"/>
           </a:p>
@@ -1728,7 +1729,7 @@
           <a:p>
             <a:fld id="{A5E903F8-D08C-420F-92B0-BC9B547C8ADE}" type="datetimeFigureOut">
               <a:rPr lang="en-US" smtClean="0"/>
-              <a:t>9/24/2015</a:t>
+              <a:t>1/16/2017</a:t>
             </a:fld>
             <a:endParaRPr lang="en-US"/>
           </a:p>
@@ -1823,7 +1824,7 @@
           <a:p>
             <a:fld id="{A5E903F8-D08C-420F-92B0-BC9B547C8ADE}" type="datetimeFigureOut">
               <a:rPr lang="en-US" smtClean="0"/>
-              <a:t>9/24/2015</a:t>
+              <a:t>1/16/2017</a:t>
             </a:fld>
             <a:endParaRPr lang="en-US"/>
           </a:p>
@@ -2100,7 +2101,7 @@
           <a:p>
             <a:fld id="{A5E903F8-D08C-420F-92B0-BC9B547C8ADE}" type="datetimeFigureOut">
               <a:rPr lang="en-US" smtClean="0"/>
-              <a:t>9/24/2015</a:t>
+              <a:t>1/16/2017</a:t>
             </a:fld>
             <a:endParaRPr lang="en-US"/>
           </a:p>
@@ -2353,7 +2354,7 @@
           <a:p>
             <a:fld id="{A5E903F8-D08C-420F-92B0-BC9B547C8ADE}" type="datetimeFigureOut">
               <a:rPr lang="en-US" smtClean="0"/>
-              <a:t>9/24/2015</a:t>
+              <a:t>1/16/2017</a:t>
             </a:fld>
             <a:endParaRPr lang="en-US"/>
           </a:p>
@@ -2566,7 +2567,7 @@
           <a:p>
             <a:fld id="{A5E903F8-D08C-420F-92B0-BC9B547C8ADE}" type="datetimeFigureOut">
               <a:rPr lang="en-US" smtClean="0"/>
-              <a:t>9/24/2015</a:t>
+              <a:t>1/16/2017</a:t>
             </a:fld>
             <a:endParaRPr lang="en-US"/>
           </a:p>
@@ -5466,190 +5467,6 @@
           </a:fontRef>
         </p:style>
       </p:cxnSp>
-      <p:sp>
-        <p:nvSpPr>
-          <p:cNvPr id="45" name="Rectangle 44"/>
-          <p:cNvSpPr/>
-          <p:nvPr/>
-        </p:nvSpPr>
-        <p:spPr>
-          <a:xfrm>
-            <a:off x="4511587" y="4369351"/>
-            <a:ext cx="1188000" cy="432000"/>
-          </a:xfrm>
-          <a:prstGeom prst="rect">
-            <a:avLst/>
-          </a:prstGeom>
-          <a:solidFill>
-            <a:srgbClr val="FFFFFF">
-              <a:alpha val="85000"/>
-            </a:srgbClr>
-          </a:solidFill>
-          <a:ln w="19050">
-            <a:solidFill>
-              <a:schemeClr val="accent6">
-                <a:lumMod val="50000"/>
-              </a:schemeClr>
-            </a:solidFill>
-          </a:ln>
-        </p:spPr>
-        <p:style>
-          <a:lnRef idx="2">
-            <a:schemeClr val="accent1">
-              <a:shade val="50000"/>
-            </a:schemeClr>
-          </a:lnRef>
-          <a:fillRef idx="1">
-            <a:schemeClr val="accent1"/>
-          </a:fillRef>
-          <a:effectRef idx="0">
-            <a:schemeClr val="accent1"/>
-          </a:effectRef>
-          <a:fontRef idx="minor">
-            <a:schemeClr val="lt1"/>
-          </a:fontRef>
-        </p:style>
-        <p:txBody>
-          <a:bodyPr rtlCol="0" anchor="ctr"/>
-          <a:lstStyle/>
-          <a:p>
-            <a:pPr algn="ctr"/>
-            <a:r>
-              <a:rPr lang="de-DE" sz="1600" dirty="0" smtClean="0">
-                <a:solidFill>
-                  <a:schemeClr val="tx1"/>
-                </a:solidFill>
-              </a:rPr>
-              <a:t>All Auto</a:t>
-            </a:r>
-            <a:r>
-              <a:rPr lang="de-DE" sz="4000" dirty="0" smtClean="0">
-                <a:solidFill>
-                  <a:schemeClr val="tx1"/>
-                </a:solidFill>
-              </a:rPr>
-              <a:t/>
-            </a:r>
-            <a:br>
-              <a:rPr lang="de-DE" sz="4000" dirty="0" smtClean="0">
-                <a:solidFill>
-                  <a:schemeClr val="tx1"/>
-                </a:solidFill>
-              </a:rPr>
-            </a:br>
-            <a:r>
-              <a:rPr lang="de-DE" sz="600" dirty="0" err="1" smtClean="0">
-                <a:solidFill>
-                  <a:schemeClr val="tx1"/>
-                </a:solidFill>
-              </a:rPr>
-              <a:t>mrGearboxMogliCLUTCH</a:t>
-            </a:r>
-            <a:endParaRPr lang="en-US" sz="1200" dirty="0">
-              <a:solidFill>
-                <a:schemeClr val="tx1"/>
-              </a:solidFill>
-            </a:endParaRPr>
-          </a:p>
-        </p:txBody>
-      </p:sp>
-      <p:sp>
-        <p:nvSpPr>
-          <p:cNvPr id="48" name="Rectangle 47"/>
-          <p:cNvSpPr/>
-          <p:nvPr/>
-        </p:nvSpPr>
-        <p:spPr>
-          <a:xfrm>
-            <a:off x="5072677" y="3864706"/>
-            <a:ext cx="363682" cy="363683"/>
-          </a:xfrm>
-          <a:prstGeom prst="rect">
-            <a:avLst/>
-          </a:prstGeom>
-          <a:noFill/>
-          <a:ln w="19050">
-            <a:solidFill>
-              <a:schemeClr val="accent6">
-                <a:lumMod val="50000"/>
-              </a:schemeClr>
-            </a:solidFill>
-          </a:ln>
-        </p:spPr>
-        <p:style>
-          <a:lnRef idx="2">
-            <a:schemeClr val="accent1">
-              <a:shade val="50000"/>
-            </a:schemeClr>
-          </a:lnRef>
-          <a:fillRef idx="1">
-            <a:schemeClr val="accent1"/>
-          </a:fillRef>
-          <a:effectRef idx="0">
-            <a:schemeClr val="accent1"/>
-          </a:effectRef>
-          <a:fontRef idx="minor">
-            <a:schemeClr val="lt1"/>
-          </a:fontRef>
-        </p:style>
-        <p:txBody>
-          <a:bodyPr rot="0" spcFirstLastPara="0" vertOverflow="overflow" horzOverflow="overflow" vert="horz" wrap="square" lIns="91440" tIns="45720" rIns="91440" bIns="45720" numCol="1" spcCol="0" rtlCol="0" fromWordArt="0" anchor="ctr" anchorCtr="0" forceAA="0" compatLnSpc="1">
-            <a:prstTxWarp prst="textNoShape">
-              <a:avLst/>
-            </a:prstTxWarp>
-            <a:noAutofit/>
-          </a:bodyPr>
-          <a:lstStyle/>
-          <a:p>
-            <a:pPr algn="ctr"/>
-            <a:endParaRPr lang="en-US" sz="1600" dirty="0" smtClean="0">
-              <a:solidFill>
-                <a:schemeClr val="tx1"/>
-              </a:solidFill>
-            </a:endParaRPr>
-          </a:p>
-        </p:txBody>
-      </p:sp>
-      <p:cxnSp>
-        <p:nvCxnSpPr>
-          <p:cNvPr id="49" name="Straight Connector 48"/>
-          <p:cNvCxnSpPr>
-            <a:stCxn id="45" idx="0"/>
-            <a:endCxn id="48" idx="2"/>
-          </p:cNvCxnSpPr>
-          <p:nvPr/>
-        </p:nvCxnSpPr>
-        <p:spPr>
-          <a:xfrm flipV="1">
-            <a:off x="5105587" y="4228389"/>
-            <a:ext cx="148931" cy="140962"/>
-          </a:xfrm>
-          <a:prstGeom prst="line">
-            <a:avLst/>
-          </a:prstGeom>
-          <a:ln w="19050">
-            <a:solidFill>
-              <a:schemeClr val="accent6">
-                <a:lumMod val="50000"/>
-              </a:schemeClr>
-            </a:solidFill>
-          </a:ln>
-        </p:spPr>
-        <p:style>
-          <a:lnRef idx="1">
-            <a:schemeClr val="accent1"/>
-          </a:lnRef>
-          <a:fillRef idx="0">
-            <a:schemeClr val="accent1"/>
-          </a:fillRef>
-          <a:effectRef idx="0">
-            <a:schemeClr val="accent1"/>
-          </a:effectRef>
-          <a:fontRef idx="minor">
-            <a:schemeClr val="tx1"/>
-          </a:fontRef>
-        </p:style>
-      </p:cxnSp>
     </p:spTree>
     <p:extLst>
       <p:ext uri="{BB962C8B-B14F-4D97-AF65-F5344CB8AC3E}">
@@ -7334,6 +7151,193 @@
           <a:ln w="19050">
             <a:solidFill>
               <a:schemeClr val="accent6"/>
+            </a:solidFill>
+          </a:ln>
+        </p:spPr>
+        <p:style>
+          <a:lnRef idx="1">
+            <a:schemeClr val="accent1"/>
+          </a:lnRef>
+          <a:fillRef idx="0">
+            <a:schemeClr val="accent1"/>
+          </a:fillRef>
+          <a:effectRef idx="0">
+            <a:schemeClr val="accent1"/>
+          </a:effectRef>
+          <a:fontRef idx="minor">
+            <a:schemeClr val="tx1"/>
+          </a:fontRef>
+        </p:style>
+      </p:cxnSp>
+      <p:sp>
+        <p:nvSpPr>
+          <p:cNvPr id="42" name="Rectangle 41"/>
+          <p:cNvSpPr/>
+          <p:nvPr/>
+        </p:nvSpPr>
+        <p:spPr>
+          <a:xfrm>
+            <a:off x="5923617" y="3864706"/>
+            <a:ext cx="363682" cy="363683"/>
+          </a:xfrm>
+          <a:prstGeom prst="rect">
+            <a:avLst/>
+          </a:prstGeom>
+          <a:noFill/>
+          <a:ln w="19050">
+            <a:solidFill>
+              <a:schemeClr val="accent6">
+                <a:lumMod val="60000"/>
+                <a:lumOff val="40000"/>
+              </a:schemeClr>
+            </a:solidFill>
+          </a:ln>
+        </p:spPr>
+        <p:style>
+          <a:lnRef idx="2">
+            <a:schemeClr val="accent1">
+              <a:shade val="50000"/>
+            </a:schemeClr>
+          </a:lnRef>
+          <a:fillRef idx="1">
+            <a:schemeClr val="accent1"/>
+          </a:fillRef>
+          <a:effectRef idx="0">
+            <a:schemeClr val="accent1"/>
+          </a:effectRef>
+          <a:fontRef idx="minor">
+            <a:schemeClr val="lt1"/>
+          </a:fontRef>
+        </p:style>
+        <p:txBody>
+          <a:bodyPr rot="0" spcFirstLastPara="0" vertOverflow="overflow" horzOverflow="overflow" vert="horz" wrap="square" lIns="91440" tIns="45720" rIns="91440" bIns="45720" numCol="1" spcCol="0" rtlCol="0" fromWordArt="0" anchor="ctr" anchorCtr="0" forceAA="0" compatLnSpc="1">
+            <a:prstTxWarp prst="textNoShape">
+              <a:avLst/>
+            </a:prstTxWarp>
+            <a:noAutofit/>
+          </a:bodyPr>
+          <a:lstStyle/>
+          <a:p>
+            <a:pPr algn="ctr"/>
+            <a:endParaRPr lang="en-US" sz="1600" dirty="0" smtClean="0">
+              <a:solidFill>
+                <a:schemeClr val="tx1"/>
+              </a:solidFill>
+            </a:endParaRPr>
+          </a:p>
+        </p:txBody>
+      </p:sp>
+      <p:sp>
+        <p:nvSpPr>
+          <p:cNvPr id="43" name="Rectangle 42"/>
+          <p:cNvSpPr/>
+          <p:nvPr/>
+        </p:nvSpPr>
+        <p:spPr>
+          <a:xfrm>
+            <a:off x="7038981" y="4370554"/>
+            <a:ext cx="1188000" cy="432000"/>
+          </a:xfrm>
+          <a:prstGeom prst="rect">
+            <a:avLst/>
+          </a:prstGeom>
+          <a:solidFill>
+            <a:srgbClr val="FFFFFF">
+              <a:alpha val="85000"/>
+            </a:srgbClr>
+          </a:solidFill>
+          <a:ln w="19050">
+            <a:solidFill>
+              <a:schemeClr val="accent6">
+                <a:lumMod val="60000"/>
+                <a:lumOff val="40000"/>
+              </a:schemeClr>
+            </a:solidFill>
+          </a:ln>
+        </p:spPr>
+        <p:style>
+          <a:lnRef idx="2">
+            <a:schemeClr val="accent1">
+              <a:shade val="50000"/>
+            </a:schemeClr>
+          </a:lnRef>
+          <a:fillRef idx="1">
+            <a:schemeClr val="accent1"/>
+          </a:fillRef>
+          <a:effectRef idx="0">
+            <a:schemeClr val="accent1"/>
+          </a:effectRef>
+          <a:fontRef idx="minor">
+            <a:schemeClr val="lt1"/>
+          </a:fontRef>
+        </p:style>
+        <p:txBody>
+          <a:bodyPr rtlCol="0" anchor="ctr"/>
+          <a:lstStyle/>
+          <a:p>
+            <a:pPr lvl="0" algn="ctr"/>
+            <a:r>
+              <a:rPr lang="de-DE" sz="1600" dirty="0">
+                <a:solidFill>
+                  <a:prstClr val="black"/>
+                </a:solidFill>
+              </a:rPr>
+              <a:t>All Auto</a:t>
+            </a:r>
+            <a:r>
+              <a:rPr lang="de-DE" sz="4000" dirty="0">
+                <a:solidFill>
+                  <a:prstClr val="black"/>
+                </a:solidFill>
+              </a:rPr>
+              <a:t/>
+            </a:r>
+            <a:br>
+              <a:rPr lang="de-DE" sz="4000" dirty="0">
+                <a:solidFill>
+                  <a:prstClr val="black"/>
+                </a:solidFill>
+              </a:rPr>
+            </a:br>
+            <a:r>
+              <a:rPr lang="de-DE" sz="600" dirty="0" err="1">
+                <a:solidFill>
+                  <a:prstClr val="black"/>
+                </a:solidFill>
+              </a:rPr>
+              <a:t>mrGearboxMogliCLUTCH</a:t>
+            </a:r>
+            <a:endParaRPr lang="en-US" sz="1200" dirty="0">
+              <a:solidFill>
+                <a:prstClr val="black"/>
+              </a:solidFill>
+            </a:endParaRPr>
+          </a:p>
+        </p:txBody>
+      </p:sp>
+      <p:cxnSp>
+        <p:nvCxnSpPr>
+          <p:cNvPr id="44" name="Straight Connector 43"/>
+          <p:cNvCxnSpPr>
+            <a:stCxn id="42" idx="2"/>
+            <a:endCxn id="43" idx="0"/>
+          </p:cNvCxnSpPr>
+          <p:nvPr/>
+        </p:nvCxnSpPr>
+        <p:spPr>
+          <a:xfrm>
+            <a:off x="6105458" y="4228389"/>
+            <a:ext cx="1527523" cy="142165"/>
+          </a:xfrm>
+          <a:prstGeom prst="line">
+            <a:avLst/>
+          </a:prstGeom>
+          <a:ln w="19050">
+            <a:solidFill>
+              <a:schemeClr val="accent6">
+                <a:lumMod val="60000"/>
+                <a:lumOff val="40000"/>
+              </a:schemeClr>
             </a:solidFill>
           </a:ln>
         </p:spPr>
@@ -8049,7 +8053,7 @@
         </p:nvSpPr>
         <p:spPr>
           <a:xfrm>
-            <a:off x="3982383" y="3560799"/>
+            <a:off x="3994064" y="3366655"/>
             <a:ext cx="1332000" cy="595120"/>
           </a:xfrm>
           <a:prstGeom prst="rect">
@@ -8507,8 +8511,8 @@
         </p:nvCxnSpPr>
         <p:spPr>
           <a:xfrm flipV="1">
-            <a:off x="5314383" y="3629424"/>
-            <a:ext cx="509721" cy="228935"/>
+            <a:off x="5326064" y="3629424"/>
+            <a:ext cx="498040" cy="34791"/>
           </a:xfrm>
           <a:prstGeom prst="line">
             <a:avLst/>
@@ -8971,6 +8975,220 @@
       </p:par>
     </p:tnLst>
   </p:timing>
+</p:sld>
+</file>
+
+<file path=ppt/slides/slide4.xml><?xml version="1.0" encoding="utf-8"?>
+<p:sld xmlns:a="http://schemas.openxmlformats.org/drawingml/2006/main" xmlns:r="http://schemas.openxmlformats.org/officeDocument/2006/relationships" xmlns:p="http://schemas.openxmlformats.org/presentationml/2006/main">
+  <p:cSld>
+    <p:spTree>
+      <p:nvGrpSpPr>
+        <p:cNvPr id="1" name=""/>
+        <p:cNvGrpSpPr/>
+        <p:nvPr/>
+      </p:nvGrpSpPr>
+      <p:grpSpPr>
+        <a:xfrm>
+          <a:off x="0" y="0"/>
+          <a:ext cx="0" cy="0"/>
+          <a:chOff x="0" y="0"/>
+          <a:chExt cx="0" cy="0"/>
+        </a:xfrm>
+      </p:grpSpPr>
+      <p:sp>
+        <p:nvSpPr>
+          <p:cNvPr id="2" name="Rectangle 1"/>
+          <p:cNvSpPr/>
+          <p:nvPr/>
+        </p:nvSpPr>
+        <p:spPr>
+          <a:xfrm>
+            <a:off x="4511587" y="4369351"/>
+            <a:ext cx="1188000" cy="432000"/>
+          </a:xfrm>
+          <a:prstGeom prst="rect">
+            <a:avLst/>
+          </a:prstGeom>
+          <a:solidFill>
+            <a:srgbClr val="FFFFFF">
+              <a:alpha val="85000"/>
+            </a:srgbClr>
+          </a:solidFill>
+          <a:ln w="19050">
+            <a:solidFill>
+              <a:schemeClr val="accent6">
+                <a:lumMod val="50000"/>
+              </a:schemeClr>
+            </a:solidFill>
+          </a:ln>
+        </p:spPr>
+        <p:style>
+          <a:lnRef idx="2">
+            <a:schemeClr val="accent1">
+              <a:shade val="50000"/>
+            </a:schemeClr>
+          </a:lnRef>
+          <a:fillRef idx="1">
+            <a:schemeClr val="accent1"/>
+          </a:fillRef>
+          <a:effectRef idx="0">
+            <a:schemeClr val="accent1"/>
+          </a:effectRef>
+          <a:fontRef idx="minor">
+            <a:schemeClr val="lt1"/>
+          </a:fontRef>
+        </p:style>
+        <p:txBody>
+          <a:bodyPr rtlCol="0" anchor="ctr"/>
+          <a:lstStyle/>
+          <a:p>
+            <a:pPr algn="ctr"/>
+            <a:r>
+              <a:rPr lang="de-DE" sz="1600" dirty="0" smtClean="0">
+                <a:solidFill>
+                  <a:schemeClr val="tx1"/>
+                </a:solidFill>
+              </a:rPr>
+              <a:t>All Auto</a:t>
+            </a:r>
+            <a:r>
+              <a:rPr lang="de-DE" sz="4000" dirty="0" smtClean="0">
+                <a:solidFill>
+                  <a:schemeClr val="tx1"/>
+                </a:solidFill>
+              </a:rPr>
+              <a:t/>
+            </a:r>
+            <a:br>
+              <a:rPr lang="de-DE" sz="4000" dirty="0" smtClean="0">
+                <a:solidFill>
+                  <a:schemeClr val="tx1"/>
+                </a:solidFill>
+              </a:rPr>
+            </a:br>
+            <a:r>
+              <a:rPr lang="de-DE" sz="600" dirty="0" err="1" smtClean="0">
+                <a:solidFill>
+                  <a:schemeClr val="tx1"/>
+                </a:solidFill>
+              </a:rPr>
+              <a:t>mrGearboxMogliCLUTCH</a:t>
+            </a:r>
+            <a:endParaRPr lang="en-US" sz="1200" dirty="0">
+              <a:solidFill>
+                <a:schemeClr val="tx1"/>
+              </a:solidFill>
+            </a:endParaRPr>
+          </a:p>
+        </p:txBody>
+      </p:sp>
+      <p:sp>
+        <p:nvSpPr>
+          <p:cNvPr id="3" name="Rectangle 2"/>
+          <p:cNvSpPr/>
+          <p:nvPr/>
+        </p:nvSpPr>
+        <p:spPr>
+          <a:xfrm>
+            <a:off x="5072677" y="3864706"/>
+            <a:ext cx="363682" cy="363683"/>
+          </a:xfrm>
+          <a:prstGeom prst="rect">
+            <a:avLst/>
+          </a:prstGeom>
+          <a:noFill/>
+          <a:ln w="19050">
+            <a:solidFill>
+              <a:schemeClr val="accent6">
+                <a:lumMod val="50000"/>
+              </a:schemeClr>
+            </a:solidFill>
+          </a:ln>
+        </p:spPr>
+        <p:style>
+          <a:lnRef idx="2">
+            <a:schemeClr val="accent1">
+              <a:shade val="50000"/>
+            </a:schemeClr>
+          </a:lnRef>
+          <a:fillRef idx="1">
+            <a:schemeClr val="accent1"/>
+          </a:fillRef>
+          <a:effectRef idx="0">
+            <a:schemeClr val="accent1"/>
+          </a:effectRef>
+          <a:fontRef idx="minor">
+            <a:schemeClr val="lt1"/>
+          </a:fontRef>
+        </p:style>
+        <p:txBody>
+          <a:bodyPr rot="0" spcFirstLastPara="0" vertOverflow="overflow" horzOverflow="overflow" vert="horz" wrap="square" lIns="91440" tIns="45720" rIns="91440" bIns="45720" numCol="1" spcCol="0" rtlCol="0" fromWordArt="0" anchor="ctr" anchorCtr="0" forceAA="0" compatLnSpc="1">
+            <a:prstTxWarp prst="textNoShape">
+              <a:avLst/>
+            </a:prstTxWarp>
+            <a:noAutofit/>
+          </a:bodyPr>
+          <a:lstStyle/>
+          <a:p>
+            <a:pPr algn="ctr"/>
+            <a:endParaRPr lang="en-US" sz="1600" dirty="0" smtClean="0">
+              <a:solidFill>
+                <a:schemeClr val="tx1"/>
+              </a:solidFill>
+            </a:endParaRPr>
+          </a:p>
+        </p:txBody>
+      </p:sp>
+      <p:cxnSp>
+        <p:nvCxnSpPr>
+          <p:cNvPr id="4" name="Straight Connector 3"/>
+          <p:cNvCxnSpPr>
+            <a:stCxn id="2" idx="0"/>
+            <a:endCxn id="3" idx="2"/>
+          </p:cNvCxnSpPr>
+          <p:nvPr/>
+        </p:nvCxnSpPr>
+        <p:spPr>
+          <a:xfrm flipV="1">
+            <a:off x="5105587" y="4228389"/>
+            <a:ext cx="148931" cy="140962"/>
+          </a:xfrm>
+          <a:prstGeom prst="line">
+            <a:avLst/>
+          </a:prstGeom>
+          <a:ln w="19050">
+            <a:solidFill>
+              <a:schemeClr val="accent6">
+                <a:lumMod val="50000"/>
+              </a:schemeClr>
+            </a:solidFill>
+          </a:ln>
+        </p:spPr>
+        <p:style>
+          <a:lnRef idx="1">
+            <a:schemeClr val="accent1"/>
+          </a:lnRef>
+          <a:fillRef idx="0">
+            <a:schemeClr val="accent1"/>
+          </a:fillRef>
+          <a:effectRef idx="0">
+            <a:schemeClr val="accent1"/>
+          </a:effectRef>
+          <a:fontRef idx="minor">
+            <a:schemeClr val="tx1"/>
+          </a:fontRef>
+        </p:style>
+      </p:cxnSp>
+    </p:spTree>
+    <p:extLst>
+      <p:ext uri="{BB962C8B-B14F-4D97-AF65-F5344CB8AC3E}">
+        <p14:creationId xmlns:p14="http://schemas.microsoft.com/office/powerpoint/2010/main" val="1965261842"/>
+      </p:ext>
+    </p:extLst>
+  </p:cSld>
+  <p:clrMapOvr>
+    <a:masterClrMapping/>
+  </p:clrMapOvr>
 </p:sld>
 </file>
 

--- a/Documentation/Tastatur.pptx
+++ b/Documentation/Tastatur.pptx
@@ -7,8 +7,9 @@
   <p:sldIdLst>
     <p:sldId id="256" r:id="rId2"/>
     <p:sldId id="257" r:id="rId3"/>
-    <p:sldId id="258" r:id="rId4"/>
-    <p:sldId id="259" r:id="rId5"/>
+    <p:sldId id="260" r:id="rId4"/>
+    <p:sldId id="258" r:id="rId5"/>
+    <p:sldId id="259" r:id="rId6"/>
   </p:sldIdLst>
   <p:sldSz cx="12192000" cy="6858000"/>
   <p:notesSz cx="6858000" cy="9144000"/>
@@ -157,10 +158,9 @@
           </a:lstStyle>
           <a:p>
             <a:r>
-              <a:rPr lang="en-US" smtClean="0"/>
+              <a:rPr lang="en-US"/>
               <a:t>Click to edit Master title style</a:t>
             </a:r>
-            <a:endParaRPr lang="en-US"/>
           </a:p>
         </p:txBody>
       </p:sp>
@@ -222,10 +222,9 @@
           </a:lstStyle>
           <a:p>
             <a:r>
-              <a:rPr lang="en-US" smtClean="0"/>
+              <a:rPr lang="en-US"/>
               <a:t>Click to edit Master subtitle style</a:t>
             </a:r>
-            <a:endParaRPr lang="en-US"/>
           </a:p>
         </p:txBody>
       </p:sp>
@@ -246,7 +245,7 @@
           <a:p>
             <a:fld id="{A5E903F8-D08C-420F-92B0-BC9B547C8ADE}" type="datetimeFigureOut">
               <a:rPr lang="en-US" smtClean="0"/>
-              <a:t>1/16/2017</a:t>
+              <a:t>12/5/2017</a:t>
             </a:fld>
             <a:endParaRPr lang="en-US"/>
           </a:p>
@@ -340,10 +339,9 @@
           <a:lstStyle/>
           <a:p>
             <a:r>
-              <a:rPr lang="en-US" smtClean="0"/>
+              <a:rPr lang="en-US"/>
               <a:t>Click to edit Master title style</a:t>
             </a:r>
-            <a:endParaRPr lang="en-US"/>
           </a:p>
         </p:txBody>
       </p:sp>
@@ -364,38 +362,37 @@
           <a:p>
             <a:pPr lvl="0"/>
             <a:r>
-              <a:rPr lang="en-US" smtClean="0"/>
+              <a:rPr lang="en-US"/>
               <a:t>Click to edit Master text styles</a:t>
             </a:r>
           </a:p>
           <a:p>
             <a:pPr lvl="1"/>
             <a:r>
-              <a:rPr lang="en-US" smtClean="0"/>
+              <a:rPr lang="en-US"/>
               <a:t>Second level</a:t>
             </a:r>
           </a:p>
           <a:p>
             <a:pPr lvl="2"/>
             <a:r>
-              <a:rPr lang="en-US" smtClean="0"/>
+              <a:rPr lang="en-US"/>
               <a:t>Third level</a:t>
             </a:r>
           </a:p>
           <a:p>
             <a:pPr lvl="3"/>
             <a:r>
-              <a:rPr lang="en-US" smtClean="0"/>
+              <a:rPr lang="en-US"/>
               <a:t>Fourth level</a:t>
             </a:r>
           </a:p>
           <a:p>
             <a:pPr lvl="4"/>
             <a:r>
-              <a:rPr lang="en-US" smtClean="0"/>
+              <a:rPr lang="en-US"/>
               <a:t>Fifth level</a:t>
             </a:r>
-            <a:endParaRPr lang="en-US"/>
           </a:p>
         </p:txBody>
       </p:sp>
@@ -416,7 +413,7 @@
           <a:p>
             <a:fld id="{A5E903F8-D08C-420F-92B0-BC9B547C8ADE}" type="datetimeFigureOut">
               <a:rPr lang="en-US" smtClean="0"/>
-              <a:t>1/16/2017</a:t>
+              <a:t>12/5/2017</a:t>
             </a:fld>
             <a:endParaRPr lang="en-US"/>
           </a:p>
@@ -515,10 +512,9 @@
           <a:lstStyle/>
           <a:p>
             <a:r>
-              <a:rPr lang="en-US" smtClean="0"/>
+              <a:rPr lang="en-US"/>
               <a:t>Click to edit Master title style</a:t>
             </a:r>
-            <a:endParaRPr lang="en-US"/>
           </a:p>
         </p:txBody>
       </p:sp>
@@ -544,38 +540,37 @@
           <a:p>
             <a:pPr lvl="0"/>
             <a:r>
-              <a:rPr lang="en-US" smtClean="0"/>
+              <a:rPr lang="en-US"/>
               <a:t>Click to edit Master text styles</a:t>
             </a:r>
           </a:p>
           <a:p>
             <a:pPr lvl="1"/>
             <a:r>
-              <a:rPr lang="en-US" smtClean="0"/>
+              <a:rPr lang="en-US"/>
               <a:t>Second level</a:t>
             </a:r>
           </a:p>
           <a:p>
             <a:pPr lvl="2"/>
             <a:r>
-              <a:rPr lang="en-US" smtClean="0"/>
+              <a:rPr lang="en-US"/>
               <a:t>Third level</a:t>
             </a:r>
           </a:p>
           <a:p>
             <a:pPr lvl="3"/>
             <a:r>
-              <a:rPr lang="en-US" smtClean="0"/>
+              <a:rPr lang="en-US"/>
               <a:t>Fourth level</a:t>
             </a:r>
           </a:p>
           <a:p>
             <a:pPr lvl="4"/>
             <a:r>
-              <a:rPr lang="en-US" smtClean="0"/>
+              <a:rPr lang="en-US"/>
               <a:t>Fifth level</a:t>
             </a:r>
-            <a:endParaRPr lang="en-US"/>
           </a:p>
         </p:txBody>
       </p:sp>
@@ -596,7 +591,7 @@
           <a:p>
             <a:fld id="{A5E903F8-D08C-420F-92B0-BC9B547C8ADE}" type="datetimeFigureOut">
               <a:rPr lang="en-US" smtClean="0"/>
-              <a:t>1/16/2017</a:t>
+              <a:t>12/5/2017</a:t>
             </a:fld>
             <a:endParaRPr lang="en-US"/>
           </a:p>
@@ -690,10 +685,9 @@
           <a:lstStyle/>
           <a:p>
             <a:r>
-              <a:rPr lang="en-US" smtClean="0"/>
+              <a:rPr lang="en-US"/>
               <a:t>Click to edit Master title style</a:t>
             </a:r>
-            <a:endParaRPr lang="en-US"/>
           </a:p>
         </p:txBody>
       </p:sp>
@@ -714,38 +708,37 @@
           <a:p>
             <a:pPr lvl="0"/>
             <a:r>
-              <a:rPr lang="en-US" smtClean="0"/>
+              <a:rPr lang="en-US"/>
               <a:t>Click to edit Master text styles</a:t>
             </a:r>
           </a:p>
           <a:p>
             <a:pPr lvl="1"/>
             <a:r>
-              <a:rPr lang="en-US" smtClean="0"/>
+              <a:rPr lang="en-US"/>
               <a:t>Second level</a:t>
             </a:r>
           </a:p>
           <a:p>
             <a:pPr lvl="2"/>
             <a:r>
-              <a:rPr lang="en-US" smtClean="0"/>
+              <a:rPr lang="en-US"/>
               <a:t>Third level</a:t>
             </a:r>
           </a:p>
           <a:p>
             <a:pPr lvl="3"/>
             <a:r>
-              <a:rPr lang="en-US" smtClean="0"/>
+              <a:rPr lang="en-US"/>
               <a:t>Fourth level</a:t>
             </a:r>
           </a:p>
           <a:p>
             <a:pPr lvl="4"/>
             <a:r>
-              <a:rPr lang="en-US" smtClean="0"/>
+              <a:rPr lang="en-US"/>
               <a:t>Fifth level</a:t>
             </a:r>
-            <a:endParaRPr lang="en-US"/>
           </a:p>
         </p:txBody>
       </p:sp>
@@ -766,7 +759,7 @@
           <a:p>
             <a:fld id="{A5E903F8-D08C-420F-92B0-BC9B547C8ADE}" type="datetimeFigureOut">
               <a:rPr lang="en-US" smtClean="0"/>
-              <a:t>1/16/2017</a:t>
+              <a:t>12/5/2017</a:t>
             </a:fld>
             <a:endParaRPr lang="en-US"/>
           </a:p>
@@ -869,10 +862,9 @@
           </a:lstStyle>
           <a:p>
             <a:r>
-              <a:rPr lang="en-US" smtClean="0"/>
+              <a:rPr lang="en-US"/>
               <a:t>Click to edit Master title style</a:t>
             </a:r>
-            <a:endParaRPr lang="en-US"/>
           </a:p>
         </p:txBody>
       </p:sp>
@@ -989,7 +981,7 @@
           <a:p>
             <a:pPr lvl="0"/>
             <a:r>
-              <a:rPr lang="en-US" smtClean="0"/>
+              <a:rPr lang="en-US"/>
               <a:t>Click to edit Master text styles</a:t>
             </a:r>
           </a:p>
@@ -1012,7 +1004,7 @@
           <a:p>
             <a:fld id="{A5E903F8-D08C-420F-92B0-BC9B547C8ADE}" type="datetimeFigureOut">
               <a:rPr lang="en-US" smtClean="0"/>
-              <a:t>1/16/2017</a:t>
+              <a:t>12/5/2017</a:t>
             </a:fld>
             <a:endParaRPr lang="en-US"/>
           </a:p>
@@ -1106,10 +1098,9 @@
           <a:lstStyle/>
           <a:p>
             <a:r>
-              <a:rPr lang="en-US" smtClean="0"/>
+              <a:rPr lang="en-US"/>
               <a:t>Click to edit Master title style</a:t>
             </a:r>
-            <a:endParaRPr lang="en-US"/>
           </a:p>
         </p:txBody>
       </p:sp>
@@ -1135,38 +1126,37 @@
           <a:p>
             <a:pPr lvl="0"/>
             <a:r>
-              <a:rPr lang="en-US" smtClean="0"/>
+              <a:rPr lang="en-US"/>
               <a:t>Click to edit Master text styles</a:t>
             </a:r>
           </a:p>
           <a:p>
             <a:pPr lvl="1"/>
             <a:r>
-              <a:rPr lang="en-US" smtClean="0"/>
+              <a:rPr lang="en-US"/>
               <a:t>Second level</a:t>
             </a:r>
           </a:p>
           <a:p>
             <a:pPr lvl="2"/>
             <a:r>
-              <a:rPr lang="en-US" smtClean="0"/>
+              <a:rPr lang="en-US"/>
               <a:t>Third level</a:t>
             </a:r>
           </a:p>
           <a:p>
             <a:pPr lvl="3"/>
             <a:r>
-              <a:rPr lang="en-US" smtClean="0"/>
+              <a:rPr lang="en-US"/>
               <a:t>Fourth level</a:t>
             </a:r>
           </a:p>
           <a:p>
             <a:pPr lvl="4"/>
             <a:r>
-              <a:rPr lang="en-US" smtClean="0"/>
+              <a:rPr lang="en-US"/>
               <a:t>Fifth level</a:t>
             </a:r>
-            <a:endParaRPr lang="en-US"/>
           </a:p>
         </p:txBody>
       </p:sp>
@@ -1192,38 +1182,37 @@
           <a:p>
             <a:pPr lvl="0"/>
             <a:r>
-              <a:rPr lang="en-US" smtClean="0"/>
+              <a:rPr lang="en-US"/>
               <a:t>Click to edit Master text styles</a:t>
             </a:r>
           </a:p>
           <a:p>
             <a:pPr lvl="1"/>
             <a:r>
-              <a:rPr lang="en-US" smtClean="0"/>
+              <a:rPr lang="en-US"/>
               <a:t>Second level</a:t>
             </a:r>
           </a:p>
           <a:p>
             <a:pPr lvl="2"/>
             <a:r>
-              <a:rPr lang="en-US" smtClean="0"/>
+              <a:rPr lang="en-US"/>
               <a:t>Third level</a:t>
             </a:r>
           </a:p>
           <a:p>
             <a:pPr lvl="3"/>
             <a:r>
-              <a:rPr lang="en-US" smtClean="0"/>
+              <a:rPr lang="en-US"/>
               <a:t>Fourth level</a:t>
             </a:r>
           </a:p>
           <a:p>
             <a:pPr lvl="4"/>
             <a:r>
-              <a:rPr lang="en-US" smtClean="0"/>
+              <a:rPr lang="en-US"/>
               <a:t>Fifth level</a:t>
             </a:r>
-            <a:endParaRPr lang="en-US"/>
           </a:p>
         </p:txBody>
       </p:sp>
@@ -1244,7 +1233,7 @@
           <a:p>
             <a:fld id="{A5E903F8-D08C-420F-92B0-BC9B547C8ADE}" type="datetimeFigureOut">
               <a:rPr lang="en-US" smtClean="0"/>
-              <a:t>1/16/2017</a:t>
+              <a:t>12/5/2017</a:t>
             </a:fld>
             <a:endParaRPr lang="en-US"/>
           </a:p>
@@ -1343,10 +1332,9 @@
           <a:lstStyle/>
           <a:p>
             <a:r>
-              <a:rPr lang="en-US" smtClean="0"/>
+              <a:rPr lang="en-US"/>
               <a:t>Click to edit Master title style</a:t>
             </a:r>
-            <a:endParaRPr lang="en-US"/>
           </a:p>
         </p:txBody>
       </p:sp>
@@ -1409,7 +1397,7 @@
           <a:p>
             <a:pPr lvl="0"/>
             <a:r>
-              <a:rPr lang="en-US" smtClean="0"/>
+              <a:rPr lang="en-US"/>
               <a:t>Click to edit Master text styles</a:t>
             </a:r>
           </a:p>
@@ -1437,38 +1425,37 @@
           <a:p>
             <a:pPr lvl="0"/>
             <a:r>
-              <a:rPr lang="en-US" smtClean="0"/>
+              <a:rPr lang="en-US"/>
               <a:t>Click to edit Master text styles</a:t>
             </a:r>
           </a:p>
           <a:p>
             <a:pPr lvl="1"/>
             <a:r>
-              <a:rPr lang="en-US" smtClean="0"/>
+              <a:rPr lang="en-US"/>
               <a:t>Second level</a:t>
             </a:r>
           </a:p>
           <a:p>
             <a:pPr lvl="2"/>
             <a:r>
-              <a:rPr lang="en-US" smtClean="0"/>
+              <a:rPr lang="en-US"/>
               <a:t>Third level</a:t>
             </a:r>
           </a:p>
           <a:p>
             <a:pPr lvl="3"/>
             <a:r>
-              <a:rPr lang="en-US" smtClean="0"/>
+              <a:rPr lang="en-US"/>
               <a:t>Fourth level</a:t>
             </a:r>
           </a:p>
           <a:p>
             <a:pPr lvl="4"/>
             <a:r>
-              <a:rPr lang="en-US" smtClean="0"/>
+              <a:rPr lang="en-US"/>
               <a:t>Fifth level</a:t>
             </a:r>
-            <a:endParaRPr lang="en-US"/>
           </a:p>
         </p:txBody>
       </p:sp>
@@ -1531,7 +1518,7 @@
           <a:p>
             <a:pPr lvl="0"/>
             <a:r>
-              <a:rPr lang="en-US" smtClean="0"/>
+              <a:rPr lang="en-US"/>
               <a:t>Click to edit Master text styles</a:t>
             </a:r>
           </a:p>
@@ -1559,38 +1546,37 @@
           <a:p>
             <a:pPr lvl="0"/>
             <a:r>
-              <a:rPr lang="en-US" smtClean="0"/>
+              <a:rPr lang="en-US"/>
               <a:t>Click to edit Master text styles</a:t>
             </a:r>
           </a:p>
           <a:p>
             <a:pPr lvl="1"/>
             <a:r>
-              <a:rPr lang="en-US" smtClean="0"/>
+              <a:rPr lang="en-US"/>
               <a:t>Second level</a:t>
             </a:r>
           </a:p>
           <a:p>
             <a:pPr lvl="2"/>
             <a:r>
-              <a:rPr lang="en-US" smtClean="0"/>
+              <a:rPr lang="en-US"/>
               <a:t>Third level</a:t>
             </a:r>
           </a:p>
           <a:p>
             <a:pPr lvl="3"/>
             <a:r>
-              <a:rPr lang="en-US" smtClean="0"/>
+              <a:rPr lang="en-US"/>
               <a:t>Fourth level</a:t>
             </a:r>
           </a:p>
           <a:p>
             <a:pPr lvl="4"/>
             <a:r>
-              <a:rPr lang="en-US" smtClean="0"/>
+              <a:rPr lang="en-US"/>
               <a:t>Fifth level</a:t>
             </a:r>
-            <a:endParaRPr lang="en-US"/>
           </a:p>
         </p:txBody>
       </p:sp>
@@ -1611,7 +1597,7 @@
           <a:p>
             <a:fld id="{A5E903F8-D08C-420F-92B0-BC9B547C8ADE}" type="datetimeFigureOut">
               <a:rPr lang="en-US" smtClean="0"/>
-              <a:t>1/16/2017</a:t>
+              <a:t>12/5/2017</a:t>
             </a:fld>
             <a:endParaRPr lang="en-US"/>
           </a:p>
@@ -1705,10 +1691,9 @@
           <a:lstStyle/>
           <a:p>
             <a:r>
-              <a:rPr lang="en-US" smtClean="0"/>
+              <a:rPr lang="en-US"/>
               <a:t>Click to edit Master title style</a:t>
             </a:r>
-            <a:endParaRPr lang="en-US"/>
           </a:p>
         </p:txBody>
       </p:sp>
@@ -1729,7 +1714,7 @@
           <a:p>
             <a:fld id="{A5E903F8-D08C-420F-92B0-BC9B547C8ADE}" type="datetimeFigureOut">
               <a:rPr lang="en-US" smtClean="0"/>
-              <a:t>1/16/2017</a:t>
+              <a:t>12/5/2017</a:t>
             </a:fld>
             <a:endParaRPr lang="en-US"/>
           </a:p>
@@ -1824,7 +1809,7 @@
           <a:p>
             <a:fld id="{A5E903F8-D08C-420F-92B0-BC9B547C8ADE}" type="datetimeFigureOut">
               <a:rPr lang="en-US" smtClean="0"/>
-              <a:t>1/16/2017</a:t>
+              <a:t>12/5/2017</a:t>
             </a:fld>
             <a:endParaRPr lang="en-US"/>
           </a:p>
@@ -1927,10 +1912,9 @@
           </a:lstStyle>
           <a:p>
             <a:r>
-              <a:rPr lang="en-US" smtClean="0"/>
+              <a:rPr lang="en-US"/>
               <a:t>Click to edit Master title style</a:t>
             </a:r>
-            <a:endParaRPr lang="en-US"/>
           </a:p>
         </p:txBody>
       </p:sp>
@@ -1984,38 +1968,37 @@
           <a:p>
             <a:pPr lvl="0"/>
             <a:r>
-              <a:rPr lang="en-US" smtClean="0"/>
+              <a:rPr lang="en-US"/>
               <a:t>Click to edit Master text styles</a:t>
             </a:r>
           </a:p>
           <a:p>
             <a:pPr lvl="1"/>
             <a:r>
-              <a:rPr lang="en-US" smtClean="0"/>
+              <a:rPr lang="en-US"/>
               <a:t>Second level</a:t>
             </a:r>
           </a:p>
           <a:p>
             <a:pPr lvl="2"/>
             <a:r>
-              <a:rPr lang="en-US" smtClean="0"/>
+              <a:rPr lang="en-US"/>
               <a:t>Third level</a:t>
             </a:r>
           </a:p>
           <a:p>
             <a:pPr lvl="3"/>
             <a:r>
-              <a:rPr lang="en-US" smtClean="0"/>
+              <a:rPr lang="en-US"/>
               <a:t>Fourth level</a:t>
             </a:r>
           </a:p>
           <a:p>
             <a:pPr lvl="4"/>
             <a:r>
-              <a:rPr lang="en-US" smtClean="0"/>
+              <a:rPr lang="en-US"/>
               <a:t>Fifth level</a:t>
             </a:r>
-            <a:endParaRPr lang="en-US"/>
           </a:p>
         </p:txBody>
       </p:sp>
@@ -2078,7 +2061,7 @@
           <a:p>
             <a:pPr lvl="0"/>
             <a:r>
-              <a:rPr lang="en-US" smtClean="0"/>
+              <a:rPr lang="en-US"/>
               <a:t>Click to edit Master text styles</a:t>
             </a:r>
           </a:p>
@@ -2101,7 +2084,7 @@
           <a:p>
             <a:fld id="{A5E903F8-D08C-420F-92B0-BC9B547C8ADE}" type="datetimeFigureOut">
               <a:rPr lang="en-US" smtClean="0"/>
-              <a:t>1/16/2017</a:t>
+              <a:t>12/5/2017</a:t>
             </a:fld>
             <a:endParaRPr lang="en-US"/>
           </a:p>
@@ -2204,10 +2187,9 @@
           </a:lstStyle>
           <a:p>
             <a:r>
-              <a:rPr lang="en-US" smtClean="0"/>
+              <a:rPr lang="en-US"/>
               <a:t>Click to edit Master title style</a:t>
             </a:r>
-            <a:endParaRPr lang="en-US"/>
           </a:p>
         </p:txBody>
       </p:sp>
@@ -2331,7 +2313,7 @@
           <a:p>
             <a:pPr lvl="0"/>
             <a:r>
-              <a:rPr lang="en-US" smtClean="0"/>
+              <a:rPr lang="en-US"/>
               <a:t>Click to edit Master text styles</a:t>
             </a:r>
           </a:p>
@@ -2354,7 +2336,7 @@
           <a:p>
             <a:fld id="{A5E903F8-D08C-420F-92B0-BC9B547C8ADE}" type="datetimeFigureOut">
               <a:rPr lang="en-US" smtClean="0"/>
-              <a:t>1/16/2017</a:t>
+              <a:t>12/5/2017</a:t>
             </a:fld>
             <a:endParaRPr lang="en-US"/>
           </a:p>
@@ -2463,10 +2445,9 @@
           <a:lstStyle/>
           <a:p>
             <a:r>
-              <a:rPr lang="en-US" smtClean="0"/>
+              <a:rPr lang="en-US"/>
               <a:t>Click to edit Master title style</a:t>
             </a:r>
-            <a:endParaRPr lang="en-US"/>
           </a:p>
         </p:txBody>
       </p:sp>
@@ -2497,38 +2478,37 @@
           <a:p>
             <a:pPr lvl="0"/>
             <a:r>
-              <a:rPr lang="en-US" smtClean="0"/>
+              <a:rPr lang="en-US"/>
               <a:t>Click to edit Master text styles</a:t>
             </a:r>
           </a:p>
           <a:p>
             <a:pPr lvl="1"/>
             <a:r>
-              <a:rPr lang="en-US" smtClean="0"/>
+              <a:rPr lang="en-US"/>
               <a:t>Second level</a:t>
             </a:r>
           </a:p>
           <a:p>
             <a:pPr lvl="2"/>
             <a:r>
-              <a:rPr lang="en-US" smtClean="0"/>
+              <a:rPr lang="en-US"/>
               <a:t>Third level</a:t>
             </a:r>
           </a:p>
           <a:p>
             <a:pPr lvl="3"/>
             <a:r>
-              <a:rPr lang="en-US" smtClean="0"/>
+              <a:rPr lang="en-US"/>
               <a:t>Fourth level</a:t>
             </a:r>
           </a:p>
           <a:p>
             <a:pPr lvl="4"/>
             <a:r>
-              <a:rPr lang="en-US" smtClean="0"/>
+              <a:rPr lang="en-US"/>
               <a:t>Fifth level</a:t>
             </a:r>
-            <a:endParaRPr lang="en-US"/>
           </a:p>
         </p:txBody>
       </p:sp>
@@ -2567,7 +2547,7 @@
           <a:p>
             <a:fld id="{A5E903F8-D08C-420F-92B0-BC9B547C8ADE}" type="datetimeFigureOut">
               <a:rPr lang="en-US" smtClean="0"/>
-              <a:t>1/16/2017</a:t>
+              <a:t>12/5/2017</a:t>
             </a:fld>
             <a:endParaRPr lang="en-US"/>
           </a:p>
@@ -3044,30 +3024,22 @@
           <a:p>
             <a:pPr algn="ctr"/>
             <a:r>
-              <a:rPr lang="de-DE" sz="1600" dirty="0" smtClean="0">
+              <a:rPr lang="de-DE" sz="1600" dirty="0">
                 <a:solidFill>
                   <a:schemeClr val="tx1"/>
                 </a:solidFill>
               </a:rPr>
               <a:t>Vor-/Rückwärts</a:t>
             </a:r>
-            <a:r>
-              <a:rPr lang="de-DE" sz="4000" dirty="0" smtClean="0">
-                <a:solidFill>
-                  <a:schemeClr val="tx1"/>
-                </a:solidFill>
-              </a:rPr>
-              <a:t/>
-            </a:r>
             <a:br>
-              <a:rPr lang="de-DE" sz="4000" dirty="0" smtClean="0">
+              <a:rPr lang="de-DE" sz="4000" dirty="0">
                 <a:solidFill>
                   <a:schemeClr val="tx1"/>
                 </a:solidFill>
               </a:rPr>
             </a:br>
             <a:r>
-              <a:rPr lang="de-DE" sz="600" dirty="0" err="1" smtClean="0">
+              <a:rPr lang="de-DE" sz="600" dirty="0" err="1">
                 <a:solidFill>
                   <a:schemeClr val="tx1"/>
                 </a:solidFill>
@@ -3132,30 +3104,22 @@
           <a:p>
             <a:pPr algn="ctr"/>
             <a:r>
-              <a:rPr lang="de-DE" sz="1600" dirty="0" smtClean="0">
+              <a:rPr lang="de-DE" sz="1600" dirty="0">
                 <a:solidFill>
                   <a:schemeClr val="tx1"/>
                 </a:solidFill>
               </a:rPr>
               <a:t>Gang +</a:t>
             </a:r>
-            <a:r>
-              <a:rPr lang="de-DE" sz="4000" dirty="0" smtClean="0">
-                <a:solidFill>
-                  <a:schemeClr val="tx1"/>
-                </a:solidFill>
-              </a:rPr>
-              <a:t/>
-            </a:r>
             <a:br>
-              <a:rPr lang="de-DE" sz="4000" dirty="0" smtClean="0">
+              <a:rPr lang="de-DE" sz="4000" dirty="0">
                 <a:solidFill>
                   <a:schemeClr val="tx1"/>
                 </a:solidFill>
               </a:rPr>
             </a:br>
             <a:r>
-              <a:rPr lang="de-DE" sz="600" dirty="0" err="1" smtClean="0">
+              <a:rPr lang="de-DE" sz="600" dirty="0" err="1">
                 <a:solidFill>
                   <a:schemeClr val="tx1"/>
                 </a:solidFill>
@@ -3220,7 +3184,7 @@
           <a:lstStyle/>
           <a:p>
             <a:pPr algn="ctr"/>
-            <a:endParaRPr lang="en-US" sz="1600" dirty="0" smtClean="0">
+            <a:endParaRPr lang="en-US" sz="1600" dirty="0">
               <a:solidFill>
                 <a:schemeClr val="tx1"/>
               </a:solidFill>
@@ -3275,30 +3239,22 @@
           <a:p>
             <a:pPr algn="ctr"/>
             <a:r>
-              <a:rPr lang="de-DE" sz="1600" dirty="0" smtClean="0">
+              <a:rPr lang="de-DE" sz="1600" dirty="0">
                 <a:solidFill>
                   <a:schemeClr val="tx1"/>
                 </a:solidFill>
               </a:rPr>
               <a:t>Gang -</a:t>
             </a:r>
-            <a:r>
-              <a:rPr lang="de-DE" sz="4000" dirty="0" smtClean="0">
-                <a:solidFill>
-                  <a:schemeClr val="tx1"/>
-                </a:solidFill>
-              </a:rPr>
-              <a:t/>
-            </a:r>
             <a:br>
-              <a:rPr lang="de-DE" sz="4000" dirty="0" smtClean="0">
+              <a:rPr lang="de-DE" sz="4000" dirty="0">
                 <a:solidFill>
                   <a:schemeClr val="tx1"/>
                 </a:solidFill>
               </a:rPr>
             </a:br>
             <a:r>
-              <a:rPr lang="de-DE" sz="600" dirty="0" err="1" smtClean="0">
+              <a:rPr lang="de-DE" sz="600" dirty="0" err="1">
                 <a:solidFill>
                   <a:schemeClr val="tx1"/>
                 </a:solidFill>
@@ -3360,7 +3316,7 @@
           <a:lstStyle/>
           <a:p>
             <a:pPr algn="ctr"/>
-            <a:endParaRPr lang="en-US" sz="1600" dirty="0" smtClean="0">
+            <a:endParaRPr lang="en-US" sz="1600" dirty="0">
               <a:solidFill>
                 <a:schemeClr val="tx1"/>
               </a:solidFill>
@@ -3415,7 +3371,7 @@
           <a:lstStyle/>
           <a:p>
             <a:pPr algn="ctr"/>
-            <a:endParaRPr lang="en-US" sz="1600" dirty="0" smtClean="0">
+            <a:endParaRPr lang="en-US" sz="1600" dirty="0">
               <a:solidFill>
                 <a:schemeClr val="tx1"/>
               </a:solidFill>
@@ -3473,7 +3429,7 @@
           <a:lstStyle/>
           <a:p>
             <a:pPr algn="ctr"/>
-            <a:endParaRPr lang="en-US" sz="1600" dirty="0" smtClean="0">
+            <a:endParaRPr lang="en-US" sz="1600" dirty="0">
               <a:solidFill>
                 <a:schemeClr val="tx1"/>
               </a:solidFill>
@@ -3528,7 +3484,7 @@
           <a:lstStyle/>
           <a:p>
             <a:pPr algn="ctr"/>
-            <a:endParaRPr lang="en-US" sz="1600" dirty="0" smtClean="0">
+            <a:endParaRPr lang="en-US" sz="1600" dirty="0">
               <a:solidFill>
                 <a:schemeClr val="tx1"/>
               </a:solidFill>
@@ -3586,7 +3542,7 @@
           <a:lstStyle/>
           <a:p>
             <a:pPr algn="ctr"/>
-            <a:endParaRPr lang="en-US" sz="1600" dirty="0" smtClean="0">
+            <a:endParaRPr lang="en-US" sz="1600" dirty="0">
               <a:solidFill>
                 <a:schemeClr val="tx1"/>
               </a:solidFill>
@@ -3644,7 +3600,7 @@
           <a:lstStyle/>
           <a:p>
             <a:pPr algn="ctr"/>
-            <a:endParaRPr lang="en-US" sz="1600" dirty="0" smtClean="0">
+            <a:endParaRPr lang="en-US" sz="1600" dirty="0">
               <a:solidFill>
                 <a:schemeClr val="tx1"/>
               </a:solidFill>
@@ -3699,7 +3655,7 @@
           <a:lstStyle/>
           <a:p>
             <a:pPr algn="ctr"/>
-            <a:endParaRPr lang="en-US" sz="1600" dirty="0" smtClean="0">
+            <a:endParaRPr lang="en-US" sz="1600" dirty="0">
               <a:solidFill>
                 <a:schemeClr val="tx1"/>
               </a:solidFill>
@@ -3754,7 +3710,7 @@
           <a:lstStyle/>
           <a:p>
             <a:pPr algn="ctr"/>
-            <a:endParaRPr lang="en-US" sz="1600" dirty="0" smtClean="0">
+            <a:endParaRPr lang="en-US" sz="1600" dirty="0">
               <a:solidFill>
                 <a:schemeClr val="tx1"/>
               </a:solidFill>
@@ -3809,30 +3765,22 @@
           <a:p>
             <a:pPr algn="ctr"/>
             <a:r>
-              <a:rPr lang="de-DE" sz="1600" dirty="0" smtClean="0">
+              <a:rPr lang="de-DE" sz="1600" dirty="0">
                 <a:solidFill>
                   <a:schemeClr val="tx1"/>
                 </a:solidFill>
               </a:rPr>
               <a:t>Neutral</a:t>
             </a:r>
-            <a:r>
-              <a:rPr lang="de-DE" sz="4000" dirty="0" smtClean="0">
-                <a:solidFill>
-                  <a:schemeClr val="tx1"/>
-                </a:solidFill>
-              </a:rPr>
-              <a:t/>
-            </a:r>
             <a:br>
-              <a:rPr lang="de-DE" sz="4000" dirty="0" smtClean="0">
+              <a:rPr lang="de-DE" sz="4000" dirty="0">
                 <a:solidFill>
                   <a:schemeClr val="tx1"/>
                 </a:solidFill>
               </a:rPr>
             </a:br>
             <a:r>
-              <a:rPr lang="de-DE" sz="600" dirty="0" err="1" smtClean="0">
+              <a:rPr lang="de-DE" sz="600" dirty="0" err="1">
                 <a:solidFill>
                   <a:schemeClr val="tx1"/>
                 </a:solidFill>
@@ -3897,30 +3845,22 @@
           <a:p>
             <a:pPr algn="ctr"/>
             <a:r>
-              <a:rPr lang="de-DE" sz="1600" dirty="0" smtClean="0">
+              <a:rPr lang="de-DE" sz="1600" dirty="0">
                 <a:solidFill>
                   <a:schemeClr val="tx1"/>
                 </a:solidFill>
               </a:rPr>
               <a:t>Handgas -</a:t>
             </a:r>
-            <a:r>
-              <a:rPr lang="de-DE" sz="4000" dirty="0" smtClean="0">
-                <a:solidFill>
-                  <a:schemeClr val="tx1"/>
-                </a:solidFill>
-              </a:rPr>
-              <a:t/>
-            </a:r>
             <a:br>
-              <a:rPr lang="de-DE" sz="4000" dirty="0" smtClean="0">
+              <a:rPr lang="de-DE" sz="4000" dirty="0">
                 <a:solidFill>
                   <a:schemeClr val="tx1"/>
                 </a:solidFill>
               </a:rPr>
             </a:br>
             <a:r>
-              <a:rPr lang="de-DE" sz="600" dirty="0" err="1" smtClean="0">
+              <a:rPr lang="de-DE" sz="600" dirty="0" err="1">
                 <a:solidFill>
                   <a:schemeClr val="tx1"/>
                 </a:solidFill>
@@ -3982,30 +3922,22 @@
           <a:p>
             <a:pPr algn="ctr"/>
             <a:r>
-              <a:rPr lang="de-DE" sz="1600" dirty="0" smtClean="0">
+              <a:rPr lang="de-DE" sz="1600" dirty="0">
                 <a:solidFill>
                   <a:schemeClr val="tx1"/>
                 </a:solidFill>
               </a:rPr>
               <a:t>Handgas +</a:t>
             </a:r>
-            <a:r>
-              <a:rPr lang="de-DE" sz="4000" dirty="0" smtClean="0">
-                <a:solidFill>
-                  <a:schemeClr val="tx1"/>
-                </a:solidFill>
-              </a:rPr>
-              <a:t/>
-            </a:r>
             <a:br>
-              <a:rPr lang="de-DE" sz="4000" dirty="0" smtClean="0">
+              <a:rPr lang="de-DE" sz="4000" dirty="0">
                 <a:solidFill>
                   <a:schemeClr val="tx1"/>
                 </a:solidFill>
               </a:rPr>
             </a:br>
             <a:r>
-              <a:rPr lang="de-DE" sz="600" dirty="0" err="1" smtClean="0">
+              <a:rPr lang="de-DE" sz="600" dirty="0" err="1">
                 <a:solidFill>
                   <a:schemeClr val="tx1"/>
                 </a:solidFill>
@@ -4067,30 +3999,22 @@
           <a:p>
             <a:pPr algn="ctr"/>
             <a:r>
-              <a:rPr lang="de-DE" sz="1600" dirty="0" smtClean="0">
+              <a:rPr lang="de-DE" sz="1600" dirty="0">
                 <a:solidFill>
                   <a:schemeClr val="tx1"/>
                 </a:solidFill>
               </a:rPr>
               <a:t>Kupplung</a:t>
             </a:r>
-            <a:r>
-              <a:rPr lang="de-DE" sz="4000" dirty="0" smtClean="0">
-                <a:solidFill>
-                  <a:schemeClr val="tx1"/>
-                </a:solidFill>
-              </a:rPr>
-              <a:t/>
-            </a:r>
             <a:br>
-              <a:rPr lang="de-DE" sz="4000" dirty="0" smtClean="0">
+              <a:rPr lang="de-DE" sz="4000" dirty="0">
                 <a:solidFill>
                   <a:schemeClr val="tx1"/>
                 </a:solidFill>
               </a:rPr>
             </a:br>
             <a:r>
-              <a:rPr lang="de-DE" sz="600" dirty="0" err="1" smtClean="0">
+              <a:rPr lang="de-DE" sz="600" dirty="0" err="1">
                 <a:solidFill>
                   <a:schemeClr val="tx1"/>
                 </a:solidFill>
@@ -4155,7 +4079,7 @@
           <a:p>
             <a:pPr algn="ctr"/>
             <a:r>
-              <a:rPr lang="de-DE" sz="1600" dirty="0" err="1" smtClean="0">
+              <a:rPr lang="de-DE" sz="1600" dirty="0" err="1">
                 <a:solidFill>
                   <a:schemeClr val="tx1"/>
                 </a:solidFill>
@@ -4163,30 +4087,22 @@
               <a:t>Hud</a:t>
             </a:r>
             <a:r>
-              <a:rPr lang="de-DE" sz="1600" dirty="0" smtClean="0">
+              <a:rPr lang="de-DE" sz="1600" dirty="0">
                 <a:solidFill>
                   <a:schemeClr val="tx1"/>
                 </a:solidFill>
               </a:rPr>
               <a:t> an/aus</a:t>
             </a:r>
-            <a:r>
-              <a:rPr lang="de-DE" sz="4000" dirty="0" smtClean="0">
-                <a:solidFill>
-                  <a:schemeClr val="tx1"/>
-                </a:solidFill>
-              </a:rPr>
-              <a:t/>
-            </a:r>
             <a:br>
-              <a:rPr lang="de-DE" sz="4000" dirty="0" smtClean="0">
+              <a:rPr lang="de-DE" sz="4000" dirty="0">
                 <a:solidFill>
                   <a:schemeClr val="tx1"/>
                 </a:solidFill>
               </a:rPr>
             </a:br>
             <a:r>
-              <a:rPr lang="de-DE" sz="600" dirty="0" err="1" smtClean="0">
+              <a:rPr lang="de-DE" sz="600" dirty="0" err="1">
                 <a:solidFill>
                   <a:schemeClr val="tx1"/>
                 </a:solidFill>
@@ -4251,30 +4167,22 @@
           <a:p>
             <a:pPr algn="ctr"/>
             <a:r>
-              <a:rPr lang="de-DE" sz="1600" dirty="0" smtClean="0">
+              <a:rPr lang="de-DE" sz="1600" dirty="0">
                 <a:solidFill>
                   <a:schemeClr val="tx1"/>
                 </a:solidFill>
               </a:rPr>
               <a:t>Gruppe +</a:t>
             </a:r>
-            <a:r>
-              <a:rPr lang="de-DE" sz="4000" dirty="0" smtClean="0">
-                <a:solidFill>
-                  <a:schemeClr val="tx1"/>
-                </a:solidFill>
-              </a:rPr>
-              <a:t/>
-            </a:r>
             <a:br>
-              <a:rPr lang="de-DE" sz="4000" dirty="0" smtClean="0">
+              <a:rPr lang="de-DE" sz="4000" dirty="0">
                 <a:solidFill>
                   <a:schemeClr val="tx1"/>
                 </a:solidFill>
               </a:rPr>
             </a:br>
             <a:r>
-              <a:rPr lang="de-DE" sz="600" dirty="0" err="1" smtClean="0">
+              <a:rPr lang="de-DE" sz="600" dirty="0" err="1">
                 <a:solidFill>
                   <a:schemeClr val="tx1"/>
                 </a:solidFill>
@@ -4336,30 +4244,22 @@
           <a:p>
             <a:pPr algn="ctr"/>
             <a:r>
-              <a:rPr lang="de-DE" sz="1600" dirty="0" smtClean="0">
+              <a:rPr lang="de-DE" sz="1600" dirty="0">
                 <a:solidFill>
                   <a:schemeClr val="tx1"/>
                 </a:solidFill>
               </a:rPr>
               <a:t>Gruppe -</a:t>
             </a:r>
-            <a:r>
-              <a:rPr lang="de-DE" sz="4000" dirty="0" smtClean="0">
-                <a:solidFill>
-                  <a:schemeClr val="tx1"/>
-                </a:solidFill>
-              </a:rPr>
-              <a:t/>
-            </a:r>
             <a:br>
-              <a:rPr lang="de-DE" sz="4000" dirty="0" smtClean="0">
+              <a:rPr lang="de-DE" sz="4000" dirty="0">
                 <a:solidFill>
                   <a:schemeClr val="tx1"/>
                 </a:solidFill>
               </a:rPr>
             </a:br>
             <a:r>
-              <a:rPr lang="de-DE" sz="600" dirty="0" err="1" smtClean="0">
+              <a:rPr lang="de-DE" sz="600" dirty="0" err="1">
                 <a:solidFill>
                   <a:schemeClr val="tx1"/>
                 </a:solidFill>
@@ -4777,30 +4677,22 @@
           <a:p>
             <a:pPr algn="ctr"/>
             <a:r>
-              <a:rPr lang="de-DE" sz="1600" dirty="0" smtClean="0">
+              <a:rPr lang="de-DE" sz="1600" dirty="0">
                 <a:solidFill>
                   <a:schemeClr val="tx1"/>
                 </a:solidFill>
               </a:rPr>
               <a:t>Tempomat +</a:t>
             </a:r>
-            <a:r>
-              <a:rPr lang="de-DE" sz="4000" dirty="0" smtClean="0">
-                <a:solidFill>
-                  <a:schemeClr val="tx1"/>
-                </a:solidFill>
-              </a:rPr>
-              <a:t/>
-            </a:r>
             <a:br>
-              <a:rPr lang="de-DE" sz="4000" dirty="0" smtClean="0">
+              <a:rPr lang="de-DE" sz="4000" dirty="0">
                 <a:solidFill>
                   <a:schemeClr val="tx1"/>
                 </a:solidFill>
               </a:rPr>
             </a:br>
             <a:r>
-              <a:rPr lang="de-DE" sz="600" dirty="0" smtClean="0">
+              <a:rPr lang="de-DE" sz="600" dirty="0">
                 <a:solidFill>
                   <a:schemeClr val="tx1"/>
                 </a:solidFill>
@@ -4864,30 +4756,22 @@
           <a:p>
             <a:pPr algn="ctr"/>
             <a:r>
-              <a:rPr lang="de-DE" sz="1600" dirty="0" smtClean="0">
+              <a:rPr lang="de-DE" sz="1600" dirty="0">
                 <a:solidFill>
                   <a:schemeClr val="tx1"/>
                 </a:solidFill>
               </a:rPr>
               <a:t>Tempomat -</a:t>
             </a:r>
-            <a:r>
-              <a:rPr lang="de-DE" sz="4000" dirty="0" smtClean="0">
-                <a:solidFill>
-                  <a:schemeClr val="tx1"/>
-                </a:solidFill>
-              </a:rPr>
-              <a:t/>
-            </a:r>
             <a:br>
-              <a:rPr lang="de-DE" sz="4000" dirty="0" smtClean="0">
+              <a:rPr lang="de-DE" sz="4000" dirty="0">
                 <a:solidFill>
                   <a:schemeClr val="tx1"/>
                 </a:solidFill>
               </a:rPr>
             </a:br>
             <a:r>
-              <a:rPr lang="de-DE" sz="600" dirty="0" smtClean="0">
+              <a:rPr lang="de-DE" sz="600" dirty="0">
                 <a:solidFill>
                   <a:schemeClr val="tx1"/>
                 </a:solidFill>
@@ -5032,7 +4916,7 @@
           <a:lstStyle/>
           <a:p>
             <a:pPr algn="ctr"/>
-            <a:endParaRPr lang="en-US" sz="1600" dirty="0" smtClean="0">
+            <a:endParaRPr lang="en-US" sz="1600" dirty="0">
               <a:solidFill>
                 <a:schemeClr val="tx1"/>
               </a:solidFill>
@@ -5090,7 +4974,7 @@
           <a:lstStyle/>
           <a:p>
             <a:pPr algn="ctr"/>
-            <a:endParaRPr lang="en-US" sz="1600" dirty="0" smtClean="0">
+            <a:endParaRPr lang="en-US" sz="1600" dirty="0">
               <a:solidFill>
                 <a:schemeClr val="tx1"/>
               </a:solidFill>
@@ -5148,30 +5032,22 @@
           <a:p>
             <a:pPr algn="ctr"/>
             <a:r>
-              <a:rPr lang="de-DE" sz="1600" dirty="0" smtClean="0">
+              <a:rPr lang="de-DE" sz="1600" dirty="0">
                 <a:solidFill>
                   <a:schemeClr val="tx1"/>
                 </a:solidFill>
               </a:rPr>
               <a:t>Tempomat an/aus</a:t>
             </a:r>
-            <a:r>
-              <a:rPr lang="de-DE" sz="4000" dirty="0" smtClean="0">
-                <a:solidFill>
-                  <a:schemeClr val="tx1"/>
-                </a:solidFill>
-              </a:rPr>
-              <a:t/>
-            </a:r>
             <a:br>
-              <a:rPr lang="de-DE" sz="4000" dirty="0" smtClean="0">
+              <a:rPr lang="de-DE" sz="4000" dirty="0">
                 <a:solidFill>
                   <a:schemeClr val="tx1"/>
                 </a:solidFill>
               </a:rPr>
             </a:br>
             <a:r>
-              <a:rPr lang="de-DE" sz="600" dirty="0" smtClean="0">
+              <a:rPr lang="de-DE" sz="600" dirty="0">
                 <a:solidFill>
                   <a:schemeClr val="tx1"/>
                 </a:solidFill>
@@ -5236,7 +5112,7 @@
           <a:lstStyle/>
           <a:p>
             <a:pPr algn="ctr"/>
-            <a:endParaRPr lang="en-US" sz="1600" dirty="0" smtClean="0">
+            <a:endParaRPr lang="en-US" sz="1600" dirty="0">
               <a:solidFill>
                 <a:schemeClr val="tx1"/>
               </a:solidFill>
@@ -5291,7 +5167,7 @@
           <a:lstStyle/>
           <a:p>
             <a:pPr algn="ctr"/>
-            <a:endParaRPr lang="en-US" sz="1600" dirty="0" smtClean="0">
+            <a:endParaRPr lang="en-US" sz="1600" dirty="0">
               <a:solidFill>
                 <a:schemeClr val="tx1"/>
               </a:solidFill>
@@ -5387,7 +5263,7 @@
           <a:p>
             <a:pPr algn="ctr"/>
             <a:r>
-              <a:rPr lang="de-DE" sz="1600" dirty="0" smtClean="0">
+              <a:rPr lang="de-DE" sz="1600" dirty="0">
                 <a:solidFill>
                   <a:schemeClr val="tx1"/>
                 </a:solidFill>
@@ -5395,7 +5271,7 @@
               <a:t>Tempomat </a:t>
             </a:r>
             <a:r>
-              <a:rPr lang="de-DE" sz="1600" dirty="0" err="1" smtClean="0">
+              <a:rPr lang="de-DE" sz="1600" dirty="0" err="1">
                 <a:solidFill>
                   <a:schemeClr val="tx1"/>
                 </a:solidFill>
@@ -5403,7 +5279,7 @@
               <a:t>Geschw</a:t>
             </a:r>
             <a:r>
-              <a:rPr lang="de-DE" sz="1600" dirty="0" smtClean="0">
+              <a:rPr lang="de-DE" sz="1600" dirty="0">
                 <a:solidFill>
                   <a:schemeClr val="tx1"/>
                 </a:solidFill>
@@ -5477,13 +5353,6 @@
   <p:clrMapOvr>
     <a:masterClrMapping/>
   </p:clrMapOvr>
-  <p:timing>
-    <p:tnLst>
-      <p:par>
-        <p:cTn id="1" dur="indefinite" restart="never" nodeType="tmRoot"/>
-      </p:par>
-    </p:tnLst>
-  </p:timing>
 </p:sld>
 </file>
 
@@ -5574,7 +5443,7 @@
           <a:lstStyle/>
           <a:p>
             <a:pPr algn="ctr"/>
-            <a:endParaRPr lang="en-US" sz="1600" dirty="0" smtClean="0">
+            <a:endParaRPr lang="en-US" sz="1600" dirty="0">
               <a:solidFill>
                 <a:schemeClr val="tx1"/>
               </a:solidFill>
@@ -5632,7 +5501,7 @@
           <a:lstStyle/>
           <a:p>
             <a:pPr algn="ctr"/>
-            <a:endParaRPr lang="en-US" sz="1600" dirty="0" smtClean="0">
+            <a:endParaRPr lang="en-US" sz="1600" dirty="0">
               <a:solidFill>
                 <a:schemeClr val="tx1"/>
               </a:solidFill>
@@ -5687,7 +5556,7 @@
           <a:lstStyle/>
           <a:p>
             <a:pPr algn="ctr"/>
-            <a:endParaRPr lang="en-US" sz="1600" dirty="0" smtClean="0">
+            <a:endParaRPr lang="en-US" sz="1600" dirty="0">
               <a:solidFill>
                 <a:schemeClr val="tx1"/>
               </a:solidFill>
@@ -5742,30 +5611,22 @@
           <a:p>
             <a:pPr algn="ctr"/>
             <a:r>
-              <a:rPr lang="de-DE" sz="1600" dirty="0" smtClean="0">
+              <a:rPr lang="de-DE" sz="1600" dirty="0">
                 <a:solidFill>
                   <a:schemeClr val="tx1"/>
                 </a:solidFill>
               </a:rPr>
               <a:t>Getriebe an/aus</a:t>
             </a:r>
-            <a:r>
-              <a:rPr lang="de-DE" sz="4000" dirty="0" smtClean="0">
-                <a:solidFill>
-                  <a:schemeClr val="tx1"/>
-                </a:solidFill>
-              </a:rPr>
-              <a:t/>
-            </a:r>
             <a:br>
-              <a:rPr lang="de-DE" sz="4000" dirty="0" smtClean="0">
+              <a:rPr lang="de-DE" sz="4000" dirty="0">
                 <a:solidFill>
                   <a:schemeClr val="tx1"/>
                 </a:solidFill>
               </a:rPr>
             </a:br>
             <a:r>
-              <a:rPr lang="de-DE" sz="600" dirty="0" err="1" smtClean="0">
+              <a:rPr lang="de-DE" sz="600" dirty="0" err="1">
                 <a:solidFill>
                   <a:schemeClr val="tx1"/>
                 </a:solidFill>
@@ -5830,30 +5691,22 @@
           <a:p>
             <a:pPr algn="ctr"/>
             <a:r>
-              <a:rPr lang="de-DE" sz="1600" dirty="0" smtClean="0">
+              <a:rPr lang="de-DE" sz="1600" dirty="0">
                 <a:solidFill>
                   <a:schemeClr val="tx1"/>
                 </a:solidFill>
               </a:rPr>
               <a:t>Gruppe 2 +</a:t>
             </a:r>
-            <a:r>
-              <a:rPr lang="de-DE" sz="4000" dirty="0" smtClean="0">
-                <a:solidFill>
-                  <a:schemeClr val="tx1"/>
-                </a:solidFill>
-              </a:rPr>
-              <a:t/>
-            </a:r>
             <a:br>
-              <a:rPr lang="de-DE" sz="4000" dirty="0" smtClean="0">
+              <a:rPr lang="de-DE" sz="4000" dirty="0">
                 <a:solidFill>
                   <a:schemeClr val="tx1"/>
                 </a:solidFill>
               </a:rPr>
             </a:br>
             <a:r>
-              <a:rPr lang="de-DE" sz="600" dirty="0" smtClean="0">
+              <a:rPr lang="de-DE" sz="600" dirty="0">
                 <a:solidFill>
                   <a:schemeClr val="tx1"/>
                 </a:solidFill>
@@ -5915,30 +5768,22 @@
           <a:p>
             <a:pPr algn="ctr"/>
             <a:r>
-              <a:rPr lang="de-DE" sz="1600" dirty="0" smtClean="0">
+              <a:rPr lang="de-DE" sz="1600" dirty="0">
                 <a:solidFill>
                   <a:schemeClr val="tx1"/>
                 </a:solidFill>
               </a:rPr>
               <a:t>Gruppe 2 -</a:t>
             </a:r>
-            <a:r>
-              <a:rPr lang="de-DE" sz="4000" dirty="0" smtClean="0">
-                <a:solidFill>
-                  <a:schemeClr val="tx1"/>
-                </a:solidFill>
-              </a:rPr>
-              <a:t/>
-            </a:r>
             <a:br>
-              <a:rPr lang="de-DE" sz="4000" dirty="0" smtClean="0">
+              <a:rPr lang="de-DE" sz="4000" dirty="0">
                 <a:solidFill>
                   <a:schemeClr val="tx1"/>
                 </a:solidFill>
               </a:rPr>
             </a:br>
             <a:r>
-              <a:rPr lang="de-DE" sz="500" dirty="0" smtClean="0">
+              <a:rPr lang="de-DE" sz="500" dirty="0">
                 <a:solidFill>
                   <a:schemeClr val="tx1"/>
                 </a:solidFill>
@@ -6122,7 +5967,7 @@
           <a:p>
             <a:pPr algn="ctr"/>
             <a:r>
-              <a:rPr lang="de-DE" sz="1000" dirty="0" smtClean="0">
+              <a:rPr lang="de-DE" sz="1000" dirty="0">
                 <a:solidFill>
                   <a:schemeClr val="tx1"/>
                 </a:solidFill>
@@ -6130,7 +5975,7 @@
               <a:t>Zusammen mit </a:t>
             </a:r>
             <a:r>
-              <a:rPr lang="de-DE" sz="1000" dirty="0" err="1" smtClean="0">
+              <a:rPr lang="de-DE" sz="1000" dirty="0" err="1">
                 <a:solidFill>
                   <a:schemeClr val="tx1"/>
                 </a:solidFill>
@@ -6138,14 +5983,14 @@
               <a:t>Umschalt</a:t>
             </a:r>
             <a:r>
-              <a:rPr lang="de-DE" sz="1000" dirty="0" smtClean="0">
+              <a:rPr lang="de-DE" sz="1000" dirty="0">
                 <a:solidFill>
                   <a:schemeClr val="tx1"/>
                 </a:solidFill>
               </a:rPr>
               <a:t> rechts</a:t>
             </a:r>
-            <a:endParaRPr lang="en-US" sz="1000" dirty="0" smtClean="0">
+            <a:endParaRPr lang="en-US" sz="1000" dirty="0">
               <a:solidFill>
                 <a:schemeClr val="tx1"/>
               </a:solidFill>
@@ -6203,23 +6048,15 @@
           <a:p>
             <a:pPr algn="ctr"/>
             <a:r>
-              <a:rPr lang="de-DE" sz="1600" dirty="0" smtClean="0">
+              <a:rPr lang="de-DE" sz="1600" dirty="0">
                 <a:solidFill>
                   <a:schemeClr val="tx1"/>
                 </a:solidFill>
               </a:rPr>
               <a:t>Tempomat Beschleunigung +</a:t>
             </a:r>
-            <a:r>
-              <a:rPr lang="de-DE" sz="4000" dirty="0" smtClean="0">
-                <a:solidFill>
-                  <a:schemeClr val="tx1"/>
-                </a:solidFill>
-              </a:rPr>
-              <a:t/>
-            </a:r>
             <a:br>
-              <a:rPr lang="de-DE" sz="4000" dirty="0" smtClean="0">
+              <a:rPr lang="de-DE" sz="4000" dirty="0">
                 <a:solidFill>
                   <a:schemeClr val="tx1"/>
                 </a:solidFill>
@@ -6291,7 +6128,7 @@
           <a:lstStyle/>
           <a:p>
             <a:pPr algn="ctr"/>
-            <a:endParaRPr lang="en-US" sz="1600" dirty="0" smtClean="0">
+            <a:endParaRPr lang="en-US" sz="1600" dirty="0">
               <a:solidFill>
                 <a:schemeClr val="tx1"/>
               </a:solidFill>
@@ -6351,26 +6188,10 @@
                   <a:schemeClr val="tx1"/>
                 </a:solidFill>
               </a:rPr>
-              <a:t>Tempomat Beschleunigung</a:t>
-            </a:r>
-            <a:r>
-              <a:rPr lang="de-DE" sz="1600" dirty="0" smtClean="0">
-                <a:solidFill>
-                  <a:schemeClr val="tx1"/>
-                </a:solidFill>
-              </a:rPr>
-              <a:t> -</a:t>
-            </a:r>
-            <a:r>
-              <a:rPr lang="de-DE" sz="4000" dirty="0" smtClean="0">
-                <a:solidFill>
-                  <a:schemeClr val="tx1"/>
-                </a:solidFill>
-              </a:rPr>
-              <a:t/>
+              <a:t>Tempomat Beschleunigung -</a:t>
             </a:r>
             <a:br>
-              <a:rPr lang="de-DE" sz="4000" dirty="0" smtClean="0">
+              <a:rPr lang="de-DE" sz="4000" dirty="0">
                 <a:solidFill>
                   <a:schemeClr val="tx1"/>
                 </a:solidFill>
@@ -6439,7 +6260,7 @@
           <a:lstStyle/>
           <a:p>
             <a:pPr algn="ctr"/>
-            <a:endParaRPr lang="en-US" sz="1600" dirty="0" smtClean="0">
+            <a:endParaRPr lang="en-US" sz="1600" dirty="0">
               <a:solidFill>
                 <a:schemeClr val="tx1"/>
               </a:solidFill>
@@ -6576,14 +6397,14 @@
           <a:p>
             <a:pPr algn="ctr"/>
             <a:r>
-              <a:rPr lang="de-DE" sz="1600" dirty="0" err="1" smtClean="0">
+              <a:rPr lang="de-DE" sz="1600" dirty="0" err="1">
                 <a:solidFill>
                   <a:schemeClr val="tx1"/>
                 </a:solidFill>
               </a:rPr>
               <a:t>Geschwindig-keitsbegrenzer</a:t>
             </a:r>
-            <a:endParaRPr lang="de-DE" sz="1600" dirty="0" smtClean="0">
+            <a:endParaRPr lang="de-DE" sz="1600" dirty="0">
               <a:solidFill>
                 <a:schemeClr val="tx1"/>
               </a:solidFill>
@@ -6592,7 +6413,7 @@
           <a:p>
             <a:pPr algn="ctr"/>
             <a:r>
-              <a:rPr lang="de-DE" sz="600" dirty="0" err="1" smtClean="0">
+              <a:rPr lang="de-DE" sz="600" dirty="0" err="1">
                 <a:solidFill>
                   <a:schemeClr val="tx1"/>
                 </a:solidFill>
@@ -6657,7 +6478,7 @@
           <a:lstStyle/>
           <a:p>
             <a:pPr algn="ctr"/>
-            <a:endParaRPr lang="en-US" sz="1600" dirty="0" smtClean="0">
+            <a:endParaRPr lang="en-US" sz="1600" dirty="0">
               <a:solidFill>
                 <a:schemeClr val="tx1"/>
               </a:solidFill>
@@ -6712,7 +6533,7 @@
           <a:lstStyle/>
           <a:p>
             <a:pPr algn="ctr"/>
-            <a:endParaRPr lang="en-US" sz="1600" dirty="0" smtClean="0">
+            <a:endParaRPr lang="en-US" sz="1600" dirty="0">
               <a:solidFill>
                 <a:schemeClr val="tx1"/>
               </a:solidFill>
@@ -6808,7 +6629,7 @@
           <a:p>
             <a:pPr algn="ctr"/>
             <a:r>
-              <a:rPr lang="de-DE" sz="1600" dirty="0" smtClean="0">
+              <a:rPr lang="de-DE" sz="1600" dirty="0">
                 <a:solidFill>
                   <a:schemeClr val="tx1"/>
                 </a:solidFill>
@@ -6816,7 +6637,7 @@
               <a:t>Tempomat </a:t>
             </a:r>
             <a:r>
-              <a:rPr lang="de-DE" sz="1600" dirty="0" err="1" smtClean="0">
+              <a:rPr lang="de-DE" sz="1600" dirty="0" err="1">
                 <a:solidFill>
                   <a:schemeClr val="tx1"/>
                 </a:solidFill>
@@ -6824,7 +6645,7 @@
               <a:t>Geschw</a:t>
             </a:r>
             <a:r>
-              <a:rPr lang="de-DE" sz="1600" dirty="0" smtClean="0">
+              <a:rPr lang="de-DE" sz="1600" dirty="0">
                 <a:solidFill>
                   <a:schemeClr val="tx1"/>
                 </a:solidFill>
@@ -6937,30 +6758,22 @@
           <a:p>
             <a:pPr algn="ctr"/>
             <a:r>
-              <a:rPr lang="de-DE" sz="1600" dirty="0" smtClean="0">
+              <a:rPr lang="de-DE" sz="1600" dirty="0">
                 <a:solidFill>
                   <a:schemeClr val="tx1"/>
                 </a:solidFill>
               </a:rPr>
               <a:t>ECO Modus</a:t>
             </a:r>
-            <a:r>
-              <a:rPr lang="de-DE" sz="4000" dirty="0" smtClean="0">
-                <a:solidFill>
-                  <a:schemeClr val="tx1"/>
-                </a:solidFill>
-              </a:rPr>
-              <a:t/>
-            </a:r>
             <a:br>
-              <a:rPr lang="de-DE" sz="4000" dirty="0" smtClean="0">
+              <a:rPr lang="de-DE" sz="4000" dirty="0">
                 <a:solidFill>
                   <a:schemeClr val="tx1"/>
                 </a:solidFill>
               </a:rPr>
             </a:br>
             <a:r>
-              <a:rPr lang="de-DE" sz="600" dirty="0" err="1" smtClean="0">
+              <a:rPr lang="de-DE" sz="600" dirty="0" err="1">
                 <a:solidFill>
                   <a:schemeClr val="tx1"/>
                 </a:solidFill>
@@ -7022,7 +6835,7 @@
           <a:lstStyle/>
           <a:p>
             <a:pPr algn="ctr"/>
-            <a:endParaRPr lang="en-US" sz="1600" dirty="0" smtClean="0">
+            <a:endParaRPr lang="en-US" sz="1600" dirty="0">
               <a:solidFill>
                 <a:schemeClr val="tx1"/>
               </a:solidFill>
@@ -7077,7 +6890,7 @@
           <a:p>
             <a:pPr algn="ctr"/>
             <a:r>
-              <a:rPr lang="de-DE" sz="1600" dirty="0" smtClean="0">
+              <a:rPr lang="de-DE" sz="1600" dirty="0">
                 <a:solidFill>
                   <a:schemeClr val="tx1"/>
                 </a:solidFill>
@@ -7085,7 +6898,7 @@
               <a:t>Kupplung </a:t>
             </a:r>
             <a:r>
-              <a:rPr lang="de-DE" sz="1600" dirty="0" err="1" smtClean="0">
+              <a:rPr lang="de-DE" sz="1600" dirty="0" err="1">
                 <a:solidFill>
                   <a:schemeClr val="tx1"/>
                 </a:solidFill>
@@ -7093,30 +6906,22 @@
               <a:t>auto</a:t>
             </a:r>
             <a:r>
-              <a:rPr lang="de-DE" sz="1600" dirty="0" smtClean="0">
+              <a:rPr lang="de-DE" sz="1600" dirty="0">
                 <a:solidFill>
                   <a:schemeClr val="tx1"/>
                 </a:solidFill>
               </a:rPr>
               <a:t>./manuell</a:t>
             </a:r>
-            <a:r>
-              <a:rPr lang="de-DE" sz="4000" dirty="0" smtClean="0">
-                <a:solidFill>
-                  <a:schemeClr val="tx1"/>
-                </a:solidFill>
-              </a:rPr>
-              <a:t/>
-            </a:r>
             <a:br>
-              <a:rPr lang="de-DE" sz="4000" dirty="0" smtClean="0">
+              <a:rPr lang="de-DE" sz="4000" dirty="0">
                 <a:solidFill>
                   <a:schemeClr val="tx1"/>
                 </a:solidFill>
               </a:rPr>
             </a:br>
             <a:r>
-              <a:rPr lang="de-DE" sz="600" dirty="0" err="1" smtClean="0">
+              <a:rPr lang="de-DE" sz="600" dirty="0" err="1">
                 <a:solidFill>
                   <a:schemeClr val="tx1"/>
                 </a:solidFill>
@@ -7219,7 +7024,7 @@
           <a:lstStyle/>
           <a:p>
             <a:pPr algn="ctr"/>
-            <a:endParaRPr lang="en-US" sz="1600" dirty="0" smtClean="0">
+            <a:endParaRPr lang="en-US" sz="1600" dirty="0">
               <a:solidFill>
                 <a:schemeClr val="tx1"/>
               </a:solidFill>
@@ -7283,14 +7088,6 @@
                 </a:solidFill>
               </a:rPr>
               <a:t>All Auto</a:t>
-            </a:r>
-            <a:r>
-              <a:rPr lang="de-DE" sz="4000" dirty="0">
-                <a:solidFill>
-                  <a:prstClr val="black"/>
-                </a:solidFill>
-              </a:rPr>
-              <a:t/>
             </a:r>
             <a:br>
               <a:rPr lang="de-DE" sz="4000" dirty="0">
@@ -7366,13 +7163,6 @@
   <p:clrMapOvr>
     <a:masterClrMapping/>
   </p:clrMapOvr>
-  <p:timing>
-    <p:tnLst>
-      <p:par>
-        <p:cTn id="1" dur="indefinite" restart="never" nodeType="tmRoot"/>
-      </p:par>
-    </p:tnLst>
-  </p:timing>
 </p:sld>
 </file>
 
@@ -7395,53 +7185,37 @@
       </p:grpSpPr>
       <p:pic>
         <p:nvPicPr>
-          <p:cNvPr id="1026" name="Picture 2" descr="http://upload.wikimedia.org/wikipedia/commons/thumb/3/37/ANSI_Keyboard_Layout_Diagram_with_Form_Factor.svg/2000px-ANSI_Keyboard_Layout_Diagram_with_Form_Factor.svg.png"/>
+          <p:cNvPr id="4" name="Picture 3"/>
           <p:cNvPicPr>
-            <a:picLocks noChangeArrowheads="1"/>
+            <a:picLocks noChangeAspect="1"/>
           </p:cNvPicPr>
           <p:nvPr/>
         </p:nvPicPr>
         <p:blipFill rotWithShape="1">
-          <a:blip r:embed="rId2">
-            <a:extLst>
-              <a:ext uri="{28A0092B-C50C-407E-A947-70E740481C1C}">
-                <a14:useLocalDpi xmlns:a14="http://schemas.microsoft.com/office/drawing/2010/main" val="0"/>
-              </a:ext>
-            </a:extLst>
-          </a:blip>
-          <a:srcRect l="692" t="17359" r="34855" b="19918"/>
+          <a:blip r:embed="rId2"/>
+          <a:srcRect l="791" t="2682" r="34419" b="1972"/>
           <a:stretch/>
         </p:blipFill>
-        <p:spPr bwMode="auto">
-          <a:xfrm>
-            <a:off x="954156" y="2464903"/>
-            <a:ext cx="6589643" cy="2325757"/>
+        <p:spPr>
+          <a:xfrm>
+            <a:off x="997527" y="1984664"/>
+            <a:ext cx="6525491" cy="2753591"/>
           </a:xfrm>
           <a:prstGeom prst="rect">
             <a:avLst/>
           </a:prstGeom>
-          <a:noFill/>
-          <a:extLst>
-            <a:ext uri="{909E8E84-426E-40DD-AFC4-6F175D3DCCD1}">
-              <a14:hiddenFill xmlns:a14="http://schemas.microsoft.com/office/drawing/2010/main">
-                <a:solidFill>
-                  <a:srgbClr val="FFFFFF"/>
-                </a:solidFill>
-              </a14:hiddenFill>
-            </a:ext>
-          </a:extLst>
         </p:spPr>
       </p:pic>
       <p:sp>
         <p:nvSpPr>
-          <p:cNvPr id="27" name="Rectangle 26"/>
+          <p:cNvPr id="40" name="Rectangle 39"/>
           <p:cNvSpPr/>
           <p:nvPr/>
         </p:nvSpPr>
         <p:spPr>
           <a:xfrm>
-            <a:off x="2667837" y="4290646"/>
-            <a:ext cx="2646546" cy="375139"/>
+            <a:off x="6435791" y="4258964"/>
+            <a:ext cx="1054646" cy="406821"/>
           </a:xfrm>
           <a:prstGeom prst="rect">
             <a:avLst/>
@@ -7451,239 +7225,9 @@
               <a:alpha val="85000"/>
             </a:schemeClr>
           </a:solidFill>
-          <a:ln w="19050">
-            <a:solidFill>
-              <a:schemeClr val="bg1">
-                <a:lumMod val="65000"/>
-              </a:schemeClr>
-            </a:solidFill>
-          </a:ln>
-        </p:spPr>
-        <p:style>
-          <a:lnRef idx="2">
-            <a:schemeClr val="accent1">
-              <a:shade val="50000"/>
-            </a:schemeClr>
-          </a:lnRef>
-          <a:fillRef idx="1">
-            <a:schemeClr val="accent1"/>
-          </a:fillRef>
-          <a:effectRef idx="0">
-            <a:schemeClr val="accent1"/>
-          </a:effectRef>
-          <a:fontRef idx="minor">
-            <a:schemeClr val="lt1"/>
-          </a:fontRef>
-        </p:style>
-        <p:txBody>
-          <a:bodyPr lIns="90000" rtlCol="0" anchor="ctr"/>
-          <a:lstStyle/>
-          <a:p>
-            <a:pPr algn="ctr"/>
-            <a:r>
-              <a:rPr lang="de-DE" sz="1600" dirty="0" err="1" smtClean="0">
-                <a:solidFill>
-                  <a:schemeClr val="tx1"/>
-                </a:solidFill>
-              </a:rPr>
-              <a:t>clutch</a:t>
-            </a:r>
-            <a:r>
-              <a:rPr lang="de-DE" sz="1600" dirty="0">
-                <a:solidFill>
-                  <a:schemeClr val="tx1"/>
-                </a:solidFill>
-              </a:rPr>
-              <a:t> </a:t>
-            </a:r>
-            <a:r>
-              <a:rPr lang="de-DE" sz="1600" dirty="0" err="1" smtClean="0">
-                <a:solidFill>
-                  <a:schemeClr val="tx1"/>
-                </a:solidFill>
-              </a:rPr>
-              <a:t>automatic</a:t>
-            </a:r>
-            <a:r>
-              <a:rPr lang="de-DE" sz="1600" dirty="0" smtClean="0">
-                <a:solidFill>
-                  <a:schemeClr val="tx1"/>
-                </a:solidFill>
-              </a:rPr>
-              <a:t>/</a:t>
-            </a:r>
-            <a:r>
-              <a:rPr lang="de-DE" sz="1600" dirty="0" err="1" smtClean="0">
-                <a:solidFill>
-                  <a:schemeClr val="tx1"/>
-                </a:solidFill>
-              </a:rPr>
-              <a:t>manual</a:t>
-            </a:r>
-            <a:r>
-              <a:rPr lang="de-DE" sz="1600" dirty="0" smtClean="0">
-                <a:solidFill>
-                  <a:schemeClr val="tx1"/>
-                </a:solidFill>
-              </a:rPr>
-              <a:t> </a:t>
-            </a:r>
-            <a:r>
-              <a:rPr lang="de-DE" sz="4000" dirty="0" smtClean="0">
-                <a:solidFill>
-                  <a:schemeClr val="tx1"/>
-                </a:solidFill>
-              </a:rPr>
-              <a:t/>
-            </a:r>
-            <a:br>
-              <a:rPr lang="de-DE" sz="4000" dirty="0" smtClean="0">
-                <a:solidFill>
-                  <a:schemeClr val="tx1"/>
-                </a:solidFill>
-              </a:rPr>
-            </a:br>
-            <a:r>
-              <a:rPr lang="de-DE" sz="600" dirty="0" err="1" smtClean="0">
-                <a:solidFill>
-                  <a:schemeClr val="tx1"/>
-                </a:solidFill>
-              </a:rPr>
-              <a:t>mrGearboxMogliREVERSE</a:t>
-            </a:r>
-            <a:endParaRPr lang="en-US" sz="1600" dirty="0">
-              <a:solidFill>
-                <a:schemeClr val="tx1"/>
-              </a:solidFill>
-            </a:endParaRPr>
-          </a:p>
-        </p:txBody>
-      </p:sp>
-      <p:sp>
-        <p:nvSpPr>
-          <p:cNvPr id="6" name="Rectangle 5"/>
-          <p:cNvSpPr/>
-          <p:nvPr/>
-        </p:nvSpPr>
-        <p:spPr>
-          <a:xfrm>
-            <a:off x="4200350" y="2435278"/>
-            <a:ext cx="1332000" cy="432000"/>
-          </a:xfrm>
-          <a:prstGeom prst="rect">
-            <a:avLst/>
-          </a:prstGeom>
-          <a:solidFill>
-            <a:srgbClr val="FFFFFF">
-              <a:alpha val="85000"/>
-            </a:srgbClr>
-          </a:solidFill>
-          <a:ln w="19050">
-            <a:solidFill>
-              <a:schemeClr val="accent5">
-                <a:lumMod val="40000"/>
-                <a:lumOff val="60000"/>
-              </a:schemeClr>
-            </a:solidFill>
-          </a:ln>
-        </p:spPr>
-        <p:style>
-          <a:lnRef idx="2">
-            <a:schemeClr val="accent1">
-              <a:shade val="50000"/>
-            </a:schemeClr>
-          </a:lnRef>
-          <a:fillRef idx="1">
-            <a:schemeClr val="accent1"/>
-          </a:fillRef>
-          <a:effectRef idx="0">
-            <a:schemeClr val="accent1"/>
-          </a:effectRef>
-          <a:fontRef idx="minor">
-            <a:schemeClr val="lt1"/>
-          </a:fontRef>
-        </p:style>
-        <p:txBody>
-          <a:bodyPr rtlCol="0" anchor="ctr"/>
-          <a:lstStyle/>
-          <a:p>
-            <a:pPr algn="ctr"/>
-            <a:r>
-              <a:rPr lang="de-DE" sz="1600" dirty="0" smtClean="0">
-                <a:solidFill>
-                  <a:schemeClr val="tx1"/>
-                </a:solidFill>
-              </a:rPr>
-              <a:t>cc </a:t>
-            </a:r>
-            <a:r>
-              <a:rPr lang="de-DE" sz="1600" dirty="0" err="1" smtClean="0">
-                <a:solidFill>
-                  <a:schemeClr val="tx1"/>
-                </a:solidFill>
-              </a:rPr>
-              <a:t>acc</a:t>
-            </a:r>
-            <a:r>
-              <a:rPr lang="de-DE" sz="1600" dirty="0" smtClean="0">
-                <a:solidFill>
-                  <a:schemeClr val="tx1"/>
-                </a:solidFill>
-              </a:rPr>
-              <a:t>. +</a:t>
-            </a:r>
-            <a:r>
-              <a:rPr lang="de-DE" sz="4000" dirty="0" smtClean="0">
-                <a:solidFill>
-                  <a:schemeClr val="tx1"/>
-                </a:solidFill>
-              </a:rPr>
-              <a:t/>
-            </a:r>
-            <a:br>
-              <a:rPr lang="de-DE" sz="4000" dirty="0" smtClean="0">
-                <a:solidFill>
-                  <a:schemeClr val="tx1"/>
-                </a:solidFill>
-              </a:rPr>
-            </a:br>
-            <a:r>
-              <a:rPr lang="de-DE" sz="600" dirty="0" err="1" smtClean="0">
-                <a:solidFill>
-                  <a:schemeClr val="tx1"/>
-                </a:solidFill>
-              </a:rPr>
-              <a:t>mrGearboxMogliSHIFTGEARUP</a:t>
-            </a:r>
-            <a:endParaRPr lang="en-US" sz="1200" dirty="0">
-              <a:solidFill>
-                <a:schemeClr val="tx1"/>
-              </a:solidFill>
-            </a:endParaRPr>
-          </a:p>
-        </p:txBody>
-      </p:sp>
-      <p:sp>
-        <p:nvSpPr>
-          <p:cNvPr id="9" name="Rectangle 8"/>
-          <p:cNvSpPr/>
-          <p:nvPr/>
-        </p:nvSpPr>
-        <p:spPr>
-          <a:xfrm>
-            <a:off x="6005945" y="3002972"/>
-            <a:ext cx="363682" cy="363683"/>
-          </a:xfrm>
-          <a:prstGeom prst="rect">
-            <a:avLst/>
-          </a:prstGeom>
-          <a:noFill/>
-          <a:ln w="19050">
-            <a:solidFill>
-              <a:schemeClr val="accent5">
-                <a:lumMod val="40000"/>
-                <a:lumOff val="60000"/>
-              </a:schemeClr>
+          <a:ln w="57150">
+            <a:solidFill>
+              <a:srgbClr val="7030A0"/>
             </a:solidFill>
           </a:ln>
         </p:spPr>
@@ -7713,7 +7257,15 @@
           <a:lstStyle/>
           <a:p>
             <a:pPr algn="ctr"/>
-            <a:endParaRPr lang="en-US" sz="1600" dirty="0" smtClean="0">
+            <a:r>
+              <a:rPr lang="de-DE" sz="1000" dirty="0">
+                <a:solidFill>
+                  <a:schemeClr val="tx1"/>
+                </a:solidFill>
+              </a:rPr>
+              <a:t>Zusammen mit Strg. rechts</a:t>
+            </a:r>
+            <a:endParaRPr lang="en-US" sz="1000" dirty="0">
               <a:solidFill>
                 <a:schemeClr val="tx1"/>
               </a:solidFill>
@@ -7723,123 +7275,22 @@
       </p:sp>
       <p:sp>
         <p:nvSpPr>
-          <p:cNvPr id="10" name="Rectangle 9"/>
+          <p:cNvPr id="45" name="Rectangle 44"/>
           <p:cNvSpPr/>
           <p:nvPr/>
         </p:nvSpPr>
         <p:spPr>
           <a:xfrm>
-            <a:off x="4204865" y="2963252"/>
-            <a:ext cx="1332000" cy="432000"/>
+            <a:off x="6553999" y="3430466"/>
+            <a:ext cx="363682" cy="363683"/>
           </a:xfrm>
           <a:prstGeom prst="rect">
             <a:avLst/>
           </a:prstGeom>
-          <a:solidFill>
-            <a:srgbClr val="FFFFFF">
-              <a:alpha val="85000"/>
-            </a:srgbClr>
-          </a:solidFill>
-          <a:ln w="19050">
-            <a:solidFill>
-              <a:schemeClr val="accent5"/>
-            </a:solidFill>
-          </a:ln>
-        </p:spPr>
-        <p:style>
-          <a:lnRef idx="2">
-            <a:schemeClr val="accent1">
-              <a:shade val="50000"/>
-            </a:schemeClr>
-          </a:lnRef>
-          <a:fillRef idx="1">
-            <a:schemeClr val="accent1"/>
-          </a:fillRef>
-          <a:effectRef idx="0">
-            <a:schemeClr val="accent1"/>
-          </a:effectRef>
-          <a:fontRef idx="minor">
-            <a:schemeClr val="lt1"/>
-          </a:fontRef>
-        </p:style>
-        <p:txBody>
-          <a:bodyPr rtlCol="0" anchor="ctr"/>
-          <a:lstStyle/>
-          <a:p>
-            <a:pPr algn="ctr"/>
-            <a:r>
-              <a:rPr lang="de-DE" sz="1600" dirty="0" smtClean="0">
-                <a:solidFill>
-                  <a:schemeClr val="tx1"/>
-                </a:solidFill>
-              </a:rPr>
-              <a:t>cc </a:t>
-            </a:r>
-            <a:r>
-              <a:rPr lang="de-DE" sz="1600" dirty="0" err="1" smtClean="0">
-                <a:solidFill>
-                  <a:schemeClr val="tx1"/>
-                </a:solidFill>
-              </a:rPr>
-              <a:t>dec</a:t>
-            </a:r>
-            <a:r>
-              <a:rPr lang="de-DE" sz="1600" dirty="0" smtClean="0">
-                <a:solidFill>
-                  <a:schemeClr val="tx1"/>
-                </a:solidFill>
-              </a:rPr>
-              <a:t>. -</a:t>
-            </a:r>
-            <a:r>
-              <a:rPr lang="de-DE" sz="4000" dirty="0" smtClean="0">
-                <a:solidFill>
-                  <a:schemeClr val="tx1"/>
-                </a:solidFill>
-              </a:rPr>
-              <a:t/>
-            </a:r>
-            <a:br>
-              <a:rPr lang="de-DE" sz="4000" dirty="0" smtClean="0">
-                <a:solidFill>
-                  <a:schemeClr val="tx1"/>
-                </a:solidFill>
-              </a:rPr>
-            </a:br>
-            <a:r>
-              <a:rPr lang="de-DE" sz="600" dirty="0" err="1" smtClean="0">
-                <a:solidFill>
-                  <a:schemeClr val="tx1"/>
-                </a:solidFill>
-              </a:rPr>
-              <a:t>mrGearboxMogliSHIFTGEARDOWN</a:t>
-            </a:r>
-            <a:endParaRPr lang="en-US" sz="1400" dirty="0">
-              <a:solidFill>
-                <a:schemeClr val="tx1"/>
-              </a:solidFill>
-            </a:endParaRPr>
-          </a:p>
-        </p:txBody>
-      </p:sp>
-      <p:sp>
-        <p:nvSpPr>
-          <p:cNvPr id="11" name="Rectangle 10"/>
-          <p:cNvSpPr/>
-          <p:nvPr/>
-        </p:nvSpPr>
-        <p:spPr>
-          <a:xfrm>
-            <a:off x="6253950" y="3442777"/>
-            <a:ext cx="363682" cy="363683"/>
-          </a:xfrm>
-          <a:prstGeom prst="rect">
-            <a:avLst/>
-          </a:prstGeom>
           <a:noFill/>
           <a:ln w="19050">
             <a:solidFill>
-              <a:schemeClr val="accent5"/>
+              <a:schemeClr val="accent2"/>
             </a:solidFill>
           </a:ln>
         </p:spPr>
@@ -7869,7 +7320,7 @@
           <a:lstStyle/>
           <a:p>
             <a:pPr algn="ctr"/>
-            <a:endParaRPr lang="en-US" sz="1600" dirty="0" smtClean="0">
+            <a:endParaRPr lang="en-US" sz="1600" dirty="0">
               <a:solidFill>
                 <a:schemeClr val="tx1"/>
               </a:solidFill>
@@ -7879,13 +7330,128 @@
       </p:sp>
       <p:sp>
         <p:nvSpPr>
-          <p:cNvPr id="12" name="Rectangle 11"/>
+          <p:cNvPr id="46" name="Rectangle 45"/>
           <p:cNvSpPr/>
           <p:nvPr/>
         </p:nvSpPr>
         <p:spPr>
           <a:xfrm>
-            <a:off x="5824104" y="3447582"/>
+            <a:off x="7030336" y="3279239"/>
+            <a:ext cx="1188000" cy="432000"/>
+          </a:xfrm>
+          <a:prstGeom prst="rect">
+            <a:avLst/>
+          </a:prstGeom>
+          <a:solidFill>
+            <a:srgbClr val="FFFFFF">
+              <a:alpha val="85000"/>
+            </a:srgbClr>
+          </a:solidFill>
+          <a:ln w="19050">
+            <a:solidFill>
+              <a:schemeClr val="accent2"/>
+            </a:solidFill>
+          </a:ln>
+        </p:spPr>
+        <p:style>
+          <a:lnRef idx="2">
+            <a:schemeClr val="accent1">
+              <a:shade val="50000"/>
+            </a:schemeClr>
+          </a:lnRef>
+          <a:fillRef idx="1">
+            <a:schemeClr val="accent1"/>
+          </a:fillRef>
+          <a:effectRef idx="0">
+            <a:schemeClr val="accent1"/>
+          </a:effectRef>
+          <a:fontRef idx="minor">
+            <a:schemeClr val="lt1"/>
+          </a:fontRef>
+        </p:style>
+        <p:txBody>
+          <a:bodyPr rtlCol="0" anchor="ctr"/>
+          <a:lstStyle/>
+          <a:p>
+            <a:pPr algn="ctr"/>
+            <a:r>
+              <a:rPr lang="de-DE" sz="1600" dirty="0">
+                <a:solidFill>
+                  <a:schemeClr val="tx1"/>
+                </a:solidFill>
+              </a:rPr>
+              <a:t>Gruppe +/-</a:t>
+            </a:r>
+            <a:br>
+              <a:rPr lang="de-DE" sz="4000" dirty="0">
+                <a:solidFill>
+                  <a:schemeClr val="tx1"/>
+                </a:solidFill>
+              </a:rPr>
+            </a:br>
+            <a:r>
+              <a:rPr lang="de-DE" sz="600" dirty="0" err="1">
+                <a:solidFill>
+                  <a:schemeClr val="tx1"/>
+                </a:solidFill>
+              </a:rPr>
+              <a:t>gearboxMogliSHIFTRANGETOGGLE</a:t>
+            </a:r>
+            <a:endParaRPr lang="en-US" sz="1600" dirty="0">
+              <a:solidFill>
+                <a:schemeClr val="tx1"/>
+              </a:solidFill>
+            </a:endParaRPr>
+          </a:p>
+        </p:txBody>
+      </p:sp>
+      <p:cxnSp>
+        <p:nvCxnSpPr>
+          <p:cNvPr id="47" name="Straight Connector 46"/>
+          <p:cNvCxnSpPr>
+            <a:stCxn id="45" idx="3"/>
+            <a:endCxn id="46" idx="1"/>
+          </p:cNvCxnSpPr>
+          <p:nvPr/>
+        </p:nvCxnSpPr>
+        <p:spPr>
+          <a:xfrm flipV="1">
+            <a:off x="6917681" y="3495239"/>
+            <a:ext cx="112655" cy="117069"/>
+          </a:xfrm>
+          <a:prstGeom prst="line">
+            <a:avLst/>
+          </a:prstGeom>
+          <a:ln w="19050">
+            <a:solidFill>
+              <a:schemeClr val="accent2"/>
+            </a:solidFill>
+          </a:ln>
+        </p:spPr>
+        <p:style>
+          <a:lnRef idx="1">
+            <a:schemeClr val="accent1"/>
+          </a:lnRef>
+          <a:fillRef idx="0">
+            <a:schemeClr val="accent1"/>
+          </a:fillRef>
+          <a:effectRef idx="0">
+            <a:schemeClr val="accent1"/>
+          </a:effectRef>
+          <a:fontRef idx="minor">
+            <a:schemeClr val="tx1"/>
+          </a:fontRef>
+        </p:style>
+      </p:cxnSp>
+      <p:sp>
+        <p:nvSpPr>
+          <p:cNvPr id="48" name="Rectangle 47"/>
+          <p:cNvSpPr/>
+          <p:nvPr/>
+        </p:nvSpPr>
+        <p:spPr>
+          <a:xfrm>
+            <a:off x="5923617" y="3864706"/>
             <a:ext cx="363682" cy="363683"/>
           </a:xfrm>
           <a:prstGeom prst="rect">
@@ -7894,7 +7460,10 @@
           <a:noFill/>
           <a:ln w="19050">
             <a:solidFill>
-              <a:srgbClr val="C00000"/>
+              <a:schemeClr val="accent6">
+                <a:lumMod val="60000"/>
+                <a:lumOff val="40000"/>
+              </a:schemeClr>
             </a:solidFill>
           </a:ln>
         </p:spPr>
@@ -7924,7 +7493,7 @@
           <a:lstStyle/>
           <a:p>
             <a:pPr algn="ctr"/>
-            <a:endParaRPr lang="en-US" sz="1600" dirty="0" smtClean="0">
+            <a:endParaRPr lang="en-US" sz="1600" dirty="0">
               <a:solidFill>
                 <a:schemeClr val="tx1"/>
               </a:solidFill>
@@ -7934,25 +7503,143 @@
       </p:sp>
       <p:sp>
         <p:nvSpPr>
-          <p:cNvPr id="16" name="Rectangle 15"/>
+          <p:cNvPr id="49" name="Rectangle 48"/>
           <p:cNvSpPr/>
           <p:nvPr/>
         </p:nvSpPr>
         <p:spPr>
           <a:xfrm>
-            <a:off x="6435791" y="3007636"/>
-            <a:ext cx="363682" cy="363683"/>
+            <a:off x="7038981" y="3763807"/>
+            <a:ext cx="1188000" cy="432000"/>
           </a:xfrm>
           <a:prstGeom prst="rect">
             <a:avLst/>
           </a:prstGeom>
-          <a:noFill/>
-          <a:ln w="19050">
-            <a:solidFill>
-              <a:schemeClr val="accent2">
+          <a:solidFill>
+            <a:srgbClr val="FFFFFF">
+              <a:alpha val="85000"/>
+            </a:srgbClr>
+          </a:solidFill>
+          <a:ln w="19050">
+            <a:solidFill>
+              <a:schemeClr val="accent6">
                 <a:lumMod val="60000"/>
                 <a:lumOff val="40000"/>
               </a:schemeClr>
+            </a:solidFill>
+          </a:ln>
+        </p:spPr>
+        <p:style>
+          <a:lnRef idx="2">
+            <a:schemeClr val="accent1">
+              <a:shade val="50000"/>
+            </a:schemeClr>
+          </a:lnRef>
+          <a:fillRef idx="1">
+            <a:schemeClr val="accent1"/>
+          </a:fillRef>
+          <a:effectRef idx="0">
+            <a:schemeClr val="accent1"/>
+          </a:effectRef>
+          <a:fontRef idx="minor">
+            <a:schemeClr val="lt1"/>
+          </a:fontRef>
+        </p:style>
+        <p:txBody>
+          <a:bodyPr rtlCol="0" anchor="ctr"/>
+          <a:lstStyle/>
+          <a:p>
+            <a:pPr lvl="0" algn="ctr"/>
+            <a:r>
+              <a:rPr lang="de-DE" sz="1600" dirty="0" err="1">
+                <a:solidFill>
+                  <a:prstClr val="black"/>
+                </a:solidFill>
+              </a:rPr>
+              <a:t>Automatic</a:t>
+            </a:r>
+            <a:br>
+              <a:rPr lang="de-DE" sz="4000" dirty="0">
+                <a:solidFill>
+                  <a:prstClr val="black"/>
+                </a:solidFill>
+              </a:rPr>
+            </a:br>
+            <a:r>
+              <a:rPr lang="de-DE" sz="600" dirty="0" err="1">
+                <a:solidFill>
+                  <a:prstClr val="black"/>
+                </a:solidFill>
+              </a:rPr>
+              <a:t>gearboxMogliAUTOMATIC</a:t>
+            </a:r>
+            <a:endParaRPr lang="en-US" sz="1200" dirty="0">
+              <a:solidFill>
+                <a:prstClr val="black"/>
+              </a:solidFill>
+            </a:endParaRPr>
+          </a:p>
+        </p:txBody>
+      </p:sp>
+      <p:cxnSp>
+        <p:nvCxnSpPr>
+          <p:cNvPr id="50" name="Straight Connector 49"/>
+          <p:cNvCxnSpPr>
+            <a:stCxn id="48" idx="3"/>
+            <a:endCxn id="49" idx="1"/>
+          </p:cNvCxnSpPr>
+          <p:nvPr/>
+        </p:nvCxnSpPr>
+        <p:spPr>
+          <a:xfrm flipV="1">
+            <a:off x="6287299" y="3979807"/>
+            <a:ext cx="751682" cy="66741"/>
+          </a:xfrm>
+          <a:prstGeom prst="line">
+            <a:avLst/>
+          </a:prstGeom>
+          <a:ln w="19050">
+            <a:solidFill>
+              <a:schemeClr val="accent6">
+                <a:lumMod val="60000"/>
+                <a:lumOff val="40000"/>
+              </a:schemeClr>
+            </a:solidFill>
+          </a:ln>
+        </p:spPr>
+        <p:style>
+          <a:lnRef idx="1">
+            <a:schemeClr val="accent1"/>
+          </a:lnRef>
+          <a:fillRef idx="0">
+            <a:schemeClr val="accent1"/>
+          </a:fillRef>
+          <a:effectRef idx="0">
+            <a:schemeClr val="accent1"/>
+          </a:effectRef>
+          <a:fontRef idx="minor">
+            <a:schemeClr val="tx1"/>
+          </a:fontRef>
+        </p:style>
+      </p:cxnSp>
+      <p:sp>
+        <p:nvSpPr>
+          <p:cNvPr id="51" name="Rectangle 50"/>
+          <p:cNvSpPr/>
+          <p:nvPr/>
+        </p:nvSpPr>
+        <p:spPr>
+          <a:xfrm>
+            <a:off x="5702166" y="3432552"/>
+            <a:ext cx="363682" cy="363683"/>
+          </a:xfrm>
+          <a:prstGeom prst="rect">
+            <a:avLst/>
+          </a:prstGeom>
+          <a:noFill/>
+          <a:ln w="19050">
+            <a:solidFill>
+              <a:srgbClr val="C00000"/>
             </a:solidFill>
           </a:ln>
         </p:spPr>
@@ -7982,7 +7669,7 @@
           <a:lstStyle/>
           <a:p>
             <a:pPr algn="ctr"/>
-            <a:endParaRPr lang="en-US" sz="1600" dirty="0" smtClean="0">
+            <a:endParaRPr lang="en-US" sz="1600" dirty="0">
               <a:solidFill>
                 <a:schemeClr val="tx1"/>
               </a:solidFill>
@@ -7992,22 +7679,219 @@
       </p:sp>
       <p:sp>
         <p:nvSpPr>
-          <p:cNvPr id="19" name="Rectangle 18"/>
+          <p:cNvPr id="52" name="Rectangle 51"/>
           <p:cNvSpPr/>
           <p:nvPr/>
         </p:nvSpPr>
         <p:spPr>
           <a:xfrm>
-            <a:off x="6893399" y="3019141"/>
-            <a:ext cx="515569" cy="363683"/>
+            <a:off x="4178893" y="3375087"/>
+            <a:ext cx="1288280" cy="432000"/>
           </a:xfrm>
           <a:prstGeom prst="rect">
             <a:avLst/>
           </a:prstGeom>
+          <a:solidFill>
+            <a:srgbClr val="FFFFFF">
+              <a:alpha val="85000"/>
+            </a:srgbClr>
+          </a:solidFill>
+          <a:ln w="19050">
+            <a:solidFill>
+              <a:srgbClr val="C00000"/>
+            </a:solidFill>
+          </a:ln>
+        </p:spPr>
+        <p:style>
+          <a:lnRef idx="2">
+            <a:schemeClr val="accent1">
+              <a:shade val="50000"/>
+            </a:schemeClr>
+          </a:lnRef>
+          <a:fillRef idx="1">
+            <a:schemeClr val="accent1"/>
+          </a:fillRef>
+          <a:effectRef idx="0">
+            <a:schemeClr val="accent1"/>
+          </a:effectRef>
+          <a:fontRef idx="minor">
+            <a:schemeClr val="lt1"/>
+          </a:fontRef>
+        </p:style>
+        <p:txBody>
+          <a:bodyPr rtlCol="0" anchor="ctr"/>
+          <a:lstStyle/>
+          <a:p>
+            <a:pPr algn="ctr"/>
+            <a:r>
+              <a:rPr lang="de-DE" sz="1600" dirty="0">
+                <a:solidFill>
+                  <a:schemeClr val="tx1"/>
+                </a:solidFill>
+              </a:rPr>
+              <a:t>Settings HUD</a:t>
+            </a:r>
+            <a:br>
+              <a:rPr lang="de-DE" sz="4000" dirty="0">
+                <a:solidFill>
+                  <a:schemeClr val="tx1"/>
+                </a:solidFill>
+              </a:rPr>
+            </a:br>
+            <a:r>
+              <a:rPr lang="de-DE" sz="600" dirty="0" err="1">
+                <a:solidFill>
+                  <a:schemeClr val="tx1"/>
+                </a:solidFill>
+              </a:rPr>
+              <a:t>gearboxMogliSETTINGS</a:t>
+            </a:r>
+            <a:endParaRPr lang="en-US" sz="1600" dirty="0">
+              <a:solidFill>
+                <a:schemeClr val="tx1"/>
+              </a:solidFill>
+            </a:endParaRPr>
+          </a:p>
+        </p:txBody>
+      </p:sp>
+      <p:cxnSp>
+        <p:nvCxnSpPr>
+          <p:cNvPr id="53" name="Straight Connector 52"/>
+          <p:cNvCxnSpPr>
+            <a:stCxn id="52" idx="3"/>
+            <a:endCxn id="51" idx="1"/>
+          </p:cNvCxnSpPr>
+          <p:nvPr/>
+        </p:nvCxnSpPr>
+        <p:spPr>
+          <a:xfrm>
+            <a:off x="5467173" y="3591087"/>
+            <a:ext cx="234993" cy="23307"/>
+          </a:xfrm>
+          <a:prstGeom prst="line">
+            <a:avLst/>
+          </a:prstGeom>
+          <a:ln w="19050">
+            <a:solidFill>
+              <a:srgbClr val="C00000"/>
+            </a:solidFill>
+          </a:ln>
+        </p:spPr>
+        <p:style>
+          <a:lnRef idx="1">
+            <a:schemeClr val="accent1"/>
+          </a:lnRef>
+          <a:fillRef idx="0">
+            <a:schemeClr val="accent1"/>
+          </a:fillRef>
+          <a:effectRef idx="0">
+            <a:schemeClr val="accent1"/>
+          </a:effectRef>
+          <a:fontRef idx="minor">
+            <a:schemeClr val="tx1"/>
+          </a:fontRef>
+        </p:style>
+      </p:cxnSp>
+      <p:sp>
+        <p:nvSpPr>
+          <p:cNvPr id="54" name="Rectangle 53"/>
+          <p:cNvSpPr/>
+          <p:nvPr/>
+        </p:nvSpPr>
+        <p:spPr>
+          <a:xfrm>
+            <a:off x="2798129" y="4290646"/>
+            <a:ext cx="1603495" cy="375139"/>
+          </a:xfrm>
+          <a:prstGeom prst="rect">
+            <a:avLst/>
+          </a:prstGeom>
+          <a:solidFill>
+            <a:schemeClr val="bg1">
+              <a:alpha val="85000"/>
+            </a:schemeClr>
+          </a:solidFill>
+          <a:ln w="19050">
+            <a:solidFill>
+              <a:schemeClr val="bg1">
+                <a:lumMod val="65000"/>
+              </a:schemeClr>
+            </a:solidFill>
+          </a:ln>
+        </p:spPr>
+        <p:style>
+          <a:lnRef idx="2">
+            <a:schemeClr val="accent1">
+              <a:shade val="50000"/>
+            </a:schemeClr>
+          </a:lnRef>
+          <a:fillRef idx="1">
+            <a:schemeClr val="accent1"/>
+          </a:fillRef>
+          <a:effectRef idx="0">
+            <a:schemeClr val="accent1"/>
+          </a:effectRef>
+          <a:fontRef idx="minor">
+            <a:schemeClr val="lt1"/>
+          </a:fontRef>
+        </p:style>
+        <p:txBody>
+          <a:bodyPr lIns="90000" rtlCol="0" anchor="ctr"/>
+          <a:lstStyle/>
+          <a:p>
+            <a:pPr algn="ctr"/>
+            <a:r>
+              <a:rPr lang="de-DE" sz="1600" dirty="0">
+                <a:solidFill>
+                  <a:schemeClr val="tx1"/>
+                </a:solidFill>
+              </a:rPr>
+              <a:t>Handbremse</a:t>
+            </a:r>
+            <a:br>
+              <a:rPr lang="de-DE" sz="4000" dirty="0">
+                <a:solidFill>
+                  <a:schemeClr val="tx1"/>
+                </a:solidFill>
+              </a:rPr>
+            </a:br>
+            <a:r>
+              <a:rPr lang="de-DE" sz="600" dirty="0" err="1">
+                <a:solidFill>
+                  <a:schemeClr val="tx1"/>
+                </a:solidFill>
+              </a:rPr>
+              <a:t>gearboxMogliHANDBRAKE</a:t>
+            </a:r>
+            <a:endParaRPr lang="en-US" sz="1600" dirty="0">
+              <a:solidFill>
+                <a:schemeClr val="tx1"/>
+              </a:solidFill>
+            </a:endParaRPr>
+          </a:p>
+        </p:txBody>
+      </p:sp>
+      <p:sp>
+        <p:nvSpPr>
+          <p:cNvPr id="55" name="Rectangle 54"/>
+          <p:cNvSpPr/>
+          <p:nvPr/>
+        </p:nvSpPr>
+        <p:spPr>
+          <a:xfrm>
+            <a:off x="6435791" y="3007636"/>
+            <a:ext cx="363682" cy="363683"/>
+          </a:xfrm>
+          <a:prstGeom prst="rect">
+            <a:avLst/>
+          </a:prstGeom>
           <a:noFill/>
           <a:ln w="19050">
             <a:solidFill>
-              <a:schemeClr val="accent2"/>
+              <a:schemeClr val="accent2">
+                <a:lumMod val="60000"/>
+                <a:lumOff val="40000"/>
+              </a:schemeClr>
             </a:solidFill>
           </a:ln>
         </p:spPr>
@@ -8037,7 +7921,7 @@
           <a:lstStyle/>
           <a:p>
             <a:pPr algn="ctr"/>
-            <a:endParaRPr lang="en-US" sz="1600" dirty="0" smtClean="0">
+            <a:endParaRPr lang="en-US" sz="1600" dirty="0">
               <a:solidFill>
                 <a:schemeClr val="tx1"/>
               </a:solidFill>
@@ -8047,14 +7931,14 @@
       </p:sp>
       <p:sp>
         <p:nvSpPr>
-          <p:cNvPr id="20" name="Rectangle 19"/>
+          <p:cNvPr id="56" name="Rectangle 55"/>
           <p:cNvSpPr/>
           <p:nvPr/>
         </p:nvSpPr>
         <p:spPr>
           <a:xfrm>
-            <a:off x="3994064" y="3366655"/>
-            <a:ext cx="1332000" cy="595120"/>
+            <a:off x="7033414" y="2748767"/>
+            <a:ext cx="1188000" cy="432000"/>
           </a:xfrm>
           <a:prstGeom prst="rect">
             <a:avLst/>
@@ -8066,7 +7950,10 @@
           </a:solidFill>
           <a:ln w="19050">
             <a:solidFill>
-              <a:srgbClr val="C00000"/>
+              <a:schemeClr val="accent2">
+                <a:lumMod val="40000"/>
+                <a:lumOff val="60000"/>
+              </a:schemeClr>
             </a:solidFill>
           </a:ln>
         </p:spPr>
@@ -8092,147 +7979,27 @@
           <a:p>
             <a:pPr algn="ctr"/>
             <a:r>
-              <a:rPr lang="de-DE" sz="1600" dirty="0" err="1" smtClean="0">
-                <a:solidFill>
-                  <a:schemeClr val="tx1"/>
-                </a:solidFill>
-              </a:rPr>
-              <a:t>gearbox</a:t>
-            </a:r>
-            <a:r>
-              <a:rPr lang="de-DE" sz="1600" dirty="0" smtClean="0">
-                <a:solidFill>
-                  <a:schemeClr val="tx1"/>
-                </a:solidFill>
-              </a:rPr>
-              <a:t> on/off</a:t>
-            </a:r>
-            <a:r>
-              <a:rPr lang="de-DE" sz="4000" dirty="0" smtClean="0">
-                <a:solidFill>
-                  <a:schemeClr val="tx1"/>
-                </a:solidFill>
-              </a:rPr>
-              <a:t/>
+              <a:rPr lang="de-DE" sz="1400" dirty="0">
+                <a:solidFill>
+                  <a:schemeClr val="tx1"/>
+                </a:solidFill>
+              </a:rPr>
+              <a:t>Gruppe 2 +/-</a:t>
             </a:r>
             <a:br>
-              <a:rPr lang="de-DE" sz="4000" dirty="0" smtClean="0">
+              <a:rPr lang="de-DE" sz="4000" dirty="0">
                 <a:solidFill>
                   <a:schemeClr val="tx1"/>
                 </a:solidFill>
               </a:rPr>
             </a:br>
             <a:r>
-              <a:rPr lang="de-DE" sz="600" dirty="0" err="1" smtClean="0">
-                <a:solidFill>
-                  <a:schemeClr val="tx1"/>
-                </a:solidFill>
-              </a:rPr>
-              <a:t>mrGearboxMogliNEUTRAL</a:t>
-            </a:r>
-            <a:endParaRPr lang="en-US" sz="1600" dirty="0">
-              <a:solidFill>
-                <a:schemeClr val="tx1"/>
-              </a:solidFill>
-            </a:endParaRPr>
-          </a:p>
-        </p:txBody>
-      </p:sp>
-      <p:sp>
-        <p:nvSpPr>
-          <p:cNvPr id="25" name="Rectangle 24"/>
-          <p:cNvSpPr/>
-          <p:nvPr/>
-        </p:nvSpPr>
-        <p:spPr>
-          <a:xfrm>
-            <a:off x="7008197" y="2490603"/>
-            <a:ext cx="1332000" cy="432000"/>
-          </a:xfrm>
-          <a:prstGeom prst="rect">
-            <a:avLst/>
-          </a:prstGeom>
-          <a:solidFill>
-            <a:srgbClr val="FFFFFF">
-              <a:alpha val="85000"/>
-            </a:srgbClr>
-          </a:solidFill>
-          <a:ln w="19050">
-            <a:solidFill>
-              <a:schemeClr val="accent2">
-                <a:lumMod val="40000"/>
-                <a:lumOff val="60000"/>
-              </a:schemeClr>
-            </a:solidFill>
-          </a:ln>
-        </p:spPr>
-        <p:style>
-          <a:lnRef idx="2">
-            <a:schemeClr val="accent1">
-              <a:shade val="50000"/>
-            </a:schemeClr>
-          </a:lnRef>
-          <a:fillRef idx="1">
-            <a:schemeClr val="accent1"/>
-          </a:fillRef>
-          <a:effectRef idx="0">
-            <a:schemeClr val="accent1"/>
-          </a:effectRef>
-          <a:fontRef idx="minor">
-            <a:schemeClr val="lt1"/>
-          </a:fontRef>
-        </p:style>
-        <p:txBody>
-          <a:bodyPr rtlCol="0" anchor="ctr"/>
-          <a:lstStyle/>
-          <a:p>
-            <a:pPr algn="ctr"/>
-            <a:r>
-              <a:rPr lang="de-DE" sz="1600" dirty="0" smtClean="0">
-                <a:solidFill>
-                  <a:schemeClr val="tx1"/>
-                </a:solidFill>
-              </a:rPr>
-              <a:t>2nd </a:t>
-            </a:r>
-            <a:r>
-              <a:rPr lang="de-DE" sz="1600" dirty="0" err="1" smtClean="0">
-                <a:solidFill>
-                  <a:schemeClr val="tx1"/>
-                </a:solidFill>
-              </a:rPr>
-              <a:t>group</a:t>
-            </a:r>
-            <a:r>
-              <a:rPr lang="de-DE" sz="1600" dirty="0" smtClean="0">
-                <a:solidFill>
-                  <a:schemeClr val="tx1"/>
-                </a:solidFill>
-              </a:rPr>
-              <a:t> +</a:t>
-            </a:r>
-            <a:r>
-              <a:rPr lang="de-DE" sz="4000" dirty="0" smtClean="0">
-                <a:solidFill>
-                  <a:schemeClr val="tx1"/>
-                </a:solidFill>
-              </a:rPr>
-              <a:t/>
-            </a:r>
-            <a:br>
-              <a:rPr lang="de-DE" sz="4000" dirty="0" smtClean="0">
-                <a:solidFill>
-                  <a:schemeClr val="tx1"/>
-                </a:solidFill>
-              </a:rPr>
-            </a:br>
-            <a:r>
-              <a:rPr lang="de-DE" sz="600" dirty="0" err="1" smtClean="0">
-                <a:solidFill>
-                  <a:schemeClr val="tx1"/>
-                </a:solidFill>
-              </a:rPr>
-              <a:t>mrGearboxMogliSHIFTRANGEUP</a:t>
+              <a:rPr lang="de-DE" sz="600" dirty="0">
+                <a:solidFill>
+                  <a:schemeClr val="tx1"/>
+                </a:solidFill>
+              </a:rPr>
+              <a:t>gearboxMogliSHIFTRANGE2TOGGLE</a:t>
             </a:r>
             <a:endParaRPr lang="en-US" sz="1100" dirty="0">
               <a:solidFill>
@@ -8242,199 +8009,19 @@
           </a:p>
         </p:txBody>
       </p:sp>
-      <p:sp>
-        <p:nvSpPr>
-          <p:cNvPr id="26" name="Rectangle 25"/>
-          <p:cNvSpPr/>
-          <p:nvPr/>
-        </p:nvSpPr>
-        <p:spPr>
-          <a:xfrm>
-            <a:off x="7008197" y="3585874"/>
-            <a:ext cx="1332000" cy="432000"/>
-          </a:xfrm>
-          <a:prstGeom prst="rect">
-            <a:avLst/>
-          </a:prstGeom>
-          <a:solidFill>
-            <a:srgbClr val="FFFFFF">
-              <a:alpha val="85000"/>
-            </a:srgbClr>
-          </a:solidFill>
-          <a:ln w="19050">
-            <a:solidFill>
-              <a:schemeClr val="accent2"/>
-            </a:solidFill>
-          </a:ln>
-        </p:spPr>
-        <p:style>
-          <a:lnRef idx="2">
-            <a:schemeClr val="accent1">
-              <a:shade val="50000"/>
-            </a:schemeClr>
-          </a:lnRef>
-          <a:fillRef idx="1">
-            <a:schemeClr val="accent1"/>
-          </a:fillRef>
-          <a:effectRef idx="0">
-            <a:schemeClr val="accent1"/>
-          </a:effectRef>
-          <a:fontRef idx="minor">
-            <a:schemeClr val="lt1"/>
-          </a:fontRef>
-        </p:style>
-        <p:txBody>
-          <a:bodyPr rtlCol="0" anchor="ctr"/>
-          <a:lstStyle/>
-          <a:p>
-            <a:pPr algn="ctr"/>
-            <a:r>
-              <a:rPr lang="de-DE" sz="1600" dirty="0" smtClean="0">
-                <a:solidFill>
-                  <a:schemeClr val="tx1"/>
-                </a:solidFill>
-              </a:rPr>
-              <a:t>2nd </a:t>
-            </a:r>
-            <a:r>
-              <a:rPr lang="de-DE" sz="1600" dirty="0" err="1" smtClean="0">
-                <a:solidFill>
-                  <a:schemeClr val="tx1"/>
-                </a:solidFill>
-              </a:rPr>
-              <a:t>group</a:t>
-            </a:r>
-            <a:r>
-              <a:rPr lang="de-DE" sz="1600" dirty="0" smtClean="0">
-                <a:solidFill>
-                  <a:schemeClr val="tx1"/>
-                </a:solidFill>
-              </a:rPr>
-              <a:t> -</a:t>
-            </a:r>
-            <a:r>
-              <a:rPr lang="de-DE" sz="4000" dirty="0" smtClean="0">
-                <a:solidFill>
-                  <a:schemeClr val="tx1"/>
-                </a:solidFill>
-              </a:rPr>
-              <a:t/>
-            </a:r>
-            <a:br>
-              <a:rPr lang="de-DE" sz="4000" dirty="0" smtClean="0">
-                <a:solidFill>
-                  <a:schemeClr val="tx1"/>
-                </a:solidFill>
-              </a:rPr>
-            </a:br>
-            <a:r>
-              <a:rPr lang="de-DE" sz="600" dirty="0" err="1" smtClean="0">
-                <a:solidFill>
-                  <a:schemeClr val="tx1"/>
-                </a:solidFill>
-              </a:rPr>
-              <a:t>mrGearboxMogliSHIFTRANGEDOWN</a:t>
-            </a:r>
-            <a:endParaRPr lang="en-US" sz="1600" dirty="0">
-              <a:solidFill>
-                <a:schemeClr val="tx1"/>
-              </a:solidFill>
-            </a:endParaRPr>
-          </a:p>
-        </p:txBody>
-      </p:sp>
       <p:cxnSp>
         <p:nvCxnSpPr>
-          <p:cNvPr id="29" name="Straight Connector 28"/>
+          <p:cNvPr id="57" name="Straight Connector 56"/>
           <p:cNvCxnSpPr>
-            <a:stCxn id="10" idx="3"/>
-            <a:endCxn id="11" idx="1"/>
+            <a:stCxn id="55" idx="3"/>
+            <a:endCxn id="56" idx="1"/>
           </p:cNvCxnSpPr>
           <p:nvPr/>
         </p:nvCxnSpPr>
         <p:spPr>
-          <a:xfrm>
-            <a:off x="5536865" y="3179252"/>
-            <a:ext cx="717085" cy="445367"/>
-          </a:xfrm>
-          <a:prstGeom prst="line">
-            <a:avLst/>
-          </a:prstGeom>
-          <a:ln w="19050">
-            <a:solidFill>
-              <a:schemeClr val="accent5"/>
-            </a:solidFill>
-          </a:ln>
-        </p:spPr>
-        <p:style>
-          <a:lnRef idx="1">
-            <a:schemeClr val="accent1"/>
-          </a:lnRef>
-          <a:fillRef idx="0">
-            <a:schemeClr val="accent1"/>
-          </a:fillRef>
-          <a:effectRef idx="0">
-            <a:schemeClr val="accent1"/>
-          </a:effectRef>
-          <a:fontRef idx="minor">
-            <a:schemeClr val="tx1"/>
-          </a:fontRef>
-        </p:style>
-      </p:cxnSp>
-      <p:cxnSp>
-        <p:nvCxnSpPr>
-          <p:cNvPr id="30" name="Straight Connector 29"/>
-          <p:cNvCxnSpPr>
-            <a:stCxn id="6" idx="3"/>
-            <a:endCxn id="9" idx="1"/>
-          </p:cNvCxnSpPr>
-          <p:nvPr/>
-        </p:nvCxnSpPr>
-        <p:spPr>
-          <a:xfrm>
-            <a:off x="5532350" y="2651278"/>
-            <a:ext cx="473595" cy="533536"/>
-          </a:xfrm>
-          <a:prstGeom prst="line">
-            <a:avLst/>
-          </a:prstGeom>
-          <a:ln w="19050">
-            <a:solidFill>
-              <a:schemeClr val="accent5">
-                <a:lumMod val="40000"/>
-                <a:lumOff val="60000"/>
-              </a:schemeClr>
-            </a:solidFill>
-          </a:ln>
-        </p:spPr>
-        <p:style>
-          <a:lnRef idx="1">
-            <a:schemeClr val="accent1"/>
-          </a:lnRef>
-          <a:fillRef idx="0">
-            <a:schemeClr val="accent1"/>
-          </a:fillRef>
-          <a:effectRef idx="0">
-            <a:schemeClr val="accent1"/>
-          </a:effectRef>
-          <a:fontRef idx="minor">
-            <a:schemeClr val="tx1"/>
-          </a:fontRef>
-        </p:style>
-      </p:cxnSp>
-      <p:cxnSp>
-        <p:nvCxnSpPr>
-          <p:cNvPr id="33" name="Straight Connector 32"/>
-          <p:cNvCxnSpPr>
-            <a:stCxn id="16" idx="0"/>
-            <a:endCxn id="25" idx="1"/>
-          </p:cNvCxnSpPr>
-          <p:nvPr/>
-        </p:nvCxnSpPr>
-        <p:spPr>
           <a:xfrm flipV="1">
-            <a:off x="6617632" y="2706603"/>
-            <a:ext cx="390565" cy="301033"/>
+            <a:off x="6799473" y="2964767"/>
+            <a:ext cx="233941" cy="224711"/>
           </a:xfrm>
           <a:prstGeom prst="line">
             <a:avLst/>
@@ -8463,214 +8050,24 @@
           </a:fontRef>
         </p:style>
       </p:cxnSp>
-      <p:cxnSp>
-        <p:nvCxnSpPr>
-          <p:cNvPr id="34" name="Straight Connector 33"/>
-          <p:cNvCxnSpPr>
-            <a:endCxn id="26" idx="0"/>
-          </p:cNvCxnSpPr>
-          <p:nvPr/>
-        </p:nvCxnSpPr>
-        <p:spPr>
-          <a:xfrm>
-            <a:off x="7086712" y="3395252"/>
-            <a:ext cx="587485" cy="190622"/>
-          </a:xfrm>
-          <a:prstGeom prst="line">
-            <a:avLst/>
-          </a:prstGeom>
-          <a:ln w="19050">
-            <a:solidFill>
-              <a:schemeClr val="accent2"/>
-            </a:solidFill>
-          </a:ln>
-        </p:spPr>
-        <p:style>
-          <a:lnRef idx="1">
-            <a:schemeClr val="accent1"/>
-          </a:lnRef>
-          <a:fillRef idx="0">
-            <a:schemeClr val="accent1"/>
-          </a:fillRef>
-          <a:effectRef idx="0">
-            <a:schemeClr val="accent1"/>
-          </a:effectRef>
-          <a:fontRef idx="minor">
-            <a:schemeClr val="tx1"/>
-          </a:fontRef>
-        </p:style>
-      </p:cxnSp>
-      <p:cxnSp>
-        <p:nvCxnSpPr>
-          <p:cNvPr id="39" name="Straight Connector 38"/>
-          <p:cNvCxnSpPr>
-            <a:stCxn id="20" idx="3"/>
-            <a:endCxn id="12" idx="1"/>
-          </p:cNvCxnSpPr>
-          <p:nvPr/>
-        </p:nvCxnSpPr>
-        <p:spPr>
-          <a:xfrm flipV="1">
-            <a:off x="5326064" y="3629424"/>
-            <a:ext cx="498040" cy="34791"/>
-          </a:xfrm>
-          <a:prstGeom prst="line">
-            <a:avLst/>
-          </a:prstGeom>
-          <a:ln w="19050">
-            <a:solidFill>
-              <a:srgbClr val="C00000"/>
-            </a:solidFill>
-          </a:ln>
-        </p:spPr>
-        <p:style>
-          <a:lnRef idx="1">
-            <a:schemeClr val="accent1"/>
-          </a:lnRef>
-          <a:fillRef idx="0">
-            <a:schemeClr val="accent1"/>
-          </a:fillRef>
-          <a:effectRef idx="0">
-            <a:schemeClr val="accent1"/>
-          </a:effectRef>
-          <a:fontRef idx="minor">
-            <a:schemeClr val="tx1"/>
-          </a:fontRef>
-        </p:style>
-      </p:cxnSp>
-      <p:sp>
-        <p:nvSpPr>
-          <p:cNvPr id="37" name="Rectangle 36"/>
+      <p:sp>
+        <p:nvSpPr>
+          <p:cNvPr id="58" name="Rectangle 57"/>
           <p:cNvSpPr/>
           <p:nvPr/>
         </p:nvSpPr>
         <p:spPr>
           <a:xfrm>
-            <a:off x="1119211" y="3122873"/>
-            <a:ext cx="1332000" cy="594000"/>
+            <a:off x="2796249" y="2573168"/>
+            <a:ext cx="363682" cy="363683"/>
           </a:xfrm>
           <a:prstGeom prst="rect">
             <a:avLst/>
           </a:prstGeom>
-          <a:solidFill>
-            <a:srgbClr val="FFFFFF">
-              <a:alpha val="85000"/>
-            </a:srgbClr>
-          </a:solidFill>
-          <a:ln w="19050">
-            <a:solidFill>
-              <a:schemeClr val="tx2">
-                <a:lumMod val="60000"/>
-                <a:lumOff val="40000"/>
-              </a:schemeClr>
-            </a:solidFill>
-          </a:ln>
-        </p:spPr>
-        <p:style>
-          <a:lnRef idx="2">
-            <a:schemeClr val="accent1">
-              <a:shade val="50000"/>
-            </a:schemeClr>
-          </a:lnRef>
-          <a:fillRef idx="1">
-            <a:schemeClr val="accent1"/>
-          </a:fillRef>
-          <a:effectRef idx="0">
-            <a:schemeClr val="accent1"/>
-          </a:effectRef>
-          <a:fontRef idx="minor">
-            <a:schemeClr val="lt1"/>
-          </a:fontRef>
-        </p:style>
-        <p:txBody>
-          <a:bodyPr rtlCol="0" anchor="ctr"/>
-          <a:lstStyle/>
-          <a:p>
-            <a:pPr algn="ctr"/>
-            <a:r>
-              <a:rPr lang="de-DE" sz="1600" dirty="0" err="1" smtClean="0">
-                <a:solidFill>
-                  <a:schemeClr val="tx1"/>
-                </a:solidFill>
-              </a:rPr>
-              <a:t>speed</a:t>
-            </a:r>
-            <a:r>
-              <a:rPr lang="de-DE" sz="1600" dirty="0" smtClean="0">
-                <a:solidFill>
-                  <a:schemeClr val="tx1"/>
-                </a:solidFill>
-              </a:rPr>
-              <a:t> </a:t>
-            </a:r>
-            <a:r>
-              <a:rPr lang="de-DE" sz="1600" dirty="0" err="1" smtClean="0">
-                <a:solidFill>
-                  <a:schemeClr val="tx1"/>
-                </a:solidFill>
-              </a:rPr>
-              <a:t>limiter</a:t>
-            </a:r>
-            <a:r>
-              <a:rPr lang="de-DE" sz="1600" dirty="0" smtClean="0">
-                <a:solidFill>
-                  <a:schemeClr val="tx1"/>
-                </a:solidFill>
-              </a:rPr>
-              <a:t> on/off</a:t>
-            </a:r>
-            <a:r>
-              <a:rPr lang="de-DE" sz="4000" dirty="0" smtClean="0">
-                <a:solidFill>
-                  <a:schemeClr val="tx1"/>
-                </a:solidFill>
-              </a:rPr>
-              <a:t/>
-            </a:r>
-            <a:br>
-              <a:rPr lang="de-DE" sz="4000" dirty="0" smtClean="0">
-                <a:solidFill>
-                  <a:schemeClr val="tx1"/>
-                </a:solidFill>
-              </a:rPr>
-            </a:br>
-            <a:r>
-              <a:rPr lang="de-DE" sz="600" dirty="0" smtClean="0">
-                <a:solidFill>
-                  <a:schemeClr val="tx1"/>
-                </a:solidFill>
-              </a:rPr>
-              <a:t>AXIS_CRUISE_CONTROL</a:t>
-            </a:r>
-            <a:endParaRPr lang="en-US" sz="1200" dirty="0">
-              <a:solidFill>
-                <a:schemeClr val="tx1"/>
-              </a:solidFill>
-            </a:endParaRPr>
-          </a:p>
-        </p:txBody>
-      </p:sp>
-      <p:sp>
-        <p:nvSpPr>
-          <p:cNvPr id="40" name="Rectangle 39"/>
-          <p:cNvSpPr/>
-          <p:nvPr/>
-        </p:nvSpPr>
-        <p:spPr>
-          <a:xfrm>
-            <a:off x="2360821" y="2572084"/>
-            <a:ext cx="363682" cy="363683"/>
-          </a:xfrm>
-          <a:prstGeom prst="rect">
-            <a:avLst/>
-          </a:prstGeom>
           <a:noFill/>
           <a:ln w="19050">
             <a:solidFill>
-              <a:schemeClr val="tx2">
-                <a:lumMod val="60000"/>
-                <a:lumOff val="40000"/>
-              </a:schemeClr>
+              <a:schemeClr val="tx2"/>
             </a:solidFill>
           </a:ln>
         </p:spPr>
@@ -8700,7 +8097,7 @@
           <a:lstStyle/>
           <a:p>
             <a:pPr algn="ctr"/>
-            <a:endParaRPr lang="en-US" sz="1600" dirty="0" smtClean="0">
+            <a:endParaRPr lang="en-US" sz="1600" dirty="0">
               <a:solidFill>
                 <a:schemeClr val="tx1"/>
               </a:solidFill>
@@ -8710,13 +8107,217 @@
       </p:sp>
       <p:sp>
         <p:nvSpPr>
-          <p:cNvPr id="41" name="Rectangle 40"/>
+          <p:cNvPr id="59" name="Rectangle 58"/>
           <p:cNvSpPr/>
           <p:nvPr/>
         </p:nvSpPr>
         <p:spPr>
           <a:xfrm>
-            <a:off x="2796249" y="2573168"/>
+            <a:off x="2639285" y="3063239"/>
+            <a:ext cx="1332000" cy="594000"/>
+          </a:xfrm>
+          <a:prstGeom prst="rect">
+            <a:avLst/>
+          </a:prstGeom>
+          <a:solidFill>
+            <a:srgbClr val="FFFFFF">
+              <a:alpha val="85000"/>
+            </a:srgbClr>
+          </a:solidFill>
+          <a:ln w="19050">
+            <a:solidFill>
+              <a:schemeClr val="tx2"/>
+            </a:solidFill>
+          </a:ln>
+        </p:spPr>
+        <p:style>
+          <a:lnRef idx="2">
+            <a:schemeClr val="accent1">
+              <a:shade val="50000"/>
+            </a:schemeClr>
+          </a:lnRef>
+          <a:fillRef idx="1">
+            <a:schemeClr val="accent1"/>
+          </a:fillRef>
+          <a:effectRef idx="0">
+            <a:schemeClr val="accent1"/>
+          </a:effectRef>
+          <a:fontRef idx="minor">
+            <a:schemeClr val="lt1"/>
+          </a:fontRef>
+        </p:style>
+        <p:txBody>
+          <a:bodyPr rtlCol="0" anchor="ctr"/>
+          <a:lstStyle/>
+          <a:p>
+            <a:pPr algn="ctr"/>
+            <a:r>
+              <a:rPr lang="de-DE" sz="1600" dirty="0">
+                <a:solidFill>
+                  <a:schemeClr val="tx1"/>
+                </a:solidFill>
+              </a:rPr>
+              <a:t>Tempomat </a:t>
+            </a:r>
+            <a:r>
+              <a:rPr lang="de-DE" sz="1600" dirty="0" err="1">
+                <a:solidFill>
+                  <a:schemeClr val="tx1"/>
+                </a:solidFill>
+              </a:rPr>
+              <a:t>Geschw</a:t>
+            </a:r>
+            <a:r>
+              <a:rPr lang="de-DE" sz="1600" dirty="0">
+                <a:solidFill>
+                  <a:schemeClr val="tx1"/>
+                </a:solidFill>
+              </a:rPr>
+              <a:t>. 3</a:t>
+            </a:r>
+          </a:p>
+          <a:p>
+            <a:pPr algn="ctr"/>
+            <a:r>
+              <a:rPr lang="de-DE" sz="600" dirty="0" err="1">
+                <a:solidFill>
+                  <a:schemeClr val="tx1"/>
+                </a:solidFill>
+              </a:rPr>
+              <a:t>gearboxMogliSWAPSPEEDR</a:t>
+            </a:r>
+            <a:endParaRPr lang="en-US" sz="1200" dirty="0">
+              <a:solidFill>
+                <a:schemeClr val="tx1"/>
+              </a:solidFill>
+            </a:endParaRPr>
+          </a:p>
+        </p:txBody>
+      </p:sp>
+      <p:cxnSp>
+        <p:nvCxnSpPr>
+          <p:cNvPr id="60" name="Straight Connector 59"/>
+          <p:cNvCxnSpPr>
+            <a:stCxn id="58" idx="2"/>
+            <a:endCxn id="59" idx="0"/>
+          </p:cNvCxnSpPr>
+          <p:nvPr/>
+        </p:nvCxnSpPr>
+        <p:spPr>
+          <a:xfrm>
+            <a:off x="2978090" y="2936851"/>
+            <a:ext cx="327195" cy="126388"/>
+          </a:xfrm>
+          <a:prstGeom prst="line">
+            <a:avLst/>
+          </a:prstGeom>
+          <a:ln w="19050">
+            <a:solidFill>
+              <a:schemeClr val="tx2"/>
+            </a:solidFill>
+          </a:ln>
+        </p:spPr>
+        <p:style>
+          <a:lnRef idx="1">
+            <a:schemeClr val="accent1"/>
+          </a:lnRef>
+          <a:fillRef idx="0">
+            <a:schemeClr val="accent1"/>
+          </a:fillRef>
+          <a:effectRef idx="0">
+            <a:schemeClr val="accent1"/>
+          </a:effectRef>
+          <a:fontRef idx="minor">
+            <a:schemeClr val="tx1"/>
+          </a:fontRef>
+        </p:style>
+      </p:cxnSp>
+      <p:sp>
+        <p:nvSpPr>
+          <p:cNvPr id="61" name="Rectangle 60"/>
+          <p:cNvSpPr/>
+          <p:nvPr/>
+        </p:nvSpPr>
+        <p:spPr>
+          <a:xfrm>
+            <a:off x="4178893" y="2879005"/>
+            <a:ext cx="1288280" cy="432000"/>
+          </a:xfrm>
+          <a:prstGeom prst="rect">
+            <a:avLst/>
+          </a:prstGeom>
+          <a:solidFill>
+            <a:srgbClr val="FFFFFF">
+              <a:alpha val="85000"/>
+            </a:srgbClr>
+          </a:solidFill>
+          <a:ln w="19050">
+            <a:solidFill>
+              <a:schemeClr val="accent5"/>
+            </a:solidFill>
+          </a:ln>
+        </p:spPr>
+        <p:style>
+          <a:lnRef idx="2">
+            <a:schemeClr val="accent1">
+              <a:shade val="50000"/>
+            </a:schemeClr>
+          </a:lnRef>
+          <a:fillRef idx="1">
+            <a:schemeClr val="accent1"/>
+          </a:fillRef>
+          <a:effectRef idx="0">
+            <a:schemeClr val="accent1"/>
+          </a:effectRef>
+          <a:fontRef idx="minor">
+            <a:schemeClr val="lt1"/>
+          </a:fontRef>
+        </p:style>
+        <p:txBody>
+          <a:bodyPr rtlCol="0" anchor="ctr"/>
+          <a:lstStyle/>
+          <a:p>
+            <a:pPr algn="ctr"/>
+            <a:r>
+              <a:rPr lang="de-DE" sz="1600" dirty="0">
+                <a:solidFill>
+                  <a:schemeClr val="tx1"/>
+                </a:solidFill>
+              </a:rPr>
+              <a:t>Gang +/-</a:t>
+            </a:r>
+            <a:br>
+              <a:rPr lang="de-DE" sz="4000" dirty="0">
+                <a:solidFill>
+                  <a:schemeClr val="tx1"/>
+                </a:solidFill>
+              </a:rPr>
+            </a:br>
+            <a:r>
+              <a:rPr lang="de-DE" sz="600" dirty="0" err="1">
+                <a:solidFill>
+                  <a:schemeClr val="tx1"/>
+                </a:solidFill>
+              </a:rPr>
+              <a:t>gearboxMogliSHIFTGEARTOGGLE</a:t>
+            </a:r>
+            <a:endParaRPr lang="en-US" sz="1400" dirty="0">
+              <a:solidFill>
+                <a:schemeClr val="tx1"/>
+              </a:solidFill>
+            </a:endParaRPr>
+          </a:p>
+        </p:txBody>
+      </p:sp>
+      <p:sp>
+        <p:nvSpPr>
+          <p:cNvPr id="62" name="Rectangle 61"/>
+          <p:cNvSpPr/>
+          <p:nvPr/>
+        </p:nvSpPr>
+        <p:spPr>
+          <a:xfrm>
+            <a:off x="6130991" y="3429132"/>
             <a:ext cx="363682" cy="363683"/>
           </a:xfrm>
           <a:prstGeom prst="rect">
@@ -8725,7 +8326,7 @@
           <a:noFill/>
           <a:ln w="19050">
             <a:solidFill>
-              <a:schemeClr val="tx2"/>
+              <a:schemeClr val="accent5"/>
             </a:solidFill>
           </a:ln>
         </p:spPr>
@@ -8755,7 +8356,7 @@
           <a:lstStyle/>
           <a:p>
             <a:pPr algn="ctr"/>
-            <a:endParaRPr lang="en-US" sz="1600" dirty="0" smtClean="0">
+            <a:endParaRPr lang="en-US" sz="1600" dirty="0">
               <a:solidFill>
                 <a:schemeClr val="tx1"/>
               </a:solidFill>
@@ -8765,181 +8366,24 @@
       </p:sp>
       <p:cxnSp>
         <p:nvCxnSpPr>
-          <p:cNvPr id="42" name="Straight Connector 41"/>
+          <p:cNvPr id="63" name="Straight Connector 62"/>
           <p:cNvCxnSpPr>
-            <a:endCxn id="37" idx="0"/>
+            <a:stCxn id="61" idx="3"/>
+            <a:endCxn id="62" idx="1"/>
           </p:cNvCxnSpPr>
           <p:nvPr/>
         </p:nvCxnSpPr>
         <p:spPr>
-          <a:xfrm flipH="1">
-            <a:off x="1785211" y="2995401"/>
-            <a:ext cx="677939" cy="127472"/>
+          <a:xfrm>
+            <a:off x="5467173" y="3095005"/>
+            <a:ext cx="663818" cy="515969"/>
           </a:xfrm>
           <a:prstGeom prst="line">
             <a:avLst/>
           </a:prstGeom>
           <a:ln w="19050">
             <a:solidFill>
-              <a:schemeClr val="tx2">
-                <a:lumMod val="60000"/>
-                <a:lumOff val="40000"/>
-              </a:schemeClr>
-            </a:solidFill>
-          </a:ln>
-        </p:spPr>
-        <p:style>
-          <a:lnRef idx="1">
-            <a:schemeClr val="accent1"/>
-          </a:lnRef>
-          <a:fillRef idx="0">
-            <a:schemeClr val="accent1"/>
-          </a:fillRef>
-          <a:effectRef idx="0">
-            <a:schemeClr val="accent1"/>
-          </a:effectRef>
-          <a:fontRef idx="minor">
-            <a:schemeClr val="tx1"/>
-          </a:fontRef>
-        </p:style>
-      </p:cxnSp>
-      <p:sp>
-        <p:nvSpPr>
-          <p:cNvPr id="43" name="Rectangle 42"/>
-          <p:cNvSpPr/>
-          <p:nvPr/>
-        </p:nvSpPr>
-        <p:spPr>
-          <a:xfrm>
-            <a:off x="2559773" y="3122873"/>
-            <a:ext cx="1332000" cy="594000"/>
-          </a:xfrm>
-          <a:prstGeom prst="rect">
-            <a:avLst/>
-          </a:prstGeom>
-          <a:solidFill>
-            <a:srgbClr val="FFFFFF">
-              <a:alpha val="85000"/>
-            </a:srgbClr>
-          </a:solidFill>
-          <a:ln w="19050">
-            <a:solidFill>
-              <a:schemeClr val="tx2"/>
-            </a:solidFill>
-          </a:ln>
-        </p:spPr>
-        <p:style>
-          <a:lnRef idx="2">
-            <a:schemeClr val="accent1">
-              <a:shade val="50000"/>
-            </a:schemeClr>
-          </a:lnRef>
-          <a:fillRef idx="1">
-            <a:schemeClr val="accent1"/>
-          </a:fillRef>
-          <a:effectRef idx="0">
-            <a:schemeClr val="accent1"/>
-          </a:effectRef>
-          <a:fontRef idx="minor">
-            <a:schemeClr val="lt1"/>
-          </a:fontRef>
-        </p:style>
-        <p:txBody>
-          <a:bodyPr rtlCol="0" anchor="ctr"/>
-          <a:lstStyle/>
-          <a:p>
-            <a:pPr algn="ctr"/>
-            <a:r>
-              <a:rPr lang="de-DE" sz="1600" dirty="0" smtClean="0">
-                <a:solidFill>
-                  <a:schemeClr val="tx1"/>
-                </a:solidFill>
-              </a:rPr>
-              <a:t>cruise </a:t>
-            </a:r>
-            <a:r>
-              <a:rPr lang="de-DE" sz="1600" dirty="0" err="1" smtClean="0">
-                <a:solidFill>
-                  <a:schemeClr val="tx1"/>
-                </a:solidFill>
-              </a:rPr>
-              <a:t>control</a:t>
-            </a:r>
-            <a:r>
-              <a:rPr lang="de-DE" sz="1600" dirty="0" smtClean="0">
-                <a:solidFill>
-                  <a:schemeClr val="tx1"/>
-                </a:solidFill>
-              </a:rPr>
-              <a:t> </a:t>
-            </a:r>
-            <a:r>
-              <a:rPr lang="de-DE" sz="1600" dirty="0" err="1" smtClean="0">
-                <a:solidFill>
-                  <a:schemeClr val="tx1"/>
-                </a:solidFill>
-              </a:rPr>
-              <a:t>set</a:t>
-            </a:r>
-            <a:r>
-              <a:rPr lang="de-DE" sz="1600" dirty="0" smtClean="0">
-                <a:solidFill>
-                  <a:schemeClr val="tx1"/>
-                </a:solidFill>
-              </a:rPr>
-              <a:t> </a:t>
-            </a:r>
-            <a:r>
-              <a:rPr lang="de-DE" sz="1600" dirty="0" err="1" smtClean="0">
-                <a:solidFill>
-                  <a:schemeClr val="tx1"/>
-                </a:solidFill>
-              </a:rPr>
-              <a:t>speed</a:t>
-            </a:r>
-            <a:endParaRPr lang="de-DE" sz="1600" dirty="0" smtClean="0">
-              <a:solidFill>
-                <a:schemeClr val="tx1"/>
-              </a:solidFill>
-            </a:endParaRPr>
-          </a:p>
-          <a:p>
-            <a:pPr algn="ctr"/>
-            <a:r>
-              <a:rPr lang="de-DE" sz="600" dirty="0" err="1">
-                <a:solidFill>
-                  <a:schemeClr val="tx1"/>
-                </a:solidFill>
-              </a:rPr>
-              <a:t>mrGearboxMogliSWAPSPEED</a:t>
-            </a:r>
-            <a:endParaRPr lang="en-US" sz="1200" dirty="0">
-              <a:solidFill>
-                <a:schemeClr val="tx1"/>
-              </a:solidFill>
-            </a:endParaRPr>
-          </a:p>
-        </p:txBody>
-      </p:sp>
-      <p:cxnSp>
-        <p:nvCxnSpPr>
-          <p:cNvPr id="44" name="Straight Connector 43"/>
-          <p:cNvCxnSpPr>
-            <a:endCxn id="43" idx="0"/>
-          </p:cNvCxnSpPr>
-          <p:nvPr/>
-        </p:nvCxnSpPr>
-        <p:spPr>
-          <a:xfrm>
-            <a:off x="2898578" y="2996485"/>
-            <a:ext cx="327195" cy="126388"/>
-          </a:xfrm>
-          <a:prstGeom prst="line">
-            <a:avLst/>
-          </a:prstGeom>
-          <a:ln w="19050">
-            <a:solidFill>
-              <a:schemeClr val="tx2"/>
+              <a:schemeClr val="accent5"/>
             </a:solidFill>
           </a:ln>
         </p:spPr>
@@ -8961,20 +8405,13 @@
     </p:spTree>
     <p:extLst>
       <p:ext uri="{BB962C8B-B14F-4D97-AF65-F5344CB8AC3E}">
-        <p14:creationId xmlns:p14="http://schemas.microsoft.com/office/powerpoint/2010/main" val="2754927319"/>
+        <p14:creationId xmlns:p14="http://schemas.microsoft.com/office/powerpoint/2010/main" val="3390505255"/>
       </p:ext>
     </p:extLst>
   </p:cSld>
   <p:clrMapOvr>
     <a:masterClrMapping/>
   </p:clrMapOvr>
-  <p:timing>
-    <p:tnLst>
-      <p:par>
-        <p:cTn id="1" dur="indefinite" restart="never" nodeType="tmRoot"/>
-      </p:par>
-    </p:tnLst>
-  </p:timing>
 </p:sld>
 </file>
 
@@ -8995,16 +8432,174 @@
           <a:chExt cx="0" cy="0"/>
         </a:xfrm>
       </p:grpSpPr>
-      <p:sp>
-        <p:nvSpPr>
-          <p:cNvPr id="2" name="Rectangle 1"/>
+      <p:pic>
+        <p:nvPicPr>
+          <p:cNvPr id="1026" name="Picture 2" descr="http://upload.wikimedia.org/wikipedia/commons/thumb/3/37/ANSI_Keyboard_Layout_Diagram_with_Form_Factor.svg/2000px-ANSI_Keyboard_Layout_Diagram_with_Form_Factor.svg.png"/>
+          <p:cNvPicPr>
+            <a:picLocks noChangeArrowheads="1"/>
+          </p:cNvPicPr>
+          <p:nvPr/>
+        </p:nvPicPr>
+        <p:blipFill rotWithShape="1">
+          <a:blip r:embed="rId2">
+            <a:extLst>
+              <a:ext uri="{28A0092B-C50C-407E-A947-70E740481C1C}">
+                <a14:useLocalDpi xmlns:a14="http://schemas.microsoft.com/office/drawing/2010/main" val="0"/>
+              </a:ext>
+            </a:extLst>
+          </a:blip>
+          <a:srcRect l="692" t="17359" r="34855" b="19918"/>
+          <a:stretch/>
+        </p:blipFill>
+        <p:spPr bwMode="auto">
+          <a:xfrm>
+            <a:off x="954156" y="2464903"/>
+            <a:ext cx="6589643" cy="2325757"/>
+          </a:xfrm>
+          <a:prstGeom prst="rect">
+            <a:avLst/>
+          </a:prstGeom>
+          <a:noFill/>
+          <a:extLst>
+            <a:ext uri="{909E8E84-426E-40DD-AFC4-6F175D3DCCD1}">
+              <a14:hiddenFill xmlns:a14="http://schemas.microsoft.com/office/drawing/2010/main">
+                <a:solidFill>
+                  <a:srgbClr val="FFFFFF"/>
+                </a:solidFill>
+              </a14:hiddenFill>
+            </a:ext>
+          </a:extLst>
+        </p:spPr>
+      </p:pic>
+      <p:sp>
+        <p:nvSpPr>
+          <p:cNvPr id="27" name="Rectangle 26"/>
           <p:cNvSpPr/>
           <p:nvPr/>
         </p:nvSpPr>
         <p:spPr>
           <a:xfrm>
-            <a:off x="4511587" y="4369351"/>
-            <a:ext cx="1188000" cy="432000"/>
+            <a:off x="2667837" y="4290646"/>
+            <a:ext cx="2646546" cy="375139"/>
+          </a:xfrm>
+          <a:prstGeom prst="rect">
+            <a:avLst/>
+          </a:prstGeom>
+          <a:solidFill>
+            <a:schemeClr val="bg1">
+              <a:alpha val="85000"/>
+            </a:schemeClr>
+          </a:solidFill>
+          <a:ln w="19050">
+            <a:solidFill>
+              <a:schemeClr val="bg1">
+                <a:lumMod val="65000"/>
+              </a:schemeClr>
+            </a:solidFill>
+          </a:ln>
+        </p:spPr>
+        <p:style>
+          <a:lnRef idx="2">
+            <a:schemeClr val="accent1">
+              <a:shade val="50000"/>
+            </a:schemeClr>
+          </a:lnRef>
+          <a:fillRef idx="1">
+            <a:schemeClr val="accent1"/>
+          </a:fillRef>
+          <a:effectRef idx="0">
+            <a:schemeClr val="accent1"/>
+          </a:effectRef>
+          <a:fontRef idx="minor">
+            <a:schemeClr val="lt1"/>
+          </a:fontRef>
+        </p:style>
+        <p:txBody>
+          <a:bodyPr lIns="90000" rtlCol="0" anchor="ctr"/>
+          <a:lstStyle/>
+          <a:p>
+            <a:pPr algn="ctr"/>
+            <a:r>
+              <a:rPr lang="de-DE" sz="1600" dirty="0" err="1">
+                <a:solidFill>
+                  <a:schemeClr val="tx1"/>
+                </a:solidFill>
+              </a:rPr>
+              <a:t>clutch</a:t>
+            </a:r>
+            <a:r>
+              <a:rPr lang="de-DE" sz="1600" dirty="0">
+                <a:solidFill>
+                  <a:schemeClr val="tx1"/>
+                </a:solidFill>
+              </a:rPr>
+              <a:t> </a:t>
+            </a:r>
+            <a:r>
+              <a:rPr lang="de-DE" sz="1600" dirty="0" err="1">
+                <a:solidFill>
+                  <a:schemeClr val="tx1"/>
+                </a:solidFill>
+              </a:rPr>
+              <a:t>automatic</a:t>
+            </a:r>
+            <a:r>
+              <a:rPr lang="de-DE" sz="1600" dirty="0">
+                <a:solidFill>
+                  <a:schemeClr val="tx1"/>
+                </a:solidFill>
+              </a:rPr>
+              <a:t>/</a:t>
+            </a:r>
+            <a:r>
+              <a:rPr lang="de-DE" sz="1600" dirty="0" err="1">
+                <a:solidFill>
+                  <a:schemeClr val="tx1"/>
+                </a:solidFill>
+              </a:rPr>
+              <a:t>manual</a:t>
+            </a:r>
+            <a:r>
+              <a:rPr lang="de-DE" sz="1600" dirty="0">
+                <a:solidFill>
+                  <a:schemeClr val="tx1"/>
+                </a:solidFill>
+              </a:rPr>
+              <a:t> </a:t>
+            </a:r>
+            <a:br>
+              <a:rPr lang="de-DE" sz="4000" dirty="0">
+                <a:solidFill>
+                  <a:schemeClr val="tx1"/>
+                </a:solidFill>
+              </a:rPr>
+            </a:br>
+            <a:r>
+              <a:rPr lang="de-DE" sz="600" dirty="0" err="1">
+                <a:solidFill>
+                  <a:schemeClr val="tx1"/>
+                </a:solidFill>
+              </a:rPr>
+              <a:t>mrGearboxMogliREVERSE</a:t>
+            </a:r>
+            <a:endParaRPr lang="en-US" sz="1600" dirty="0">
+              <a:solidFill>
+                <a:schemeClr val="tx1"/>
+              </a:solidFill>
+            </a:endParaRPr>
+          </a:p>
+        </p:txBody>
+      </p:sp>
+      <p:sp>
+        <p:nvSpPr>
+          <p:cNvPr id="6" name="Rectangle 5"/>
+          <p:cNvSpPr/>
+          <p:nvPr/>
+        </p:nvSpPr>
+        <p:spPr>
+          <a:xfrm>
+            <a:off x="4200350" y="2435278"/>
+            <a:ext cx="1332000" cy="432000"/>
           </a:xfrm>
           <a:prstGeom prst="rect">
             <a:avLst/>
@@ -9016,8 +8611,9 @@
           </a:solidFill>
           <a:ln w="19050">
             <a:solidFill>
-              <a:schemeClr val="accent6">
-                <a:lumMod val="50000"/>
+              <a:schemeClr val="accent5">
+                <a:lumMod val="40000"/>
+                <a:lumOff val="60000"/>
               </a:schemeClr>
             </a:solidFill>
           </a:ln>
@@ -9044,35 +8640,43 @@
           <a:p>
             <a:pPr algn="ctr"/>
             <a:r>
-              <a:rPr lang="de-DE" sz="1600" dirty="0" smtClean="0">
-                <a:solidFill>
-                  <a:schemeClr val="tx1"/>
-                </a:solidFill>
-              </a:rPr>
-              <a:t>All Auto</a:t>
-            </a:r>
-            <a:r>
-              <a:rPr lang="de-DE" sz="4000" dirty="0" smtClean="0">
-                <a:solidFill>
-                  <a:schemeClr val="tx1"/>
-                </a:solidFill>
-              </a:rPr>
-              <a:t/>
+              <a:rPr lang="de-DE" sz="1600" dirty="0">
+                <a:solidFill>
+                  <a:schemeClr val="tx1"/>
+                </a:solidFill>
+              </a:rPr>
+              <a:t>cc </a:t>
+            </a:r>
+            <a:r>
+              <a:rPr lang="de-DE" sz="1600" dirty="0" err="1">
+                <a:solidFill>
+                  <a:schemeClr val="tx1"/>
+                </a:solidFill>
+              </a:rPr>
+              <a:t>acc</a:t>
+            </a:r>
+            <a:r>
+              <a:rPr lang="de-DE" sz="1600" dirty="0">
+                <a:solidFill>
+                  <a:schemeClr val="tx1"/>
+                </a:solidFill>
+              </a:rPr>
+              <a:t>. +</a:t>
             </a:r>
             <a:br>
-              <a:rPr lang="de-DE" sz="4000" dirty="0" smtClean="0">
+              <a:rPr lang="de-DE" sz="4000" dirty="0">
                 <a:solidFill>
                   <a:schemeClr val="tx1"/>
                 </a:solidFill>
               </a:rPr>
             </a:br>
             <a:r>
-              <a:rPr lang="de-DE" sz="600" dirty="0" err="1" smtClean="0">
-                <a:solidFill>
-                  <a:schemeClr val="tx1"/>
-                </a:solidFill>
-              </a:rPr>
-              <a:t>mrGearboxMogliCLUTCH</a:t>
+              <a:rPr lang="de-DE" sz="600" dirty="0" err="1">
+                <a:solidFill>
+                  <a:schemeClr val="tx1"/>
+                </a:solidFill>
+              </a:rPr>
+              <a:t>mrGearboxMogliSHIFTGEARUP</a:t>
             </a:r>
             <a:endParaRPr lang="en-US" sz="1200" dirty="0">
               <a:solidFill>
@@ -9084,13 +8688,13 @@
       </p:sp>
       <p:sp>
         <p:nvSpPr>
-          <p:cNvPr id="3" name="Rectangle 2"/>
+          <p:cNvPr id="9" name="Rectangle 8"/>
           <p:cNvSpPr/>
           <p:nvPr/>
         </p:nvSpPr>
         <p:spPr>
           <a:xfrm>
-            <a:off x="5072677" y="3864706"/>
+            <a:off x="6005945" y="3002972"/>
             <a:ext cx="363682" cy="363683"/>
           </a:xfrm>
           <a:prstGeom prst="rect">
@@ -9099,8 +8703,9 @@
           <a:noFill/>
           <a:ln w="19050">
             <a:solidFill>
-              <a:schemeClr val="accent6">
-                <a:lumMod val="50000"/>
+              <a:schemeClr val="accent5">
+                <a:lumMod val="40000"/>
+                <a:lumOff val="60000"/>
               </a:schemeClr>
             </a:solidFill>
           </a:ln>
@@ -9131,7 +8736,1370 @@
           <a:lstStyle/>
           <a:p>
             <a:pPr algn="ctr"/>
-            <a:endParaRPr lang="en-US" sz="1600" dirty="0" smtClean="0">
+            <a:endParaRPr lang="en-US" sz="1600" dirty="0">
+              <a:solidFill>
+                <a:schemeClr val="tx1"/>
+              </a:solidFill>
+            </a:endParaRPr>
+          </a:p>
+        </p:txBody>
+      </p:sp>
+      <p:sp>
+        <p:nvSpPr>
+          <p:cNvPr id="10" name="Rectangle 9"/>
+          <p:cNvSpPr/>
+          <p:nvPr/>
+        </p:nvSpPr>
+        <p:spPr>
+          <a:xfrm>
+            <a:off x="4204865" y="2963252"/>
+            <a:ext cx="1332000" cy="432000"/>
+          </a:xfrm>
+          <a:prstGeom prst="rect">
+            <a:avLst/>
+          </a:prstGeom>
+          <a:solidFill>
+            <a:srgbClr val="FFFFFF">
+              <a:alpha val="85000"/>
+            </a:srgbClr>
+          </a:solidFill>
+          <a:ln w="19050">
+            <a:solidFill>
+              <a:schemeClr val="accent5"/>
+            </a:solidFill>
+          </a:ln>
+        </p:spPr>
+        <p:style>
+          <a:lnRef idx="2">
+            <a:schemeClr val="accent1">
+              <a:shade val="50000"/>
+            </a:schemeClr>
+          </a:lnRef>
+          <a:fillRef idx="1">
+            <a:schemeClr val="accent1"/>
+          </a:fillRef>
+          <a:effectRef idx="0">
+            <a:schemeClr val="accent1"/>
+          </a:effectRef>
+          <a:fontRef idx="minor">
+            <a:schemeClr val="lt1"/>
+          </a:fontRef>
+        </p:style>
+        <p:txBody>
+          <a:bodyPr rtlCol="0" anchor="ctr"/>
+          <a:lstStyle/>
+          <a:p>
+            <a:pPr algn="ctr"/>
+            <a:r>
+              <a:rPr lang="de-DE" sz="1600" dirty="0">
+                <a:solidFill>
+                  <a:schemeClr val="tx1"/>
+                </a:solidFill>
+              </a:rPr>
+              <a:t>cc </a:t>
+            </a:r>
+            <a:r>
+              <a:rPr lang="de-DE" sz="1600" dirty="0" err="1">
+                <a:solidFill>
+                  <a:schemeClr val="tx1"/>
+                </a:solidFill>
+              </a:rPr>
+              <a:t>dec</a:t>
+            </a:r>
+            <a:r>
+              <a:rPr lang="de-DE" sz="1600" dirty="0">
+                <a:solidFill>
+                  <a:schemeClr val="tx1"/>
+                </a:solidFill>
+              </a:rPr>
+              <a:t>. -</a:t>
+            </a:r>
+            <a:br>
+              <a:rPr lang="de-DE" sz="4000" dirty="0">
+                <a:solidFill>
+                  <a:schemeClr val="tx1"/>
+                </a:solidFill>
+              </a:rPr>
+            </a:br>
+            <a:r>
+              <a:rPr lang="de-DE" sz="600" dirty="0" err="1">
+                <a:solidFill>
+                  <a:schemeClr val="tx1"/>
+                </a:solidFill>
+              </a:rPr>
+              <a:t>mrGearboxMogliSHIFTGEARDOWN</a:t>
+            </a:r>
+            <a:endParaRPr lang="en-US" sz="1400" dirty="0">
+              <a:solidFill>
+                <a:schemeClr val="tx1"/>
+              </a:solidFill>
+            </a:endParaRPr>
+          </a:p>
+        </p:txBody>
+      </p:sp>
+      <p:sp>
+        <p:nvSpPr>
+          <p:cNvPr id="11" name="Rectangle 10"/>
+          <p:cNvSpPr/>
+          <p:nvPr/>
+        </p:nvSpPr>
+        <p:spPr>
+          <a:xfrm>
+            <a:off x="6253950" y="3442777"/>
+            <a:ext cx="363682" cy="363683"/>
+          </a:xfrm>
+          <a:prstGeom prst="rect">
+            <a:avLst/>
+          </a:prstGeom>
+          <a:noFill/>
+          <a:ln w="19050">
+            <a:solidFill>
+              <a:schemeClr val="accent5"/>
+            </a:solidFill>
+          </a:ln>
+        </p:spPr>
+        <p:style>
+          <a:lnRef idx="2">
+            <a:schemeClr val="accent1">
+              <a:shade val="50000"/>
+            </a:schemeClr>
+          </a:lnRef>
+          <a:fillRef idx="1">
+            <a:schemeClr val="accent1"/>
+          </a:fillRef>
+          <a:effectRef idx="0">
+            <a:schemeClr val="accent1"/>
+          </a:effectRef>
+          <a:fontRef idx="minor">
+            <a:schemeClr val="lt1"/>
+          </a:fontRef>
+        </p:style>
+        <p:txBody>
+          <a:bodyPr rot="0" spcFirstLastPara="0" vertOverflow="overflow" horzOverflow="overflow" vert="horz" wrap="square" lIns="91440" tIns="45720" rIns="91440" bIns="45720" numCol="1" spcCol="0" rtlCol="0" fromWordArt="0" anchor="ctr" anchorCtr="0" forceAA="0" compatLnSpc="1">
+            <a:prstTxWarp prst="textNoShape">
+              <a:avLst/>
+            </a:prstTxWarp>
+            <a:noAutofit/>
+          </a:bodyPr>
+          <a:lstStyle/>
+          <a:p>
+            <a:pPr algn="ctr"/>
+            <a:endParaRPr lang="en-US" sz="1600" dirty="0">
+              <a:solidFill>
+                <a:schemeClr val="tx1"/>
+              </a:solidFill>
+            </a:endParaRPr>
+          </a:p>
+        </p:txBody>
+      </p:sp>
+      <p:sp>
+        <p:nvSpPr>
+          <p:cNvPr id="12" name="Rectangle 11"/>
+          <p:cNvSpPr/>
+          <p:nvPr/>
+        </p:nvSpPr>
+        <p:spPr>
+          <a:xfrm>
+            <a:off x="5824104" y="3447582"/>
+            <a:ext cx="363682" cy="363683"/>
+          </a:xfrm>
+          <a:prstGeom prst="rect">
+            <a:avLst/>
+          </a:prstGeom>
+          <a:noFill/>
+          <a:ln w="19050">
+            <a:solidFill>
+              <a:srgbClr val="C00000"/>
+            </a:solidFill>
+          </a:ln>
+        </p:spPr>
+        <p:style>
+          <a:lnRef idx="2">
+            <a:schemeClr val="accent1">
+              <a:shade val="50000"/>
+            </a:schemeClr>
+          </a:lnRef>
+          <a:fillRef idx="1">
+            <a:schemeClr val="accent1"/>
+          </a:fillRef>
+          <a:effectRef idx="0">
+            <a:schemeClr val="accent1"/>
+          </a:effectRef>
+          <a:fontRef idx="minor">
+            <a:schemeClr val="lt1"/>
+          </a:fontRef>
+        </p:style>
+        <p:txBody>
+          <a:bodyPr rot="0" spcFirstLastPara="0" vertOverflow="overflow" horzOverflow="overflow" vert="horz" wrap="square" lIns="91440" tIns="45720" rIns="91440" bIns="45720" numCol="1" spcCol="0" rtlCol="0" fromWordArt="0" anchor="ctr" anchorCtr="0" forceAA="0" compatLnSpc="1">
+            <a:prstTxWarp prst="textNoShape">
+              <a:avLst/>
+            </a:prstTxWarp>
+            <a:noAutofit/>
+          </a:bodyPr>
+          <a:lstStyle/>
+          <a:p>
+            <a:pPr algn="ctr"/>
+            <a:endParaRPr lang="en-US" sz="1600" dirty="0">
+              <a:solidFill>
+                <a:schemeClr val="tx1"/>
+              </a:solidFill>
+            </a:endParaRPr>
+          </a:p>
+        </p:txBody>
+      </p:sp>
+      <p:sp>
+        <p:nvSpPr>
+          <p:cNvPr id="16" name="Rectangle 15"/>
+          <p:cNvSpPr/>
+          <p:nvPr/>
+        </p:nvSpPr>
+        <p:spPr>
+          <a:xfrm>
+            <a:off x="6435791" y="3007636"/>
+            <a:ext cx="363682" cy="363683"/>
+          </a:xfrm>
+          <a:prstGeom prst="rect">
+            <a:avLst/>
+          </a:prstGeom>
+          <a:noFill/>
+          <a:ln w="19050">
+            <a:solidFill>
+              <a:schemeClr val="accent2">
+                <a:lumMod val="60000"/>
+                <a:lumOff val="40000"/>
+              </a:schemeClr>
+            </a:solidFill>
+          </a:ln>
+        </p:spPr>
+        <p:style>
+          <a:lnRef idx="2">
+            <a:schemeClr val="accent1">
+              <a:shade val="50000"/>
+            </a:schemeClr>
+          </a:lnRef>
+          <a:fillRef idx="1">
+            <a:schemeClr val="accent1"/>
+          </a:fillRef>
+          <a:effectRef idx="0">
+            <a:schemeClr val="accent1"/>
+          </a:effectRef>
+          <a:fontRef idx="minor">
+            <a:schemeClr val="lt1"/>
+          </a:fontRef>
+        </p:style>
+        <p:txBody>
+          <a:bodyPr rot="0" spcFirstLastPara="0" vertOverflow="overflow" horzOverflow="overflow" vert="horz" wrap="square" lIns="91440" tIns="45720" rIns="91440" bIns="45720" numCol="1" spcCol="0" rtlCol="0" fromWordArt="0" anchor="ctr" anchorCtr="0" forceAA="0" compatLnSpc="1">
+            <a:prstTxWarp prst="textNoShape">
+              <a:avLst/>
+            </a:prstTxWarp>
+            <a:noAutofit/>
+          </a:bodyPr>
+          <a:lstStyle/>
+          <a:p>
+            <a:pPr algn="ctr"/>
+            <a:endParaRPr lang="en-US" sz="1600" dirty="0">
+              <a:solidFill>
+                <a:schemeClr val="tx1"/>
+              </a:solidFill>
+            </a:endParaRPr>
+          </a:p>
+        </p:txBody>
+      </p:sp>
+      <p:sp>
+        <p:nvSpPr>
+          <p:cNvPr id="19" name="Rectangle 18"/>
+          <p:cNvSpPr/>
+          <p:nvPr/>
+        </p:nvSpPr>
+        <p:spPr>
+          <a:xfrm>
+            <a:off x="6893399" y="3019141"/>
+            <a:ext cx="515569" cy="363683"/>
+          </a:xfrm>
+          <a:prstGeom prst="rect">
+            <a:avLst/>
+          </a:prstGeom>
+          <a:noFill/>
+          <a:ln w="19050">
+            <a:solidFill>
+              <a:schemeClr val="accent2"/>
+            </a:solidFill>
+          </a:ln>
+        </p:spPr>
+        <p:style>
+          <a:lnRef idx="2">
+            <a:schemeClr val="accent1">
+              <a:shade val="50000"/>
+            </a:schemeClr>
+          </a:lnRef>
+          <a:fillRef idx="1">
+            <a:schemeClr val="accent1"/>
+          </a:fillRef>
+          <a:effectRef idx="0">
+            <a:schemeClr val="accent1"/>
+          </a:effectRef>
+          <a:fontRef idx="minor">
+            <a:schemeClr val="lt1"/>
+          </a:fontRef>
+        </p:style>
+        <p:txBody>
+          <a:bodyPr rot="0" spcFirstLastPara="0" vertOverflow="overflow" horzOverflow="overflow" vert="horz" wrap="square" lIns="91440" tIns="45720" rIns="91440" bIns="45720" numCol="1" spcCol="0" rtlCol="0" fromWordArt="0" anchor="ctr" anchorCtr="0" forceAA="0" compatLnSpc="1">
+            <a:prstTxWarp prst="textNoShape">
+              <a:avLst/>
+            </a:prstTxWarp>
+            <a:noAutofit/>
+          </a:bodyPr>
+          <a:lstStyle/>
+          <a:p>
+            <a:pPr algn="ctr"/>
+            <a:endParaRPr lang="en-US" sz="1600" dirty="0">
+              <a:solidFill>
+                <a:schemeClr val="tx1"/>
+              </a:solidFill>
+            </a:endParaRPr>
+          </a:p>
+        </p:txBody>
+      </p:sp>
+      <p:sp>
+        <p:nvSpPr>
+          <p:cNvPr id="20" name="Rectangle 19"/>
+          <p:cNvSpPr/>
+          <p:nvPr/>
+        </p:nvSpPr>
+        <p:spPr>
+          <a:xfrm>
+            <a:off x="3994064" y="3366655"/>
+            <a:ext cx="1332000" cy="595120"/>
+          </a:xfrm>
+          <a:prstGeom prst="rect">
+            <a:avLst/>
+          </a:prstGeom>
+          <a:solidFill>
+            <a:srgbClr val="FFFFFF">
+              <a:alpha val="85000"/>
+            </a:srgbClr>
+          </a:solidFill>
+          <a:ln w="19050">
+            <a:solidFill>
+              <a:srgbClr val="C00000"/>
+            </a:solidFill>
+          </a:ln>
+        </p:spPr>
+        <p:style>
+          <a:lnRef idx="2">
+            <a:schemeClr val="accent1">
+              <a:shade val="50000"/>
+            </a:schemeClr>
+          </a:lnRef>
+          <a:fillRef idx="1">
+            <a:schemeClr val="accent1"/>
+          </a:fillRef>
+          <a:effectRef idx="0">
+            <a:schemeClr val="accent1"/>
+          </a:effectRef>
+          <a:fontRef idx="minor">
+            <a:schemeClr val="lt1"/>
+          </a:fontRef>
+        </p:style>
+        <p:txBody>
+          <a:bodyPr rtlCol="0" anchor="ctr"/>
+          <a:lstStyle/>
+          <a:p>
+            <a:pPr algn="ctr"/>
+            <a:r>
+              <a:rPr lang="de-DE" sz="1600" dirty="0" err="1">
+                <a:solidFill>
+                  <a:schemeClr val="tx1"/>
+                </a:solidFill>
+              </a:rPr>
+              <a:t>gearbox</a:t>
+            </a:r>
+            <a:r>
+              <a:rPr lang="de-DE" sz="1600" dirty="0">
+                <a:solidFill>
+                  <a:schemeClr val="tx1"/>
+                </a:solidFill>
+              </a:rPr>
+              <a:t> on/off</a:t>
+            </a:r>
+            <a:br>
+              <a:rPr lang="de-DE" sz="4000" dirty="0">
+                <a:solidFill>
+                  <a:schemeClr val="tx1"/>
+                </a:solidFill>
+              </a:rPr>
+            </a:br>
+            <a:r>
+              <a:rPr lang="de-DE" sz="600" dirty="0" err="1">
+                <a:solidFill>
+                  <a:schemeClr val="tx1"/>
+                </a:solidFill>
+              </a:rPr>
+              <a:t>mrGearboxMogliNEUTRAL</a:t>
+            </a:r>
+            <a:endParaRPr lang="en-US" sz="1600" dirty="0">
+              <a:solidFill>
+                <a:schemeClr val="tx1"/>
+              </a:solidFill>
+            </a:endParaRPr>
+          </a:p>
+        </p:txBody>
+      </p:sp>
+      <p:sp>
+        <p:nvSpPr>
+          <p:cNvPr id="25" name="Rectangle 24"/>
+          <p:cNvSpPr/>
+          <p:nvPr/>
+        </p:nvSpPr>
+        <p:spPr>
+          <a:xfrm>
+            <a:off x="7008197" y="2490603"/>
+            <a:ext cx="1332000" cy="432000"/>
+          </a:xfrm>
+          <a:prstGeom prst="rect">
+            <a:avLst/>
+          </a:prstGeom>
+          <a:solidFill>
+            <a:srgbClr val="FFFFFF">
+              <a:alpha val="85000"/>
+            </a:srgbClr>
+          </a:solidFill>
+          <a:ln w="19050">
+            <a:solidFill>
+              <a:schemeClr val="accent2">
+                <a:lumMod val="40000"/>
+                <a:lumOff val="60000"/>
+              </a:schemeClr>
+            </a:solidFill>
+          </a:ln>
+        </p:spPr>
+        <p:style>
+          <a:lnRef idx="2">
+            <a:schemeClr val="accent1">
+              <a:shade val="50000"/>
+            </a:schemeClr>
+          </a:lnRef>
+          <a:fillRef idx="1">
+            <a:schemeClr val="accent1"/>
+          </a:fillRef>
+          <a:effectRef idx="0">
+            <a:schemeClr val="accent1"/>
+          </a:effectRef>
+          <a:fontRef idx="minor">
+            <a:schemeClr val="lt1"/>
+          </a:fontRef>
+        </p:style>
+        <p:txBody>
+          <a:bodyPr rtlCol="0" anchor="ctr"/>
+          <a:lstStyle/>
+          <a:p>
+            <a:pPr algn="ctr"/>
+            <a:r>
+              <a:rPr lang="de-DE" sz="1600" dirty="0">
+                <a:solidFill>
+                  <a:schemeClr val="tx1"/>
+                </a:solidFill>
+              </a:rPr>
+              <a:t>2nd </a:t>
+            </a:r>
+            <a:r>
+              <a:rPr lang="de-DE" sz="1600" dirty="0" err="1">
+                <a:solidFill>
+                  <a:schemeClr val="tx1"/>
+                </a:solidFill>
+              </a:rPr>
+              <a:t>group</a:t>
+            </a:r>
+            <a:r>
+              <a:rPr lang="de-DE" sz="1600" dirty="0">
+                <a:solidFill>
+                  <a:schemeClr val="tx1"/>
+                </a:solidFill>
+              </a:rPr>
+              <a:t> +</a:t>
+            </a:r>
+            <a:br>
+              <a:rPr lang="de-DE" sz="4000" dirty="0">
+                <a:solidFill>
+                  <a:schemeClr val="tx1"/>
+                </a:solidFill>
+              </a:rPr>
+            </a:br>
+            <a:r>
+              <a:rPr lang="de-DE" sz="600" dirty="0" err="1">
+                <a:solidFill>
+                  <a:schemeClr val="tx1"/>
+                </a:solidFill>
+              </a:rPr>
+              <a:t>mrGearboxMogliSHIFTRANGEUP</a:t>
+            </a:r>
+            <a:endParaRPr lang="en-US" sz="1100" dirty="0">
+              <a:solidFill>
+                <a:schemeClr val="tx1"/>
+              </a:solidFill>
+            </a:endParaRPr>
+          </a:p>
+        </p:txBody>
+      </p:sp>
+      <p:sp>
+        <p:nvSpPr>
+          <p:cNvPr id="26" name="Rectangle 25"/>
+          <p:cNvSpPr/>
+          <p:nvPr/>
+        </p:nvSpPr>
+        <p:spPr>
+          <a:xfrm>
+            <a:off x="7008197" y="3585874"/>
+            <a:ext cx="1332000" cy="432000"/>
+          </a:xfrm>
+          <a:prstGeom prst="rect">
+            <a:avLst/>
+          </a:prstGeom>
+          <a:solidFill>
+            <a:srgbClr val="FFFFFF">
+              <a:alpha val="85000"/>
+            </a:srgbClr>
+          </a:solidFill>
+          <a:ln w="19050">
+            <a:solidFill>
+              <a:schemeClr val="accent2"/>
+            </a:solidFill>
+          </a:ln>
+        </p:spPr>
+        <p:style>
+          <a:lnRef idx="2">
+            <a:schemeClr val="accent1">
+              <a:shade val="50000"/>
+            </a:schemeClr>
+          </a:lnRef>
+          <a:fillRef idx="1">
+            <a:schemeClr val="accent1"/>
+          </a:fillRef>
+          <a:effectRef idx="0">
+            <a:schemeClr val="accent1"/>
+          </a:effectRef>
+          <a:fontRef idx="minor">
+            <a:schemeClr val="lt1"/>
+          </a:fontRef>
+        </p:style>
+        <p:txBody>
+          <a:bodyPr rtlCol="0" anchor="ctr"/>
+          <a:lstStyle/>
+          <a:p>
+            <a:pPr algn="ctr"/>
+            <a:r>
+              <a:rPr lang="de-DE" sz="1600" dirty="0">
+                <a:solidFill>
+                  <a:schemeClr val="tx1"/>
+                </a:solidFill>
+              </a:rPr>
+              <a:t>2nd </a:t>
+            </a:r>
+            <a:r>
+              <a:rPr lang="de-DE" sz="1600" dirty="0" err="1">
+                <a:solidFill>
+                  <a:schemeClr val="tx1"/>
+                </a:solidFill>
+              </a:rPr>
+              <a:t>group</a:t>
+            </a:r>
+            <a:r>
+              <a:rPr lang="de-DE" sz="1600" dirty="0">
+                <a:solidFill>
+                  <a:schemeClr val="tx1"/>
+                </a:solidFill>
+              </a:rPr>
+              <a:t> -</a:t>
+            </a:r>
+            <a:br>
+              <a:rPr lang="de-DE" sz="4000" dirty="0">
+                <a:solidFill>
+                  <a:schemeClr val="tx1"/>
+                </a:solidFill>
+              </a:rPr>
+            </a:br>
+            <a:r>
+              <a:rPr lang="de-DE" sz="600" dirty="0" err="1">
+                <a:solidFill>
+                  <a:schemeClr val="tx1"/>
+                </a:solidFill>
+              </a:rPr>
+              <a:t>mrGearboxMogliSHIFTRANGEDOWN</a:t>
+            </a:r>
+            <a:endParaRPr lang="en-US" sz="1600" dirty="0">
+              <a:solidFill>
+                <a:schemeClr val="tx1"/>
+              </a:solidFill>
+            </a:endParaRPr>
+          </a:p>
+        </p:txBody>
+      </p:sp>
+      <p:cxnSp>
+        <p:nvCxnSpPr>
+          <p:cNvPr id="29" name="Straight Connector 28"/>
+          <p:cNvCxnSpPr>
+            <a:stCxn id="10" idx="3"/>
+            <a:endCxn id="11" idx="1"/>
+          </p:cNvCxnSpPr>
+          <p:nvPr/>
+        </p:nvCxnSpPr>
+        <p:spPr>
+          <a:xfrm>
+            <a:off x="5536865" y="3179252"/>
+            <a:ext cx="717085" cy="445367"/>
+          </a:xfrm>
+          <a:prstGeom prst="line">
+            <a:avLst/>
+          </a:prstGeom>
+          <a:ln w="19050">
+            <a:solidFill>
+              <a:schemeClr val="accent5"/>
+            </a:solidFill>
+          </a:ln>
+        </p:spPr>
+        <p:style>
+          <a:lnRef idx="1">
+            <a:schemeClr val="accent1"/>
+          </a:lnRef>
+          <a:fillRef idx="0">
+            <a:schemeClr val="accent1"/>
+          </a:fillRef>
+          <a:effectRef idx="0">
+            <a:schemeClr val="accent1"/>
+          </a:effectRef>
+          <a:fontRef idx="minor">
+            <a:schemeClr val="tx1"/>
+          </a:fontRef>
+        </p:style>
+      </p:cxnSp>
+      <p:cxnSp>
+        <p:nvCxnSpPr>
+          <p:cNvPr id="30" name="Straight Connector 29"/>
+          <p:cNvCxnSpPr>
+            <a:stCxn id="6" idx="3"/>
+            <a:endCxn id="9" idx="1"/>
+          </p:cNvCxnSpPr>
+          <p:nvPr/>
+        </p:nvCxnSpPr>
+        <p:spPr>
+          <a:xfrm>
+            <a:off x="5532350" y="2651278"/>
+            <a:ext cx="473595" cy="533536"/>
+          </a:xfrm>
+          <a:prstGeom prst="line">
+            <a:avLst/>
+          </a:prstGeom>
+          <a:ln w="19050">
+            <a:solidFill>
+              <a:schemeClr val="accent5">
+                <a:lumMod val="40000"/>
+                <a:lumOff val="60000"/>
+              </a:schemeClr>
+            </a:solidFill>
+          </a:ln>
+        </p:spPr>
+        <p:style>
+          <a:lnRef idx="1">
+            <a:schemeClr val="accent1"/>
+          </a:lnRef>
+          <a:fillRef idx="0">
+            <a:schemeClr val="accent1"/>
+          </a:fillRef>
+          <a:effectRef idx="0">
+            <a:schemeClr val="accent1"/>
+          </a:effectRef>
+          <a:fontRef idx="minor">
+            <a:schemeClr val="tx1"/>
+          </a:fontRef>
+        </p:style>
+      </p:cxnSp>
+      <p:cxnSp>
+        <p:nvCxnSpPr>
+          <p:cNvPr id="33" name="Straight Connector 32"/>
+          <p:cNvCxnSpPr>
+            <a:stCxn id="16" idx="0"/>
+            <a:endCxn id="25" idx="1"/>
+          </p:cNvCxnSpPr>
+          <p:nvPr/>
+        </p:nvCxnSpPr>
+        <p:spPr>
+          <a:xfrm flipV="1">
+            <a:off x="6617632" y="2706603"/>
+            <a:ext cx="390565" cy="301033"/>
+          </a:xfrm>
+          <a:prstGeom prst="line">
+            <a:avLst/>
+          </a:prstGeom>
+          <a:ln w="19050">
+            <a:solidFill>
+              <a:schemeClr val="accent2">
+                <a:lumMod val="40000"/>
+                <a:lumOff val="60000"/>
+              </a:schemeClr>
+            </a:solidFill>
+          </a:ln>
+        </p:spPr>
+        <p:style>
+          <a:lnRef idx="1">
+            <a:schemeClr val="accent1"/>
+          </a:lnRef>
+          <a:fillRef idx="0">
+            <a:schemeClr val="accent1"/>
+          </a:fillRef>
+          <a:effectRef idx="0">
+            <a:schemeClr val="accent1"/>
+          </a:effectRef>
+          <a:fontRef idx="minor">
+            <a:schemeClr val="tx1"/>
+          </a:fontRef>
+        </p:style>
+      </p:cxnSp>
+      <p:cxnSp>
+        <p:nvCxnSpPr>
+          <p:cNvPr id="34" name="Straight Connector 33"/>
+          <p:cNvCxnSpPr>
+            <a:endCxn id="26" idx="0"/>
+          </p:cNvCxnSpPr>
+          <p:nvPr/>
+        </p:nvCxnSpPr>
+        <p:spPr>
+          <a:xfrm>
+            <a:off x="7086712" y="3395252"/>
+            <a:ext cx="587485" cy="190622"/>
+          </a:xfrm>
+          <a:prstGeom prst="line">
+            <a:avLst/>
+          </a:prstGeom>
+          <a:ln w="19050">
+            <a:solidFill>
+              <a:schemeClr val="accent2"/>
+            </a:solidFill>
+          </a:ln>
+        </p:spPr>
+        <p:style>
+          <a:lnRef idx="1">
+            <a:schemeClr val="accent1"/>
+          </a:lnRef>
+          <a:fillRef idx="0">
+            <a:schemeClr val="accent1"/>
+          </a:fillRef>
+          <a:effectRef idx="0">
+            <a:schemeClr val="accent1"/>
+          </a:effectRef>
+          <a:fontRef idx="minor">
+            <a:schemeClr val="tx1"/>
+          </a:fontRef>
+        </p:style>
+      </p:cxnSp>
+      <p:cxnSp>
+        <p:nvCxnSpPr>
+          <p:cNvPr id="39" name="Straight Connector 38"/>
+          <p:cNvCxnSpPr>
+            <a:stCxn id="20" idx="3"/>
+            <a:endCxn id="12" idx="1"/>
+          </p:cNvCxnSpPr>
+          <p:nvPr/>
+        </p:nvCxnSpPr>
+        <p:spPr>
+          <a:xfrm flipV="1">
+            <a:off x="5326064" y="3629424"/>
+            <a:ext cx="498040" cy="34791"/>
+          </a:xfrm>
+          <a:prstGeom prst="line">
+            <a:avLst/>
+          </a:prstGeom>
+          <a:ln w="19050">
+            <a:solidFill>
+              <a:srgbClr val="C00000"/>
+            </a:solidFill>
+          </a:ln>
+        </p:spPr>
+        <p:style>
+          <a:lnRef idx="1">
+            <a:schemeClr val="accent1"/>
+          </a:lnRef>
+          <a:fillRef idx="0">
+            <a:schemeClr val="accent1"/>
+          </a:fillRef>
+          <a:effectRef idx="0">
+            <a:schemeClr val="accent1"/>
+          </a:effectRef>
+          <a:fontRef idx="minor">
+            <a:schemeClr val="tx1"/>
+          </a:fontRef>
+        </p:style>
+      </p:cxnSp>
+      <p:sp>
+        <p:nvSpPr>
+          <p:cNvPr id="37" name="Rectangle 36"/>
+          <p:cNvSpPr/>
+          <p:nvPr/>
+        </p:nvSpPr>
+        <p:spPr>
+          <a:xfrm>
+            <a:off x="1119211" y="3122873"/>
+            <a:ext cx="1332000" cy="594000"/>
+          </a:xfrm>
+          <a:prstGeom prst="rect">
+            <a:avLst/>
+          </a:prstGeom>
+          <a:solidFill>
+            <a:srgbClr val="FFFFFF">
+              <a:alpha val="85000"/>
+            </a:srgbClr>
+          </a:solidFill>
+          <a:ln w="19050">
+            <a:solidFill>
+              <a:schemeClr val="tx2">
+                <a:lumMod val="60000"/>
+                <a:lumOff val="40000"/>
+              </a:schemeClr>
+            </a:solidFill>
+          </a:ln>
+        </p:spPr>
+        <p:style>
+          <a:lnRef idx="2">
+            <a:schemeClr val="accent1">
+              <a:shade val="50000"/>
+            </a:schemeClr>
+          </a:lnRef>
+          <a:fillRef idx="1">
+            <a:schemeClr val="accent1"/>
+          </a:fillRef>
+          <a:effectRef idx="0">
+            <a:schemeClr val="accent1"/>
+          </a:effectRef>
+          <a:fontRef idx="minor">
+            <a:schemeClr val="lt1"/>
+          </a:fontRef>
+        </p:style>
+        <p:txBody>
+          <a:bodyPr rtlCol="0" anchor="ctr"/>
+          <a:lstStyle/>
+          <a:p>
+            <a:pPr algn="ctr"/>
+            <a:r>
+              <a:rPr lang="de-DE" sz="1600" dirty="0" err="1">
+                <a:solidFill>
+                  <a:schemeClr val="tx1"/>
+                </a:solidFill>
+              </a:rPr>
+              <a:t>speed</a:t>
+            </a:r>
+            <a:r>
+              <a:rPr lang="de-DE" sz="1600" dirty="0">
+                <a:solidFill>
+                  <a:schemeClr val="tx1"/>
+                </a:solidFill>
+              </a:rPr>
+              <a:t> </a:t>
+            </a:r>
+            <a:r>
+              <a:rPr lang="de-DE" sz="1600" dirty="0" err="1">
+                <a:solidFill>
+                  <a:schemeClr val="tx1"/>
+                </a:solidFill>
+              </a:rPr>
+              <a:t>limiter</a:t>
+            </a:r>
+            <a:r>
+              <a:rPr lang="de-DE" sz="1600" dirty="0">
+                <a:solidFill>
+                  <a:schemeClr val="tx1"/>
+                </a:solidFill>
+              </a:rPr>
+              <a:t> on/off</a:t>
+            </a:r>
+            <a:br>
+              <a:rPr lang="de-DE" sz="4000" dirty="0">
+                <a:solidFill>
+                  <a:schemeClr val="tx1"/>
+                </a:solidFill>
+              </a:rPr>
+            </a:br>
+            <a:r>
+              <a:rPr lang="de-DE" sz="600" dirty="0">
+                <a:solidFill>
+                  <a:schemeClr val="tx1"/>
+                </a:solidFill>
+              </a:rPr>
+              <a:t>AXIS_CRUISE_CONTROL</a:t>
+            </a:r>
+            <a:endParaRPr lang="en-US" sz="1200" dirty="0">
+              <a:solidFill>
+                <a:schemeClr val="tx1"/>
+              </a:solidFill>
+            </a:endParaRPr>
+          </a:p>
+        </p:txBody>
+      </p:sp>
+      <p:sp>
+        <p:nvSpPr>
+          <p:cNvPr id="40" name="Rectangle 39"/>
+          <p:cNvSpPr/>
+          <p:nvPr/>
+        </p:nvSpPr>
+        <p:spPr>
+          <a:xfrm>
+            <a:off x="2360821" y="2572084"/>
+            <a:ext cx="363682" cy="363683"/>
+          </a:xfrm>
+          <a:prstGeom prst="rect">
+            <a:avLst/>
+          </a:prstGeom>
+          <a:noFill/>
+          <a:ln w="19050">
+            <a:solidFill>
+              <a:schemeClr val="tx2">
+                <a:lumMod val="60000"/>
+                <a:lumOff val="40000"/>
+              </a:schemeClr>
+            </a:solidFill>
+          </a:ln>
+        </p:spPr>
+        <p:style>
+          <a:lnRef idx="2">
+            <a:schemeClr val="accent1">
+              <a:shade val="50000"/>
+            </a:schemeClr>
+          </a:lnRef>
+          <a:fillRef idx="1">
+            <a:schemeClr val="accent1"/>
+          </a:fillRef>
+          <a:effectRef idx="0">
+            <a:schemeClr val="accent1"/>
+          </a:effectRef>
+          <a:fontRef idx="minor">
+            <a:schemeClr val="lt1"/>
+          </a:fontRef>
+        </p:style>
+        <p:txBody>
+          <a:bodyPr rot="0" spcFirstLastPara="0" vertOverflow="overflow" horzOverflow="overflow" vert="horz" wrap="square" lIns="91440" tIns="45720" rIns="91440" bIns="45720" numCol="1" spcCol="0" rtlCol="0" fromWordArt="0" anchor="ctr" anchorCtr="0" forceAA="0" compatLnSpc="1">
+            <a:prstTxWarp prst="textNoShape">
+              <a:avLst/>
+            </a:prstTxWarp>
+            <a:noAutofit/>
+          </a:bodyPr>
+          <a:lstStyle/>
+          <a:p>
+            <a:pPr algn="ctr"/>
+            <a:endParaRPr lang="en-US" sz="1600" dirty="0">
+              <a:solidFill>
+                <a:schemeClr val="tx1"/>
+              </a:solidFill>
+            </a:endParaRPr>
+          </a:p>
+        </p:txBody>
+      </p:sp>
+      <p:sp>
+        <p:nvSpPr>
+          <p:cNvPr id="41" name="Rectangle 40"/>
+          <p:cNvSpPr/>
+          <p:nvPr/>
+        </p:nvSpPr>
+        <p:spPr>
+          <a:xfrm>
+            <a:off x="2796249" y="2573168"/>
+            <a:ext cx="363682" cy="363683"/>
+          </a:xfrm>
+          <a:prstGeom prst="rect">
+            <a:avLst/>
+          </a:prstGeom>
+          <a:noFill/>
+          <a:ln w="19050">
+            <a:solidFill>
+              <a:schemeClr val="tx2"/>
+            </a:solidFill>
+          </a:ln>
+        </p:spPr>
+        <p:style>
+          <a:lnRef idx="2">
+            <a:schemeClr val="accent1">
+              <a:shade val="50000"/>
+            </a:schemeClr>
+          </a:lnRef>
+          <a:fillRef idx="1">
+            <a:schemeClr val="accent1"/>
+          </a:fillRef>
+          <a:effectRef idx="0">
+            <a:schemeClr val="accent1"/>
+          </a:effectRef>
+          <a:fontRef idx="minor">
+            <a:schemeClr val="lt1"/>
+          </a:fontRef>
+        </p:style>
+        <p:txBody>
+          <a:bodyPr rot="0" spcFirstLastPara="0" vertOverflow="overflow" horzOverflow="overflow" vert="horz" wrap="square" lIns="91440" tIns="45720" rIns="91440" bIns="45720" numCol="1" spcCol="0" rtlCol="0" fromWordArt="0" anchor="ctr" anchorCtr="0" forceAA="0" compatLnSpc="1">
+            <a:prstTxWarp prst="textNoShape">
+              <a:avLst/>
+            </a:prstTxWarp>
+            <a:noAutofit/>
+          </a:bodyPr>
+          <a:lstStyle/>
+          <a:p>
+            <a:pPr algn="ctr"/>
+            <a:endParaRPr lang="en-US" sz="1600" dirty="0">
+              <a:solidFill>
+                <a:schemeClr val="tx1"/>
+              </a:solidFill>
+            </a:endParaRPr>
+          </a:p>
+        </p:txBody>
+      </p:sp>
+      <p:cxnSp>
+        <p:nvCxnSpPr>
+          <p:cNvPr id="42" name="Straight Connector 41"/>
+          <p:cNvCxnSpPr>
+            <a:endCxn id="37" idx="0"/>
+          </p:cNvCxnSpPr>
+          <p:nvPr/>
+        </p:nvCxnSpPr>
+        <p:spPr>
+          <a:xfrm flipH="1">
+            <a:off x="1785211" y="2995401"/>
+            <a:ext cx="677939" cy="127472"/>
+          </a:xfrm>
+          <a:prstGeom prst="line">
+            <a:avLst/>
+          </a:prstGeom>
+          <a:ln w="19050">
+            <a:solidFill>
+              <a:schemeClr val="tx2">
+                <a:lumMod val="60000"/>
+                <a:lumOff val="40000"/>
+              </a:schemeClr>
+            </a:solidFill>
+          </a:ln>
+        </p:spPr>
+        <p:style>
+          <a:lnRef idx="1">
+            <a:schemeClr val="accent1"/>
+          </a:lnRef>
+          <a:fillRef idx="0">
+            <a:schemeClr val="accent1"/>
+          </a:fillRef>
+          <a:effectRef idx="0">
+            <a:schemeClr val="accent1"/>
+          </a:effectRef>
+          <a:fontRef idx="minor">
+            <a:schemeClr val="tx1"/>
+          </a:fontRef>
+        </p:style>
+      </p:cxnSp>
+      <p:sp>
+        <p:nvSpPr>
+          <p:cNvPr id="43" name="Rectangle 42"/>
+          <p:cNvSpPr/>
+          <p:nvPr/>
+        </p:nvSpPr>
+        <p:spPr>
+          <a:xfrm>
+            <a:off x="2559773" y="3122873"/>
+            <a:ext cx="1332000" cy="594000"/>
+          </a:xfrm>
+          <a:prstGeom prst="rect">
+            <a:avLst/>
+          </a:prstGeom>
+          <a:solidFill>
+            <a:srgbClr val="FFFFFF">
+              <a:alpha val="85000"/>
+            </a:srgbClr>
+          </a:solidFill>
+          <a:ln w="19050">
+            <a:solidFill>
+              <a:schemeClr val="tx2"/>
+            </a:solidFill>
+          </a:ln>
+        </p:spPr>
+        <p:style>
+          <a:lnRef idx="2">
+            <a:schemeClr val="accent1">
+              <a:shade val="50000"/>
+            </a:schemeClr>
+          </a:lnRef>
+          <a:fillRef idx="1">
+            <a:schemeClr val="accent1"/>
+          </a:fillRef>
+          <a:effectRef idx="0">
+            <a:schemeClr val="accent1"/>
+          </a:effectRef>
+          <a:fontRef idx="minor">
+            <a:schemeClr val="lt1"/>
+          </a:fontRef>
+        </p:style>
+        <p:txBody>
+          <a:bodyPr rtlCol="0" anchor="ctr"/>
+          <a:lstStyle/>
+          <a:p>
+            <a:pPr algn="ctr"/>
+            <a:r>
+              <a:rPr lang="de-DE" sz="1600" dirty="0">
+                <a:solidFill>
+                  <a:schemeClr val="tx1"/>
+                </a:solidFill>
+              </a:rPr>
+              <a:t>cruise </a:t>
+            </a:r>
+            <a:r>
+              <a:rPr lang="de-DE" sz="1600" dirty="0" err="1">
+                <a:solidFill>
+                  <a:schemeClr val="tx1"/>
+                </a:solidFill>
+              </a:rPr>
+              <a:t>control</a:t>
+            </a:r>
+            <a:r>
+              <a:rPr lang="de-DE" sz="1600" dirty="0">
+                <a:solidFill>
+                  <a:schemeClr val="tx1"/>
+                </a:solidFill>
+              </a:rPr>
+              <a:t> </a:t>
+            </a:r>
+            <a:r>
+              <a:rPr lang="de-DE" sz="1600" dirty="0" err="1">
+                <a:solidFill>
+                  <a:schemeClr val="tx1"/>
+                </a:solidFill>
+              </a:rPr>
+              <a:t>set</a:t>
+            </a:r>
+            <a:r>
+              <a:rPr lang="de-DE" sz="1600" dirty="0">
+                <a:solidFill>
+                  <a:schemeClr val="tx1"/>
+                </a:solidFill>
+              </a:rPr>
+              <a:t> </a:t>
+            </a:r>
+            <a:r>
+              <a:rPr lang="de-DE" sz="1600" dirty="0" err="1">
+                <a:solidFill>
+                  <a:schemeClr val="tx1"/>
+                </a:solidFill>
+              </a:rPr>
+              <a:t>speed</a:t>
+            </a:r>
+            <a:endParaRPr lang="de-DE" sz="1600" dirty="0">
+              <a:solidFill>
+                <a:schemeClr val="tx1"/>
+              </a:solidFill>
+            </a:endParaRPr>
+          </a:p>
+          <a:p>
+            <a:pPr algn="ctr"/>
+            <a:r>
+              <a:rPr lang="de-DE" sz="600" dirty="0" err="1">
+                <a:solidFill>
+                  <a:schemeClr val="tx1"/>
+                </a:solidFill>
+              </a:rPr>
+              <a:t>mrGearboxMogliSWAPSPEED</a:t>
+            </a:r>
+            <a:endParaRPr lang="en-US" sz="1200" dirty="0">
+              <a:solidFill>
+                <a:schemeClr val="tx1"/>
+              </a:solidFill>
+            </a:endParaRPr>
+          </a:p>
+        </p:txBody>
+      </p:sp>
+      <p:cxnSp>
+        <p:nvCxnSpPr>
+          <p:cNvPr id="44" name="Straight Connector 43"/>
+          <p:cNvCxnSpPr>
+            <a:endCxn id="43" idx="0"/>
+          </p:cNvCxnSpPr>
+          <p:nvPr/>
+        </p:nvCxnSpPr>
+        <p:spPr>
+          <a:xfrm>
+            <a:off x="2898578" y="2996485"/>
+            <a:ext cx="327195" cy="126388"/>
+          </a:xfrm>
+          <a:prstGeom prst="line">
+            <a:avLst/>
+          </a:prstGeom>
+          <a:ln w="19050">
+            <a:solidFill>
+              <a:schemeClr val="tx2"/>
+            </a:solidFill>
+          </a:ln>
+        </p:spPr>
+        <p:style>
+          <a:lnRef idx="1">
+            <a:schemeClr val="accent1"/>
+          </a:lnRef>
+          <a:fillRef idx="0">
+            <a:schemeClr val="accent1"/>
+          </a:fillRef>
+          <a:effectRef idx="0">
+            <a:schemeClr val="accent1"/>
+          </a:effectRef>
+          <a:fontRef idx="minor">
+            <a:schemeClr val="tx1"/>
+          </a:fontRef>
+        </p:style>
+      </p:cxnSp>
+    </p:spTree>
+    <p:extLst>
+      <p:ext uri="{BB962C8B-B14F-4D97-AF65-F5344CB8AC3E}">
+        <p14:creationId xmlns:p14="http://schemas.microsoft.com/office/powerpoint/2010/main" val="2754927319"/>
+      </p:ext>
+    </p:extLst>
+  </p:cSld>
+  <p:clrMapOvr>
+    <a:masterClrMapping/>
+  </p:clrMapOvr>
+</p:sld>
+</file>
+
+<file path=ppt/slides/slide5.xml><?xml version="1.0" encoding="utf-8"?>
+<p:sld xmlns:a="http://schemas.openxmlformats.org/drawingml/2006/main" xmlns:r="http://schemas.openxmlformats.org/officeDocument/2006/relationships" xmlns:p="http://schemas.openxmlformats.org/presentationml/2006/main">
+  <p:cSld>
+    <p:spTree>
+      <p:nvGrpSpPr>
+        <p:cNvPr id="1" name=""/>
+        <p:cNvGrpSpPr/>
+        <p:nvPr/>
+      </p:nvGrpSpPr>
+      <p:grpSpPr>
+        <a:xfrm>
+          <a:off x="0" y="0"/>
+          <a:ext cx="0" cy="0"/>
+          <a:chOff x="0" y="0"/>
+          <a:chExt cx="0" cy="0"/>
+        </a:xfrm>
+      </p:grpSpPr>
+      <p:sp>
+        <p:nvSpPr>
+          <p:cNvPr id="2" name="Rectangle 1"/>
+          <p:cNvSpPr/>
+          <p:nvPr/>
+        </p:nvSpPr>
+        <p:spPr>
+          <a:xfrm>
+            <a:off x="4511587" y="4369351"/>
+            <a:ext cx="1188000" cy="432000"/>
+          </a:xfrm>
+          <a:prstGeom prst="rect">
+            <a:avLst/>
+          </a:prstGeom>
+          <a:solidFill>
+            <a:srgbClr val="FFFFFF">
+              <a:alpha val="85000"/>
+            </a:srgbClr>
+          </a:solidFill>
+          <a:ln w="19050">
+            <a:solidFill>
+              <a:schemeClr val="accent6">
+                <a:lumMod val="50000"/>
+              </a:schemeClr>
+            </a:solidFill>
+          </a:ln>
+        </p:spPr>
+        <p:style>
+          <a:lnRef idx="2">
+            <a:schemeClr val="accent1">
+              <a:shade val="50000"/>
+            </a:schemeClr>
+          </a:lnRef>
+          <a:fillRef idx="1">
+            <a:schemeClr val="accent1"/>
+          </a:fillRef>
+          <a:effectRef idx="0">
+            <a:schemeClr val="accent1"/>
+          </a:effectRef>
+          <a:fontRef idx="minor">
+            <a:schemeClr val="lt1"/>
+          </a:fontRef>
+        </p:style>
+        <p:txBody>
+          <a:bodyPr rtlCol="0" anchor="ctr"/>
+          <a:lstStyle/>
+          <a:p>
+            <a:pPr algn="ctr"/>
+            <a:r>
+              <a:rPr lang="de-DE" sz="1600" dirty="0">
+                <a:solidFill>
+                  <a:schemeClr val="tx1"/>
+                </a:solidFill>
+              </a:rPr>
+              <a:t>All Auto</a:t>
+            </a:r>
+            <a:br>
+              <a:rPr lang="de-DE" sz="4000" dirty="0">
+                <a:solidFill>
+                  <a:schemeClr val="tx1"/>
+                </a:solidFill>
+              </a:rPr>
+            </a:br>
+            <a:r>
+              <a:rPr lang="de-DE" sz="600" dirty="0" err="1">
+                <a:solidFill>
+                  <a:schemeClr val="tx1"/>
+                </a:solidFill>
+              </a:rPr>
+              <a:t>mrGearboxMogliCLUTCH</a:t>
+            </a:r>
+            <a:endParaRPr lang="en-US" sz="1200" dirty="0">
+              <a:solidFill>
+                <a:schemeClr val="tx1"/>
+              </a:solidFill>
+            </a:endParaRPr>
+          </a:p>
+        </p:txBody>
+      </p:sp>
+      <p:sp>
+        <p:nvSpPr>
+          <p:cNvPr id="3" name="Rectangle 2"/>
+          <p:cNvSpPr/>
+          <p:nvPr/>
+        </p:nvSpPr>
+        <p:spPr>
+          <a:xfrm>
+            <a:off x="5072677" y="3864706"/>
+            <a:ext cx="363682" cy="363683"/>
+          </a:xfrm>
+          <a:prstGeom prst="rect">
+            <a:avLst/>
+          </a:prstGeom>
+          <a:noFill/>
+          <a:ln w="19050">
+            <a:solidFill>
+              <a:schemeClr val="accent6">
+                <a:lumMod val="50000"/>
+              </a:schemeClr>
+            </a:solidFill>
+          </a:ln>
+        </p:spPr>
+        <p:style>
+          <a:lnRef idx="2">
+            <a:schemeClr val="accent1">
+              <a:shade val="50000"/>
+            </a:schemeClr>
+          </a:lnRef>
+          <a:fillRef idx="1">
+            <a:schemeClr val="accent1"/>
+          </a:fillRef>
+          <a:effectRef idx="0">
+            <a:schemeClr val="accent1"/>
+          </a:effectRef>
+          <a:fontRef idx="minor">
+            <a:schemeClr val="lt1"/>
+          </a:fontRef>
+        </p:style>
+        <p:txBody>
+          <a:bodyPr rot="0" spcFirstLastPara="0" vertOverflow="overflow" horzOverflow="overflow" vert="horz" wrap="square" lIns="91440" tIns="45720" rIns="91440" bIns="45720" numCol="1" spcCol="0" rtlCol="0" fromWordArt="0" anchor="ctr" anchorCtr="0" forceAA="0" compatLnSpc="1">
+            <a:prstTxWarp prst="textNoShape">
+              <a:avLst/>
+            </a:prstTxWarp>
+            <a:noAutofit/>
+          </a:bodyPr>
+          <a:lstStyle/>
+          <a:p>
+            <a:pPr algn="ctr"/>
+            <a:endParaRPr lang="en-US" sz="1600" dirty="0">
               <a:solidFill>
                 <a:schemeClr val="tx1"/>
               </a:solidFill>

--- a/Documentation/Tastatur.pptx
+++ b/Documentation/Tastatur.pptx
@@ -8,8 +8,11 @@
     <p:sldId id="256" r:id="rId2"/>
     <p:sldId id="257" r:id="rId3"/>
     <p:sldId id="260" r:id="rId4"/>
-    <p:sldId id="258" r:id="rId5"/>
-    <p:sldId id="259" r:id="rId6"/>
+    <p:sldId id="261" r:id="rId5"/>
+    <p:sldId id="262" r:id="rId6"/>
+    <p:sldId id="263" r:id="rId7"/>
+    <p:sldId id="258" r:id="rId8"/>
+    <p:sldId id="259" r:id="rId9"/>
   </p:sldIdLst>
   <p:sldSz cx="12192000" cy="6858000"/>
   <p:notesSz cx="6858000" cy="9144000"/>
@@ -8434,6 +8437,5796 @@
       </p:grpSpPr>
       <p:pic>
         <p:nvPicPr>
+          <p:cNvPr id="1026" name="Picture 2" descr="http://ascii-table.com/img/keyboard-103P.png"/>
+          <p:cNvPicPr>
+            <a:picLocks noChangeAspect="1" noChangeArrowheads="1"/>
+          </p:cNvPicPr>
+          <p:nvPr/>
+        </p:nvPicPr>
+        <p:blipFill>
+          <a:blip r:embed="rId2">
+            <a:extLst>
+              <a:ext uri="{28A0092B-C50C-407E-A947-70E740481C1C}">
+                <a14:useLocalDpi xmlns:a14="http://schemas.microsoft.com/office/drawing/2010/main" val="0"/>
+              </a:ext>
+            </a:extLst>
+          </a:blip>
+          <a:srcRect/>
+          <a:stretch>
+            <a:fillRect/>
+          </a:stretch>
+        </p:blipFill>
+        <p:spPr bwMode="auto">
+          <a:xfrm>
+            <a:off x="1324595" y="2512046"/>
+            <a:ext cx="6691355" cy="2222324"/>
+          </a:xfrm>
+          <a:prstGeom prst="rect">
+            <a:avLst/>
+          </a:prstGeom>
+          <a:noFill/>
+          <a:extLst>
+            <a:ext uri="{909E8E84-426E-40DD-AFC4-6F175D3DCCD1}">
+              <a14:hiddenFill xmlns:a14="http://schemas.microsoft.com/office/drawing/2010/main">
+                <a:solidFill>
+                  <a:srgbClr val="FFFFFF"/>
+                </a:solidFill>
+              </a14:hiddenFill>
+            </a:ext>
+          </a:extLst>
+        </p:spPr>
+      </p:pic>
+      <p:sp>
+        <p:nvSpPr>
+          <p:cNvPr id="27" name="Rectangle 26"/>
+          <p:cNvSpPr/>
+          <p:nvPr/>
+        </p:nvSpPr>
+        <p:spPr>
+          <a:xfrm>
+            <a:off x="3191234" y="4290646"/>
+            <a:ext cx="1603495" cy="375139"/>
+          </a:xfrm>
+          <a:prstGeom prst="rect">
+            <a:avLst/>
+          </a:prstGeom>
+          <a:solidFill>
+            <a:schemeClr val="bg1">
+              <a:alpha val="85000"/>
+            </a:schemeClr>
+          </a:solidFill>
+          <a:ln w="19050">
+            <a:solidFill>
+              <a:schemeClr val="bg1">
+                <a:lumMod val="65000"/>
+              </a:schemeClr>
+            </a:solidFill>
+          </a:ln>
+        </p:spPr>
+        <p:style>
+          <a:lnRef idx="2">
+            <a:schemeClr val="accent1">
+              <a:shade val="50000"/>
+            </a:schemeClr>
+          </a:lnRef>
+          <a:fillRef idx="1">
+            <a:schemeClr val="accent1"/>
+          </a:fillRef>
+          <a:effectRef idx="0">
+            <a:schemeClr val="accent1"/>
+          </a:effectRef>
+          <a:fontRef idx="minor">
+            <a:schemeClr val="lt1"/>
+          </a:fontRef>
+        </p:style>
+        <p:txBody>
+          <a:bodyPr lIns="90000" rtlCol="0" anchor="ctr"/>
+          <a:lstStyle/>
+          <a:p>
+            <a:pPr algn="ctr"/>
+            <a:r>
+              <a:rPr lang="de-DE" sz="1600" dirty="0" err="1">
+                <a:solidFill>
+                  <a:schemeClr val="tx1"/>
+                </a:solidFill>
+              </a:rPr>
+              <a:t>for</a:t>
+            </a:r>
+            <a:r>
+              <a:rPr lang="de-DE" sz="1600" dirty="0">
+                <a:solidFill>
+                  <a:schemeClr val="tx1"/>
+                </a:solidFill>
+              </a:rPr>
+              <a:t>-/</a:t>
+            </a:r>
+            <a:r>
+              <a:rPr lang="de-DE" sz="1600" dirty="0" err="1">
+                <a:solidFill>
+                  <a:schemeClr val="tx1"/>
+                </a:solidFill>
+              </a:rPr>
+              <a:t>backwards</a:t>
+            </a:r>
+            <a:br>
+              <a:rPr lang="de-DE" sz="4000" dirty="0">
+                <a:solidFill>
+                  <a:schemeClr val="tx1"/>
+                </a:solidFill>
+              </a:rPr>
+            </a:br>
+            <a:r>
+              <a:rPr lang="de-DE" sz="600" dirty="0" err="1">
+                <a:solidFill>
+                  <a:schemeClr val="tx1"/>
+                </a:solidFill>
+              </a:rPr>
+              <a:t>mrGearboxMogliREVERSE</a:t>
+            </a:r>
+            <a:endParaRPr lang="en-US" sz="1600" dirty="0">
+              <a:solidFill>
+                <a:schemeClr val="tx1"/>
+              </a:solidFill>
+            </a:endParaRPr>
+          </a:p>
+        </p:txBody>
+      </p:sp>
+      <p:sp>
+        <p:nvSpPr>
+          <p:cNvPr id="6" name="Rectangle 5"/>
+          <p:cNvSpPr/>
+          <p:nvPr/>
+        </p:nvSpPr>
+        <p:spPr>
+          <a:xfrm>
+            <a:off x="4274658" y="2351031"/>
+            <a:ext cx="1188000" cy="432000"/>
+          </a:xfrm>
+          <a:prstGeom prst="rect">
+            <a:avLst/>
+          </a:prstGeom>
+          <a:solidFill>
+            <a:srgbClr val="FFFFFF">
+              <a:alpha val="85000"/>
+            </a:srgbClr>
+          </a:solidFill>
+          <a:ln w="19050">
+            <a:solidFill>
+              <a:schemeClr val="accent5">
+                <a:lumMod val="40000"/>
+                <a:lumOff val="60000"/>
+              </a:schemeClr>
+            </a:solidFill>
+          </a:ln>
+        </p:spPr>
+        <p:style>
+          <a:lnRef idx="2">
+            <a:schemeClr val="accent1">
+              <a:shade val="50000"/>
+            </a:schemeClr>
+          </a:lnRef>
+          <a:fillRef idx="1">
+            <a:schemeClr val="accent1"/>
+          </a:fillRef>
+          <a:effectRef idx="0">
+            <a:schemeClr val="accent1"/>
+          </a:effectRef>
+          <a:fontRef idx="minor">
+            <a:schemeClr val="lt1"/>
+          </a:fontRef>
+        </p:style>
+        <p:txBody>
+          <a:bodyPr rtlCol="0" anchor="ctr"/>
+          <a:lstStyle/>
+          <a:p>
+            <a:pPr algn="ctr"/>
+            <a:r>
+              <a:rPr lang="de-DE" sz="1600" dirty="0" err="1">
+                <a:solidFill>
+                  <a:schemeClr val="tx1"/>
+                </a:solidFill>
+              </a:rPr>
+              <a:t>gear</a:t>
+            </a:r>
+            <a:r>
+              <a:rPr lang="de-DE" sz="1600" dirty="0">
+                <a:solidFill>
+                  <a:schemeClr val="tx1"/>
+                </a:solidFill>
+              </a:rPr>
+              <a:t> +</a:t>
+            </a:r>
+            <a:br>
+              <a:rPr lang="de-DE" sz="4000" dirty="0">
+                <a:solidFill>
+                  <a:schemeClr val="tx1"/>
+                </a:solidFill>
+              </a:rPr>
+            </a:br>
+            <a:r>
+              <a:rPr lang="de-DE" sz="600" dirty="0" err="1">
+                <a:solidFill>
+                  <a:schemeClr val="tx1"/>
+                </a:solidFill>
+              </a:rPr>
+              <a:t>mrGearboxMogliSHIFTGEARUP</a:t>
+            </a:r>
+            <a:endParaRPr lang="en-US" sz="1200" dirty="0">
+              <a:solidFill>
+                <a:schemeClr val="tx1"/>
+              </a:solidFill>
+            </a:endParaRPr>
+          </a:p>
+        </p:txBody>
+      </p:sp>
+      <p:sp>
+        <p:nvSpPr>
+          <p:cNvPr id="9" name="Rectangle 8"/>
+          <p:cNvSpPr/>
+          <p:nvPr/>
+        </p:nvSpPr>
+        <p:spPr>
+          <a:xfrm>
+            <a:off x="6005945" y="3002972"/>
+            <a:ext cx="363682" cy="363683"/>
+          </a:xfrm>
+          <a:prstGeom prst="rect">
+            <a:avLst/>
+          </a:prstGeom>
+          <a:noFill/>
+          <a:ln w="19050">
+            <a:solidFill>
+              <a:schemeClr val="accent5">
+                <a:lumMod val="40000"/>
+                <a:lumOff val="60000"/>
+              </a:schemeClr>
+            </a:solidFill>
+          </a:ln>
+        </p:spPr>
+        <p:style>
+          <a:lnRef idx="2">
+            <a:schemeClr val="accent1">
+              <a:shade val="50000"/>
+            </a:schemeClr>
+          </a:lnRef>
+          <a:fillRef idx="1">
+            <a:schemeClr val="accent1"/>
+          </a:fillRef>
+          <a:effectRef idx="0">
+            <a:schemeClr val="accent1"/>
+          </a:effectRef>
+          <a:fontRef idx="minor">
+            <a:schemeClr val="lt1"/>
+          </a:fontRef>
+        </p:style>
+        <p:txBody>
+          <a:bodyPr rot="0" spcFirstLastPara="0" vertOverflow="overflow" horzOverflow="overflow" vert="horz" wrap="square" lIns="91440" tIns="45720" rIns="91440" bIns="45720" numCol="1" spcCol="0" rtlCol="0" fromWordArt="0" anchor="ctr" anchorCtr="0" forceAA="0" compatLnSpc="1">
+            <a:prstTxWarp prst="textNoShape">
+              <a:avLst/>
+            </a:prstTxWarp>
+            <a:noAutofit/>
+          </a:bodyPr>
+          <a:lstStyle/>
+          <a:p>
+            <a:pPr algn="ctr"/>
+            <a:endParaRPr lang="en-US" sz="1600" dirty="0">
+              <a:solidFill>
+                <a:schemeClr val="tx1"/>
+              </a:solidFill>
+            </a:endParaRPr>
+          </a:p>
+        </p:txBody>
+      </p:sp>
+      <p:sp>
+        <p:nvSpPr>
+          <p:cNvPr id="10" name="Rectangle 9"/>
+          <p:cNvSpPr/>
+          <p:nvPr/>
+        </p:nvSpPr>
+        <p:spPr>
+          <a:xfrm>
+            <a:off x="4279173" y="2879005"/>
+            <a:ext cx="1188000" cy="432000"/>
+          </a:xfrm>
+          <a:prstGeom prst="rect">
+            <a:avLst/>
+          </a:prstGeom>
+          <a:solidFill>
+            <a:srgbClr val="FFFFFF">
+              <a:alpha val="85000"/>
+            </a:srgbClr>
+          </a:solidFill>
+          <a:ln w="19050">
+            <a:solidFill>
+              <a:schemeClr val="accent5"/>
+            </a:solidFill>
+          </a:ln>
+        </p:spPr>
+        <p:style>
+          <a:lnRef idx="2">
+            <a:schemeClr val="accent1">
+              <a:shade val="50000"/>
+            </a:schemeClr>
+          </a:lnRef>
+          <a:fillRef idx="1">
+            <a:schemeClr val="accent1"/>
+          </a:fillRef>
+          <a:effectRef idx="0">
+            <a:schemeClr val="accent1"/>
+          </a:effectRef>
+          <a:fontRef idx="minor">
+            <a:schemeClr val="lt1"/>
+          </a:fontRef>
+        </p:style>
+        <p:txBody>
+          <a:bodyPr rtlCol="0" anchor="ctr"/>
+          <a:lstStyle/>
+          <a:p>
+            <a:pPr algn="ctr"/>
+            <a:r>
+              <a:rPr lang="de-DE" sz="1600" dirty="0" err="1">
+                <a:solidFill>
+                  <a:schemeClr val="tx1"/>
+                </a:solidFill>
+              </a:rPr>
+              <a:t>gear</a:t>
+            </a:r>
+            <a:r>
+              <a:rPr lang="de-DE" sz="1600" dirty="0">
+                <a:solidFill>
+                  <a:schemeClr val="tx1"/>
+                </a:solidFill>
+              </a:rPr>
+              <a:t> -</a:t>
+            </a:r>
+            <a:br>
+              <a:rPr lang="de-DE" sz="4000" dirty="0">
+                <a:solidFill>
+                  <a:schemeClr val="tx1"/>
+                </a:solidFill>
+              </a:rPr>
+            </a:br>
+            <a:r>
+              <a:rPr lang="de-DE" sz="600" dirty="0" err="1">
+                <a:solidFill>
+                  <a:schemeClr val="tx1"/>
+                </a:solidFill>
+              </a:rPr>
+              <a:t>mrGearboxMogliSHIFTGEARDOWN</a:t>
+            </a:r>
+            <a:endParaRPr lang="en-US" sz="1400" dirty="0">
+              <a:solidFill>
+                <a:schemeClr val="tx1"/>
+              </a:solidFill>
+            </a:endParaRPr>
+          </a:p>
+        </p:txBody>
+      </p:sp>
+      <p:sp>
+        <p:nvSpPr>
+          <p:cNvPr id="11" name="Rectangle 10"/>
+          <p:cNvSpPr/>
+          <p:nvPr/>
+        </p:nvSpPr>
+        <p:spPr>
+          <a:xfrm>
+            <a:off x="6130991" y="3429132"/>
+            <a:ext cx="363682" cy="363683"/>
+          </a:xfrm>
+          <a:prstGeom prst="rect">
+            <a:avLst/>
+          </a:prstGeom>
+          <a:noFill/>
+          <a:ln w="19050">
+            <a:solidFill>
+              <a:schemeClr val="accent5"/>
+            </a:solidFill>
+          </a:ln>
+        </p:spPr>
+        <p:style>
+          <a:lnRef idx="2">
+            <a:schemeClr val="accent1">
+              <a:shade val="50000"/>
+            </a:schemeClr>
+          </a:lnRef>
+          <a:fillRef idx="1">
+            <a:schemeClr val="accent1"/>
+          </a:fillRef>
+          <a:effectRef idx="0">
+            <a:schemeClr val="accent1"/>
+          </a:effectRef>
+          <a:fontRef idx="minor">
+            <a:schemeClr val="lt1"/>
+          </a:fontRef>
+        </p:style>
+        <p:txBody>
+          <a:bodyPr rot="0" spcFirstLastPara="0" vertOverflow="overflow" horzOverflow="overflow" vert="horz" wrap="square" lIns="91440" tIns="45720" rIns="91440" bIns="45720" numCol="1" spcCol="0" rtlCol="0" fromWordArt="0" anchor="ctr" anchorCtr="0" forceAA="0" compatLnSpc="1">
+            <a:prstTxWarp prst="textNoShape">
+              <a:avLst/>
+            </a:prstTxWarp>
+            <a:noAutofit/>
+          </a:bodyPr>
+          <a:lstStyle/>
+          <a:p>
+            <a:pPr algn="ctr"/>
+            <a:endParaRPr lang="en-US" sz="1600" dirty="0">
+              <a:solidFill>
+                <a:schemeClr val="tx1"/>
+              </a:solidFill>
+            </a:endParaRPr>
+          </a:p>
+        </p:txBody>
+      </p:sp>
+      <p:sp>
+        <p:nvSpPr>
+          <p:cNvPr id="12" name="Rectangle 11"/>
+          <p:cNvSpPr/>
+          <p:nvPr/>
+        </p:nvSpPr>
+        <p:spPr>
+          <a:xfrm>
+            <a:off x="5702166" y="3432552"/>
+            <a:ext cx="363682" cy="363683"/>
+          </a:xfrm>
+          <a:prstGeom prst="rect">
+            <a:avLst/>
+          </a:prstGeom>
+          <a:noFill/>
+          <a:ln w="19050">
+            <a:solidFill>
+              <a:srgbClr val="C00000"/>
+            </a:solidFill>
+          </a:ln>
+        </p:spPr>
+        <p:style>
+          <a:lnRef idx="2">
+            <a:schemeClr val="accent1">
+              <a:shade val="50000"/>
+            </a:schemeClr>
+          </a:lnRef>
+          <a:fillRef idx="1">
+            <a:schemeClr val="accent1"/>
+          </a:fillRef>
+          <a:effectRef idx="0">
+            <a:schemeClr val="accent1"/>
+          </a:effectRef>
+          <a:fontRef idx="minor">
+            <a:schemeClr val="lt1"/>
+          </a:fontRef>
+        </p:style>
+        <p:txBody>
+          <a:bodyPr rot="0" spcFirstLastPara="0" vertOverflow="overflow" horzOverflow="overflow" vert="horz" wrap="square" lIns="91440" tIns="45720" rIns="91440" bIns="45720" numCol="1" spcCol="0" rtlCol="0" fromWordArt="0" anchor="ctr" anchorCtr="0" forceAA="0" compatLnSpc="1">
+            <a:prstTxWarp prst="textNoShape">
+              <a:avLst/>
+            </a:prstTxWarp>
+            <a:noAutofit/>
+          </a:bodyPr>
+          <a:lstStyle/>
+          <a:p>
+            <a:pPr algn="ctr"/>
+            <a:endParaRPr lang="en-US" sz="1600" dirty="0">
+              <a:solidFill>
+                <a:schemeClr val="tx1"/>
+              </a:solidFill>
+            </a:endParaRPr>
+          </a:p>
+        </p:txBody>
+      </p:sp>
+      <p:sp>
+        <p:nvSpPr>
+          <p:cNvPr id="13" name="Rectangle 12"/>
+          <p:cNvSpPr/>
+          <p:nvPr/>
+        </p:nvSpPr>
+        <p:spPr>
+          <a:xfrm>
+            <a:off x="5789380" y="2573168"/>
+            <a:ext cx="363682" cy="363683"/>
+          </a:xfrm>
+          <a:prstGeom prst="rect">
+            <a:avLst/>
+          </a:prstGeom>
+          <a:noFill/>
+          <a:ln w="19050">
+            <a:solidFill>
+              <a:schemeClr val="accent4">
+                <a:lumMod val="20000"/>
+                <a:lumOff val="80000"/>
+              </a:schemeClr>
+            </a:solidFill>
+          </a:ln>
+        </p:spPr>
+        <p:style>
+          <a:lnRef idx="2">
+            <a:schemeClr val="accent1">
+              <a:shade val="50000"/>
+            </a:schemeClr>
+          </a:lnRef>
+          <a:fillRef idx="1">
+            <a:schemeClr val="accent1"/>
+          </a:fillRef>
+          <a:effectRef idx="0">
+            <a:schemeClr val="accent1"/>
+          </a:effectRef>
+          <a:fontRef idx="minor">
+            <a:schemeClr val="lt1"/>
+          </a:fontRef>
+        </p:style>
+        <p:txBody>
+          <a:bodyPr rot="0" spcFirstLastPara="0" vertOverflow="overflow" horzOverflow="overflow" vert="horz" wrap="square" lIns="91440" tIns="45720" rIns="91440" bIns="45720" numCol="1" spcCol="0" rtlCol="0" fromWordArt="0" anchor="ctr" anchorCtr="0" forceAA="0" compatLnSpc="1">
+            <a:prstTxWarp prst="textNoShape">
+              <a:avLst/>
+            </a:prstTxWarp>
+            <a:noAutofit/>
+          </a:bodyPr>
+          <a:lstStyle/>
+          <a:p>
+            <a:pPr algn="ctr"/>
+            <a:endParaRPr lang="en-US" sz="1600" dirty="0">
+              <a:solidFill>
+                <a:schemeClr val="tx1"/>
+              </a:solidFill>
+            </a:endParaRPr>
+          </a:p>
+        </p:txBody>
+      </p:sp>
+      <p:sp>
+        <p:nvSpPr>
+          <p:cNvPr id="14" name="Rectangle 13"/>
+          <p:cNvSpPr/>
+          <p:nvPr/>
+        </p:nvSpPr>
+        <p:spPr>
+          <a:xfrm>
+            <a:off x="6216961" y="2574990"/>
+            <a:ext cx="363682" cy="363683"/>
+          </a:xfrm>
+          <a:prstGeom prst="rect">
+            <a:avLst/>
+          </a:prstGeom>
+          <a:noFill/>
+          <a:ln w="19050">
+            <a:solidFill>
+              <a:schemeClr val="accent4"/>
+            </a:solidFill>
+          </a:ln>
+        </p:spPr>
+        <p:style>
+          <a:lnRef idx="2">
+            <a:schemeClr val="accent1">
+              <a:shade val="50000"/>
+            </a:schemeClr>
+          </a:lnRef>
+          <a:fillRef idx="1">
+            <a:schemeClr val="accent1"/>
+          </a:fillRef>
+          <a:effectRef idx="0">
+            <a:schemeClr val="accent1"/>
+          </a:effectRef>
+          <a:fontRef idx="minor">
+            <a:schemeClr val="lt1"/>
+          </a:fontRef>
+        </p:style>
+        <p:txBody>
+          <a:bodyPr rot="0" spcFirstLastPara="0" vertOverflow="overflow" horzOverflow="overflow" vert="horz" wrap="square" lIns="91440" tIns="45720" rIns="91440" bIns="45720" numCol="1" spcCol="0" rtlCol="0" fromWordArt="0" anchor="ctr" anchorCtr="0" forceAA="0" compatLnSpc="1">
+            <a:prstTxWarp prst="textNoShape">
+              <a:avLst/>
+            </a:prstTxWarp>
+            <a:noAutofit/>
+          </a:bodyPr>
+          <a:lstStyle/>
+          <a:p>
+            <a:pPr algn="ctr"/>
+            <a:endParaRPr lang="en-US" sz="1600" dirty="0">
+              <a:solidFill>
+                <a:schemeClr val="tx1"/>
+              </a:solidFill>
+            </a:endParaRPr>
+          </a:p>
+        </p:txBody>
+      </p:sp>
+      <p:sp>
+        <p:nvSpPr>
+          <p:cNvPr id="16" name="Rectangle 15"/>
+          <p:cNvSpPr/>
+          <p:nvPr/>
+        </p:nvSpPr>
+        <p:spPr>
+          <a:xfrm>
+            <a:off x="6435791" y="3007636"/>
+            <a:ext cx="363682" cy="363683"/>
+          </a:xfrm>
+          <a:prstGeom prst="rect">
+            <a:avLst/>
+          </a:prstGeom>
+          <a:noFill/>
+          <a:ln w="19050">
+            <a:solidFill>
+              <a:schemeClr val="accent2">
+                <a:lumMod val="60000"/>
+                <a:lumOff val="40000"/>
+              </a:schemeClr>
+            </a:solidFill>
+          </a:ln>
+        </p:spPr>
+        <p:style>
+          <a:lnRef idx="2">
+            <a:schemeClr val="accent1">
+              <a:shade val="50000"/>
+            </a:schemeClr>
+          </a:lnRef>
+          <a:fillRef idx="1">
+            <a:schemeClr val="accent1"/>
+          </a:fillRef>
+          <a:effectRef idx="0">
+            <a:schemeClr val="accent1"/>
+          </a:effectRef>
+          <a:fontRef idx="minor">
+            <a:schemeClr val="lt1"/>
+          </a:fontRef>
+        </p:style>
+        <p:txBody>
+          <a:bodyPr rot="0" spcFirstLastPara="0" vertOverflow="overflow" horzOverflow="overflow" vert="horz" wrap="square" lIns="91440" tIns="45720" rIns="91440" bIns="45720" numCol="1" spcCol="0" rtlCol="0" fromWordArt="0" anchor="ctr" anchorCtr="0" forceAA="0" compatLnSpc="1">
+            <a:prstTxWarp prst="textNoShape">
+              <a:avLst/>
+            </a:prstTxWarp>
+            <a:noAutofit/>
+          </a:bodyPr>
+          <a:lstStyle/>
+          <a:p>
+            <a:pPr algn="ctr"/>
+            <a:endParaRPr lang="en-US" sz="1600" dirty="0">
+              <a:solidFill>
+                <a:schemeClr val="tx1"/>
+              </a:solidFill>
+            </a:endParaRPr>
+          </a:p>
+        </p:txBody>
+      </p:sp>
+      <p:sp>
+        <p:nvSpPr>
+          <p:cNvPr id="17" name="Rectangle 16"/>
+          <p:cNvSpPr/>
+          <p:nvPr/>
+        </p:nvSpPr>
+        <p:spPr>
+          <a:xfrm>
+            <a:off x="5923617" y="3864706"/>
+            <a:ext cx="363682" cy="363683"/>
+          </a:xfrm>
+          <a:prstGeom prst="rect">
+            <a:avLst/>
+          </a:prstGeom>
+          <a:noFill/>
+          <a:ln w="19050">
+            <a:solidFill>
+              <a:schemeClr val="accent6">
+                <a:lumMod val="60000"/>
+                <a:lumOff val="40000"/>
+              </a:schemeClr>
+            </a:solidFill>
+          </a:ln>
+        </p:spPr>
+        <p:style>
+          <a:lnRef idx="2">
+            <a:schemeClr val="accent1">
+              <a:shade val="50000"/>
+            </a:schemeClr>
+          </a:lnRef>
+          <a:fillRef idx="1">
+            <a:schemeClr val="accent1"/>
+          </a:fillRef>
+          <a:effectRef idx="0">
+            <a:schemeClr val="accent1"/>
+          </a:effectRef>
+          <a:fontRef idx="minor">
+            <a:schemeClr val="lt1"/>
+          </a:fontRef>
+        </p:style>
+        <p:txBody>
+          <a:bodyPr rot="0" spcFirstLastPara="0" vertOverflow="overflow" horzOverflow="overflow" vert="horz" wrap="square" lIns="91440" tIns="45720" rIns="91440" bIns="45720" numCol="1" spcCol="0" rtlCol="0" fromWordArt="0" anchor="ctr" anchorCtr="0" forceAA="0" compatLnSpc="1">
+            <a:prstTxWarp prst="textNoShape">
+              <a:avLst/>
+            </a:prstTxWarp>
+            <a:noAutofit/>
+          </a:bodyPr>
+          <a:lstStyle/>
+          <a:p>
+            <a:pPr algn="ctr"/>
+            <a:endParaRPr lang="en-US" sz="1600" dirty="0">
+              <a:solidFill>
+                <a:schemeClr val="tx1"/>
+              </a:solidFill>
+            </a:endParaRPr>
+          </a:p>
+        </p:txBody>
+      </p:sp>
+      <p:sp>
+        <p:nvSpPr>
+          <p:cNvPr id="18" name="Rectangle 17"/>
+          <p:cNvSpPr/>
+          <p:nvPr/>
+        </p:nvSpPr>
+        <p:spPr>
+          <a:xfrm>
+            <a:off x="5497056" y="3864706"/>
+            <a:ext cx="363682" cy="363683"/>
+          </a:xfrm>
+          <a:prstGeom prst="rect">
+            <a:avLst/>
+          </a:prstGeom>
+          <a:noFill/>
+          <a:ln w="19050">
+            <a:solidFill>
+              <a:schemeClr val="accent6"/>
+            </a:solidFill>
+          </a:ln>
+        </p:spPr>
+        <p:style>
+          <a:lnRef idx="2">
+            <a:schemeClr val="accent1">
+              <a:shade val="50000"/>
+            </a:schemeClr>
+          </a:lnRef>
+          <a:fillRef idx="1">
+            <a:schemeClr val="accent1"/>
+          </a:fillRef>
+          <a:effectRef idx="0">
+            <a:schemeClr val="accent1"/>
+          </a:effectRef>
+          <a:fontRef idx="minor">
+            <a:schemeClr val="lt1"/>
+          </a:fontRef>
+        </p:style>
+        <p:txBody>
+          <a:bodyPr rot="0" spcFirstLastPara="0" vertOverflow="overflow" horzOverflow="overflow" vert="horz" wrap="square" lIns="91440" tIns="45720" rIns="91440" bIns="45720" numCol="1" spcCol="0" rtlCol="0" fromWordArt="0" anchor="ctr" anchorCtr="0" forceAA="0" compatLnSpc="1">
+            <a:prstTxWarp prst="textNoShape">
+              <a:avLst/>
+            </a:prstTxWarp>
+            <a:noAutofit/>
+          </a:bodyPr>
+          <a:lstStyle/>
+          <a:p>
+            <a:pPr algn="ctr"/>
+            <a:endParaRPr lang="en-US" sz="1600" dirty="0">
+              <a:solidFill>
+                <a:schemeClr val="tx1"/>
+              </a:solidFill>
+            </a:endParaRPr>
+          </a:p>
+        </p:txBody>
+      </p:sp>
+      <p:sp>
+        <p:nvSpPr>
+          <p:cNvPr id="19" name="Rectangle 18"/>
+          <p:cNvSpPr/>
+          <p:nvPr/>
+        </p:nvSpPr>
+        <p:spPr>
+          <a:xfrm>
+            <a:off x="6553999" y="3430466"/>
+            <a:ext cx="363682" cy="363683"/>
+          </a:xfrm>
+          <a:prstGeom prst="rect">
+            <a:avLst/>
+          </a:prstGeom>
+          <a:noFill/>
+          <a:ln w="19050">
+            <a:solidFill>
+              <a:schemeClr val="accent2"/>
+            </a:solidFill>
+          </a:ln>
+        </p:spPr>
+        <p:style>
+          <a:lnRef idx="2">
+            <a:schemeClr val="accent1">
+              <a:shade val="50000"/>
+            </a:schemeClr>
+          </a:lnRef>
+          <a:fillRef idx="1">
+            <a:schemeClr val="accent1"/>
+          </a:fillRef>
+          <a:effectRef idx="0">
+            <a:schemeClr val="accent1"/>
+          </a:effectRef>
+          <a:fontRef idx="minor">
+            <a:schemeClr val="lt1"/>
+          </a:fontRef>
+        </p:style>
+        <p:txBody>
+          <a:bodyPr rot="0" spcFirstLastPara="0" vertOverflow="overflow" horzOverflow="overflow" vert="horz" wrap="square" lIns="91440" tIns="45720" rIns="91440" bIns="45720" numCol="1" spcCol="0" rtlCol="0" fromWordArt="0" anchor="ctr" anchorCtr="0" forceAA="0" compatLnSpc="1">
+            <a:prstTxWarp prst="textNoShape">
+              <a:avLst/>
+            </a:prstTxWarp>
+            <a:noAutofit/>
+          </a:bodyPr>
+          <a:lstStyle/>
+          <a:p>
+            <a:pPr algn="ctr"/>
+            <a:endParaRPr lang="en-US" sz="1600" dirty="0">
+              <a:solidFill>
+                <a:schemeClr val="tx1"/>
+              </a:solidFill>
+            </a:endParaRPr>
+          </a:p>
+        </p:txBody>
+      </p:sp>
+      <p:sp>
+        <p:nvSpPr>
+          <p:cNvPr id="20" name="Rectangle 19"/>
+          <p:cNvSpPr/>
+          <p:nvPr/>
+        </p:nvSpPr>
+        <p:spPr>
+          <a:xfrm>
+            <a:off x="4279173" y="3375087"/>
+            <a:ext cx="1188000" cy="432000"/>
+          </a:xfrm>
+          <a:prstGeom prst="rect">
+            <a:avLst/>
+          </a:prstGeom>
+          <a:solidFill>
+            <a:srgbClr val="FFFFFF">
+              <a:alpha val="85000"/>
+            </a:srgbClr>
+          </a:solidFill>
+          <a:ln w="19050">
+            <a:solidFill>
+              <a:srgbClr val="C00000"/>
+            </a:solidFill>
+          </a:ln>
+        </p:spPr>
+        <p:style>
+          <a:lnRef idx="2">
+            <a:schemeClr val="accent1">
+              <a:shade val="50000"/>
+            </a:schemeClr>
+          </a:lnRef>
+          <a:fillRef idx="1">
+            <a:schemeClr val="accent1"/>
+          </a:fillRef>
+          <a:effectRef idx="0">
+            <a:schemeClr val="accent1"/>
+          </a:effectRef>
+          <a:fontRef idx="minor">
+            <a:schemeClr val="lt1"/>
+          </a:fontRef>
+        </p:style>
+        <p:txBody>
+          <a:bodyPr rtlCol="0" anchor="ctr"/>
+          <a:lstStyle/>
+          <a:p>
+            <a:pPr algn="ctr"/>
+            <a:r>
+              <a:rPr lang="de-DE" sz="1600" dirty="0">
+                <a:solidFill>
+                  <a:schemeClr val="tx1"/>
+                </a:solidFill>
+              </a:rPr>
+              <a:t>neutral</a:t>
+            </a:r>
+            <a:br>
+              <a:rPr lang="de-DE" sz="4000" dirty="0">
+                <a:solidFill>
+                  <a:schemeClr val="tx1"/>
+                </a:solidFill>
+              </a:rPr>
+            </a:br>
+            <a:r>
+              <a:rPr lang="de-DE" sz="600" dirty="0" err="1">
+                <a:solidFill>
+                  <a:schemeClr val="tx1"/>
+                </a:solidFill>
+              </a:rPr>
+              <a:t>mrGearboxMogliNEUTRAL</a:t>
+            </a:r>
+            <a:endParaRPr lang="en-US" sz="1600" dirty="0">
+              <a:solidFill>
+                <a:schemeClr val="tx1"/>
+              </a:solidFill>
+            </a:endParaRPr>
+          </a:p>
+        </p:txBody>
+      </p:sp>
+      <p:sp>
+        <p:nvSpPr>
+          <p:cNvPr id="21" name="Rectangle 20"/>
+          <p:cNvSpPr/>
+          <p:nvPr/>
+        </p:nvSpPr>
+        <p:spPr>
+          <a:xfrm>
+            <a:off x="5543851" y="1937881"/>
+            <a:ext cx="1188000" cy="432000"/>
+          </a:xfrm>
+          <a:prstGeom prst="rect">
+            <a:avLst/>
+          </a:prstGeom>
+          <a:solidFill>
+            <a:srgbClr val="FFFFFF">
+              <a:alpha val="85000"/>
+            </a:srgbClr>
+          </a:solidFill>
+          <a:ln w="19050">
+            <a:solidFill>
+              <a:schemeClr val="accent4">
+                <a:lumMod val="20000"/>
+                <a:lumOff val="80000"/>
+              </a:schemeClr>
+            </a:solidFill>
+          </a:ln>
+        </p:spPr>
+        <p:style>
+          <a:lnRef idx="2">
+            <a:schemeClr val="accent1">
+              <a:shade val="50000"/>
+            </a:schemeClr>
+          </a:lnRef>
+          <a:fillRef idx="1">
+            <a:schemeClr val="accent1"/>
+          </a:fillRef>
+          <a:effectRef idx="0">
+            <a:schemeClr val="accent1"/>
+          </a:effectRef>
+          <a:fontRef idx="minor">
+            <a:schemeClr val="lt1"/>
+          </a:fontRef>
+        </p:style>
+        <p:txBody>
+          <a:bodyPr rtlCol="0" anchor="ctr"/>
+          <a:lstStyle/>
+          <a:p>
+            <a:pPr algn="ctr"/>
+            <a:r>
+              <a:rPr lang="de-DE" sz="1600" dirty="0" err="1">
+                <a:solidFill>
+                  <a:schemeClr val="tx1"/>
+                </a:solidFill>
+              </a:rPr>
+              <a:t>throttle</a:t>
+            </a:r>
+            <a:r>
+              <a:rPr lang="de-DE" sz="1600" dirty="0">
+                <a:solidFill>
+                  <a:schemeClr val="tx1"/>
+                </a:solidFill>
+              </a:rPr>
+              <a:t> -</a:t>
+            </a:r>
+            <a:br>
+              <a:rPr lang="de-DE" sz="4000" dirty="0">
+                <a:solidFill>
+                  <a:schemeClr val="tx1"/>
+                </a:solidFill>
+              </a:rPr>
+            </a:br>
+            <a:r>
+              <a:rPr lang="de-DE" sz="600" dirty="0" err="1">
+                <a:solidFill>
+                  <a:schemeClr val="tx1"/>
+                </a:solidFill>
+              </a:rPr>
+              <a:t>mrGearboxMogliMINRPM</a:t>
+            </a:r>
+            <a:endParaRPr lang="en-US" sz="1200" dirty="0">
+              <a:solidFill>
+                <a:schemeClr val="tx1"/>
+              </a:solidFill>
+            </a:endParaRPr>
+          </a:p>
+        </p:txBody>
+      </p:sp>
+      <p:sp>
+        <p:nvSpPr>
+          <p:cNvPr id="22" name="Rectangle 21"/>
+          <p:cNvSpPr/>
+          <p:nvPr/>
+        </p:nvSpPr>
+        <p:spPr>
+          <a:xfrm>
+            <a:off x="7013253" y="1937881"/>
+            <a:ext cx="1188000" cy="432000"/>
+          </a:xfrm>
+          <a:prstGeom prst="rect">
+            <a:avLst/>
+          </a:prstGeom>
+          <a:solidFill>
+            <a:srgbClr val="FFFFFF">
+              <a:alpha val="85000"/>
+            </a:srgbClr>
+          </a:solidFill>
+          <a:ln w="19050">
+            <a:solidFill>
+              <a:schemeClr val="accent4"/>
+            </a:solidFill>
+          </a:ln>
+        </p:spPr>
+        <p:style>
+          <a:lnRef idx="2">
+            <a:schemeClr val="accent1">
+              <a:shade val="50000"/>
+            </a:schemeClr>
+          </a:lnRef>
+          <a:fillRef idx="1">
+            <a:schemeClr val="accent1"/>
+          </a:fillRef>
+          <a:effectRef idx="0">
+            <a:schemeClr val="accent1"/>
+          </a:effectRef>
+          <a:fontRef idx="minor">
+            <a:schemeClr val="lt1"/>
+          </a:fontRef>
+        </p:style>
+        <p:txBody>
+          <a:bodyPr rtlCol="0" anchor="ctr"/>
+          <a:lstStyle/>
+          <a:p>
+            <a:pPr algn="ctr"/>
+            <a:r>
+              <a:rPr lang="de-DE" sz="1600" dirty="0" err="1">
+                <a:solidFill>
+                  <a:schemeClr val="tx1"/>
+                </a:solidFill>
+              </a:rPr>
+              <a:t>throttle</a:t>
+            </a:r>
+            <a:r>
+              <a:rPr lang="de-DE" sz="1600" dirty="0">
+                <a:solidFill>
+                  <a:schemeClr val="tx1"/>
+                </a:solidFill>
+              </a:rPr>
+              <a:t> +</a:t>
+            </a:r>
+            <a:br>
+              <a:rPr lang="de-DE" sz="4000" dirty="0">
+                <a:solidFill>
+                  <a:schemeClr val="tx1"/>
+                </a:solidFill>
+              </a:rPr>
+            </a:br>
+            <a:r>
+              <a:rPr lang="de-DE" sz="600" dirty="0" err="1">
+                <a:solidFill>
+                  <a:schemeClr val="tx1"/>
+                </a:solidFill>
+              </a:rPr>
+              <a:t>mrGearboxMogliMINRPM</a:t>
+            </a:r>
+            <a:endParaRPr lang="en-US" sz="1200" dirty="0">
+              <a:solidFill>
+                <a:schemeClr val="tx1"/>
+              </a:solidFill>
+            </a:endParaRPr>
+          </a:p>
+        </p:txBody>
+      </p:sp>
+      <p:sp>
+        <p:nvSpPr>
+          <p:cNvPr id="23" name="Rectangle 22"/>
+          <p:cNvSpPr/>
+          <p:nvPr/>
+        </p:nvSpPr>
+        <p:spPr>
+          <a:xfrm>
+            <a:off x="5775627" y="4370554"/>
+            <a:ext cx="1188000" cy="432000"/>
+          </a:xfrm>
+          <a:prstGeom prst="rect">
+            <a:avLst/>
+          </a:prstGeom>
+          <a:solidFill>
+            <a:srgbClr val="FFFFFF">
+              <a:alpha val="85000"/>
+            </a:srgbClr>
+          </a:solidFill>
+          <a:ln w="19050">
+            <a:solidFill>
+              <a:schemeClr val="accent6"/>
+            </a:solidFill>
+          </a:ln>
+        </p:spPr>
+        <p:style>
+          <a:lnRef idx="2">
+            <a:schemeClr val="accent1">
+              <a:shade val="50000"/>
+            </a:schemeClr>
+          </a:lnRef>
+          <a:fillRef idx="1">
+            <a:schemeClr val="accent1"/>
+          </a:fillRef>
+          <a:effectRef idx="0">
+            <a:schemeClr val="accent1"/>
+          </a:effectRef>
+          <a:fontRef idx="minor">
+            <a:schemeClr val="lt1"/>
+          </a:fontRef>
+        </p:style>
+        <p:txBody>
+          <a:bodyPr rtlCol="0" anchor="ctr"/>
+          <a:lstStyle/>
+          <a:p>
+            <a:pPr algn="ctr"/>
+            <a:r>
+              <a:rPr lang="de-DE" sz="1600" dirty="0" err="1">
+                <a:solidFill>
+                  <a:schemeClr val="tx1"/>
+                </a:solidFill>
+              </a:rPr>
+              <a:t>clutch</a:t>
+            </a:r>
+            <a:br>
+              <a:rPr lang="de-DE" sz="4000" dirty="0">
+                <a:solidFill>
+                  <a:schemeClr val="tx1"/>
+                </a:solidFill>
+              </a:rPr>
+            </a:br>
+            <a:r>
+              <a:rPr lang="de-DE" sz="600" dirty="0" err="1">
+                <a:solidFill>
+                  <a:schemeClr val="tx1"/>
+                </a:solidFill>
+              </a:rPr>
+              <a:t>mrGearboxMogliCLUTCH</a:t>
+            </a:r>
+            <a:endParaRPr lang="en-US" sz="1200" dirty="0">
+              <a:solidFill>
+                <a:schemeClr val="tx1"/>
+              </a:solidFill>
+            </a:endParaRPr>
+          </a:p>
+        </p:txBody>
+      </p:sp>
+      <p:sp>
+        <p:nvSpPr>
+          <p:cNvPr id="24" name="Rectangle 23"/>
+          <p:cNvSpPr/>
+          <p:nvPr/>
+        </p:nvSpPr>
+        <p:spPr>
+          <a:xfrm>
+            <a:off x="7038981" y="4370554"/>
+            <a:ext cx="1188000" cy="432000"/>
+          </a:xfrm>
+          <a:prstGeom prst="rect">
+            <a:avLst/>
+          </a:prstGeom>
+          <a:solidFill>
+            <a:srgbClr val="FFFFFF">
+              <a:alpha val="85000"/>
+            </a:srgbClr>
+          </a:solidFill>
+          <a:ln w="19050">
+            <a:solidFill>
+              <a:schemeClr val="accent6">
+                <a:lumMod val="60000"/>
+                <a:lumOff val="40000"/>
+              </a:schemeClr>
+            </a:solidFill>
+          </a:ln>
+        </p:spPr>
+        <p:style>
+          <a:lnRef idx="2">
+            <a:schemeClr val="accent1">
+              <a:shade val="50000"/>
+            </a:schemeClr>
+          </a:lnRef>
+          <a:fillRef idx="1">
+            <a:schemeClr val="accent1"/>
+          </a:fillRef>
+          <a:effectRef idx="0">
+            <a:schemeClr val="accent1"/>
+          </a:effectRef>
+          <a:fontRef idx="minor">
+            <a:schemeClr val="lt1"/>
+          </a:fontRef>
+        </p:style>
+        <p:txBody>
+          <a:bodyPr rtlCol="0" anchor="ctr"/>
+          <a:lstStyle/>
+          <a:p>
+            <a:pPr algn="ctr"/>
+            <a:r>
+              <a:rPr lang="de-DE" sz="1600" dirty="0">
+                <a:solidFill>
+                  <a:schemeClr val="tx1"/>
+                </a:solidFill>
+              </a:rPr>
+              <a:t>HUD on/off</a:t>
+            </a:r>
+            <a:br>
+              <a:rPr lang="de-DE" sz="4000" dirty="0">
+                <a:solidFill>
+                  <a:schemeClr val="tx1"/>
+                </a:solidFill>
+              </a:rPr>
+            </a:br>
+            <a:r>
+              <a:rPr lang="de-DE" sz="600" dirty="0" err="1">
+                <a:solidFill>
+                  <a:schemeClr val="tx1"/>
+                </a:solidFill>
+              </a:rPr>
+              <a:t>mrGearboxMogliCLUTCH</a:t>
+            </a:r>
+            <a:endParaRPr lang="en-US" sz="1200" dirty="0">
+              <a:solidFill>
+                <a:schemeClr val="tx1"/>
+              </a:solidFill>
+            </a:endParaRPr>
+          </a:p>
+        </p:txBody>
+      </p:sp>
+      <p:sp>
+        <p:nvSpPr>
+          <p:cNvPr id="25" name="Rectangle 24"/>
+          <p:cNvSpPr/>
+          <p:nvPr/>
+        </p:nvSpPr>
+        <p:spPr>
+          <a:xfrm>
+            <a:off x="7033414" y="2748767"/>
+            <a:ext cx="1188000" cy="432000"/>
+          </a:xfrm>
+          <a:prstGeom prst="rect">
+            <a:avLst/>
+          </a:prstGeom>
+          <a:solidFill>
+            <a:srgbClr val="FFFFFF">
+              <a:alpha val="85000"/>
+            </a:srgbClr>
+          </a:solidFill>
+          <a:ln w="19050">
+            <a:solidFill>
+              <a:schemeClr val="accent2">
+                <a:lumMod val="40000"/>
+                <a:lumOff val="60000"/>
+              </a:schemeClr>
+            </a:solidFill>
+          </a:ln>
+        </p:spPr>
+        <p:style>
+          <a:lnRef idx="2">
+            <a:schemeClr val="accent1">
+              <a:shade val="50000"/>
+            </a:schemeClr>
+          </a:lnRef>
+          <a:fillRef idx="1">
+            <a:schemeClr val="accent1"/>
+          </a:fillRef>
+          <a:effectRef idx="0">
+            <a:schemeClr val="accent1"/>
+          </a:effectRef>
+          <a:fontRef idx="minor">
+            <a:schemeClr val="lt1"/>
+          </a:fontRef>
+        </p:style>
+        <p:txBody>
+          <a:bodyPr rtlCol="0" anchor="ctr"/>
+          <a:lstStyle/>
+          <a:p>
+            <a:pPr algn="ctr"/>
+            <a:r>
+              <a:rPr lang="de-DE" sz="1600" dirty="0" err="1">
+                <a:solidFill>
+                  <a:schemeClr val="tx1"/>
+                </a:solidFill>
+              </a:rPr>
+              <a:t>group</a:t>
+            </a:r>
+            <a:r>
+              <a:rPr lang="de-DE" sz="1600" dirty="0">
+                <a:solidFill>
+                  <a:schemeClr val="tx1"/>
+                </a:solidFill>
+              </a:rPr>
+              <a:t> +</a:t>
+            </a:r>
+            <a:br>
+              <a:rPr lang="de-DE" sz="4000" dirty="0">
+                <a:solidFill>
+                  <a:schemeClr val="tx1"/>
+                </a:solidFill>
+              </a:rPr>
+            </a:br>
+            <a:r>
+              <a:rPr lang="de-DE" sz="600" dirty="0" err="1">
+                <a:solidFill>
+                  <a:schemeClr val="tx1"/>
+                </a:solidFill>
+              </a:rPr>
+              <a:t>mrGearboxMogliSHIFTRANGEUP</a:t>
+            </a:r>
+            <a:endParaRPr lang="en-US" sz="1100" dirty="0">
+              <a:solidFill>
+                <a:schemeClr val="tx1"/>
+              </a:solidFill>
+            </a:endParaRPr>
+          </a:p>
+        </p:txBody>
+      </p:sp>
+      <p:sp>
+        <p:nvSpPr>
+          <p:cNvPr id="26" name="Rectangle 25"/>
+          <p:cNvSpPr/>
+          <p:nvPr/>
+        </p:nvSpPr>
+        <p:spPr>
+          <a:xfrm>
+            <a:off x="7030336" y="3279239"/>
+            <a:ext cx="1188000" cy="432000"/>
+          </a:xfrm>
+          <a:prstGeom prst="rect">
+            <a:avLst/>
+          </a:prstGeom>
+          <a:solidFill>
+            <a:srgbClr val="FFFFFF">
+              <a:alpha val="85000"/>
+            </a:srgbClr>
+          </a:solidFill>
+          <a:ln w="19050">
+            <a:solidFill>
+              <a:schemeClr val="accent2"/>
+            </a:solidFill>
+          </a:ln>
+        </p:spPr>
+        <p:style>
+          <a:lnRef idx="2">
+            <a:schemeClr val="accent1">
+              <a:shade val="50000"/>
+            </a:schemeClr>
+          </a:lnRef>
+          <a:fillRef idx="1">
+            <a:schemeClr val="accent1"/>
+          </a:fillRef>
+          <a:effectRef idx="0">
+            <a:schemeClr val="accent1"/>
+          </a:effectRef>
+          <a:fontRef idx="minor">
+            <a:schemeClr val="lt1"/>
+          </a:fontRef>
+        </p:style>
+        <p:txBody>
+          <a:bodyPr rtlCol="0" anchor="ctr"/>
+          <a:lstStyle/>
+          <a:p>
+            <a:pPr algn="ctr"/>
+            <a:r>
+              <a:rPr lang="de-DE" sz="1600" dirty="0" err="1">
+                <a:solidFill>
+                  <a:schemeClr val="tx1"/>
+                </a:solidFill>
+              </a:rPr>
+              <a:t>group</a:t>
+            </a:r>
+            <a:r>
+              <a:rPr lang="de-DE" sz="1600" dirty="0">
+                <a:solidFill>
+                  <a:schemeClr val="tx1"/>
+                </a:solidFill>
+              </a:rPr>
+              <a:t> -</a:t>
+            </a:r>
+            <a:br>
+              <a:rPr lang="de-DE" sz="4000" dirty="0">
+                <a:solidFill>
+                  <a:schemeClr val="tx1"/>
+                </a:solidFill>
+              </a:rPr>
+            </a:br>
+            <a:r>
+              <a:rPr lang="de-DE" sz="600" dirty="0" err="1">
+                <a:solidFill>
+                  <a:schemeClr val="tx1"/>
+                </a:solidFill>
+              </a:rPr>
+              <a:t>mrGearboxMogliSHIFTRANGEDOWN</a:t>
+            </a:r>
+            <a:endParaRPr lang="en-US" sz="1600" dirty="0">
+              <a:solidFill>
+                <a:schemeClr val="tx1"/>
+              </a:solidFill>
+            </a:endParaRPr>
+          </a:p>
+        </p:txBody>
+      </p:sp>
+      <p:cxnSp>
+        <p:nvCxnSpPr>
+          <p:cNvPr id="29" name="Straight Connector 28"/>
+          <p:cNvCxnSpPr>
+            <a:stCxn id="10" idx="3"/>
+            <a:endCxn id="11" idx="1"/>
+          </p:cNvCxnSpPr>
+          <p:nvPr/>
+        </p:nvCxnSpPr>
+        <p:spPr>
+          <a:xfrm>
+            <a:off x="5467173" y="3095005"/>
+            <a:ext cx="663818" cy="515969"/>
+          </a:xfrm>
+          <a:prstGeom prst="line">
+            <a:avLst/>
+          </a:prstGeom>
+          <a:ln w="19050">
+            <a:solidFill>
+              <a:schemeClr val="accent5"/>
+            </a:solidFill>
+          </a:ln>
+        </p:spPr>
+        <p:style>
+          <a:lnRef idx="1">
+            <a:schemeClr val="accent1"/>
+          </a:lnRef>
+          <a:fillRef idx="0">
+            <a:schemeClr val="accent1"/>
+          </a:fillRef>
+          <a:effectRef idx="0">
+            <a:schemeClr val="accent1"/>
+          </a:effectRef>
+          <a:fontRef idx="minor">
+            <a:schemeClr val="tx1"/>
+          </a:fontRef>
+        </p:style>
+      </p:cxnSp>
+      <p:cxnSp>
+        <p:nvCxnSpPr>
+          <p:cNvPr id="30" name="Straight Connector 29"/>
+          <p:cNvCxnSpPr>
+            <a:stCxn id="6" idx="3"/>
+            <a:endCxn id="9" idx="1"/>
+          </p:cNvCxnSpPr>
+          <p:nvPr/>
+        </p:nvCxnSpPr>
+        <p:spPr>
+          <a:xfrm>
+            <a:off x="5462658" y="2567031"/>
+            <a:ext cx="543287" cy="617783"/>
+          </a:xfrm>
+          <a:prstGeom prst="line">
+            <a:avLst/>
+          </a:prstGeom>
+          <a:ln w="19050">
+            <a:solidFill>
+              <a:schemeClr val="accent5">
+                <a:lumMod val="40000"/>
+                <a:lumOff val="60000"/>
+              </a:schemeClr>
+            </a:solidFill>
+          </a:ln>
+        </p:spPr>
+        <p:style>
+          <a:lnRef idx="1">
+            <a:schemeClr val="accent1"/>
+          </a:lnRef>
+          <a:fillRef idx="0">
+            <a:schemeClr val="accent1"/>
+          </a:fillRef>
+          <a:effectRef idx="0">
+            <a:schemeClr val="accent1"/>
+          </a:effectRef>
+          <a:fontRef idx="minor">
+            <a:schemeClr val="tx1"/>
+          </a:fontRef>
+        </p:style>
+      </p:cxnSp>
+      <p:cxnSp>
+        <p:nvCxnSpPr>
+          <p:cNvPr id="31" name="Straight Connector 30"/>
+          <p:cNvCxnSpPr>
+            <a:stCxn id="21" idx="2"/>
+            <a:endCxn id="13" idx="0"/>
+          </p:cNvCxnSpPr>
+          <p:nvPr/>
+        </p:nvCxnSpPr>
+        <p:spPr>
+          <a:xfrm flipH="1">
+            <a:off x="5971221" y="2369881"/>
+            <a:ext cx="166630" cy="203287"/>
+          </a:xfrm>
+          <a:prstGeom prst="line">
+            <a:avLst/>
+          </a:prstGeom>
+          <a:ln w="19050">
+            <a:solidFill>
+              <a:schemeClr val="accent4">
+                <a:lumMod val="20000"/>
+                <a:lumOff val="80000"/>
+              </a:schemeClr>
+            </a:solidFill>
+          </a:ln>
+        </p:spPr>
+        <p:style>
+          <a:lnRef idx="1">
+            <a:schemeClr val="accent1"/>
+          </a:lnRef>
+          <a:fillRef idx="0">
+            <a:schemeClr val="accent1"/>
+          </a:fillRef>
+          <a:effectRef idx="0">
+            <a:schemeClr val="accent1"/>
+          </a:effectRef>
+          <a:fontRef idx="minor">
+            <a:schemeClr val="tx1"/>
+          </a:fontRef>
+        </p:style>
+      </p:cxnSp>
+      <p:cxnSp>
+        <p:nvCxnSpPr>
+          <p:cNvPr id="32" name="Straight Connector 31"/>
+          <p:cNvCxnSpPr>
+            <a:stCxn id="22" idx="2"/>
+          </p:cNvCxnSpPr>
+          <p:nvPr/>
+        </p:nvCxnSpPr>
+        <p:spPr>
+          <a:xfrm flipH="1">
+            <a:off x="7091987" y="2369881"/>
+            <a:ext cx="515266" cy="225059"/>
+          </a:xfrm>
+          <a:prstGeom prst="line">
+            <a:avLst/>
+          </a:prstGeom>
+          <a:ln w="19050">
+            <a:solidFill>
+              <a:schemeClr val="accent4"/>
+            </a:solidFill>
+          </a:ln>
+        </p:spPr>
+        <p:style>
+          <a:lnRef idx="1">
+            <a:schemeClr val="accent1"/>
+          </a:lnRef>
+          <a:fillRef idx="0">
+            <a:schemeClr val="accent1"/>
+          </a:fillRef>
+          <a:effectRef idx="0">
+            <a:schemeClr val="accent1"/>
+          </a:effectRef>
+          <a:fontRef idx="minor">
+            <a:schemeClr val="tx1"/>
+          </a:fontRef>
+        </p:style>
+      </p:cxnSp>
+      <p:cxnSp>
+        <p:nvCxnSpPr>
+          <p:cNvPr id="33" name="Straight Connector 32"/>
+          <p:cNvCxnSpPr>
+            <a:stCxn id="16" idx="3"/>
+            <a:endCxn id="25" idx="1"/>
+          </p:cNvCxnSpPr>
+          <p:nvPr/>
+        </p:nvCxnSpPr>
+        <p:spPr>
+          <a:xfrm flipV="1">
+            <a:off x="6799473" y="2964767"/>
+            <a:ext cx="233941" cy="224711"/>
+          </a:xfrm>
+          <a:prstGeom prst="line">
+            <a:avLst/>
+          </a:prstGeom>
+          <a:ln w="19050">
+            <a:solidFill>
+              <a:schemeClr val="accent2">
+                <a:lumMod val="40000"/>
+                <a:lumOff val="60000"/>
+              </a:schemeClr>
+            </a:solidFill>
+          </a:ln>
+        </p:spPr>
+        <p:style>
+          <a:lnRef idx="1">
+            <a:schemeClr val="accent1"/>
+          </a:lnRef>
+          <a:fillRef idx="0">
+            <a:schemeClr val="accent1"/>
+          </a:fillRef>
+          <a:effectRef idx="0">
+            <a:schemeClr val="accent1"/>
+          </a:effectRef>
+          <a:fontRef idx="minor">
+            <a:schemeClr val="tx1"/>
+          </a:fontRef>
+        </p:style>
+      </p:cxnSp>
+      <p:cxnSp>
+        <p:nvCxnSpPr>
+          <p:cNvPr id="34" name="Straight Connector 33"/>
+          <p:cNvCxnSpPr>
+            <a:stCxn id="19" idx="3"/>
+            <a:endCxn id="26" idx="1"/>
+          </p:cNvCxnSpPr>
+          <p:nvPr/>
+        </p:nvCxnSpPr>
+        <p:spPr>
+          <a:xfrm flipV="1">
+            <a:off x="6917681" y="3495239"/>
+            <a:ext cx="112655" cy="117069"/>
+          </a:xfrm>
+          <a:prstGeom prst="line">
+            <a:avLst/>
+          </a:prstGeom>
+          <a:ln w="19050">
+            <a:solidFill>
+              <a:schemeClr val="accent2"/>
+            </a:solidFill>
+          </a:ln>
+        </p:spPr>
+        <p:style>
+          <a:lnRef idx="1">
+            <a:schemeClr val="accent1"/>
+          </a:lnRef>
+          <a:fillRef idx="0">
+            <a:schemeClr val="accent1"/>
+          </a:fillRef>
+          <a:effectRef idx="0">
+            <a:schemeClr val="accent1"/>
+          </a:effectRef>
+          <a:fontRef idx="minor">
+            <a:schemeClr val="tx1"/>
+          </a:fontRef>
+        </p:style>
+      </p:cxnSp>
+      <p:cxnSp>
+        <p:nvCxnSpPr>
+          <p:cNvPr id="35" name="Straight Connector 34"/>
+          <p:cNvCxnSpPr>
+            <a:stCxn id="17" idx="2"/>
+            <a:endCxn id="24" idx="0"/>
+          </p:cNvCxnSpPr>
+          <p:nvPr/>
+        </p:nvCxnSpPr>
+        <p:spPr>
+          <a:xfrm>
+            <a:off x="6105458" y="4228389"/>
+            <a:ext cx="1527523" cy="142165"/>
+          </a:xfrm>
+          <a:prstGeom prst="line">
+            <a:avLst/>
+          </a:prstGeom>
+          <a:ln w="19050">
+            <a:solidFill>
+              <a:schemeClr val="accent6">
+                <a:lumMod val="60000"/>
+                <a:lumOff val="40000"/>
+              </a:schemeClr>
+            </a:solidFill>
+          </a:ln>
+        </p:spPr>
+        <p:style>
+          <a:lnRef idx="1">
+            <a:schemeClr val="accent1"/>
+          </a:lnRef>
+          <a:fillRef idx="0">
+            <a:schemeClr val="accent1"/>
+          </a:fillRef>
+          <a:effectRef idx="0">
+            <a:schemeClr val="accent1"/>
+          </a:effectRef>
+          <a:fontRef idx="minor">
+            <a:schemeClr val="tx1"/>
+          </a:fontRef>
+        </p:style>
+      </p:cxnSp>
+      <p:cxnSp>
+        <p:nvCxnSpPr>
+          <p:cNvPr id="38" name="Straight Connector 37"/>
+          <p:cNvCxnSpPr>
+            <a:stCxn id="23" idx="0"/>
+            <a:endCxn id="18" idx="2"/>
+          </p:cNvCxnSpPr>
+          <p:nvPr/>
+        </p:nvCxnSpPr>
+        <p:spPr>
+          <a:xfrm flipH="1" flipV="1">
+            <a:off x="5678897" y="4228389"/>
+            <a:ext cx="690730" cy="142165"/>
+          </a:xfrm>
+          <a:prstGeom prst="line">
+            <a:avLst/>
+          </a:prstGeom>
+          <a:ln w="19050">
+            <a:solidFill>
+              <a:schemeClr val="accent6"/>
+            </a:solidFill>
+          </a:ln>
+        </p:spPr>
+        <p:style>
+          <a:lnRef idx="1">
+            <a:schemeClr val="accent1"/>
+          </a:lnRef>
+          <a:fillRef idx="0">
+            <a:schemeClr val="accent1"/>
+          </a:fillRef>
+          <a:effectRef idx="0">
+            <a:schemeClr val="accent1"/>
+          </a:effectRef>
+          <a:fontRef idx="minor">
+            <a:schemeClr val="tx1"/>
+          </a:fontRef>
+        </p:style>
+      </p:cxnSp>
+      <p:cxnSp>
+        <p:nvCxnSpPr>
+          <p:cNvPr id="39" name="Straight Connector 38"/>
+          <p:cNvCxnSpPr>
+            <a:stCxn id="20" idx="3"/>
+            <a:endCxn id="12" idx="1"/>
+          </p:cNvCxnSpPr>
+          <p:nvPr/>
+        </p:nvCxnSpPr>
+        <p:spPr>
+          <a:xfrm>
+            <a:off x="5467173" y="3591087"/>
+            <a:ext cx="234993" cy="23307"/>
+          </a:xfrm>
+          <a:prstGeom prst="line">
+            <a:avLst/>
+          </a:prstGeom>
+          <a:ln w="19050">
+            <a:solidFill>
+              <a:srgbClr val="C00000"/>
+            </a:solidFill>
+          </a:ln>
+        </p:spPr>
+        <p:style>
+          <a:lnRef idx="1">
+            <a:schemeClr val="accent1"/>
+          </a:lnRef>
+          <a:fillRef idx="0">
+            <a:schemeClr val="accent1"/>
+          </a:fillRef>
+          <a:effectRef idx="0">
+            <a:schemeClr val="accent1"/>
+          </a:effectRef>
+          <a:fontRef idx="minor">
+            <a:schemeClr val="tx1"/>
+          </a:fontRef>
+        </p:style>
+      </p:cxnSp>
+      <p:sp>
+        <p:nvSpPr>
+          <p:cNvPr id="56" name="Rectangle 55"/>
+          <p:cNvSpPr/>
+          <p:nvPr/>
+        </p:nvSpPr>
+        <p:spPr>
+          <a:xfrm>
+            <a:off x="2823923" y="1916109"/>
+            <a:ext cx="1332000" cy="432000"/>
+          </a:xfrm>
+          <a:prstGeom prst="rect">
+            <a:avLst/>
+          </a:prstGeom>
+          <a:solidFill>
+            <a:srgbClr val="FFFFFF">
+              <a:alpha val="85000"/>
+            </a:srgbClr>
+          </a:solidFill>
+          <a:ln w="19050">
+            <a:solidFill>
+              <a:schemeClr val="tx1">
+                <a:lumMod val="50000"/>
+                <a:lumOff val="50000"/>
+              </a:schemeClr>
+            </a:solidFill>
+          </a:ln>
+        </p:spPr>
+        <p:style>
+          <a:lnRef idx="2">
+            <a:schemeClr val="accent1">
+              <a:shade val="50000"/>
+            </a:schemeClr>
+          </a:lnRef>
+          <a:fillRef idx="1">
+            <a:schemeClr val="accent1"/>
+          </a:fillRef>
+          <a:effectRef idx="0">
+            <a:schemeClr val="accent1"/>
+          </a:effectRef>
+          <a:fontRef idx="minor">
+            <a:schemeClr val="lt1"/>
+          </a:fontRef>
+        </p:style>
+        <p:txBody>
+          <a:bodyPr rtlCol="0" anchor="ctr"/>
+          <a:lstStyle/>
+          <a:p>
+            <a:pPr algn="ctr"/>
+            <a:r>
+              <a:rPr lang="de-DE" sz="1600" dirty="0" err="1">
+                <a:solidFill>
+                  <a:schemeClr val="tx1"/>
+                </a:solidFill>
+              </a:rPr>
+              <a:t>tempomat</a:t>
+            </a:r>
+            <a:r>
+              <a:rPr lang="de-DE" sz="1600" dirty="0">
+                <a:solidFill>
+                  <a:schemeClr val="tx1"/>
+                </a:solidFill>
+              </a:rPr>
+              <a:t> +</a:t>
+            </a:r>
+            <a:br>
+              <a:rPr lang="de-DE" sz="4000" dirty="0">
+                <a:solidFill>
+                  <a:schemeClr val="tx1"/>
+                </a:solidFill>
+              </a:rPr>
+            </a:br>
+            <a:r>
+              <a:rPr lang="de-DE" sz="600" dirty="0">
+                <a:solidFill>
+                  <a:schemeClr val="tx1"/>
+                </a:solidFill>
+              </a:rPr>
+              <a:t>AXIS_CRUISE_CONTROL</a:t>
+            </a:r>
+            <a:endParaRPr lang="en-US" sz="1200" dirty="0">
+              <a:solidFill>
+                <a:schemeClr val="tx1"/>
+              </a:solidFill>
+            </a:endParaRPr>
+          </a:p>
+        </p:txBody>
+      </p:sp>
+      <p:sp>
+        <p:nvSpPr>
+          <p:cNvPr id="57" name="Rectangle 56"/>
+          <p:cNvSpPr/>
+          <p:nvPr/>
+        </p:nvSpPr>
+        <p:spPr>
+          <a:xfrm>
+            <a:off x="1357784" y="1916109"/>
+            <a:ext cx="1332000" cy="432000"/>
+          </a:xfrm>
+          <a:prstGeom prst="rect">
+            <a:avLst/>
+          </a:prstGeom>
+          <a:solidFill>
+            <a:srgbClr val="FFFFFF">
+              <a:alpha val="85000"/>
+            </a:srgbClr>
+          </a:solidFill>
+          <a:ln w="19050">
+            <a:solidFill>
+              <a:schemeClr val="bg1">
+                <a:lumMod val="75000"/>
+              </a:schemeClr>
+            </a:solidFill>
+          </a:ln>
+        </p:spPr>
+        <p:style>
+          <a:lnRef idx="2">
+            <a:schemeClr val="accent1">
+              <a:shade val="50000"/>
+            </a:schemeClr>
+          </a:lnRef>
+          <a:fillRef idx="1">
+            <a:schemeClr val="accent1"/>
+          </a:fillRef>
+          <a:effectRef idx="0">
+            <a:schemeClr val="accent1"/>
+          </a:effectRef>
+          <a:fontRef idx="minor">
+            <a:schemeClr val="lt1"/>
+          </a:fontRef>
+        </p:style>
+        <p:txBody>
+          <a:bodyPr rtlCol="0" anchor="ctr"/>
+          <a:lstStyle/>
+          <a:p>
+            <a:pPr algn="ctr"/>
+            <a:r>
+              <a:rPr lang="de-DE" sz="1600" dirty="0" err="1">
+                <a:solidFill>
+                  <a:schemeClr val="tx1"/>
+                </a:solidFill>
+              </a:rPr>
+              <a:t>tempomat</a:t>
+            </a:r>
+            <a:r>
+              <a:rPr lang="de-DE" sz="1600" dirty="0">
+                <a:solidFill>
+                  <a:schemeClr val="tx1"/>
+                </a:solidFill>
+              </a:rPr>
+              <a:t> -</a:t>
+            </a:r>
+            <a:br>
+              <a:rPr lang="de-DE" sz="4000" dirty="0">
+                <a:solidFill>
+                  <a:schemeClr val="tx1"/>
+                </a:solidFill>
+              </a:rPr>
+            </a:br>
+            <a:r>
+              <a:rPr lang="de-DE" sz="600" dirty="0">
+                <a:solidFill>
+                  <a:schemeClr val="tx1"/>
+                </a:solidFill>
+              </a:rPr>
+              <a:t>AXIS_CRUISE_CONTROL</a:t>
+            </a:r>
+            <a:endParaRPr lang="en-US" sz="1200" dirty="0">
+              <a:solidFill>
+                <a:schemeClr val="tx1"/>
+              </a:solidFill>
+            </a:endParaRPr>
+          </a:p>
+        </p:txBody>
+      </p:sp>
+      <p:cxnSp>
+        <p:nvCxnSpPr>
+          <p:cNvPr id="59" name="Straight Connector 58"/>
+          <p:cNvCxnSpPr>
+            <a:stCxn id="57" idx="2"/>
+            <a:endCxn id="62" idx="0"/>
+          </p:cNvCxnSpPr>
+          <p:nvPr/>
+        </p:nvCxnSpPr>
+        <p:spPr>
+          <a:xfrm>
+            <a:off x="2023784" y="2348109"/>
+            <a:ext cx="18025" cy="218603"/>
+          </a:xfrm>
+          <a:prstGeom prst="line">
+            <a:avLst/>
+          </a:prstGeom>
+          <a:ln w="19050">
+            <a:solidFill>
+              <a:schemeClr val="bg1">
+                <a:lumMod val="75000"/>
+              </a:schemeClr>
+            </a:solidFill>
+          </a:ln>
+        </p:spPr>
+        <p:style>
+          <a:lnRef idx="1">
+            <a:schemeClr val="accent1"/>
+          </a:lnRef>
+          <a:fillRef idx="0">
+            <a:schemeClr val="accent1"/>
+          </a:fillRef>
+          <a:effectRef idx="0">
+            <a:schemeClr val="accent1"/>
+          </a:effectRef>
+          <a:fontRef idx="minor">
+            <a:schemeClr val="tx1"/>
+          </a:fontRef>
+        </p:style>
+      </p:cxnSp>
+      <p:cxnSp>
+        <p:nvCxnSpPr>
+          <p:cNvPr id="60" name="Straight Connector 59"/>
+          <p:cNvCxnSpPr>
+            <a:stCxn id="56" idx="2"/>
+            <a:endCxn id="63" idx="0"/>
+          </p:cNvCxnSpPr>
+          <p:nvPr/>
+        </p:nvCxnSpPr>
+        <p:spPr>
+          <a:xfrm flipH="1">
+            <a:off x="2474008" y="2348109"/>
+            <a:ext cx="1015915" cy="222356"/>
+          </a:xfrm>
+          <a:prstGeom prst="line">
+            <a:avLst/>
+          </a:prstGeom>
+          <a:ln w="19050">
+            <a:solidFill>
+              <a:schemeClr val="tx1">
+                <a:lumMod val="50000"/>
+                <a:lumOff val="50000"/>
+              </a:schemeClr>
+            </a:solidFill>
+          </a:ln>
+        </p:spPr>
+        <p:style>
+          <a:lnRef idx="1">
+            <a:schemeClr val="accent1"/>
+          </a:lnRef>
+          <a:fillRef idx="0">
+            <a:schemeClr val="accent1"/>
+          </a:fillRef>
+          <a:effectRef idx="0">
+            <a:schemeClr val="accent1"/>
+          </a:effectRef>
+          <a:fontRef idx="minor">
+            <a:schemeClr val="tx1"/>
+          </a:fontRef>
+        </p:style>
+      </p:cxnSp>
+      <p:sp>
+        <p:nvSpPr>
+          <p:cNvPr id="62" name="Rectangle 61"/>
+          <p:cNvSpPr/>
+          <p:nvPr/>
+        </p:nvSpPr>
+        <p:spPr>
+          <a:xfrm>
+            <a:off x="1859968" y="2566712"/>
+            <a:ext cx="363682" cy="363683"/>
+          </a:xfrm>
+          <a:prstGeom prst="rect">
+            <a:avLst/>
+          </a:prstGeom>
+          <a:noFill/>
+          <a:ln w="19050">
+            <a:solidFill>
+              <a:schemeClr val="bg1">
+                <a:lumMod val="75000"/>
+              </a:schemeClr>
+            </a:solidFill>
+          </a:ln>
+        </p:spPr>
+        <p:style>
+          <a:lnRef idx="2">
+            <a:schemeClr val="accent1">
+              <a:shade val="50000"/>
+            </a:schemeClr>
+          </a:lnRef>
+          <a:fillRef idx="1">
+            <a:schemeClr val="accent1"/>
+          </a:fillRef>
+          <a:effectRef idx="0">
+            <a:schemeClr val="accent1"/>
+          </a:effectRef>
+          <a:fontRef idx="minor">
+            <a:schemeClr val="lt1"/>
+          </a:fontRef>
+        </p:style>
+        <p:txBody>
+          <a:bodyPr rot="0" spcFirstLastPara="0" vertOverflow="overflow" horzOverflow="overflow" vert="horz" wrap="square" lIns="91440" tIns="45720" rIns="91440" bIns="45720" numCol="1" spcCol="0" rtlCol="0" fromWordArt="0" anchor="ctr" anchorCtr="0" forceAA="0" compatLnSpc="1">
+            <a:prstTxWarp prst="textNoShape">
+              <a:avLst/>
+            </a:prstTxWarp>
+            <a:noAutofit/>
+          </a:bodyPr>
+          <a:lstStyle/>
+          <a:p>
+            <a:pPr algn="ctr"/>
+            <a:endParaRPr lang="en-US" sz="1600" dirty="0">
+              <a:solidFill>
+                <a:schemeClr val="tx1"/>
+              </a:solidFill>
+            </a:endParaRPr>
+          </a:p>
+        </p:txBody>
+      </p:sp>
+      <p:sp>
+        <p:nvSpPr>
+          <p:cNvPr id="63" name="Rectangle 62"/>
+          <p:cNvSpPr/>
+          <p:nvPr/>
+        </p:nvSpPr>
+        <p:spPr>
+          <a:xfrm>
+            <a:off x="2292167" y="2570465"/>
+            <a:ext cx="363682" cy="363683"/>
+          </a:xfrm>
+          <a:prstGeom prst="rect">
+            <a:avLst/>
+          </a:prstGeom>
+          <a:noFill/>
+          <a:ln w="19050">
+            <a:solidFill>
+              <a:schemeClr val="tx1">
+                <a:lumMod val="50000"/>
+                <a:lumOff val="50000"/>
+              </a:schemeClr>
+            </a:solidFill>
+          </a:ln>
+        </p:spPr>
+        <p:style>
+          <a:lnRef idx="2">
+            <a:schemeClr val="accent1">
+              <a:shade val="50000"/>
+            </a:schemeClr>
+          </a:lnRef>
+          <a:fillRef idx="1">
+            <a:schemeClr val="accent1"/>
+          </a:fillRef>
+          <a:effectRef idx="0">
+            <a:schemeClr val="accent1"/>
+          </a:effectRef>
+          <a:fontRef idx="minor">
+            <a:schemeClr val="lt1"/>
+          </a:fontRef>
+        </p:style>
+        <p:txBody>
+          <a:bodyPr rot="0" spcFirstLastPara="0" vertOverflow="overflow" horzOverflow="overflow" vert="horz" wrap="square" lIns="91440" tIns="45720" rIns="91440" bIns="45720" numCol="1" spcCol="0" rtlCol="0" fromWordArt="0" anchor="ctr" anchorCtr="0" forceAA="0" compatLnSpc="1">
+            <a:prstTxWarp prst="textNoShape">
+              <a:avLst/>
+            </a:prstTxWarp>
+            <a:noAutofit/>
+          </a:bodyPr>
+          <a:lstStyle/>
+          <a:p>
+            <a:pPr algn="ctr"/>
+            <a:endParaRPr lang="en-US" sz="1600" dirty="0">
+              <a:solidFill>
+                <a:schemeClr val="tx1"/>
+              </a:solidFill>
+            </a:endParaRPr>
+          </a:p>
+        </p:txBody>
+      </p:sp>
+      <p:sp>
+        <p:nvSpPr>
+          <p:cNvPr id="37" name="Rectangle 36"/>
+          <p:cNvSpPr/>
+          <p:nvPr/>
+        </p:nvSpPr>
+        <p:spPr>
+          <a:xfrm>
+            <a:off x="1557650" y="3063239"/>
+            <a:ext cx="1332000" cy="594000"/>
+          </a:xfrm>
+          <a:prstGeom prst="rect">
+            <a:avLst/>
+          </a:prstGeom>
+          <a:solidFill>
+            <a:srgbClr val="FFFFFF">
+              <a:alpha val="85000"/>
+            </a:srgbClr>
+          </a:solidFill>
+          <a:ln w="19050">
+            <a:solidFill>
+              <a:schemeClr val="tx2">
+                <a:lumMod val="60000"/>
+                <a:lumOff val="40000"/>
+              </a:schemeClr>
+            </a:solidFill>
+          </a:ln>
+        </p:spPr>
+        <p:style>
+          <a:lnRef idx="2">
+            <a:schemeClr val="accent1">
+              <a:shade val="50000"/>
+            </a:schemeClr>
+          </a:lnRef>
+          <a:fillRef idx="1">
+            <a:schemeClr val="accent1"/>
+          </a:fillRef>
+          <a:effectRef idx="0">
+            <a:schemeClr val="accent1"/>
+          </a:effectRef>
+          <a:fontRef idx="minor">
+            <a:schemeClr val="lt1"/>
+          </a:fontRef>
+        </p:style>
+        <p:txBody>
+          <a:bodyPr rtlCol="0" anchor="ctr"/>
+          <a:lstStyle/>
+          <a:p>
+            <a:pPr algn="ctr"/>
+            <a:r>
+              <a:rPr lang="de-DE" sz="1600" dirty="0" err="1">
+                <a:solidFill>
+                  <a:schemeClr val="tx1"/>
+                </a:solidFill>
+              </a:rPr>
+              <a:t>tempomat</a:t>
+            </a:r>
+            <a:r>
+              <a:rPr lang="de-DE" sz="1600" dirty="0">
+                <a:solidFill>
+                  <a:schemeClr val="tx1"/>
+                </a:solidFill>
+              </a:rPr>
+              <a:t> on/off</a:t>
+            </a:r>
+            <a:br>
+              <a:rPr lang="de-DE" sz="4000" dirty="0">
+                <a:solidFill>
+                  <a:schemeClr val="tx1"/>
+                </a:solidFill>
+              </a:rPr>
+            </a:br>
+            <a:r>
+              <a:rPr lang="de-DE" sz="600" dirty="0">
+                <a:solidFill>
+                  <a:schemeClr val="tx1"/>
+                </a:solidFill>
+              </a:rPr>
+              <a:t>AXIS_CRUISE_CONTROL</a:t>
+            </a:r>
+            <a:endParaRPr lang="en-US" sz="1200" dirty="0">
+              <a:solidFill>
+                <a:schemeClr val="tx1"/>
+              </a:solidFill>
+            </a:endParaRPr>
+          </a:p>
+        </p:txBody>
+      </p:sp>
+      <p:sp>
+        <p:nvSpPr>
+          <p:cNvPr id="40" name="Rectangle 39"/>
+          <p:cNvSpPr/>
+          <p:nvPr/>
+        </p:nvSpPr>
+        <p:spPr>
+          <a:xfrm>
+            <a:off x="2719748" y="2572084"/>
+            <a:ext cx="363682" cy="363683"/>
+          </a:xfrm>
+          <a:prstGeom prst="rect">
+            <a:avLst/>
+          </a:prstGeom>
+          <a:noFill/>
+          <a:ln w="19050">
+            <a:solidFill>
+              <a:schemeClr val="tx2">
+                <a:lumMod val="60000"/>
+                <a:lumOff val="40000"/>
+              </a:schemeClr>
+            </a:solidFill>
+          </a:ln>
+        </p:spPr>
+        <p:style>
+          <a:lnRef idx="2">
+            <a:schemeClr val="accent1">
+              <a:shade val="50000"/>
+            </a:schemeClr>
+          </a:lnRef>
+          <a:fillRef idx="1">
+            <a:schemeClr val="accent1"/>
+          </a:fillRef>
+          <a:effectRef idx="0">
+            <a:schemeClr val="accent1"/>
+          </a:effectRef>
+          <a:fontRef idx="minor">
+            <a:schemeClr val="lt1"/>
+          </a:fontRef>
+        </p:style>
+        <p:txBody>
+          <a:bodyPr rot="0" spcFirstLastPara="0" vertOverflow="overflow" horzOverflow="overflow" vert="horz" wrap="square" lIns="91440" tIns="45720" rIns="91440" bIns="45720" numCol="1" spcCol="0" rtlCol="0" fromWordArt="0" anchor="ctr" anchorCtr="0" forceAA="0" compatLnSpc="1">
+            <a:prstTxWarp prst="textNoShape">
+              <a:avLst/>
+            </a:prstTxWarp>
+            <a:noAutofit/>
+          </a:bodyPr>
+          <a:lstStyle/>
+          <a:p>
+            <a:pPr algn="ctr"/>
+            <a:endParaRPr lang="en-US" sz="1600" dirty="0">
+              <a:solidFill>
+                <a:schemeClr val="tx1"/>
+              </a:solidFill>
+            </a:endParaRPr>
+          </a:p>
+        </p:txBody>
+      </p:sp>
+      <p:sp>
+        <p:nvSpPr>
+          <p:cNvPr id="41" name="Rectangle 40"/>
+          <p:cNvSpPr/>
+          <p:nvPr/>
+        </p:nvSpPr>
+        <p:spPr>
+          <a:xfrm>
+            <a:off x="3155176" y="2573168"/>
+            <a:ext cx="363682" cy="363683"/>
+          </a:xfrm>
+          <a:prstGeom prst="rect">
+            <a:avLst/>
+          </a:prstGeom>
+          <a:noFill/>
+          <a:ln w="19050">
+            <a:solidFill>
+              <a:schemeClr val="tx2"/>
+            </a:solidFill>
+          </a:ln>
+        </p:spPr>
+        <p:style>
+          <a:lnRef idx="2">
+            <a:schemeClr val="accent1">
+              <a:shade val="50000"/>
+            </a:schemeClr>
+          </a:lnRef>
+          <a:fillRef idx="1">
+            <a:schemeClr val="accent1"/>
+          </a:fillRef>
+          <a:effectRef idx="0">
+            <a:schemeClr val="accent1"/>
+          </a:effectRef>
+          <a:fontRef idx="minor">
+            <a:schemeClr val="lt1"/>
+          </a:fontRef>
+        </p:style>
+        <p:txBody>
+          <a:bodyPr rot="0" spcFirstLastPara="0" vertOverflow="overflow" horzOverflow="overflow" vert="horz" wrap="square" lIns="91440" tIns="45720" rIns="91440" bIns="45720" numCol="1" spcCol="0" rtlCol="0" fromWordArt="0" anchor="ctr" anchorCtr="0" forceAA="0" compatLnSpc="1">
+            <a:prstTxWarp prst="textNoShape">
+              <a:avLst/>
+            </a:prstTxWarp>
+            <a:noAutofit/>
+          </a:bodyPr>
+          <a:lstStyle/>
+          <a:p>
+            <a:pPr algn="ctr"/>
+            <a:endParaRPr lang="en-US" sz="1600" dirty="0">
+              <a:solidFill>
+                <a:schemeClr val="tx1"/>
+              </a:solidFill>
+            </a:endParaRPr>
+          </a:p>
+        </p:txBody>
+      </p:sp>
+      <p:cxnSp>
+        <p:nvCxnSpPr>
+          <p:cNvPr id="42" name="Straight Connector 41"/>
+          <p:cNvCxnSpPr>
+            <a:stCxn id="40" idx="2"/>
+            <a:endCxn id="37" idx="0"/>
+          </p:cNvCxnSpPr>
+          <p:nvPr/>
+        </p:nvCxnSpPr>
+        <p:spPr>
+          <a:xfrm flipH="1">
+            <a:off x="2223650" y="2935767"/>
+            <a:ext cx="677939" cy="127472"/>
+          </a:xfrm>
+          <a:prstGeom prst="line">
+            <a:avLst/>
+          </a:prstGeom>
+          <a:ln w="19050">
+            <a:solidFill>
+              <a:schemeClr val="tx2">
+                <a:lumMod val="60000"/>
+                <a:lumOff val="40000"/>
+              </a:schemeClr>
+            </a:solidFill>
+          </a:ln>
+        </p:spPr>
+        <p:style>
+          <a:lnRef idx="1">
+            <a:schemeClr val="accent1"/>
+          </a:lnRef>
+          <a:fillRef idx="0">
+            <a:schemeClr val="accent1"/>
+          </a:fillRef>
+          <a:effectRef idx="0">
+            <a:schemeClr val="accent1"/>
+          </a:effectRef>
+          <a:fontRef idx="minor">
+            <a:schemeClr val="tx1"/>
+          </a:fontRef>
+        </p:style>
+      </p:cxnSp>
+      <p:sp>
+        <p:nvSpPr>
+          <p:cNvPr id="43" name="Rectangle 42"/>
+          <p:cNvSpPr/>
+          <p:nvPr/>
+        </p:nvSpPr>
+        <p:spPr>
+          <a:xfrm>
+            <a:off x="2998212" y="3063239"/>
+            <a:ext cx="1332000" cy="594000"/>
+          </a:xfrm>
+          <a:prstGeom prst="rect">
+            <a:avLst/>
+          </a:prstGeom>
+          <a:solidFill>
+            <a:srgbClr val="FFFFFF">
+              <a:alpha val="85000"/>
+            </a:srgbClr>
+          </a:solidFill>
+          <a:ln w="19050">
+            <a:solidFill>
+              <a:schemeClr val="tx2"/>
+            </a:solidFill>
+          </a:ln>
+        </p:spPr>
+        <p:style>
+          <a:lnRef idx="2">
+            <a:schemeClr val="accent1">
+              <a:shade val="50000"/>
+            </a:schemeClr>
+          </a:lnRef>
+          <a:fillRef idx="1">
+            <a:schemeClr val="accent1"/>
+          </a:fillRef>
+          <a:effectRef idx="0">
+            <a:schemeClr val="accent1"/>
+          </a:effectRef>
+          <a:fontRef idx="minor">
+            <a:schemeClr val="lt1"/>
+          </a:fontRef>
+        </p:style>
+        <p:txBody>
+          <a:bodyPr rtlCol="0" anchor="ctr"/>
+          <a:lstStyle/>
+          <a:p>
+            <a:pPr algn="ctr"/>
+            <a:r>
+              <a:rPr lang="de-DE" sz="1600" dirty="0" err="1">
+                <a:solidFill>
+                  <a:schemeClr val="tx1"/>
+                </a:solidFill>
+              </a:rPr>
+              <a:t>tempomat</a:t>
+            </a:r>
+            <a:r>
+              <a:rPr lang="de-DE" sz="1600" dirty="0">
+                <a:solidFill>
+                  <a:schemeClr val="tx1"/>
+                </a:solidFill>
+              </a:rPr>
+              <a:t> </a:t>
+            </a:r>
+            <a:r>
+              <a:rPr lang="de-DE" sz="1600" dirty="0" err="1">
+                <a:solidFill>
+                  <a:schemeClr val="tx1"/>
+                </a:solidFill>
+              </a:rPr>
+              <a:t>speed</a:t>
+            </a:r>
+            <a:r>
+              <a:rPr lang="de-DE" sz="1600" dirty="0">
+                <a:solidFill>
+                  <a:schemeClr val="tx1"/>
+                </a:solidFill>
+              </a:rPr>
+              <a:t> 2</a:t>
+            </a:r>
+          </a:p>
+          <a:p>
+            <a:pPr algn="ctr"/>
+            <a:r>
+              <a:rPr lang="de-DE" sz="600" dirty="0" err="1">
+                <a:solidFill>
+                  <a:schemeClr val="tx1"/>
+                </a:solidFill>
+              </a:rPr>
+              <a:t>mrGearboxMogliSWAPSPEED</a:t>
+            </a:r>
+            <a:endParaRPr lang="en-US" sz="1200" dirty="0">
+              <a:solidFill>
+                <a:schemeClr val="tx1"/>
+              </a:solidFill>
+            </a:endParaRPr>
+          </a:p>
+        </p:txBody>
+      </p:sp>
+      <p:cxnSp>
+        <p:nvCxnSpPr>
+          <p:cNvPr id="44" name="Straight Connector 43"/>
+          <p:cNvCxnSpPr>
+            <a:stCxn id="41" idx="2"/>
+            <a:endCxn id="43" idx="0"/>
+          </p:cNvCxnSpPr>
+          <p:nvPr/>
+        </p:nvCxnSpPr>
+        <p:spPr>
+          <a:xfrm>
+            <a:off x="3337017" y="2936851"/>
+            <a:ext cx="327195" cy="126388"/>
+          </a:xfrm>
+          <a:prstGeom prst="line">
+            <a:avLst/>
+          </a:prstGeom>
+          <a:ln w="19050">
+            <a:solidFill>
+              <a:schemeClr val="tx2"/>
+            </a:solidFill>
+          </a:ln>
+        </p:spPr>
+        <p:style>
+          <a:lnRef idx="1">
+            <a:schemeClr val="accent1"/>
+          </a:lnRef>
+          <a:fillRef idx="0">
+            <a:schemeClr val="accent1"/>
+          </a:fillRef>
+          <a:effectRef idx="0">
+            <a:schemeClr val="accent1"/>
+          </a:effectRef>
+          <a:fontRef idx="minor">
+            <a:schemeClr val="tx1"/>
+          </a:fontRef>
+        </p:style>
+      </p:cxnSp>
+    </p:spTree>
+    <p:extLst>
+      <p:ext uri="{BB962C8B-B14F-4D97-AF65-F5344CB8AC3E}">
+        <p14:creationId xmlns:p14="http://schemas.microsoft.com/office/powerpoint/2010/main" val="1638327884"/>
+      </p:ext>
+    </p:extLst>
+  </p:cSld>
+  <p:clrMapOvr>
+    <a:masterClrMapping/>
+  </p:clrMapOvr>
+</p:sld>
+</file>
+
+<file path=ppt/slides/slide5.xml><?xml version="1.0" encoding="utf-8"?>
+<p:sld xmlns:a="http://schemas.openxmlformats.org/drawingml/2006/main" xmlns:r="http://schemas.openxmlformats.org/officeDocument/2006/relationships" xmlns:p="http://schemas.openxmlformats.org/presentationml/2006/main">
+  <p:cSld>
+    <p:spTree>
+      <p:nvGrpSpPr>
+        <p:cNvPr id="1" name=""/>
+        <p:cNvGrpSpPr/>
+        <p:nvPr/>
+      </p:nvGrpSpPr>
+      <p:grpSpPr>
+        <a:xfrm>
+          <a:off x="0" y="0"/>
+          <a:ext cx="0" cy="0"/>
+          <a:chOff x="0" y="0"/>
+          <a:chExt cx="0" cy="0"/>
+        </a:xfrm>
+      </p:grpSpPr>
+      <p:pic>
+        <p:nvPicPr>
+          <p:cNvPr id="45" name="Picture 2" descr="http://ascii-table.com/img/keyboard-103P.png"/>
+          <p:cNvPicPr>
+            <a:picLocks noChangeAspect="1" noChangeArrowheads="1"/>
+          </p:cNvPicPr>
+          <p:nvPr/>
+        </p:nvPicPr>
+        <p:blipFill>
+          <a:blip r:embed="rId2">
+            <a:extLst>
+              <a:ext uri="{28A0092B-C50C-407E-A947-70E740481C1C}">
+                <a14:useLocalDpi xmlns:a14="http://schemas.microsoft.com/office/drawing/2010/main" val="0"/>
+              </a:ext>
+            </a:extLst>
+          </a:blip>
+          <a:srcRect/>
+          <a:stretch>
+            <a:fillRect/>
+          </a:stretch>
+        </p:blipFill>
+        <p:spPr bwMode="auto">
+          <a:xfrm>
+            <a:off x="1324595" y="2512046"/>
+            <a:ext cx="6691355" cy="2222324"/>
+          </a:xfrm>
+          <a:prstGeom prst="rect">
+            <a:avLst/>
+          </a:prstGeom>
+          <a:noFill/>
+          <a:extLst>
+            <a:ext uri="{909E8E84-426E-40DD-AFC4-6F175D3DCCD1}">
+              <a14:hiddenFill xmlns:a14="http://schemas.microsoft.com/office/drawing/2010/main">
+                <a:solidFill>
+                  <a:srgbClr val="FFFFFF"/>
+                </a:solidFill>
+              </a14:hiddenFill>
+            </a:ext>
+          </a:extLst>
+        </p:spPr>
+      </p:pic>
+      <p:sp>
+        <p:nvSpPr>
+          <p:cNvPr id="12" name="Rectangle 11"/>
+          <p:cNvSpPr/>
+          <p:nvPr/>
+        </p:nvSpPr>
+        <p:spPr>
+          <a:xfrm>
+            <a:off x="5702166" y="3432552"/>
+            <a:ext cx="363682" cy="363683"/>
+          </a:xfrm>
+          <a:prstGeom prst="rect">
+            <a:avLst/>
+          </a:prstGeom>
+          <a:noFill/>
+          <a:ln w="19050">
+            <a:solidFill>
+              <a:srgbClr val="C00000"/>
+            </a:solidFill>
+          </a:ln>
+        </p:spPr>
+        <p:style>
+          <a:lnRef idx="2">
+            <a:schemeClr val="accent1">
+              <a:shade val="50000"/>
+            </a:schemeClr>
+          </a:lnRef>
+          <a:fillRef idx="1">
+            <a:schemeClr val="accent1"/>
+          </a:fillRef>
+          <a:effectRef idx="0">
+            <a:schemeClr val="accent1"/>
+          </a:effectRef>
+          <a:fontRef idx="minor">
+            <a:schemeClr val="lt1"/>
+          </a:fontRef>
+        </p:style>
+        <p:txBody>
+          <a:bodyPr rot="0" spcFirstLastPara="0" vertOverflow="overflow" horzOverflow="overflow" vert="horz" wrap="square" lIns="91440" tIns="45720" rIns="91440" bIns="45720" numCol="1" spcCol="0" rtlCol="0" fromWordArt="0" anchor="ctr" anchorCtr="0" forceAA="0" compatLnSpc="1">
+            <a:prstTxWarp prst="textNoShape">
+              <a:avLst/>
+            </a:prstTxWarp>
+            <a:noAutofit/>
+          </a:bodyPr>
+          <a:lstStyle/>
+          <a:p>
+            <a:pPr algn="ctr"/>
+            <a:endParaRPr lang="en-US" sz="1600" dirty="0">
+              <a:solidFill>
+                <a:schemeClr val="tx1"/>
+              </a:solidFill>
+            </a:endParaRPr>
+          </a:p>
+        </p:txBody>
+      </p:sp>
+      <p:sp>
+        <p:nvSpPr>
+          <p:cNvPr id="16" name="Rectangle 15"/>
+          <p:cNvSpPr/>
+          <p:nvPr/>
+        </p:nvSpPr>
+        <p:spPr>
+          <a:xfrm>
+            <a:off x="6435791" y="3007636"/>
+            <a:ext cx="363682" cy="363683"/>
+          </a:xfrm>
+          <a:prstGeom prst="rect">
+            <a:avLst/>
+          </a:prstGeom>
+          <a:noFill/>
+          <a:ln w="19050">
+            <a:solidFill>
+              <a:schemeClr val="accent2">
+                <a:lumMod val="60000"/>
+                <a:lumOff val="40000"/>
+              </a:schemeClr>
+            </a:solidFill>
+          </a:ln>
+        </p:spPr>
+        <p:style>
+          <a:lnRef idx="2">
+            <a:schemeClr val="accent1">
+              <a:shade val="50000"/>
+            </a:schemeClr>
+          </a:lnRef>
+          <a:fillRef idx="1">
+            <a:schemeClr val="accent1"/>
+          </a:fillRef>
+          <a:effectRef idx="0">
+            <a:schemeClr val="accent1"/>
+          </a:effectRef>
+          <a:fontRef idx="minor">
+            <a:schemeClr val="lt1"/>
+          </a:fontRef>
+        </p:style>
+        <p:txBody>
+          <a:bodyPr rot="0" spcFirstLastPara="0" vertOverflow="overflow" horzOverflow="overflow" vert="horz" wrap="square" lIns="91440" tIns="45720" rIns="91440" bIns="45720" numCol="1" spcCol="0" rtlCol="0" fromWordArt="0" anchor="ctr" anchorCtr="0" forceAA="0" compatLnSpc="1">
+            <a:prstTxWarp prst="textNoShape">
+              <a:avLst/>
+            </a:prstTxWarp>
+            <a:noAutofit/>
+          </a:bodyPr>
+          <a:lstStyle/>
+          <a:p>
+            <a:pPr algn="ctr"/>
+            <a:endParaRPr lang="en-US" sz="1600" dirty="0">
+              <a:solidFill>
+                <a:schemeClr val="tx1"/>
+              </a:solidFill>
+            </a:endParaRPr>
+          </a:p>
+        </p:txBody>
+      </p:sp>
+      <p:sp>
+        <p:nvSpPr>
+          <p:cNvPr id="19" name="Rectangle 18"/>
+          <p:cNvSpPr/>
+          <p:nvPr/>
+        </p:nvSpPr>
+        <p:spPr>
+          <a:xfrm>
+            <a:off x="6553999" y="3430466"/>
+            <a:ext cx="363682" cy="363683"/>
+          </a:xfrm>
+          <a:prstGeom prst="rect">
+            <a:avLst/>
+          </a:prstGeom>
+          <a:noFill/>
+          <a:ln w="19050">
+            <a:solidFill>
+              <a:schemeClr val="accent2"/>
+            </a:solidFill>
+          </a:ln>
+        </p:spPr>
+        <p:style>
+          <a:lnRef idx="2">
+            <a:schemeClr val="accent1">
+              <a:shade val="50000"/>
+            </a:schemeClr>
+          </a:lnRef>
+          <a:fillRef idx="1">
+            <a:schemeClr val="accent1"/>
+          </a:fillRef>
+          <a:effectRef idx="0">
+            <a:schemeClr val="accent1"/>
+          </a:effectRef>
+          <a:fontRef idx="minor">
+            <a:schemeClr val="lt1"/>
+          </a:fontRef>
+        </p:style>
+        <p:txBody>
+          <a:bodyPr rot="0" spcFirstLastPara="0" vertOverflow="overflow" horzOverflow="overflow" vert="horz" wrap="square" lIns="91440" tIns="45720" rIns="91440" bIns="45720" numCol="1" spcCol="0" rtlCol="0" fromWordArt="0" anchor="ctr" anchorCtr="0" forceAA="0" compatLnSpc="1">
+            <a:prstTxWarp prst="textNoShape">
+              <a:avLst/>
+            </a:prstTxWarp>
+            <a:noAutofit/>
+          </a:bodyPr>
+          <a:lstStyle/>
+          <a:p>
+            <a:pPr algn="ctr"/>
+            <a:endParaRPr lang="en-US" sz="1600" dirty="0">
+              <a:solidFill>
+                <a:schemeClr val="tx1"/>
+              </a:solidFill>
+            </a:endParaRPr>
+          </a:p>
+        </p:txBody>
+      </p:sp>
+      <p:sp>
+        <p:nvSpPr>
+          <p:cNvPr id="20" name="Rectangle 19"/>
+          <p:cNvSpPr/>
+          <p:nvPr/>
+        </p:nvSpPr>
+        <p:spPr>
+          <a:xfrm>
+            <a:off x="4087872" y="3416522"/>
+            <a:ext cx="1332000" cy="595120"/>
+          </a:xfrm>
+          <a:prstGeom prst="rect">
+            <a:avLst/>
+          </a:prstGeom>
+          <a:solidFill>
+            <a:srgbClr val="FFFFFF">
+              <a:alpha val="85000"/>
+            </a:srgbClr>
+          </a:solidFill>
+          <a:ln w="19050">
+            <a:solidFill>
+              <a:srgbClr val="C00000"/>
+            </a:solidFill>
+          </a:ln>
+        </p:spPr>
+        <p:style>
+          <a:lnRef idx="2">
+            <a:schemeClr val="accent1">
+              <a:shade val="50000"/>
+            </a:schemeClr>
+          </a:lnRef>
+          <a:fillRef idx="1">
+            <a:schemeClr val="accent1"/>
+          </a:fillRef>
+          <a:effectRef idx="0">
+            <a:schemeClr val="accent1"/>
+          </a:effectRef>
+          <a:fontRef idx="minor">
+            <a:schemeClr val="lt1"/>
+          </a:fontRef>
+        </p:style>
+        <p:txBody>
+          <a:bodyPr rtlCol="0" anchor="ctr"/>
+          <a:lstStyle/>
+          <a:p>
+            <a:pPr algn="ctr"/>
+            <a:r>
+              <a:rPr lang="de-DE" sz="1600" dirty="0" err="1">
+                <a:solidFill>
+                  <a:schemeClr val="tx1"/>
+                </a:solidFill>
+              </a:rPr>
+              <a:t>Gearbox</a:t>
+            </a:r>
+            <a:r>
+              <a:rPr lang="de-DE" sz="1600" dirty="0">
+                <a:solidFill>
+                  <a:schemeClr val="tx1"/>
+                </a:solidFill>
+              </a:rPr>
+              <a:t> on/off</a:t>
+            </a:r>
+            <a:br>
+              <a:rPr lang="de-DE" sz="4000" dirty="0">
+                <a:solidFill>
+                  <a:schemeClr val="tx1"/>
+                </a:solidFill>
+              </a:rPr>
+            </a:br>
+            <a:r>
+              <a:rPr lang="de-DE" sz="600" dirty="0" err="1">
+                <a:solidFill>
+                  <a:schemeClr val="tx1"/>
+                </a:solidFill>
+              </a:rPr>
+              <a:t>mrGearboxMogliON_OFF</a:t>
+            </a:r>
+            <a:endParaRPr lang="en-US" sz="1600" dirty="0">
+              <a:solidFill>
+                <a:schemeClr val="tx1"/>
+              </a:solidFill>
+            </a:endParaRPr>
+          </a:p>
+        </p:txBody>
+      </p:sp>
+      <p:sp>
+        <p:nvSpPr>
+          <p:cNvPr id="25" name="Rectangle 24"/>
+          <p:cNvSpPr/>
+          <p:nvPr/>
+        </p:nvSpPr>
+        <p:spPr>
+          <a:xfrm>
+            <a:off x="7033414" y="2748767"/>
+            <a:ext cx="1188000" cy="432000"/>
+          </a:xfrm>
+          <a:prstGeom prst="rect">
+            <a:avLst/>
+          </a:prstGeom>
+          <a:solidFill>
+            <a:srgbClr val="FFFFFF">
+              <a:alpha val="85000"/>
+            </a:srgbClr>
+          </a:solidFill>
+          <a:ln w="19050">
+            <a:solidFill>
+              <a:schemeClr val="accent2">
+                <a:lumMod val="40000"/>
+                <a:lumOff val="60000"/>
+              </a:schemeClr>
+            </a:solidFill>
+          </a:ln>
+        </p:spPr>
+        <p:style>
+          <a:lnRef idx="2">
+            <a:schemeClr val="accent1">
+              <a:shade val="50000"/>
+            </a:schemeClr>
+          </a:lnRef>
+          <a:fillRef idx="1">
+            <a:schemeClr val="accent1"/>
+          </a:fillRef>
+          <a:effectRef idx="0">
+            <a:schemeClr val="accent1"/>
+          </a:effectRef>
+          <a:fontRef idx="minor">
+            <a:schemeClr val="lt1"/>
+          </a:fontRef>
+        </p:style>
+        <p:txBody>
+          <a:bodyPr rtlCol="0" anchor="ctr"/>
+          <a:lstStyle/>
+          <a:p>
+            <a:pPr algn="ctr"/>
+            <a:r>
+              <a:rPr lang="de-DE" sz="1600" dirty="0" err="1">
+                <a:solidFill>
+                  <a:schemeClr val="tx1"/>
+                </a:solidFill>
+              </a:rPr>
+              <a:t>group</a:t>
+            </a:r>
+            <a:r>
+              <a:rPr lang="de-DE" sz="1600" dirty="0">
+                <a:solidFill>
+                  <a:schemeClr val="tx1"/>
+                </a:solidFill>
+              </a:rPr>
+              <a:t> 2 +</a:t>
+            </a:r>
+            <a:br>
+              <a:rPr lang="de-DE" sz="4000" dirty="0">
+                <a:solidFill>
+                  <a:schemeClr val="tx1"/>
+                </a:solidFill>
+              </a:rPr>
+            </a:br>
+            <a:r>
+              <a:rPr lang="de-DE" sz="600" dirty="0">
+                <a:solidFill>
+                  <a:schemeClr val="tx1"/>
+                </a:solidFill>
+              </a:rPr>
+              <a:t>mrGearboxMogliSHIFTRANG2EUP</a:t>
+            </a:r>
+            <a:endParaRPr lang="en-US" sz="1100" dirty="0">
+              <a:solidFill>
+                <a:schemeClr val="tx1"/>
+              </a:solidFill>
+            </a:endParaRPr>
+          </a:p>
+        </p:txBody>
+      </p:sp>
+      <p:sp>
+        <p:nvSpPr>
+          <p:cNvPr id="26" name="Rectangle 25"/>
+          <p:cNvSpPr/>
+          <p:nvPr/>
+        </p:nvSpPr>
+        <p:spPr>
+          <a:xfrm>
+            <a:off x="7030336" y="3279239"/>
+            <a:ext cx="1188000" cy="432000"/>
+          </a:xfrm>
+          <a:prstGeom prst="rect">
+            <a:avLst/>
+          </a:prstGeom>
+          <a:solidFill>
+            <a:srgbClr val="FFFFFF">
+              <a:alpha val="85000"/>
+            </a:srgbClr>
+          </a:solidFill>
+          <a:ln w="19050">
+            <a:solidFill>
+              <a:schemeClr val="accent2"/>
+            </a:solidFill>
+          </a:ln>
+        </p:spPr>
+        <p:style>
+          <a:lnRef idx="2">
+            <a:schemeClr val="accent1">
+              <a:shade val="50000"/>
+            </a:schemeClr>
+          </a:lnRef>
+          <a:fillRef idx="1">
+            <a:schemeClr val="accent1"/>
+          </a:fillRef>
+          <a:effectRef idx="0">
+            <a:schemeClr val="accent1"/>
+          </a:effectRef>
+          <a:fontRef idx="minor">
+            <a:schemeClr val="lt1"/>
+          </a:fontRef>
+        </p:style>
+        <p:txBody>
+          <a:bodyPr rtlCol="0" anchor="ctr"/>
+          <a:lstStyle/>
+          <a:p>
+            <a:pPr algn="ctr"/>
+            <a:r>
+              <a:rPr lang="de-DE" sz="1600" dirty="0" err="1">
+                <a:solidFill>
+                  <a:schemeClr val="tx1"/>
+                </a:solidFill>
+              </a:rPr>
+              <a:t>group</a:t>
+            </a:r>
+            <a:r>
+              <a:rPr lang="de-DE" sz="1600" dirty="0">
+                <a:solidFill>
+                  <a:schemeClr val="tx1"/>
+                </a:solidFill>
+              </a:rPr>
+              <a:t> 2 -</a:t>
+            </a:r>
+            <a:br>
+              <a:rPr lang="de-DE" sz="4000" dirty="0">
+                <a:solidFill>
+                  <a:schemeClr val="tx1"/>
+                </a:solidFill>
+              </a:rPr>
+            </a:br>
+            <a:r>
+              <a:rPr lang="de-DE" sz="500" dirty="0">
+                <a:solidFill>
+                  <a:schemeClr val="tx1"/>
+                </a:solidFill>
+              </a:rPr>
+              <a:t>mrGearboxMogliSHIFTRANGE2DOWN</a:t>
+            </a:r>
+            <a:endParaRPr lang="en-US" sz="1400" dirty="0">
+              <a:solidFill>
+                <a:schemeClr val="tx1"/>
+              </a:solidFill>
+            </a:endParaRPr>
+          </a:p>
+        </p:txBody>
+      </p:sp>
+      <p:cxnSp>
+        <p:nvCxnSpPr>
+          <p:cNvPr id="33" name="Straight Connector 32"/>
+          <p:cNvCxnSpPr>
+            <a:stCxn id="16" idx="3"/>
+            <a:endCxn id="25" idx="1"/>
+          </p:cNvCxnSpPr>
+          <p:nvPr/>
+        </p:nvCxnSpPr>
+        <p:spPr>
+          <a:xfrm flipV="1">
+            <a:off x="6799473" y="2964767"/>
+            <a:ext cx="233941" cy="224711"/>
+          </a:xfrm>
+          <a:prstGeom prst="line">
+            <a:avLst/>
+          </a:prstGeom>
+          <a:ln w="19050">
+            <a:solidFill>
+              <a:schemeClr val="accent2">
+                <a:lumMod val="40000"/>
+                <a:lumOff val="60000"/>
+              </a:schemeClr>
+            </a:solidFill>
+          </a:ln>
+        </p:spPr>
+        <p:style>
+          <a:lnRef idx="1">
+            <a:schemeClr val="accent1"/>
+          </a:lnRef>
+          <a:fillRef idx="0">
+            <a:schemeClr val="accent1"/>
+          </a:fillRef>
+          <a:effectRef idx="0">
+            <a:schemeClr val="accent1"/>
+          </a:effectRef>
+          <a:fontRef idx="minor">
+            <a:schemeClr val="tx1"/>
+          </a:fontRef>
+        </p:style>
+      </p:cxnSp>
+      <p:cxnSp>
+        <p:nvCxnSpPr>
+          <p:cNvPr id="34" name="Straight Connector 33"/>
+          <p:cNvCxnSpPr>
+            <a:stCxn id="19" idx="3"/>
+            <a:endCxn id="26" idx="1"/>
+          </p:cNvCxnSpPr>
+          <p:nvPr/>
+        </p:nvCxnSpPr>
+        <p:spPr>
+          <a:xfrm flipV="1">
+            <a:off x="6917681" y="3495239"/>
+            <a:ext cx="112655" cy="117069"/>
+          </a:xfrm>
+          <a:prstGeom prst="line">
+            <a:avLst/>
+          </a:prstGeom>
+          <a:ln w="19050">
+            <a:solidFill>
+              <a:schemeClr val="accent2"/>
+            </a:solidFill>
+          </a:ln>
+        </p:spPr>
+        <p:style>
+          <a:lnRef idx="1">
+            <a:schemeClr val="accent1"/>
+          </a:lnRef>
+          <a:fillRef idx="0">
+            <a:schemeClr val="accent1"/>
+          </a:fillRef>
+          <a:effectRef idx="0">
+            <a:schemeClr val="accent1"/>
+          </a:effectRef>
+          <a:fontRef idx="minor">
+            <a:schemeClr val="tx1"/>
+          </a:fontRef>
+        </p:style>
+      </p:cxnSp>
+      <p:cxnSp>
+        <p:nvCxnSpPr>
+          <p:cNvPr id="39" name="Straight Connector 38"/>
+          <p:cNvCxnSpPr>
+            <a:stCxn id="20" idx="3"/>
+            <a:endCxn id="12" idx="1"/>
+          </p:cNvCxnSpPr>
+          <p:nvPr/>
+        </p:nvCxnSpPr>
+        <p:spPr>
+          <a:xfrm flipV="1">
+            <a:off x="5419872" y="3614394"/>
+            <a:ext cx="282294" cy="99688"/>
+          </a:xfrm>
+          <a:prstGeom prst="line">
+            <a:avLst/>
+          </a:prstGeom>
+          <a:ln w="19050">
+            <a:solidFill>
+              <a:srgbClr val="C00000"/>
+            </a:solidFill>
+          </a:ln>
+        </p:spPr>
+        <p:style>
+          <a:lnRef idx="1">
+            <a:schemeClr val="accent1"/>
+          </a:lnRef>
+          <a:fillRef idx="0">
+            <a:schemeClr val="accent1"/>
+          </a:fillRef>
+          <a:effectRef idx="0">
+            <a:schemeClr val="accent1"/>
+          </a:effectRef>
+          <a:fontRef idx="minor">
+            <a:schemeClr val="tx1"/>
+          </a:fontRef>
+        </p:style>
+      </p:cxnSp>
+      <p:sp>
+        <p:nvSpPr>
+          <p:cNvPr id="40" name="Rectangle 39"/>
+          <p:cNvSpPr/>
+          <p:nvPr/>
+        </p:nvSpPr>
+        <p:spPr>
+          <a:xfrm>
+            <a:off x="6372750" y="3890018"/>
+            <a:ext cx="1054646" cy="322431"/>
+          </a:xfrm>
+          <a:prstGeom prst="rect">
+            <a:avLst/>
+          </a:prstGeom>
+          <a:solidFill>
+            <a:schemeClr val="bg1">
+              <a:alpha val="85000"/>
+            </a:schemeClr>
+          </a:solidFill>
+          <a:ln w="57150">
+            <a:solidFill>
+              <a:srgbClr val="7030A0"/>
+            </a:solidFill>
+          </a:ln>
+        </p:spPr>
+        <p:style>
+          <a:lnRef idx="2">
+            <a:schemeClr val="accent1">
+              <a:shade val="50000"/>
+            </a:schemeClr>
+          </a:lnRef>
+          <a:fillRef idx="1">
+            <a:schemeClr val="accent1"/>
+          </a:fillRef>
+          <a:effectRef idx="0">
+            <a:schemeClr val="accent1"/>
+          </a:effectRef>
+          <a:fontRef idx="minor">
+            <a:schemeClr val="lt1"/>
+          </a:fontRef>
+        </p:style>
+        <p:txBody>
+          <a:bodyPr rot="0" spcFirstLastPara="0" vertOverflow="overflow" horzOverflow="overflow" vert="horz" wrap="square" lIns="91440" tIns="45720" rIns="91440" bIns="45720" numCol="1" spcCol="0" rtlCol="0" fromWordArt="0" anchor="ctr" anchorCtr="0" forceAA="0" compatLnSpc="1">
+            <a:prstTxWarp prst="textNoShape">
+              <a:avLst/>
+            </a:prstTxWarp>
+            <a:noAutofit/>
+          </a:bodyPr>
+          <a:lstStyle/>
+          <a:p>
+            <a:pPr algn="ctr"/>
+            <a:r>
+              <a:rPr lang="de-DE" sz="1000" dirty="0" err="1">
+                <a:solidFill>
+                  <a:schemeClr val="tx1"/>
+                </a:solidFill>
+              </a:rPr>
+              <a:t>RShift</a:t>
+            </a:r>
+            <a:endParaRPr lang="en-US" sz="1000" dirty="0">
+              <a:solidFill>
+                <a:schemeClr val="tx1"/>
+              </a:solidFill>
+            </a:endParaRPr>
+          </a:p>
+        </p:txBody>
+      </p:sp>
+      <p:sp>
+        <p:nvSpPr>
+          <p:cNvPr id="17" name="Rectangle 16"/>
+          <p:cNvSpPr/>
+          <p:nvPr/>
+        </p:nvSpPr>
+        <p:spPr>
+          <a:xfrm>
+            <a:off x="4070374" y="2094830"/>
+            <a:ext cx="1708691" cy="594000"/>
+          </a:xfrm>
+          <a:prstGeom prst="rect">
+            <a:avLst/>
+          </a:prstGeom>
+          <a:solidFill>
+            <a:srgbClr val="FFFFFF">
+              <a:alpha val="85000"/>
+            </a:srgbClr>
+          </a:solidFill>
+          <a:ln w="19050">
+            <a:solidFill>
+              <a:schemeClr val="accent5">
+                <a:lumMod val="40000"/>
+                <a:lumOff val="60000"/>
+              </a:schemeClr>
+            </a:solidFill>
+          </a:ln>
+        </p:spPr>
+        <p:style>
+          <a:lnRef idx="2">
+            <a:schemeClr val="accent1">
+              <a:shade val="50000"/>
+            </a:schemeClr>
+          </a:lnRef>
+          <a:fillRef idx="1">
+            <a:schemeClr val="accent1"/>
+          </a:fillRef>
+          <a:effectRef idx="0">
+            <a:schemeClr val="accent1"/>
+          </a:effectRef>
+          <a:fontRef idx="minor">
+            <a:schemeClr val="lt1"/>
+          </a:fontRef>
+        </p:style>
+        <p:txBody>
+          <a:bodyPr rtlCol="0" anchor="ctr"/>
+          <a:lstStyle/>
+          <a:p>
+            <a:pPr algn="ctr"/>
+            <a:r>
+              <a:rPr lang="de-DE" sz="1600" dirty="0" err="1">
+                <a:solidFill>
+                  <a:schemeClr val="tx1"/>
+                </a:solidFill>
+              </a:rPr>
+              <a:t>tempomat</a:t>
+            </a:r>
+            <a:r>
+              <a:rPr lang="de-DE" sz="1600" dirty="0">
+                <a:solidFill>
+                  <a:schemeClr val="tx1"/>
+                </a:solidFill>
+              </a:rPr>
+              <a:t> </a:t>
+            </a:r>
+            <a:r>
+              <a:rPr lang="de-DE" sz="1600" dirty="0" err="1">
+                <a:solidFill>
+                  <a:schemeClr val="tx1"/>
+                </a:solidFill>
+              </a:rPr>
+              <a:t>acceleration</a:t>
+            </a:r>
+            <a:r>
+              <a:rPr lang="de-DE" sz="1600" dirty="0">
+                <a:solidFill>
+                  <a:schemeClr val="tx1"/>
+                </a:solidFill>
+              </a:rPr>
+              <a:t> +</a:t>
+            </a:r>
+            <a:br>
+              <a:rPr lang="de-DE" sz="4000" dirty="0">
+                <a:solidFill>
+                  <a:schemeClr val="tx1"/>
+                </a:solidFill>
+              </a:rPr>
+            </a:br>
+            <a:r>
+              <a:rPr lang="de-DE" sz="600" dirty="0" err="1">
+                <a:solidFill>
+                  <a:schemeClr val="tx1"/>
+                </a:solidFill>
+              </a:rPr>
+              <a:t>mrGearboxMogliACCTOLIMIT</a:t>
+            </a:r>
+            <a:endParaRPr lang="en-US" sz="1200" dirty="0">
+              <a:solidFill>
+                <a:schemeClr val="tx1"/>
+              </a:solidFill>
+            </a:endParaRPr>
+          </a:p>
+        </p:txBody>
+      </p:sp>
+      <p:sp>
+        <p:nvSpPr>
+          <p:cNvPr id="18" name="Rectangle 17"/>
+          <p:cNvSpPr/>
+          <p:nvPr/>
+        </p:nvSpPr>
+        <p:spPr>
+          <a:xfrm>
+            <a:off x="6005945" y="3002972"/>
+            <a:ext cx="363682" cy="363683"/>
+          </a:xfrm>
+          <a:prstGeom prst="rect">
+            <a:avLst/>
+          </a:prstGeom>
+          <a:noFill/>
+          <a:ln w="19050">
+            <a:solidFill>
+              <a:schemeClr val="accent5">
+                <a:lumMod val="40000"/>
+                <a:lumOff val="60000"/>
+              </a:schemeClr>
+            </a:solidFill>
+          </a:ln>
+        </p:spPr>
+        <p:style>
+          <a:lnRef idx="2">
+            <a:schemeClr val="accent1">
+              <a:shade val="50000"/>
+            </a:schemeClr>
+          </a:lnRef>
+          <a:fillRef idx="1">
+            <a:schemeClr val="accent1"/>
+          </a:fillRef>
+          <a:effectRef idx="0">
+            <a:schemeClr val="accent1"/>
+          </a:effectRef>
+          <a:fontRef idx="minor">
+            <a:schemeClr val="lt1"/>
+          </a:fontRef>
+        </p:style>
+        <p:txBody>
+          <a:bodyPr rot="0" spcFirstLastPara="0" vertOverflow="overflow" horzOverflow="overflow" vert="horz" wrap="square" lIns="91440" tIns="45720" rIns="91440" bIns="45720" numCol="1" spcCol="0" rtlCol="0" fromWordArt="0" anchor="ctr" anchorCtr="0" forceAA="0" compatLnSpc="1">
+            <a:prstTxWarp prst="textNoShape">
+              <a:avLst/>
+            </a:prstTxWarp>
+            <a:noAutofit/>
+          </a:bodyPr>
+          <a:lstStyle/>
+          <a:p>
+            <a:pPr algn="ctr"/>
+            <a:endParaRPr lang="en-US" sz="1600" dirty="0">
+              <a:solidFill>
+                <a:schemeClr val="tx1"/>
+              </a:solidFill>
+            </a:endParaRPr>
+          </a:p>
+        </p:txBody>
+      </p:sp>
+      <p:sp>
+        <p:nvSpPr>
+          <p:cNvPr id="21" name="Rectangle 20"/>
+          <p:cNvSpPr/>
+          <p:nvPr/>
+        </p:nvSpPr>
+        <p:spPr>
+          <a:xfrm>
+            <a:off x="4073554" y="2753572"/>
+            <a:ext cx="1710000" cy="594000"/>
+          </a:xfrm>
+          <a:prstGeom prst="rect">
+            <a:avLst/>
+          </a:prstGeom>
+          <a:solidFill>
+            <a:srgbClr val="FFFFFF">
+              <a:alpha val="85000"/>
+            </a:srgbClr>
+          </a:solidFill>
+          <a:ln w="19050">
+            <a:solidFill>
+              <a:schemeClr val="accent5"/>
+            </a:solidFill>
+          </a:ln>
+        </p:spPr>
+        <p:style>
+          <a:lnRef idx="2">
+            <a:schemeClr val="accent1">
+              <a:shade val="50000"/>
+            </a:schemeClr>
+          </a:lnRef>
+          <a:fillRef idx="1">
+            <a:schemeClr val="accent1"/>
+          </a:fillRef>
+          <a:effectRef idx="0">
+            <a:schemeClr val="accent1"/>
+          </a:effectRef>
+          <a:fontRef idx="minor">
+            <a:schemeClr val="lt1"/>
+          </a:fontRef>
+        </p:style>
+        <p:txBody>
+          <a:bodyPr rtlCol="0" anchor="ctr"/>
+          <a:lstStyle/>
+          <a:p>
+            <a:pPr algn="ctr"/>
+            <a:r>
+              <a:rPr lang="de-DE" sz="1600" dirty="0" err="1">
+                <a:solidFill>
+                  <a:schemeClr val="tx1"/>
+                </a:solidFill>
+              </a:rPr>
+              <a:t>tempomat</a:t>
+            </a:r>
+            <a:r>
+              <a:rPr lang="de-DE" sz="1600" dirty="0">
+                <a:solidFill>
+                  <a:schemeClr val="tx1"/>
+                </a:solidFill>
+              </a:rPr>
+              <a:t> </a:t>
+            </a:r>
+            <a:r>
+              <a:rPr lang="de-DE" sz="1600" dirty="0" err="1">
+                <a:solidFill>
+                  <a:schemeClr val="tx1"/>
+                </a:solidFill>
+              </a:rPr>
+              <a:t>decceleration</a:t>
+            </a:r>
+            <a:r>
+              <a:rPr lang="de-DE" sz="1600" dirty="0">
+                <a:solidFill>
+                  <a:schemeClr val="tx1"/>
+                </a:solidFill>
+              </a:rPr>
+              <a:t> </a:t>
+            </a:r>
+            <a:r>
+              <a:rPr lang="de-DE" sz="1600" dirty="0">
+                <a:solidFill>
+                  <a:schemeClr val="tx1"/>
+                </a:solidFill>
+              </a:rPr>
+              <a:t>-</a:t>
+            </a:r>
+            <a:br>
+              <a:rPr lang="de-DE" sz="4000" dirty="0">
+                <a:solidFill>
+                  <a:schemeClr val="tx1"/>
+                </a:solidFill>
+              </a:rPr>
+            </a:br>
+            <a:r>
+              <a:rPr lang="de-DE" sz="600" dirty="0" err="1">
+                <a:solidFill>
+                  <a:schemeClr val="tx1"/>
+                </a:solidFill>
+              </a:rPr>
+              <a:t>mrGearboxMogliDECTOLIMIT</a:t>
+            </a:r>
+            <a:endParaRPr lang="en-US" sz="1400" dirty="0">
+              <a:solidFill>
+                <a:schemeClr val="tx1"/>
+              </a:solidFill>
+            </a:endParaRPr>
+          </a:p>
+        </p:txBody>
+      </p:sp>
+      <p:sp>
+        <p:nvSpPr>
+          <p:cNvPr id="22" name="Rectangle 21"/>
+          <p:cNvSpPr/>
+          <p:nvPr/>
+        </p:nvSpPr>
+        <p:spPr>
+          <a:xfrm>
+            <a:off x="6130991" y="3429132"/>
+            <a:ext cx="363682" cy="363683"/>
+          </a:xfrm>
+          <a:prstGeom prst="rect">
+            <a:avLst/>
+          </a:prstGeom>
+          <a:noFill/>
+          <a:ln w="19050">
+            <a:solidFill>
+              <a:schemeClr val="accent5"/>
+            </a:solidFill>
+          </a:ln>
+        </p:spPr>
+        <p:style>
+          <a:lnRef idx="2">
+            <a:schemeClr val="accent1">
+              <a:shade val="50000"/>
+            </a:schemeClr>
+          </a:lnRef>
+          <a:fillRef idx="1">
+            <a:schemeClr val="accent1"/>
+          </a:fillRef>
+          <a:effectRef idx="0">
+            <a:schemeClr val="accent1"/>
+          </a:effectRef>
+          <a:fontRef idx="minor">
+            <a:schemeClr val="lt1"/>
+          </a:fontRef>
+        </p:style>
+        <p:txBody>
+          <a:bodyPr rot="0" spcFirstLastPara="0" vertOverflow="overflow" horzOverflow="overflow" vert="horz" wrap="square" lIns="91440" tIns="45720" rIns="91440" bIns="45720" numCol="1" spcCol="0" rtlCol="0" fromWordArt="0" anchor="ctr" anchorCtr="0" forceAA="0" compatLnSpc="1">
+            <a:prstTxWarp prst="textNoShape">
+              <a:avLst/>
+            </a:prstTxWarp>
+            <a:noAutofit/>
+          </a:bodyPr>
+          <a:lstStyle/>
+          <a:p>
+            <a:pPr algn="ctr"/>
+            <a:endParaRPr lang="en-US" sz="1600" dirty="0">
+              <a:solidFill>
+                <a:schemeClr val="tx1"/>
+              </a:solidFill>
+            </a:endParaRPr>
+          </a:p>
+        </p:txBody>
+      </p:sp>
+      <p:cxnSp>
+        <p:nvCxnSpPr>
+          <p:cNvPr id="23" name="Straight Connector 22"/>
+          <p:cNvCxnSpPr>
+            <a:stCxn id="21" idx="3"/>
+            <a:endCxn id="22" idx="1"/>
+          </p:cNvCxnSpPr>
+          <p:nvPr/>
+        </p:nvCxnSpPr>
+        <p:spPr>
+          <a:xfrm>
+            <a:off x="5783554" y="3050572"/>
+            <a:ext cx="347437" cy="560402"/>
+          </a:xfrm>
+          <a:prstGeom prst="line">
+            <a:avLst/>
+          </a:prstGeom>
+          <a:ln w="19050">
+            <a:solidFill>
+              <a:schemeClr val="accent5"/>
+            </a:solidFill>
+          </a:ln>
+        </p:spPr>
+        <p:style>
+          <a:lnRef idx="1">
+            <a:schemeClr val="accent1"/>
+          </a:lnRef>
+          <a:fillRef idx="0">
+            <a:schemeClr val="accent1"/>
+          </a:fillRef>
+          <a:effectRef idx="0">
+            <a:schemeClr val="accent1"/>
+          </a:effectRef>
+          <a:fontRef idx="minor">
+            <a:schemeClr val="tx1"/>
+          </a:fontRef>
+        </p:style>
+      </p:cxnSp>
+      <p:cxnSp>
+        <p:nvCxnSpPr>
+          <p:cNvPr id="24" name="Straight Connector 23"/>
+          <p:cNvCxnSpPr>
+            <a:stCxn id="17" idx="3"/>
+            <a:endCxn id="18" idx="0"/>
+          </p:cNvCxnSpPr>
+          <p:nvPr/>
+        </p:nvCxnSpPr>
+        <p:spPr>
+          <a:xfrm>
+            <a:off x="5779065" y="2391830"/>
+            <a:ext cx="408721" cy="611142"/>
+          </a:xfrm>
+          <a:prstGeom prst="line">
+            <a:avLst/>
+          </a:prstGeom>
+          <a:ln w="19050">
+            <a:solidFill>
+              <a:schemeClr val="accent5">
+                <a:lumMod val="40000"/>
+                <a:lumOff val="60000"/>
+              </a:schemeClr>
+            </a:solidFill>
+          </a:ln>
+        </p:spPr>
+        <p:style>
+          <a:lnRef idx="1">
+            <a:schemeClr val="accent1"/>
+          </a:lnRef>
+          <a:fillRef idx="0">
+            <a:schemeClr val="accent1"/>
+          </a:fillRef>
+          <a:effectRef idx="0">
+            <a:schemeClr val="accent1"/>
+          </a:effectRef>
+          <a:fontRef idx="minor">
+            <a:schemeClr val="tx1"/>
+          </a:fontRef>
+        </p:style>
+      </p:cxnSp>
+      <p:sp>
+        <p:nvSpPr>
+          <p:cNvPr id="28" name="Rectangle 27"/>
+          <p:cNvSpPr/>
+          <p:nvPr/>
+        </p:nvSpPr>
+        <p:spPr>
+          <a:xfrm>
+            <a:off x="1190902" y="3063239"/>
+            <a:ext cx="1399641" cy="594000"/>
+          </a:xfrm>
+          <a:prstGeom prst="rect">
+            <a:avLst/>
+          </a:prstGeom>
+          <a:solidFill>
+            <a:srgbClr val="FFFFFF">
+              <a:alpha val="85000"/>
+            </a:srgbClr>
+          </a:solidFill>
+          <a:ln w="19050">
+            <a:solidFill>
+              <a:schemeClr val="tx2">
+                <a:lumMod val="60000"/>
+                <a:lumOff val="40000"/>
+              </a:schemeClr>
+            </a:solidFill>
+          </a:ln>
+        </p:spPr>
+        <p:style>
+          <a:lnRef idx="2">
+            <a:schemeClr val="accent1">
+              <a:shade val="50000"/>
+            </a:schemeClr>
+          </a:lnRef>
+          <a:fillRef idx="1">
+            <a:schemeClr val="accent1"/>
+          </a:fillRef>
+          <a:effectRef idx="0">
+            <a:schemeClr val="accent1"/>
+          </a:effectRef>
+          <a:fontRef idx="minor">
+            <a:schemeClr val="lt1"/>
+          </a:fontRef>
+        </p:style>
+        <p:txBody>
+          <a:bodyPr rtlCol="0" anchor="ctr"/>
+          <a:lstStyle/>
+          <a:p>
+            <a:pPr algn="ctr"/>
+            <a:r>
+              <a:rPr lang="de-DE" sz="1600" dirty="0" err="1">
+                <a:solidFill>
+                  <a:schemeClr val="tx1"/>
+                </a:solidFill>
+              </a:rPr>
+              <a:t>speed</a:t>
+            </a:r>
+            <a:r>
+              <a:rPr lang="de-DE" sz="1600" dirty="0">
+                <a:solidFill>
+                  <a:schemeClr val="tx1"/>
+                </a:solidFill>
+              </a:rPr>
+              <a:t> </a:t>
+            </a:r>
+            <a:r>
+              <a:rPr lang="de-DE" sz="1600" dirty="0" err="1">
+                <a:solidFill>
+                  <a:schemeClr val="tx1"/>
+                </a:solidFill>
+              </a:rPr>
+              <a:t>limiter</a:t>
+            </a:r>
+            <a:endParaRPr lang="de-DE" sz="1600" dirty="0">
+              <a:solidFill>
+                <a:schemeClr val="tx1"/>
+              </a:solidFill>
+            </a:endParaRPr>
+          </a:p>
+          <a:p>
+            <a:pPr algn="ctr"/>
+            <a:r>
+              <a:rPr lang="de-DE" sz="600" dirty="0" err="1">
+                <a:solidFill>
+                  <a:schemeClr val="tx1"/>
+                </a:solidFill>
+              </a:rPr>
+              <a:t>mrGearboxMogliSPEEDLIMIT</a:t>
+            </a:r>
+            <a:endParaRPr lang="en-US" sz="1200" dirty="0">
+              <a:solidFill>
+                <a:schemeClr val="tx1"/>
+              </a:solidFill>
+            </a:endParaRPr>
+          </a:p>
+        </p:txBody>
+      </p:sp>
+      <p:sp>
+        <p:nvSpPr>
+          <p:cNvPr id="29" name="Rectangle 28"/>
+          <p:cNvSpPr/>
+          <p:nvPr/>
+        </p:nvSpPr>
+        <p:spPr>
+          <a:xfrm>
+            <a:off x="2711203" y="2572084"/>
+            <a:ext cx="363682" cy="363683"/>
+          </a:xfrm>
+          <a:prstGeom prst="rect">
+            <a:avLst/>
+          </a:prstGeom>
+          <a:noFill/>
+          <a:ln w="19050">
+            <a:solidFill>
+              <a:schemeClr val="tx2">
+                <a:lumMod val="60000"/>
+                <a:lumOff val="40000"/>
+              </a:schemeClr>
+            </a:solidFill>
+          </a:ln>
+        </p:spPr>
+        <p:style>
+          <a:lnRef idx="2">
+            <a:schemeClr val="accent1">
+              <a:shade val="50000"/>
+            </a:schemeClr>
+          </a:lnRef>
+          <a:fillRef idx="1">
+            <a:schemeClr val="accent1"/>
+          </a:fillRef>
+          <a:effectRef idx="0">
+            <a:schemeClr val="accent1"/>
+          </a:effectRef>
+          <a:fontRef idx="minor">
+            <a:schemeClr val="lt1"/>
+          </a:fontRef>
+        </p:style>
+        <p:txBody>
+          <a:bodyPr rot="0" spcFirstLastPara="0" vertOverflow="overflow" horzOverflow="overflow" vert="horz" wrap="square" lIns="91440" tIns="45720" rIns="91440" bIns="45720" numCol="1" spcCol="0" rtlCol="0" fromWordArt="0" anchor="ctr" anchorCtr="0" forceAA="0" compatLnSpc="1">
+            <a:prstTxWarp prst="textNoShape">
+              <a:avLst/>
+            </a:prstTxWarp>
+            <a:noAutofit/>
+          </a:bodyPr>
+          <a:lstStyle/>
+          <a:p>
+            <a:pPr algn="ctr"/>
+            <a:endParaRPr lang="en-US" sz="1600" dirty="0">
+              <a:solidFill>
+                <a:schemeClr val="tx1"/>
+              </a:solidFill>
+            </a:endParaRPr>
+          </a:p>
+        </p:txBody>
+      </p:sp>
+      <p:sp>
+        <p:nvSpPr>
+          <p:cNvPr id="30" name="Rectangle 29"/>
+          <p:cNvSpPr/>
+          <p:nvPr/>
+        </p:nvSpPr>
+        <p:spPr>
+          <a:xfrm>
+            <a:off x="3146631" y="2573168"/>
+            <a:ext cx="363682" cy="363683"/>
+          </a:xfrm>
+          <a:prstGeom prst="rect">
+            <a:avLst/>
+          </a:prstGeom>
+          <a:noFill/>
+          <a:ln w="19050">
+            <a:solidFill>
+              <a:schemeClr val="tx2"/>
+            </a:solidFill>
+          </a:ln>
+        </p:spPr>
+        <p:style>
+          <a:lnRef idx="2">
+            <a:schemeClr val="accent1">
+              <a:shade val="50000"/>
+            </a:schemeClr>
+          </a:lnRef>
+          <a:fillRef idx="1">
+            <a:schemeClr val="accent1"/>
+          </a:fillRef>
+          <a:effectRef idx="0">
+            <a:schemeClr val="accent1"/>
+          </a:effectRef>
+          <a:fontRef idx="minor">
+            <a:schemeClr val="lt1"/>
+          </a:fontRef>
+        </p:style>
+        <p:txBody>
+          <a:bodyPr rot="0" spcFirstLastPara="0" vertOverflow="overflow" horzOverflow="overflow" vert="horz" wrap="square" lIns="91440" tIns="45720" rIns="91440" bIns="45720" numCol="1" spcCol="0" rtlCol="0" fromWordArt="0" anchor="ctr" anchorCtr="0" forceAA="0" compatLnSpc="1">
+            <a:prstTxWarp prst="textNoShape">
+              <a:avLst/>
+            </a:prstTxWarp>
+            <a:noAutofit/>
+          </a:bodyPr>
+          <a:lstStyle/>
+          <a:p>
+            <a:pPr algn="ctr"/>
+            <a:endParaRPr lang="en-US" sz="1600" dirty="0">
+              <a:solidFill>
+                <a:schemeClr val="tx1"/>
+              </a:solidFill>
+            </a:endParaRPr>
+          </a:p>
+        </p:txBody>
+      </p:sp>
+      <p:cxnSp>
+        <p:nvCxnSpPr>
+          <p:cNvPr id="31" name="Straight Connector 30"/>
+          <p:cNvCxnSpPr>
+            <a:stCxn id="29" idx="2"/>
+            <a:endCxn id="28" idx="0"/>
+          </p:cNvCxnSpPr>
+          <p:nvPr/>
+        </p:nvCxnSpPr>
+        <p:spPr>
+          <a:xfrm flipH="1">
+            <a:off x="1890723" y="2935767"/>
+            <a:ext cx="1002321" cy="127472"/>
+          </a:xfrm>
+          <a:prstGeom prst="line">
+            <a:avLst/>
+          </a:prstGeom>
+          <a:ln w="19050">
+            <a:solidFill>
+              <a:schemeClr val="tx2">
+                <a:lumMod val="60000"/>
+                <a:lumOff val="40000"/>
+              </a:schemeClr>
+            </a:solidFill>
+          </a:ln>
+        </p:spPr>
+        <p:style>
+          <a:lnRef idx="1">
+            <a:schemeClr val="accent1"/>
+          </a:lnRef>
+          <a:fillRef idx="0">
+            <a:schemeClr val="accent1"/>
+          </a:fillRef>
+          <a:effectRef idx="0">
+            <a:schemeClr val="accent1"/>
+          </a:effectRef>
+          <a:fontRef idx="minor">
+            <a:schemeClr val="tx1"/>
+          </a:fontRef>
+        </p:style>
+      </p:cxnSp>
+      <p:sp>
+        <p:nvSpPr>
+          <p:cNvPr id="32" name="Rectangle 31"/>
+          <p:cNvSpPr/>
+          <p:nvPr/>
+        </p:nvSpPr>
+        <p:spPr>
+          <a:xfrm>
+            <a:off x="2699105" y="3063239"/>
+            <a:ext cx="1332000" cy="594000"/>
+          </a:xfrm>
+          <a:prstGeom prst="rect">
+            <a:avLst/>
+          </a:prstGeom>
+          <a:solidFill>
+            <a:srgbClr val="FFFFFF">
+              <a:alpha val="85000"/>
+            </a:srgbClr>
+          </a:solidFill>
+          <a:ln w="19050">
+            <a:solidFill>
+              <a:schemeClr val="tx2"/>
+            </a:solidFill>
+          </a:ln>
+        </p:spPr>
+        <p:style>
+          <a:lnRef idx="2">
+            <a:schemeClr val="accent1">
+              <a:shade val="50000"/>
+            </a:schemeClr>
+          </a:lnRef>
+          <a:fillRef idx="1">
+            <a:schemeClr val="accent1"/>
+          </a:fillRef>
+          <a:effectRef idx="0">
+            <a:schemeClr val="accent1"/>
+          </a:effectRef>
+          <a:fontRef idx="minor">
+            <a:schemeClr val="lt1"/>
+          </a:fontRef>
+        </p:style>
+        <p:txBody>
+          <a:bodyPr rtlCol="0" anchor="ctr"/>
+          <a:lstStyle/>
+          <a:p>
+            <a:pPr algn="ctr"/>
+            <a:r>
+              <a:rPr lang="de-DE" sz="1600" dirty="0" err="1">
+                <a:solidFill>
+                  <a:schemeClr val="tx1"/>
+                </a:solidFill>
+              </a:rPr>
+              <a:t>tempomat</a:t>
+            </a:r>
+            <a:r>
+              <a:rPr lang="de-DE" sz="1600" dirty="0">
+                <a:solidFill>
+                  <a:schemeClr val="tx1"/>
+                </a:solidFill>
+              </a:rPr>
+              <a:t> </a:t>
+            </a:r>
+            <a:r>
+              <a:rPr lang="de-DE" sz="1600" dirty="0" err="1">
+                <a:solidFill>
+                  <a:schemeClr val="tx1"/>
+                </a:solidFill>
+              </a:rPr>
+              <a:t>speed</a:t>
+            </a:r>
+            <a:r>
+              <a:rPr lang="de-DE" sz="1600" dirty="0">
+                <a:solidFill>
+                  <a:schemeClr val="tx1"/>
+                </a:solidFill>
+              </a:rPr>
+              <a:t> 2</a:t>
+            </a:r>
+          </a:p>
+          <a:p>
+            <a:pPr algn="ctr"/>
+            <a:r>
+              <a:rPr lang="de-DE" sz="600" dirty="0" err="1">
+                <a:solidFill>
+                  <a:schemeClr val="tx1"/>
+                </a:solidFill>
+              </a:rPr>
+              <a:t>mrGearboxMogliSETSPEED</a:t>
+            </a:r>
+            <a:endParaRPr lang="en-US" sz="1200" dirty="0">
+              <a:solidFill>
+                <a:schemeClr val="tx1"/>
+              </a:solidFill>
+            </a:endParaRPr>
+          </a:p>
+        </p:txBody>
+      </p:sp>
+      <p:cxnSp>
+        <p:nvCxnSpPr>
+          <p:cNvPr id="35" name="Straight Connector 34"/>
+          <p:cNvCxnSpPr>
+            <a:stCxn id="30" idx="2"/>
+            <a:endCxn id="32" idx="0"/>
+          </p:cNvCxnSpPr>
+          <p:nvPr/>
+        </p:nvCxnSpPr>
+        <p:spPr>
+          <a:xfrm>
+            <a:off x="3328472" y="2936851"/>
+            <a:ext cx="36633" cy="126388"/>
+          </a:xfrm>
+          <a:prstGeom prst="line">
+            <a:avLst/>
+          </a:prstGeom>
+          <a:ln w="19050">
+            <a:solidFill>
+              <a:schemeClr val="tx2"/>
+            </a:solidFill>
+          </a:ln>
+        </p:spPr>
+        <p:style>
+          <a:lnRef idx="1">
+            <a:schemeClr val="accent1"/>
+          </a:lnRef>
+          <a:fillRef idx="0">
+            <a:schemeClr val="accent1"/>
+          </a:fillRef>
+          <a:effectRef idx="0">
+            <a:schemeClr val="accent1"/>
+          </a:effectRef>
+          <a:fontRef idx="minor">
+            <a:schemeClr val="tx1"/>
+          </a:fontRef>
+        </p:style>
+      </p:cxnSp>
+      <p:sp>
+        <p:nvSpPr>
+          <p:cNvPr id="36" name="Rectangle 35"/>
+          <p:cNvSpPr/>
+          <p:nvPr/>
+        </p:nvSpPr>
+        <p:spPr>
+          <a:xfrm>
+            <a:off x="2798129" y="4290646"/>
+            <a:ext cx="1603495" cy="375139"/>
+          </a:xfrm>
+          <a:prstGeom prst="rect">
+            <a:avLst/>
+          </a:prstGeom>
+          <a:solidFill>
+            <a:schemeClr val="bg1">
+              <a:alpha val="85000"/>
+            </a:schemeClr>
+          </a:solidFill>
+          <a:ln w="19050">
+            <a:solidFill>
+              <a:schemeClr val="bg1">
+                <a:lumMod val="65000"/>
+              </a:schemeClr>
+            </a:solidFill>
+          </a:ln>
+        </p:spPr>
+        <p:style>
+          <a:lnRef idx="2">
+            <a:schemeClr val="accent1">
+              <a:shade val="50000"/>
+            </a:schemeClr>
+          </a:lnRef>
+          <a:fillRef idx="1">
+            <a:schemeClr val="accent1"/>
+          </a:fillRef>
+          <a:effectRef idx="0">
+            <a:schemeClr val="accent1"/>
+          </a:effectRef>
+          <a:fontRef idx="minor">
+            <a:schemeClr val="lt1"/>
+          </a:fontRef>
+        </p:style>
+        <p:txBody>
+          <a:bodyPr lIns="90000" rtlCol="0" anchor="ctr"/>
+          <a:lstStyle/>
+          <a:p>
+            <a:pPr algn="ctr"/>
+            <a:r>
+              <a:rPr lang="de-DE" sz="1600" dirty="0">
+                <a:solidFill>
+                  <a:schemeClr val="tx1"/>
+                </a:solidFill>
+              </a:rPr>
+              <a:t>ECO </a:t>
+            </a:r>
+            <a:r>
+              <a:rPr lang="de-DE" sz="1600" dirty="0" err="1">
+                <a:solidFill>
+                  <a:schemeClr val="tx1"/>
+                </a:solidFill>
+              </a:rPr>
+              <a:t>mode</a:t>
+            </a:r>
+            <a:br>
+              <a:rPr lang="de-DE" sz="4000" dirty="0">
+                <a:solidFill>
+                  <a:schemeClr val="tx1"/>
+                </a:solidFill>
+              </a:rPr>
+            </a:br>
+            <a:r>
+              <a:rPr lang="de-DE" sz="600" dirty="0" err="1">
+                <a:solidFill>
+                  <a:schemeClr val="tx1"/>
+                </a:solidFill>
+              </a:rPr>
+              <a:t>mrGearboxMogliREVERSE</a:t>
+            </a:r>
+            <a:endParaRPr lang="en-US" sz="1600" dirty="0">
+              <a:solidFill>
+                <a:schemeClr val="tx1"/>
+              </a:solidFill>
+            </a:endParaRPr>
+          </a:p>
+        </p:txBody>
+      </p:sp>
+      <p:sp>
+        <p:nvSpPr>
+          <p:cNvPr id="37" name="Rectangle 36"/>
+          <p:cNvSpPr/>
+          <p:nvPr/>
+        </p:nvSpPr>
+        <p:spPr>
+          <a:xfrm>
+            <a:off x="5497056" y="3864706"/>
+            <a:ext cx="363682" cy="363683"/>
+          </a:xfrm>
+          <a:prstGeom prst="rect">
+            <a:avLst/>
+          </a:prstGeom>
+          <a:noFill/>
+          <a:ln w="19050">
+            <a:solidFill>
+              <a:schemeClr val="accent6"/>
+            </a:solidFill>
+          </a:ln>
+        </p:spPr>
+        <p:style>
+          <a:lnRef idx="2">
+            <a:schemeClr val="accent1">
+              <a:shade val="50000"/>
+            </a:schemeClr>
+          </a:lnRef>
+          <a:fillRef idx="1">
+            <a:schemeClr val="accent1"/>
+          </a:fillRef>
+          <a:effectRef idx="0">
+            <a:schemeClr val="accent1"/>
+          </a:effectRef>
+          <a:fontRef idx="minor">
+            <a:schemeClr val="lt1"/>
+          </a:fontRef>
+        </p:style>
+        <p:txBody>
+          <a:bodyPr rot="0" spcFirstLastPara="0" vertOverflow="overflow" horzOverflow="overflow" vert="horz" wrap="square" lIns="91440" tIns="45720" rIns="91440" bIns="45720" numCol="1" spcCol="0" rtlCol="0" fromWordArt="0" anchor="ctr" anchorCtr="0" forceAA="0" compatLnSpc="1">
+            <a:prstTxWarp prst="textNoShape">
+              <a:avLst/>
+            </a:prstTxWarp>
+            <a:noAutofit/>
+          </a:bodyPr>
+          <a:lstStyle/>
+          <a:p>
+            <a:pPr algn="ctr"/>
+            <a:endParaRPr lang="en-US" sz="1600" dirty="0">
+              <a:solidFill>
+                <a:schemeClr val="tx1"/>
+              </a:solidFill>
+            </a:endParaRPr>
+          </a:p>
+        </p:txBody>
+      </p:sp>
+      <p:sp>
+        <p:nvSpPr>
+          <p:cNvPr id="38" name="Rectangle 37"/>
+          <p:cNvSpPr/>
+          <p:nvPr/>
+        </p:nvSpPr>
+        <p:spPr>
+          <a:xfrm>
+            <a:off x="4593771" y="4370554"/>
+            <a:ext cx="2369856" cy="432000"/>
+          </a:xfrm>
+          <a:prstGeom prst="rect">
+            <a:avLst/>
+          </a:prstGeom>
+          <a:solidFill>
+            <a:srgbClr val="FFFFFF">
+              <a:alpha val="85000"/>
+            </a:srgbClr>
+          </a:solidFill>
+          <a:ln w="19050">
+            <a:solidFill>
+              <a:schemeClr val="accent6"/>
+            </a:solidFill>
+          </a:ln>
+        </p:spPr>
+        <p:style>
+          <a:lnRef idx="2">
+            <a:schemeClr val="accent1">
+              <a:shade val="50000"/>
+            </a:schemeClr>
+          </a:lnRef>
+          <a:fillRef idx="1">
+            <a:schemeClr val="accent1"/>
+          </a:fillRef>
+          <a:effectRef idx="0">
+            <a:schemeClr val="accent1"/>
+          </a:effectRef>
+          <a:fontRef idx="minor">
+            <a:schemeClr val="lt1"/>
+          </a:fontRef>
+        </p:style>
+        <p:txBody>
+          <a:bodyPr rtlCol="0" anchor="ctr"/>
+          <a:lstStyle/>
+          <a:p>
+            <a:pPr algn="ctr"/>
+            <a:r>
+              <a:rPr lang="de-DE" sz="1600" dirty="0" err="1">
+                <a:solidFill>
+                  <a:schemeClr val="tx1"/>
+                </a:solidFill>
+              </a:rPr>
+              <a:t>clutch</a:t>
+            </a:r>
+            <a:r>
+              <a:rPr lang="de-DE" sz="1600" dirty="0">
+                <a:solidFill>
+                  <a:schemeClr val="tx1"/>
+                </a:solidFill>
+              </a:rPr>
+              <a:t> </a:t>
+            </a:r>
+            <a:r>
+              <a:rPr lang="de-DE" sz="1600" dirty="0" err="1">
+                <a:solidFill>
+                  <a:schemeClr val="tx1"/>
+                </a:solidFill>
+              </a:rPr>
+              <a:t>auto</a:t>
+            </a:r>
+            <a:r>
+              <a:rPr lang="de-DE" sz="1600" dirty="0">
+                <a:solidFill>
+                  <a:schemeClr val="tx1"/>
+                </a:solidFill>
+              </a:rPr>
+              <a:t>./</a:t>
+            </a:r>
+            <a:r>
+              <a:rPr lang="de-DE" sz="1600" dirty="0" err="1">
+                <a:solidFill>
+                  <a:schemeClr val="tx1"/>
+                </a:solidFill>
+              </a:rPr>
+              <a:t>manual</a:t>
+            </a:r>
+            <a:br>
+              <a:rPr lang="de-DE" sz="4000" dirty="0">
+                <a:solidFill>
+                  <a:schemeClr val="tx1"/>
+                </a:solidFill>
+              </a:rPr>
+            </a:br>
+            <a:r>
+              <a:rPr lang="de-DE" sz="600" dirty="0" err="1">
+                <a:solidFill>
+                  <a:schemeClr val="tx1"/>
+                </a:solidFill>
+              </a:rPr>
+              <a:t>mrGearboxMogliCLUTCH</a:t>
+            </a:r>
+            <a:endParaRPr lang="en-US" sz="1200" dirty="0">
+              <a:solidFill>
+                <a:schemeClr val="tx1"/>
+              </a:solidFill>
+            </a:endParaRPr>
+          </a:p>
+        </p:txBody>
+      </p:sp>
+      <p:cxnSp>
+        <p:nvCxnSpPr>
+          <p:cNvPr id="41" name="Straight Connector 40"/>
+          <p:cNvCxnSpPr>
+            <a:stCxn id="38" idx="0"/>
+            <a:endCxn id="37" idx="2"/>
+          </p:cNvCxnSpPr>
+          <p:nvPr/>
+        </p:nvCxnSpPr>
+        <p:spPr>
+          <a:xfrm flipH="1" flipV="1">
+            <a:off x="5678897" y="4228389"/>
+            <a:ext cx="99802" cy="142165"/>
+          </a:xfrm>
+          <a:prstGeom prst="line">
+            <a:avLst/>
+          </a:prstGeom>
+          <a:ln w="19050">
+            <a:solidFill>
+              <a:schemeClr val="accent6"/>
+            </a:solidFill>
+          </a:ln>
+        </p:spPr>
+        <p:style>
+          <a:lnRef idx="1">
+            <a:schemeClr val="accent1"/>
+          </a:lnRef>
+          <a:fillRef idx="0">
+            <a:schemeClr val="accent1"/>
+          </a:fillRef>
+          <a:effectRef idx="0">
+            <a:schemeClr val="accent1"/>
+          </a:effectRef>
+          <a:fontRef idx="minor">
+            <a:schemeClr val="tx1"/>
+          </a:fontRef>
+        </p:style>
+      </p:cxnSp>
+      <p:sp>
+        <p:nvSpPr>
+          <p:cNvPr id="42" name="Rectangle 41"/>
+          <p:cNvSpPr/>
+          <p:nvPr/>
+        </p:nvSpPr>
+        <p:spPr>
+          <a:xfrm>
+            <a:off x="5923617" y="3864706"/>
+            <a:ext cx="363682" cy="363683"/>
+          </a:xfrm>
+          <a:prstGeom prst="rect">
+            <a:avLst/>
+          </a:prstGeom>
+          <a:noFill/>
+          <a:ln w="19050">
+            <a:solidFill>
+              <a:schemeClr val="accent6">
+                <a:lumMod val="60000"/>
+                <a:lumOff val="40000"/>
+              </a:schemeClr>
+            </a:solidFill>
+          </a:ln>
+        </p:spPr>
+        <p:style>
+          <a:lnRef idx="2">
+            <a:schemeClr val="accent1">
+              <a:shade val="50000"/>
+            </a:schemeClr>
+          </a:lnRef>
+          <a:fillRef idx="1">
+            <a:schemeClr val="accent1"/>
+          </a:fillRef>
+          <a:effectRef idx="0">
+            <a:schemeClr val="accent1"/>
+          </a:effectRef>
+          <a:fontRef idx="minor">
+            <a:schemeClr val="lt1"/>
+          </a:fontRef>
+        </p:style>
+        <p:txBody>
+          <a:bodyPr rot="0" spcFirstLastPara="0" vertOverflow="overflow" horzOverflow="overflow" vert="horz" wrap="square" lIns="91440" tIns="45720" rIns="91440" bIns="45720" numCol="1" spcCol="0" rtlCol="0" fromWordArt="0" anchor="ctr" anchorCtr="0" forceAA="0" compatLnSpc="1">
+            <a:prstTxWarp prst="textNoShape">
+              <a:avLst/>
+            </a:prstTxWarp>
+            <a:noAutofit/>
+          </a:bodyPr>
+          <a:lstStyle/>
+          <a:p>
+            <a:pPr algn="ctr"/>
+            <a:endParaRPr lang="en-US" sz="1600" dirty="0">
+              <a:solidFill>
+                <a:schemeClr val="tx1"/>
+              </a:solidFill>
+            </a:endParaRPr>
+          </a:p>
+        </p:txBody>
+      </p:sp>
+      <p:sp>
+        <p:nvSpPr>
+          <p:cNvPr id="43" name="Rectangle 42"/>
+          <p:cNvSpPr/>
+          <p:nvPr/>
+        </p:nvSpPr>
+        <p:spPr>
+          <a:xfrm>
+            <a:off x="7038981" y="4370554"/>
+            <a:ext cx="1188000" cy="432000"/>
+          </a:xfrm>
+          <a:prstGeom prst="rect">
+            <a:avLst/>
+          </a:prstGeom>
+          <a:solidFill>
+            <a:srgbClr val="FFFFFF">
+              <a:alpha val="85000"/>
+            </a:srgbClr>
+          </a:solidFill>
+          <a:ln w="19050">
+            <a:solidFill>
+              <a:schemeClr val="accent6">
+                <a:lumMod val="60000"/>
+                <a:lumOff val="40000"/>
+              </a:schemeClr>
+            </a:solidFill>
+          </a:ln>
+        </p:spPr>
+        <p:style>
+          <a:lnRef idx="2">
+            <a:schemeClr val="accent1">
+              <a:shade val="50000"/>
+            </a:schemeClr>
+          </a:lnRef>
+          <a:fillRef idx="1">
+            <a:schemeClr val="accent1"/>
+          </a:fillRef>
+          <a:effectRef idx="0">
+            <a:schemeClr val="accent1"/>
+          </a:effectRef>
+          <a:fontRef idx="minor">
+            <a:schemeClr val="lt1"/>
+          </a:fontRef>
+        </p:style>
+        <p:txBody>
+          <a:bodyPr rtlCol="0" anchor="ctr"/>
+          <a:lstStyle/>
+          <a:p>
+            <a:pPr lvl="0" algn="ctr"/>
+            <a:r>
+              <a:rPr lang="de-DE" sz="1600" dirty="0">
+                <a:solidFill>
+                  <a:prstClr val="black"/>
+                </a:solidFill>
+              </a:rPr>
+              <a:t>All Auto</a:t>
+            </a:r>
+            <a:br>
+              <a:rPr lang="de-DE" sz="4000" dirty="0">
+                <a:solidFill>
+                  <a:prstClr val="black"/>
+                </a:solidFill>
+              </a:rPr>
+            </a:br>
+            <a:r>
+              <a:rPr lang="de-DE" sz="600" dirty="0" err="1">
+                <a:solidFill>
+                  <a:prstClr val="black"/>
+                </a:solidFill>
+              </a:rPr>
+              <a:t>mrGearboxMogliCLUTCH</a:t>
+            </a:r>
+            <a:endParaRPr lang="en-US" sz="1200" dirty="0">
+              <a:solidFill>
+                <a:prstClr val="black"/>
+              </a:solidFill>
+            </a:endParaRPr>
+          </a:p>
+        </p:txBody>
+      </p:sp>
+      <p:cxnSp>
+        <p:nvCxnSpPr>
+          <p:cNvPr id="44" name="Straight Connector 43"/>
+          <p:cNvCxnSpPr>
+            <a:stCxn id="42" idx="2"/>
+            <a:endCxn id="43" idx="0"/>
+          </p:cNvCxnSpPr>
+          <p:nvPr/>
+        </p:nvCxnSpPr>
+        <p:spPr>
+          <a:xfrm>
+            <a:off x="6105458" y="4228389"/>
+            <a:ext cx="1527523" cy="142165"/>
+          </a:xfrm>
+          <a:prstGeom prst="line">
+            <a:avLst/>
+          </a:prstGeom>
+          <a:ln w="19050">
+            <a:solidFill>
+              <a:schemeClr val="accent6">
+                <a:lumMod val="60000"/>
+                <a:lumOff val="40000"/>
+              </a:schemeClr>
+            </a:solidFill>
+          </a:ln>
+        </p:spPr>
+        <p:style>
+          <a:lnRef idx="1">
+            <a:schemeClr val="accent1"/>
+          </a:lnRef>
+          <a:fillRef idx="0">
+            <a:schemeClr val="accent1"/>
+          </a:fillRef>
+          <a:effectRef idx="0">
+            <a:schemeClr val="accent1"/>
+          </a:effectRef>
+          <a:fontRef idx="minor">
+            <a:schemeClr val="tx1"/>
+          </a:fontRef>
+        </p:style>
+      </p:cxnSp>
+    </p:spTree>
+    <p:extLst>
+      <p:ext uri="{BB962C8B-B14F-4D97-AF65-F5344CB8AC3E}">
+        <p14:creationId xmlns:p14="http://schemas.microsoft.com/office/powerpoint/2010/main" val="2669409844"/>
+      </p:ext>
+    </p:extLst>
+  </p:cSld>
+  <p:clrMapOvr>
+    <a:masterClrMapping/>
+  </p:clrMapOvr>
+</p:sld>
+</file>
+
+<file path=ppt/slides/slide6.xml><?xml version="1.0" encoding="utf-8"?>
+<p:sld xmlns:a="http://schemas.openxmlformats.org/drawingml/2006/main" xmlns:r="http://schemas.openxmlformats.org/officeDocument/2006/relationships" xmlns:p="http://schemas.openxmlformats.org/presentationml/2006/main">
+  <p:cSld>
+    <p:spTree>
+      <p:nvGrpSpPr>
+        <p:cNvPr id="1" name=""/>
+        <p:cNvGrpSpPr/>
+        <p:nvPr/>
+      </p:nvGrpSpPr>
+      <p:grpSpPr>
+        <a:xfrm>
+          <a:off x="0" y="0"/>
+          <a:ext cx="0" cy="0"/>
+          <a:chOff x="0" y="0"/>
+          <a:chExt cx="0" cy="0"/>
+        </a:xfrm>
+      </p:grpSpPr>
+      <p:pic>
+        <p:nvPicPr>
+          <p:cNvPr id="23" name="Picture 2" descr="http://ascii-table.com/img/keyboard-103P.png"/>
+          <p:cNvPicPr>
+            <a:picLocks noChangeAspect="1" noChangeArrowheads="1"/>
+          </p:cNvPicPr>
+          <p:nvPr/>
+        </p:nvPicPr>
+        <p:blipFill>
+          <a:blip r:embed="rId2">
+            <a:extLst>
+              <a:ext uri="{28A0092B-C50C-407E-A947-70E740481C1C}">
+                <a14:useLocalDpi xmlns:a14="http://schemas.microsoft.com/office/drawing/2010/main" val="0"/>
+              </a:ext>
+            </a:extLst>
+          </a:blip>
+          <a:srcRect/>
+          <a:stretch>
+            <a:fillRect/>
+          </a:stretch>
+        </p:blipFill>
+        <p:spPr bwMode="auto">
+          <a:xfrm>
+            <a:off x="1324595" y="2512046"/>
+            <a:ext cx="6691355" cy="2222324"/>
+          </a:xfrm>
+          <a:prstGeom prst="rect">
+            <a:avLst/>
+          </a:prstGeom>
+          <a:noFill/>
+          <a:extLst>
+            <a:ext uri="{909E8E84-426E-40DD-AFC4-6F175D3DCCD1}">
+              <a14:hiddenFill xmlns:a14="http://schemas.microsoft.com/office/drawing/2010/main">
+                <a:solidFill>
+                  <a:srgbClr val="FFFFFF"/>
+                </a:solidFill>
+              </a14:hiddenFill>
+            </a:ext>
+          </a:extLst>
+        </p:spPr>
+      </p:pic>
+      <p:sp>
+        <p:nvSpPr>
+          <p:cNvPr id="40" name="Rectangle 39"/>
+          <p:cNvSpPr/>
+          <p:nvPr/>
+        </p:nvSpPr>
+        <p:spPr>
+          <a:xfrm>
+            <a:off x="6435791" y="4258964"/>
+            <a:ext cx="1054646" cy="406821"/>
+          </a:xfrm>
+          <a:prstGeom prst="rect">
+            <a:avLst/>
+          </a:prstGeom>
+          <a:solidFill>
+            <a:schemeClr val="bg1">
+              <a:alpha val="85000"/>
+            </a:schemeClr>
+          </a:solidFill>
+          <a:ln w="57150">
+            <a:solidFill>
+              <a:srgbClr val="7030A0"/>
+            </a:solidFill>
+          </a:ln>
+        </p:spPr>
+        <p:style>
+          <a:lnRef idx="2">
+            <a:schemeClr val="accent1">
+              <a:shade val="50000"/>
+            </a:schemeClr>
+          </a:lnRef>
+          <a:fillRef idx="1">
+            <a:schemeClr val="accent1"/>
+          </a:fillRef>
+          <a:effectRef idx="0">
+            <a:schemeClr val="accent1"/>
+          </a:effectRef>
+          <a:fontRef idx="minor">
+            <a:schemeClr val="lt1"/>
+          </a:fontRef>
+        </p:style>
+        <p:txBody>
+          <a:bodyPr rot="0" spcFirstLastPara="0" vertOverflow="overflow" horzOverflow="overflow" vert="horz" wrap="square" lIns="91440" tIns="45720" rIns="91440" bIns="45720" numCol="1" spcCol="0" rtlCol="0" fromWordArt="0" anchor="ctr" anchorCtr="0" forceAA="0" compatLnSpc="1">
+            <a:prstTxWarp prst="textNoShape">
+              <a:avLst/>
+            </a:prstTxWarp>
+            <a:noAutofit/>
+          </a:bodyPr>
+          <a:lstStyle/>
+          <a:p>
+            <a:pPr algn="ctr"/>
+            <a:r>
+              <a:rPr lang="de-DE" sz="1000" dirty="0" err="1">
+                <a:solidFill>
+                  <a:schemeClr val="tx1"/>
+                </a:solidFill>
+              </a:rPr>
+              <a:t>RStrg</a:t>
+            </a:r>
+            <a:endParaRPr lang="en-US" sz="1000" dirty="0">
+              <a:solidFill>
+                <a:schemeClr val="tx1"/>
+              </a:solidFill>
+            </a:endParaRPr>
+          </a:p>
+        </p:txBody>
+      </p:sp>
+      <p:sp>
+        <p:nvSpPr>
+          <p:cNvPr id="45" name="Rectangle 44"/>
+          <p:cNvSpPr/>
+          <p:nvPr/>
+        </p:nvSpPr>
+        <p:spPr>
+          <a:xfrm>
+            <a:off x="6553999" y="3430466"/>
+            <a:ext cx="363682" cy="363683"/>
+          </a:xfrm>
+          <a:prstGeom prst="rect">
+            <a:avLst/>
+          </a:prstGeom>
+          <a:noFill/>
+          <a:ln w="19050">
+            <a:solidFill>
+              <a:schemeClr val="accent2"/>
+            </a:solidFill>
+          </a:ln>
+        </p:spPr>
+        <p:style>
+          <a:lnRef idx="2">
+            <a:schemeClr val="accent1">
+              <a:shade val="50000"/>
+            </a:schemeClr>
+          </a:lnRef>
+          <a:fillRef idx="1">
+            <a:schemeClr val="accent1"/>
+          </a:fillRef>
+          <a:effectRef idx="0">
+            <a:schemeClr val="accent1"/>
+          </a:effectRef>
+          <a:fontRef idx="minor">
+            <a:schemeClr val="lt1"/>
+          </a:fontRef>
+        </p:style>
+        <p:txBody>
+          <a:bodyPr rot="0" spcFirstLastPara="0" vertOverflow="overflow" horzOverflow="overflow" vert="horz" wrap="square" lIns="91440" tIns="45720" rIns="91440" bIns="45720" numCol="1" spcCol="0" rtlCol="0" fromWordArt="0" anchor="ctr" anchorCtr="0" forceAA="0" compatLnSpc="1">
+            <a:prstTxWarp prst="textNoShape">
+              <a:avLst/>
+            </a:prstTxWarp>
+            <a:noAutofit/>
+          </a:bodyPr>
+          <a:lstStyle/>
+          <a:p>
+            <a:pPr algn="ctr"/>
+            <a:endParaRPr lang="en-US" sz="1600" dirty="0">
+              <a:solidFill>
+                <a:schemeClr val="tx1"/>
+              </a:solidFill>
+            </a:endParaRPr>
+          </a:p>
+        </p:txBody>
+      </p:sp>
+      <p:sp>
+        <p:nvSpPr>
+          <p:cNvPr id="46" name="Rectangle 45"/>
+          <p:cNvSpPr/>
+          <p:nvPr/>
+        </p:nvSpPr>
+        <p:spPr>
+          <a:xfrm>
+            <a:off x="7030336" y="3279239"/>
+            <a:ext cx="1188000" cy="432000"/>
+          </a:xfrm>
+          <a:prstGeom prst="rect">
+            <a:avLst/>
+          </a:prstGeom>
+          <a:solidFill>
+            <a:srgbClr val="FFFFFF">
+              <a:alpha val="85000"/>
+            </a:srgbClr>
+          </a:solidFill>
+          <a:ln w="19050">
+            <a:solidFill>
+              <a:schemeClr val="accent2"/>
+            </a:solidFill>
+          </a:ln>
+        </p:spPr>
+        <p:style>
+          <a:lnRef idx="2">
+            <a:schemeClr val="accent1">
+              <a:shade val="50000"/>
+            </a:schemeClr>
+          </a:lnRef>
+          <a:fillRef idx="1">
+            <a:schemeClr val="accent1"/>
+          </a:fillRef>
+          <a:effectRef idx="0">
+            <a:schemeClr val="accent1"/>
+          </a:effectRef>
+          <a:fontRef idx="minor">
+            <a:schemeClr val="lt1"/>
+          </a:fontRef>
+        </p:style>
+        <p:txBody>
+          <a:bodyPr rtlCol="0" anchor="ctr"/>
+          <a:lstStyle/>
+          <a:p>
+            <a:pPr algn="ctr"/>
+            <a:r>
+              <a:rPr lang="de-DE" sz="1600" dirty="0" err="1">
+                <a:solidFill>
+                  <a:schemeClr val="tx1"/>
+                </a:solidFill>
+              </a:rPr>
+              <a:t>group</a:t>
+            </a:r>
+            <a:r>
+              <a:rPr lang="de-DE" sz="1600" dirty="0">
+                <a:solidFill>
+                  <a:schemeClr val="tx1"/>
+                </a:solidFill>
+              </a:rPr>
+              <a:t> +/-</a:t>
+            </a:r>
+            <a:br>
+              <a:rPr lang="de-DE" sz="4000" dirty="0">
+                <a:solidFill>
+                  <a:schemeClr val="tx1"/>
+                </a:solidFill>
+              </a:rPr>
+            </a:br>
+            <a:r>
+              <a:rPr lang="de-DE" sz="600" dirty="0" err="1">
+                <a:solidFill>
+                  <a:schemeClr val="tx1"/>
+                </a:solidFill>
+              </a:rPr>
+              <a:t>gearboxMogliSHIFTRANGETOGGLE</a:t>
+            </a:r>
+            <a:endParaRPr lang="en-US" sz="1600" dirty="0">
+              <a:solidFill>
+                <a:schemeClr val="tx1"/>
+              </a:solidFill>
+            </a:endParaRPr>
+          </a:p>
+        </p:txBody>
+      </p:sp>
+      <p:cxnSp>
+        <p:nvCxnSpPr>
+          <p:cNvPr id="47" name="Straight Connector 46"/>
+          <p:cNvCxnSpPr>
+            <a:stCxn id="45" idx="3"/>
+            <a:endCxn id="46" idx="1"/>
+          </p:cNvCxnSpPr>
+          <p:nvPr/>
+        </p:nvCxnSpPr>
+        <p:spPr>
+          <a:xfrm flipV="1">
+            <a:off x="6917681" y="3495239"/>
+            <a:ext cx="112655" cy="117069"/>
+          </a:xfrm>
+          <a:prstGeom prst="line">
+            <a:avLst/>
+          </a:prstGeom>
+          <a:ln w="19050">
+            <a:solidFill>
+              <a:schemeClr val="accent2"/>
+            </a:solidFill>
+          </a:ln>
+        </p:spPr>
+        <p:style>
+          <a:lnRef idx="1">
+            <a:schemeClr val="accent1"/>
+          </a:lnRef>
+          <a:fillRef idx="0">
+            <a:schemeClr val="accent1"/>
+          </a:fillRef>
+          <a:effectRef idx="0">
+            <a:schemeClr val="accent1"/>
+          </a:effectRef>
+          <a:fontRef idx="minor">
+            <a:schemeClr val="tx1"/>
+          </a:fontRef>
+        </p:style>
+      </p:cxnSp>
+      <p:sp>
+        <p:nvSpPr>
+          <p:cNvPr id="48" name="Rectangle 47"/>
+          <p:cNvSpPr/>
+          <p:nvPr/>
+        </p:nvSpPr>
+        <p:spPr>
+          <a:xfrm>
+            <a:off x="5923617" y="3864706"/>
+            <a:ext cx="363682" cy="363683"/>
+          </a:xfrm>
+          <a:prstGeom prst="rect">
+            <a:avLst/>
+          </a:prstGeom>
+          <a:noFill/>
+          <a:ln w="19050">
+            <a:solidFill>
+              <a:schemeClr val="accent6">
+                <a:lumMod val="60000"/>
+                <a:lumOff val="40000"/>
+              </a:schemeClr>
+            </a:solidFill>
+          </a:ln>
+        </p:spPr>
+        <p:style>
+          <a:lnRef idx="2">
+            <a:schemeClr val="accent1">
+              <a:shade val="50000"/>
+            </a:schemeClr>
+          </a:lnRef>
+          <a:fillRef idx="1">
+            <a:schemeClr val="accent1"/>
+          </a:fillRef>
+          <a:effectRef idx="0">
+            <a:schemeClr val="accent1"/>
+          </a:effectRef>
+          <a:fontRef idx="minor">
+            <a:schemeClr val="lt1"/>
+          </a:fontRef>
+        </p:style>
+        <p:txBody>
+          <a:bodyPr rot="0" spcFirstLastPara="0" vertOverflow="overflow" horzOverflow="overflow" vert="horz" wrap="square" lIns="91440" tIns="45720" rIns="91440" bIns="45720" numCol="1" spcCol="0" rtlCol="0" fromWordArt="0" anchor="ctr" anchorCtr="0" forceAA="0" compatLnSpc="1">
+            <a:prstTxWarp prst="textNoShape">
+              <a:avLst/>
+            </a:prstTxWarp>
+            <a:noAutofit/>
+          </a:bodyPr>
+          <a:lstStyle/>
+          <a:p>
+            <a:pPr algn="ctr"/>
+            <a:endParaRPr lang="en-US" sz="1600" dirty="0">
+              <a:solidFill>
+                <a:schemeClr val="tx1"/>
+              </a:solidFill>
+            </a:endParaRPr>
+          </a:p>
+        </p:txBody>
+      </p:sp>
+      <p:sp>
+        <p:nvSpPr>
+          <p:cNvPr id="49" name="Rectangle 48"/>
+          <p:cNvSpPr/>
+          <p:nvPr/>
+        </p:nvSpPr>
+        <p:spPr>
+          <a:xfrm>
+            <a:off x="7038981" y="3763807"/>
+            <a:ext cx="1188000" cy="432000"/>
+          </a:xfrm>
+          <a:prstGeom prst="rect">
+            <a:avLst/>
+          </a:prstGeom>
+          <a:solidFill>
+            <a:srgbClr val="FFFFFF">
+              <a:alpha val="85000"/>
+            </a:srgbClr>
+          </a:solidFill>
+          <a:ln w="19050">
+            <a:solidFill>
+              <a:schemeClr val="accent6">
+                <a:lumMod val="60000"/>
+                <a:lumOff val="40000"/>
+              </a:schemeClr>
+            </a:solidFill>
+          </a:ln>
+        </p:spPr>
+        <p:style>
+          <a:lnRef idx="2">
+            <a:schemeClr val="accent1">
+              <a:shade val="50000"/>
+            </a:schemeClr>
+          </a:lnRef>
+          <a:fillRef idx="1">
+            <a:schemeClr val="accent1"/>
+          </a:fillRef>
+          <a:effectRef idx="0">
+            <a:schemeClr val="accent1"/>
+          </a:effectRef>
+          <a:fontRef idx="minor">
+            <a:schemeClr val="lt1"/>
+          </a:fontRef>
+        </p:style>
+        <p:txBody>
+          <a:bodyPr rtlCol="0" anchor="ctr"/>
+          <a:lstStyle/>
+          <a:p>
+            <a:pPr lvl="0" algn="ctr"/>
+            <a:r>
+              <a:rPr lang="de-DE" sz="1600" dirty="0" err="1">
+                <a:solidFill>
+                  <a:prstClr val="black"/>
+                </a:solidFill>
+              </a:rPr>
+              <a:t>automatic</a:t>
+            </a:r>
+            <a:br>
+              <a:rPr lang="de-DE" sz="4000" dirty="0">
+                <a:solidFill>
+                  <a:prstClr val="black"/>
+                </a:solidFill>
+              </a:rPr>
+            </a:br>
+            <a:r>
+              <a:rPr lang="de-DE" sz="600" dirty="0" err="1">
+                <a:solidFill>
+                  <a:prstClr val="black"/>
+                </a:solidFill>
+              </a:rPr>
+              <a:t>gearboxMogliAUTOMATIC</a:t>
+            </a:r>
+            <a:endParaRPr lang="en-US" sz="1200" dirty="0">
+              <a:solidFill>
+                <a:prstClr val="black"/>
+              </a:solidFill>
+            </a:endParaRPr>
+          </a:p>
+        </p:txBody>
+      </p:sp>
+      <p:cxnSp>
+        <p:nvCxnSpPr>
+          <p:cNvPr id="50" name="Straight Connector 49"/>
+          <p:cNvCxnSpPr>
+            <a:stCxn id="48" idx="3"/>
+            <a:endCxn id="49" idx="1"/>
+          </p:cNvCxnSpPr>
+          <p:nvPr/>
+        </p:nvCxnSpPr>
+        <p:spPr>
+          <a:xfrm flipV="1">
+            <a:off x="6287299" y="3979807"/>
+            <a:ext cx="751682" cy="66741"/>
+          </a:xfrm>
+          <a:prstGeom prst="line">
+            <a:avLst/>
+          </a:prstGeom>
+          <a:ln w="19050">
+            <a:solidFill>
+              <a:schemeClr val="accent6">
+                <a:lumMod val="60000"/>
+                <a:lumOff val="40000"/>
+              </a:schemeClr>
+            </a:solidFill>
+          </a:ln>
+        </p:spPr>
+        <p:style>
+          <a:lnRef idx="1">
+            <a:schemeClr val="accent1"/>
+          </a:lnRef>
+          <a:fillRef idx="0">
+            <a:schemeClr val="accent1"/>
+          </a:fillRef>
+          <a:effectRef idx="0">
+            <a:schemeClr val="accent1"/>
+          </a:effectRef>
+          <a:fontRef idx="minor">
+            <a:schemeClr val="tx1"/>
+          </a:fontRef>
+        </p:style>
+      </p:cxnSp>
+      <p:sp>
+        <p:nvSpPr>
+          <p:cNvPr id="51" name="Rectangle 50"/>
+          <p:cNvSpPr/>
+          <p:nvPr/>
+        </p:nvSpPr>
+        <p:spPr>
+          <a:xfrm>
+            <a:off x="5702166" y="3432552"/>
+            <a:ext cx="363682" cy="363683"/>
+          </a:xfrm>
+          <a:prstGeom prst="rect">
+            <a:avLst/>
+          </a:prstGeom>
+          <a:noFill/>
+          <a:ln w="19050">
+            <a:solidFill>
+              <a:srgbClr val="C00000"/>
+            </a:solidFill>
+          </a:ln>
+        </p:spPr>
+        <p:style>
+          <a:lnRef idx="2">
+            <a:schemeClr val="accent1">
+              <a:shade val="50000"/>
+            </a:schemeClr>
+          </a:lnRef>
+          <a:fillRef idx="1">
+            <a:schemeClr val="accent1"/>
+          </a:fillRef>
+          <a:effectRef idx="0">
+            <a:schemeClr val="accent1"/>
+          </a:effectRef>
+          <a:fontRef idx="minor">
+            <a:schemeClr val="lt1"/>
+          </a:fontRef>
+        </p:style>
+        <p:txBody>
+          <a:bodyPr rot="0" spcFirstLastPara="0" vertOverflow="overflow" horzOverflow="overflow" vert="horz" wrap="square" lIns="91440" tIns="45720" rIns="91440" bIns="45720" numCol="1" spcCol="0" rtlCol="0" fromWordArt="0" anchor="ctr" anchorCtr="0" forceAA="0" compatLnSpc="1">
+            <a:prstTxWarp prst="textNoShape">
+              <a:avLst/>
+            </a:prstTxWarp>
+            <a:noAutofit/>
+          </a:bodyPr>
+          <a:lstStyle/>
+          <a:p>
+            <a:pPr algn="ctr"/>
+            <a:endParaRPr lang="en-US" sz="1600" dirty="0">
+              <a:solidFill>
+                <a:schemeClr val="tx1"/>
+              </a:solidFill>
+            </a:endParaRPr>
+          </a:p>
+        </p:txBody>
+      </p:sp>
+      <p:sp>
+        <p:nvSpPr>
+          <p:cNvPr id="52" name="Rectangle 51"/>
+          <p:cNvSpPr/>
+          <p:nvPr/>
+        </p:nvSpPr>
+        <p:spPr>
+          <a:xfrm>
+            <a:off x="4178893" y="3375087"/>
+            <a:ext cx="1288280" cy="432000"/>
+          </a:xfrm>
+          <a:prstGeom prst="rect">
+            <a:avLst/>
+          </a:prstGeom>
+          <a:solidFill>
+            <a:srgbClr val="FFFFFF">
+              <a:alpha val="85000"/>
+            </a:srgbClr>
+          </a:solidFill>
+          <a:ln w="19050">
+            <a:solidFill>
+              <a:srgbClr val="C00000"/>
+            </a:solidFill>
+          </a:ln>
+        </p:spPr>
+        <p:style>
+          <a:lnRef idx="2">
+            <a:schemeClr val="accent1">
+              <a:shade val="50000"/>
+            </a:schemeClr>
+          </a:lnRef>
+          <a:fillRef idx="1">
+            <a:schemeClr val="accent1"/>
+          </a:fillRef>
+          <a:effectRef idx="0">
+            <a:schemeClr val="accent1"/>
+          </a:effectRef>
+          <a:fontRef idx="minor">
+            <a:schemeClr val="lt1"/>
+          </a:fontRef>
+        </p:style>
+        <p:txBody>
+          <a:bodyPr rtlCol="0" anchor="ctr"/>
+          <a:lstStyle/>
+          <a:p>
+            <a:pPr algn="ctr"/>
+            <a:r>
+              <a:rPr lang="de-DE" sz="1600" dirty="0" err="1">
+                <a:solidFill>
+                  <a:schemeClr val="tx1"/>
+                </a:solidFill>
+              </a:rPr>
+              <a:t>settings</a:t>
+            </a:r>
+            <a:r>
+              <a:rPr lang="de-DE" sz="1600" dirty="0">
+                <a:solidFill>
+                  <a:schemeClr val="tx1"/>
+                </a:solidFill>
+              </a:rPr>
+              <a:t> HUD</a:t>
+            </a:r>
+            <a:br>
+              <a:rPr lang="de-DE" sz="4000" dirty="0">
+                <a:solidFill>
+                  <a:schemeClr val="tx1"/>
+                </a:solidFill>
+              </a:rPr>
+            </a:br>
+            <a:r>
+              <a:rPr lang="de-DE" sz="600" dirty="0" err="1">
+                <a:solidFill>
+                  <a:schemeClr val="tx1"/>
+                </a:solidFill>
+              </a:rPr>
+              <a:t>gearboxMogliSETTINGS</a:t>
+            </a:r>
+            <a:endParaRPr lang="en-US" sz="1600" dirty="0">
+              <a:solidFill>
+                <a:schemeClr val="tx1"/>
+              </a:solidFill>
+            </a:endParaRPr>
+          </a:p>
+        </p:txBody>
+      </p:sp>
+      <p:cxnSp>
+        <p:nvCxnSpPr>
+          <p:cNvPr id="53" name="Straight Connector 52"/>
+          <p:cNvCxnSpPr>
+            <a:stCxn id="52" idx="3"/>
+            <a:endCxn id="51" idx="1"/>
+          </p:cNvCxnSpPr>
+          <p:nvPr/>
+        </p:nvCxnSpPr>
+        <p:spPr>
+          <a:xfrm>
+            <a:off x="5467173" y="3591087"/>
+            <a:ext cx="234993" cy="23307"/>
+          </a:xfrm>
+          <a:prstGeom prst="line">
+            <a:avLst/>
+          </a:prstGeom>
+          <a:ln w="19050">
+            <a:solidFill>
+              <a:srgbClr val="C00000"/>
+            </a:solidFill>
+          </a:ln>
+        </p:spPr>
+        <p:style>
+          <a:lnRef idx="1">
+            <a:schemeClr val="accent1"/>
+          </a:lnRef>
+          <a:fillRef idx="0">
+            <a:schemeClr val="accent1"/>
+          </a:fillRef>
+          <a:effectRef idx="0">
+            <a:schemeClr val="accent1"/>
+          </a:effectRef>
+          <a:fontRef idx="minor">
+            <a:schemeClr val="tx1"/>
+          </a:fontRef>
+        </p:style>
+      </p:cxnSp>
+      <p:sp>
+        <p:nvSpPr>
+          <p:cNvPr id="54" name="Rectangle 53"/>
+          <p:cNvSpPr/>
+          <p:nvPr/>
+        </p:nvSpPr>
+        <p:spPr>
+          <a:xfrm>
+            <a:off x="2798129" y="4290646"/>
+            <a:ext cx="1603495" cy="375139"/>
+          </a:xfrm>
+          <a:prstGeom prst="rect">
+            <a:avLst/>
+          </a:prstGeom>
+          <a:solidFill>
+            <a:schemeClr val="bg1">
+              <a:alpha val="85000"/>
+            </a:schemeClr>
+          </a:solidFill>
+          <a:ln w="19050">
+            <a:solidFill>
+              <a:schemeClr val="bg1">
+                <a:lumMod val="65000"/>
+              </a:schemeClr>
+            </a:solidFill>
+          </a:ln>
+        </p:spPr>
+        <p:style>
+          <a:lnRef idx="2">
+            <a:schemeClr val="accent1">
+              <a:shade val="50000"/>
+            </a:schemeClr>
+          </a:lnRef>
+          <a:fillRef idx="1">
+            <a:schemeClr val="accent1"/>
+          </a:fillRef>
+          <a:effectRef idx="0">
+            <a:schemeClr val="accent1"/>
+          </a:effectRef>
+          <a:fontRef idx="minor">
+            <a:schemeClr val="lt1"/>
+          </a:fontRef>
+        </p:style>
+        <p:txBody>
+          <a:bodyPr lIns="90000" rtlCol="0" anchor="ctr"/>
+          <a:lstStyle/>
+          <a:p>
+            <a:pPr algn="ctr"/>
+            <a:r>
+              <a:rPr lang="de-DE" sz="1600" dirty="0" err="1">
+                <a:solidFill>
+                  <a:schemeClr val="tx1"/>
+                </a:solidFill>
+              </a:rPr>
+              <a:t>hand</a:t>
+            </a:r>
+            <a:r>
+              <a:rPr lang="de-DE" sz="1600" dirty="0">
+                <a:solidFill>
+                  <a:schemeClr val="tx1"/>
+                </a:solidFill>
+              </a:rPr>
+              <a:t> </a:t>
+            </a:r>
+            <a:r>
+              <a:rPr lang="de-DE" sz="1600" dirty="0" err="1">
+                <a:solidFill>
+                  <a:schemeClr val="tx1"/>
+                </a:solidFill>
+              </a:rPr>
+              <a:t>brake</a:t>
+            </a:r>
+            <a:br>
+              <a:rPr lang="de-DE" sz="4000" dirty="0">
+                <a:solidFill>
+                  <a:schemeClr val="tx1"/>
+                </a:solidFill>
+              </a:rPr>
+            </a:br>
+            <a:r>
+              <a:rPr lang="de-DE" sz="600" dirty="0" err="1">
+                <a:solidFill>
+                  <a:schemeClr val="tx1"/>
+                </a:solidFill>
+              </a:rPr>
+              <a:t>gearboxMogliHANDBRAKE</a:t>
+            </a:r>
+            <a:endParaRPr lang="en-US" sz="1600" dirty="0">
+              <a:solidFill>
+                <a:schemeClr val="tx1"/>
+              </a:solidFill>
+            </a:endParaRPr>
+          </a:p>
+        </p:txBody>
+      </p:sp>
+      <p:sp>
+        <p:nvSpPr>
+          <p:cNvPr id="55" name="Rectangle 54"/>
+          <p:cNvSpPr/>
+          <p:nvPr/>
+        </p:nvSpPr>
+        <p:spPr>
+          <a:xfrm>
+            <a:off x="6435791" y="3007636"/>
+            <a:ext cx="363682" cy="363683"/>
+          </a:xfrm>
+          <a:prstGeom prst="rect">
+            <a:avLst/>
+          </a:prstGeom>
+          <a:noFill/>
+          <a:ln w="19050">
+            <a:solidFill>
+              <a:schemeClr val="accent2">
+                <a:lumMod val="60000"/>
+                <a:lumOff val="40000"/>
+              </a:schemeClr>
+            </a:solidFill>
+          </a:ln>
+        </p:spPr>
+        <p:style>
+          <a:lnRef idx="2">
+            <a:schemeClr val="accent1">
+              <a:shade val="50000"/>
+            </a:schemeClr>
+          </a:lnRef>
+          <a:fillRef idx="1">
+            <a:schemeClr val="accent1"/>
+          </a:fillRef>
+          <a:effectRef idx="0">
+            <a:schemeClr val="accent1"/>
+          </a:effectRef>
+          <a:fontRef idx="minor">
+            <a:schemeClr val="lt1"/>
+          </a:fontRef>
+        </p:style>
+        <p:txBody>
+          <a:bodyPr rot="0" spcFirstLastPara="0" vertOverflow="overflow" horzOverflow="overflow" vert="horz" wrap="square" lIns="91440" tIns="45720" rIns="91440" bIns="45720" numCol="1" spcCol="0" rtlCol="0" fromWordArt="0" anchor="ctr" anchorCtr="0" forceAA="0" compatLnSpc="1">
+            <a:prstTxWarp prst="textNoShape">
+              <a:avLst/>
+            </a:prstTxWarp>
+            <a:noAutofit/>
+          </a:bodyPr>
+          <a:lstStyle/>
+          <a:p>
+            <a:pPr algn="ctr"/>
+            <a:endParaRPr lang="en-US" sz="1600" dirty="0">
+              <a:solidFill>
+                <a:schemeClr val="tx1"/>
+              </a:solidFill>
+            </a:endParaRPr>
+          </a:p>
+        </p:txBody>
+      </p:sp>
+      <p:sp>
+        <p:nvSpPr>
+          <p:cNvPr id="56" name="Rectangle 55"/>
+          <p:cNvSpPr/>
+          <p:nvPr/>
+        </p:nvSpPr>
+        <p:spPr>
+          <a:xfrm>
+            <a:off x="7033414" y="2748767"/>
+            <a:ext cx="1188000" cy="432000"/>
+          </a:xfrm>
+          <a:prstGeom prst="rect">
+            <a:avLst/>
+          </a:prstGeom>
+          <a:solidFill>
+            <a:srgbClr val="FFFFFF">
+              <a:alpha val="85000"/>
+            </a:srgbClr>
+          </a:solidFill>
+          <a:ln w="19050">
+            <a:solidFill>
+              <a:schemeClr val="accent2">
+                <a:lumMod val="40000"/>
+                <a:lumOff val="60000"/>
+              </a:schemeClr>
+            </a:solidFill>
+          </a:ln>
+        </p:spPr>
+        <p:style>
+          <a:lnRef idx="2">
+            <a:schemeClr val="accent1">
+              <a:shade val="50000"/>
+            </a:schemeClr>
+          </a:lnRef>
+          <a:fillRef idx="1">
+            <a:schemeClr val="accent1"/>
+          </a:fillRef>
+          <a:effectRef idx="0">
+            <a:schemeClr val="accent1"/>
+          </a:effectRef>
+          <a:fontRef idx="minor">
+            <a:schemeClr val="lt1"/>
+          </a:fontRef>
+        </p:style>
+        <p:txBody>
+          <a:bodyPr rtlCol="0" anchor="ctr"/>
+          <a:lstStyle/>
+          <a:p>
+            <a:pPr algn="ctr"/>
+            <a:r>
+              <a:rPr lang="de-DE" sz="1400" dirty="0" err="1">
+                <a:solidFill>
+                  <a:schemeClr val="tx1"/>
+                </a:solidFill>
+              </a:rPr>
+              <a:t>group</a:t>
+            </a:r>
+            <a:r>
+              <a:rPr lang="de-DE" sz="1400" dirty="0">
+                <a:solidFill>
+                  <a:schemeClr val="tx1"/>
+                </a:solidFill>
+              </a:rPr>
+              <a:t> 2 +/-</a:t>
+            </a:r>
+            <a:br>
+              <a:rPr lang="de-DE" sz="4000" dirty="0">
+                <a:solidFill>
+                  <a:schemeClr val="tx1"/>
+                </a:solidFill>
+              </a:rPr>
+            </a:br>
+            <a:r>
+              <a:rPr lang="de-DE" sz="600" dirty="0">
+                <a:solidFill>
+                  <a:schemeClr val="tx1"/>
+                </a:solidFill>
+              </a:rPr>
+              <a:t>gearboxMogliSHIFTRANGE2TOGGLE</a:t>
+            </a:r>
+            <a:endParaRPr lang="en-US" sz="1100" dirty="0">
+              <a:solidFill>
+                <a:schemeClr val="tx1"/>
+              </a:solidFill>
+            </a:endParaRPr>
+          </a:p>
+        </p:txBody>
+      </p:sp>
+      <p:cxnSp>
+        <p:nvCxnSpPr>
+          <p:cNvPr id="57" name="Straight Connector 56"/>
+          <p:cNvCxnSpPr>
+            <a:stCxn id="55" idx="3"/>
+            <a:endCxn id="56" idx="1"/>
+          </p:cNvCxnSpPr>
+          <p:nvPr/>
+        </p:nvCxnSpPr>
+        <p:spPr>
+          <a:xfrm flipV="1">
+            <a:off x="6799473" y="2964767"/>
+            <a:ext cx="233941" cy="224711"/>
+          </a:xfrm>
+          <a:prstGeom prst="line">
+            <a:avLst/>
+          </a:prstGeom>
+          <a:ln w="19050">
+            <a:solidFill>
+              <a:schemeClr val="accent2">
+                <a:lumMod val="40000"/>
+                <a:lumOff val="60000"/>
+              </a:schemeClr>
+            </a:solidFill>
+          </a:ln>
+        </p:spPr>
+        <p:style>
+          <a:lnRef idx="1">
+            <a:schemeClr val="accent1"/>
+          </a:lnRef>
+          <a:fillRef idx="0">
+            <a:schemeClr val="accent1"/>
+          </a:fillRef>
+          <a:effectRef idx="0">
+            <a:schemeClr val="accent1"/>
+          </a:effectRef>
+          <a:fontRef idx="minor">
+            <a:schemeClr val="tx1"/>
+          </a:fontRef>
+        </p:style>
+      </p:cxnSp>
+      <p:sp>
+        <p:nvSpPr>
+          <p:cNvPr id="58" name="Rectangle 57"/>
+          <p:cNvSpPr/>
+          <p:nvPr/>
+        </p:nvSpPr>
+        <p:spPr>
+          <a:xfrm>
+            <a:off x="2796249" y="2573168"/>
+            <a:ext cx="363682" cy="363683"/>
+          </a:xfrm>
+          <a:prstGeom prst="rect">
+            <a:avLst/>
+          </a:prstGeom>
+          <a:noFill/>
+          <a:ln w="19050">
+            <a:solidFill>
+              <a:schemeClr val="tx2"/>
+            </a:solidFill>
+          </a:ln>
+        </p:spPr>
+        <p:style>
+          <a:lnRef idx="2">
+            <a:schemeClr val="accent1">
+              <a:shade val="50000"/>
+            </a:schemeClr>
+          </a:lnRef>
+          <a:fillRef idx="1">
+            <a:schemeClr val="accent1"/>
+          </a:fillRef>
+          <a:effectRef idx="0">
+            <a:schemeClr val="accent1"/>
+          </a:effectRef>
+          <a:fontRef idx="minor">
+            <a:schemeClr val="lt1"/>
+          </a:fontRef>
+        </p:style>
+        <p:txBody>
+          <a:bodyPr rot="0" spcFirstLastPara="0" vertOverflow="overflow" horzOverflow="overflow" vert="horz" wrap="square" lIns="91440" tIns="45720" rIns="91440" bIns="45720" numCol="1" spcCol="0" rtlCol="0" fromWordArt="0" anchor="ctr" anchorCtr="0" forceAA="0" compatLnSpc="1">
+            <a:prstTxWarp prst="textNoShape">
+              <a:avLst/>
+            </a:prstTxWarp>
+            <a:noAutofit/>
+          </a:bodyPr>
+          <a:lstStyle/>
+          <a:p>
+            <a:pPr algn="ctr"/>
+            <a:endParaRPr lang="en-US" sz="1600" dirty="0">
+              <a:solidFill>
+                <a:schemeClr val="tx1"/>
+              </a:solidFill>
+            </a:endParaRPr>
+          </a:p>
+        </p:txBody>
+      </p:sp>
+      <p:sp>
+        <p:nvSpPr>
+          <p:cNvPr id="59" name="Rectangle 58"/>
+          <p:cNvSpPr/>
+          <p:nvPr/>
+        </p:nvSpPr>
+        <p:spPr>
+          <a:xfrm>
+            <a:off x="2639285" y="3063239"/>
+            <a:ext cx="1332000" cy="594000"/>
+          </a:xfrm>
+          <a:prstGeom prst="rect">
+            <a:avLst/>
+          </a:prstGeom>
+          <a:solidFill>
+            <a:srgbClr val="FFFFFF">
+              <a:alpha val="85000"/>
+            </a:srgbClr>
+          </a:solidFill>
+          <a:ln w="19050">
+            <a:solidFill>
+              <a:schemeClr val="tx2"/>
+            </a:solidFill>
+          </a:ln>
+        </p:spPr>
+        <p:style>
+          <a:lnRef idx="2">
+            <a:schemeClr val="accent1">
+              <a:shade val="50000"/>
+            </a:schemeClr>
+          </a:lnRef>
+          <a:fillRef idx="1">
+            <a:schemeClr val="accent1"/>
+          </a:fillRef>
+          <a:effectRef idx="0">
+            <a:schemeClr val="accent1"/>
+          </a:effectRef>
+          <a:fontRef idx="minor">
+            <a:schemeClr val="lt1"/>
+          </a:fontRef>
+        </p:style>
+        <p:txBody>
+          <a:bodyPr rtlCol="0" anchor="ctr"/>
+          <a:lstStyle/>
+          <a:p>
+            <a:pPr algn="ctr"/>
+            <a:r>
+              <a:rPr lang="de-DE" sz="1600" dirty="0" err="1">
+                <a:solidFill>
+                  <a:schemeClr val="tx1"/>
+                </a:solidFill>
+              </a:rPr>
+              <a:t>tempomat</a:t>
+            </a:r>
+            <a:r>
+              <a:rPr lang="de-DE" sz="1600" dirty="0">
+                <a:solidFill>
+                  <a:schemeClr val="tx1"/>
+                </a:solidFill>
+              </a:rPr>
+              <a:t> </a:t>
+            </a:r>
+            <a:r>
+              <a:rPr lang="de-DE" sz="1600" dirty="0" err="1">
+                <a:solidFill>
+                  <a:schemeClr val="tx1"/>
+                </a:solidFill>
+              </a:rPr>
+              <a:t>speed</a:t>
+            </a:r>
+            <a:r>
+              <a:rPr lang="de-DE" sz="1600" dirty="0">
+                <a:solidFill>
+                  <a:schemeClr val="tx1"/>
+                </a:solidFill>
+              </a:rPr>
+              <a:t> 3</a:t>
+            </a:r>
+          </a:p>
+          <a:p>
+            <a:pPr algn="ctr"/>
+            <a:r>
+              <a:rPr lang="de-DE" sz="600" dirty="0" err="1">
+                <a:solidFill>
+                  <a:schemeClr val="tx1"/>
+                </a:solidFill>
+              </a:rPr>
+              <a:t>gearboxMogliSWAPSPEEDR</a:t>
+            </a:r>
+            <a:endParaRPr lang="en-US" sz="1200" dirty="0">
+              <a:solidFill>
+                <a:schemeClr val="tx1"/>
+              </a:solidFill>
+            </a:endParaRPr>
+          </a:p>
+        </p:txBody>
+      </p:sp>
+      <p:cxnSp>
+        <p:nvCxnSpPr>
+          <p:cNvPr id="60" name="Straight Connector 59"/>
+          <p:cNvCxnSpPr>
+            <a:stCxn id="58" idx="2"/>
+            <a:endCxn id="59" idx="0"/>
+          </p:cNvCxnSpPr>
+          <p:nvPr/>
+        </p:nvCxnSpPr>
+        <p:spPr>
+          <a:xfrm>
+            <a:off x="2978090" y="2936851"/>
+            <a:ext cx="327195" cy="126388"/>
+          </a:xfrm>
+          <a:prstGeom prst="line">
+            <a:avLst/>
+          </a:prstGeom>
+          <a:ln w="19050">
+            <a:solidFill>
+              <a:schemeClr val="tx2"/>
+            </a:solidFill>
+          </a:ln>
+        </p:spPr>
+        <p:style>
+          <a:lnRef idx="1">
+            <a:schemeClr val="accent1"/>
+          </a:lnRef>
+          <a:fillRef idx="0">
+            <a:schemeClr val="accent1"/>
+          </a:fillRef>
+          <a:effectRef idx="0">
+            <a:schemeClr val="accent1"/>
+          </a:effectRef>
+          <a:fontRef idx="minor">
+            <a:schemeClr val="tx1"/>
+          </a:fontRef>
+        </p:style>
+      </p:cxnSp>
+      <p:sp>
+        <p:nvSpPr>
+          <p:cNvPr id="61" name="Rectangle 60"/>
+          <p:cNvSpPr/>
+          <p:nvPr/>
+        </p:nvSpPr>
+        <p:spPr>
+          <a:xfrm>
+            <a:off x="4178893" y="2879005"/>
+            <a:ext cx="1288280" cy="432000"/>
+          </a:xfrm>
+          <a:prstGeom prst="rect">
+            <a:avLst/>
+          </a:prstGeom>
+          <a:solidFill>
+            <a:srgbClr val="FFFFFF">
+              <a:alpha val="85000"/>
+            </a:srgbClr>
+          </a:solidFill>
+          <a:ln w="19050">
+            <a:solidFill>
+              <a:schemeClr val="accent5"/>
+            </a:solidFill>
+          </a:ln>
+        </p:spPr>
+        <p:style>
+          <a:lnRef idx="2">
+            <a:schemeClr val="accent1">
+              <a:shade val="50000"/>
+            </a:schemeClr>
+          </a:lnRef>
+          <a:fillRef idx="1">
+            <a:schemeClr val="accent1"/>
+          </a:fillRef>
+          <a:effectRef idx="0">
+            <a:schemeClr val="accent1"/>
+          </a:effectRef>
+          <a:fontRef idx="minor">
+            <a:schemeClr val="lt1"/>
+          </a:fontRef>
+        </p:style>
+        <p:txBody>
+          <a:bodyPr rtlCol="0" anchor="ctr"/>
+          <a:lstStyle/>
+          <a:p>
+            <a:pPr algn="ctr"/>
+            <a:r>
+              <a:rPr lang="de-DE" sz="1600" dirty="0" err="1">
+                <a:solidFill>
+                  <a:schemeClr val="tx1"/>
+                </a:solidFill>
+              </a:rPr>
+              <a:t>gear</a:t>
+            </a:r>
+            <a:r>
+              <a:rPr lang="de-DE" sz="1600" dirty="0">
+                <a:solidFill>
+                  <a:schemeClr val="tx1"/>
+                </a:solidFill>
+              </a:rPr>
+              <a:t> +/-</a:t>
+            </a:r>
+            <a:br>
+              <a:rPr lang="de-DE" sz="4000" dirty="0">
+                <a:solidFill>
+                  <a:schemeClr val="tx1"/>
+                </a:solidFill>
+              </a:rPr>
+            </a:br>
+            <a:r>
+              <a:rPr lang="de-DE" sz="600" dirty="0" err="1">
+                <a:solidFill>
+                  <a:schemeClr val="tx1"/>
+                </a:solidFill>
+              </a:rPr>
+              <a:t>gearboxMogliSHIFTGEARTOGGLE</a:t>
+            </a:r>
+            <a:endParaRPr lang="en-US" sz="1400" dirty="0">
+              <a:solidFill>
+                <a:schemeClr val="tx1"/>
+              </a:solidFill>
+            </a:endParaRPr>
+          </a:p>
+        </p:txBody>
+      </p:sp>
+      <p:sp>
+        <p:nvSpPr>
+          <p:cNvPr id="62" name="Rectangle 61"/>
+          <p:cNvSpPr/>
+          <p:nvPr/>
+        </p:nvSpPr>
+        <p:spPr>
+          <a:xfrm>
+            <a:off x="6130991" y="3429132"/>
+            <a:ext cx="363682" cy="363683"/>
+          </a:xfrm>
+          <a:prstGeom prst="rect">
+            <a:avLst/>
+          </a:prstGeom>
+          <a:noFill/>
+          <a:ln w="19050">
+            <a:solidFill>
+              <a:schemeClr val="accent5"/>
+            </a:solidFill>
+          </a:ln>
+        </p:spPr>
+        <p:style>
+          <a:lnRef idx="2">
+            <a:schemeClr val="accent1">
+              <a:shade val="50000"/>
+            </a:schemeClr>
+          </a:lnRef>
+          <a:fillRef idx="1">
+            <a:schemeClr val="accent1"/>
+          </a:fillRef>
+          <a:effectRef idx="0">
+            <a:schemeClr val="accent1"/>
+          </a:effectRef>
+          <a:fontRef idx="minor">
+            <a:schemeClr val="lt1"/>
+          </a:fontRef>
+        </p:style>
+        <p:txBody>
+          <a:bodyPr rot="0" spcFirstLastPara="0" vertOverflow="overflow" horzOverflow="overflow" vert="horz" wrap="square" lIns="91440" tIns="45720" rIns="91440" bIns="45720" numCol="1" spcCol="0" rtlCol="0" fromWordArt="0" anchor="ctr" anchorCtr="0" forceAA="0" compatLnSpc="1">
+            <a:prstTxWarp prst="textNoShape">
+              <a:avLst/>
+            </a:prstTxWarp>
+            <a:noAutofit/>
+          </a:bodyPr>
+          <a:lstStyle/>
+          <a:p>
+            <a:pPr algn="ctr"/>
+            <a:endParaRPr lang="en-US" sz="1600" dirty="0">
+              <a:solidFill>
+                <a:schemeClr val="tx1"/>
+              </a:solidFill>
+            </a:endParaRPr>
+          </a:p>
+        </p:txBody>
+      </p:sp>
+      <p:cxnSp>
+        <p:nvCxnSpPr>
+          <p:cNvPr id="63" name="Straight Connector 62"/>
+          <p:cNvCxnSpPr>
+            <a:stCxn id="61" idx="3"/>
+            <a:endCxn id="62" idx="1"/>
+          </p:cNvCxnSpPr>
+          <p:nvPr/>
+        </p:nvCxnSpPr>
+        <p:spPr>
+          <a:xfrm>
+            <a:off x="5467173" y="3095005"/>
+            <a:ext cx="663818" cy="515969"/>
+          </a:xfrm>
+          <a:prstGeom prst="line">
+            <a:avLst/>
+          </a:prstGeom>
+          <a:ln w="19050">
+            <a:solidFill>
+              <a:schemeClr val="accent5"/>
+            </a:solidFill>
+          </a:ln>
+        </p:spPr>
+        <p:style>
+          <a:lnRef idx="1">
+            <a:schemeClr val="accent1"/>
+          </a:lnRef>
+          <a:fillRef idx="0">
+            <a:schemeClr val="accent1"/>
+          </a:fillRef>
+          <a:effectRef idx="0">
+            <a:schemeClr val="accent1"/>
+          </a:effectRef>
+          <a:fontRef idx="minor">
+            <a:schemeClr val="tx1"/>
+          </a:fontRef>
+        </p:style>
+      </p:cxnSp>
+    </p:spTree>
+    <p:extLst>
+      <p:ext uri="{BB962C8B-B14F-4D97-AF65-F5344CB8AC3E}">
+        <p14:creationId xmlns:p14="http://schemas.microsoft.com/office/powerpoint/2010/main" val="730859179"/>
+      </p:ext>
+    </p:extLst>
+  </p:cSld>
+  <p:clrMapOvr>
+    <a:masterClrMapping/>
+  </p:clrMapOvr>
+</p:sld>
+</file>
+
+<file path=ppt/slides/slide7.xml><?xml version="1.0" encoding="utf-8"?>
+<p:sld xmlns:a="http://schemas.openxmlformats.org/drawingml/2006/main" xmlns:r="http://schemas.openxmlformats.org/officeDocument/2006/relationships" xmlns:p="http://schemas.openxmlformats.org/presentationml/2006/main">
+  <p:cSld>
+    <p:spTree>
+      <p:nvGrpSpPr>
+        <p:cNvPr id="1" name=""/>
+        <p:cNvGrpSpPr/>
+        <p:nvPr/>
+      </p:nvGrpSpPr>
+      <p:grpSpPr>
+        <a:xfrm>
+          <a:off x="0" y="0"/>
+          <a:ext cx="0" cy="0"/>
+          <a:chOff x="0" y="0"/>
+          <a:chExt cx="0" cy="0"/>
+        </a:xfrm>
+      </p:grpSpPr>
+      <p:pic>
+        <p:nvPicPr>
           <p:cNvPr id="1026" name="Picture 2" descr="http://upload.wikimedia.org/wikipedia/commons/thumb/3/37/ANSI_Keyboard_Layout_Diagram_with_Form_Factor.svg/2000px-ANSI_Keyboard_Layout_Diagram_with_Form_Factor.svg.png"/>
           <p:cNvPicPr>
             <a:picLocks noChangeArrowheads="1"/>
@@ -9954,7 +15747,7 @@
 </p:sld>
 </file>
 
-<file path=ppt/slides/slide5.xml><?xml version="1.0" encoding="utf-8"?>
+<file path=ppt/slides/slide8.xml><?xml version="1.0" encoding="utf-8"?>
 <p:sld xmlns:a="http://schemas.openxmlformats.org/drawingml/2006/main" xmlns:r="http://schemas.openxmlformats.org/officeDocument/2006/relationships" xmlns:p="http://schemas.openxmlformats.org/presentationml/2006/main">
   <p:cSld>
     <p:spTree>
